--- a/writing_literature_present/final_presentation.pptx
+++ b/writing_literature_present/final_presentation.pptx
@@ -12,17 +12,17 @@
     <p:sldId id="260" r:id="rId6"/>
     <p:sldId id="261" r:id="rId7"/>
     <p:sldId id="263" r:id="rId8"/>
-    <p:sldId id="262" r:id="rId9"/>
-    <p:sldId id="264" r:id="rId10"/>
-    <p:sldId id="265" r:id="rId11"/>
-    <p:sldId id="268" r:id="rId12"/>
-    <p:sldId id="269" r:id="rId13"/>
-    <p:sldId id="270" r:id="rId14"/>
-    <p:sldId id="271" r:id="rId15"/>
-    <p:sldId id="267" r:id="rId16"/>
-    <p:sldId id="274" r:id="rId17"/>
-    <p:sldId id="273" r:id="rId18"/>
-    <p:sldId id="272" r:id="rId19"/>
+    <p:sldId id="272" r:id="rId9"/>
+    <p:sldId id="262" r:id="rId10"/>
+    <p:sldId id="264" r:id="rId11"/>
+    <p:sldId id="265" r:id="rId12"/>
+    <p:sldId id="268" r:id="rId13"/>
+    <p:sldId id="269" r:id="rId14"/>
+    <p:sldId id="270" r:id="rId15"/>
+    <p:sldId id="271" r:id="rId16"/>
+    <p:sldId id="267" r:id="rId17"/>
+    <p:sldId id="274" r:id="rId18"/>
+    <p:sldId id="273" r:id="rId19"/>
   </p:sldIdLst>
   <p:sldSz cx="12192000" cy="6858000"/>
   <p:notesSz cx="6858000" cy="9144000"/>
@@ -17390,22 +17390,55 @@
         </p:nvSpPr>
         <p:spPr>
           <a:xfrm>
-            <a:off x="2037374" y="4560432"/>
-            <a:ext cx="8300202" cy="1228171"/>
+            <a:off x="8044389" y="4858242"/>
+            <a:ext cx="3659723" cy="1582315"/>
           </a:xfrm>
         </p:spPr>
         <p:txBody>
           <a:bodyPr>
-            <a:normAutofit/>
+            <a:normAutofit fontScale="92500" lnSpcReduction="10000"/>
           </a:bodyPr>
           <a:lstStyle/>
           <a:p>
             <a:pPr algn="l"/>
-            <a:endParaRPr lang="en-US" sz="2400">
-              <a:solidFill>
-                <a:schemeClr val="tx1"/>
-              </a:solidFill>
-            </a:endParaRPr>
+            <a:r>
+              <a:rPr lang="en-US" sz="2400" dirty="0">
+                <a:solidFill>
+                  <a:schemeClr val="tx1"/>
+                </a:solidFill>
+              </a:rPr>
+              <a:t>Chinelo Agbim</a:t>
+            </a:r>
+          </a:p>
+          <a:p>
+            <a:pPr algn="l"/>
+            <a:r>
+              <a:rPr lang="en-US" sz="2400" dirty="0" err="1">
+                <a:solidFill>
+                  <a:schemeClr val="tx1"/>
+                </a:solidFill>
+              </a:rPr>
+              <a:t>MPAff</a:t>
+            </a:r>
+            <a:r>
+              <a:rPr lang="en-US" sz="2400" dirty="0">
+                <a:solidFill>
+                  <a:schemeClr val="tx1"/>
+                </a:solidFill>
+              </a:rPr>
+              <a:t>/M.S. EER Aug 2019</a:t>
+            </a:r>
+          </a:p>
+          <a:p>
+            <a:pPr algn="l"/>
+            <a:r>
+              <a:rPr lang="en-US" sz="2400" dirty="0">
+                <a:solidFill>
+                  <a:schemeClr val="tx1"/>
+                </a:solidFill>
+              </a:rPr>
+              <a:t>Email: cnagbim@utexas.edu</a:t>
+            </a:r>
           </a:p>
         </p:txBody>
       </p:sp>
@@ -17610,6 +17643,91 @@
           <p:cNvPr id="2" name="Title 1">
             <a:extLst>
               <a:ext uri="{FF2B5EF4-FFF2-40B4-BE49-F238E27FC236}">
+                <a16:creationId xmlns:a16="http://schemas.microsoft.com/office/drawing/2014/main" id="{048647C1-ADCF-4E76-92D7-D77233FEE3E7}"/>
+              </a:ext>
+            </a:extLst>
+          </p:cNvPr>
+          <p:cNvSpPr>
+            <a:spLocks noGrp="1"/>
+          </p:cNvSpPr>
+          <p:nvPr>
+            <p:ph type="title"/>
+          </p:nvPr>
+        </p:nvSpPr>
+        <p:spPr/>
+        <p:txBody>
+          <a:bodyPr>
+            <a:normAutofit/>
+          </a:bodyPr>
+          <a:lstStyle/>
+          <a:p>
+            <a:r>
+              <a:rPr lang="en-US" sz="3200" dirty="0"/>
+              <a:t>Regression</a:t>
+            </a:r>
+          </a:p>
+        </p:txBody>
+      </p:sp>
+      <p:sp>
+        <p:nvSpPr>
+          <p:cNvPr id="3" name="Content Placeholder 2">
+            <a:extLst>
+              <a:ext uri="{FF2B5EF4-FFF2-40B4-BE49-F238E27FC236}">
+                <a16:creationId xmlns:a16="http://schemas.microsoft.com/office/drawing/2014/main" id="{94438CBB-60E1-4CAD-9280-ECE03D3D0073}"/>
+              </a:ext>
+            </a:extLst>
+          </p:cNvPr>
+          <p:cNvSpPr>
+            <a:spLocks noGrp="1"/>
+          </p:cNvSpPr>
+          <p:nvPr>
+            <p:ph idx="1"/>
+          </p:nvPr>
+        </p:nvSpPr>
+        <p:spPr/>
+        <p:txBody>
+          <a:bodyPr/>
+          <a:lstStyle/>
+          <a:p>
+            <a:endParaRPr lang="en-US"/>
+          </a:p>
+        </p:txBody>
+      </p:sp>
+    </p:spTree>
+    <p:extLst>
+      <p:ext uri="{BB962C8B-B14F-4D97-AF65-F5344CB8AC3E}">
+        <p14:creationId xmlns:p14="http://schemas.microsoft.com/office/powerpoint/2010/main" val="3753252171"/>
+      </p:ext>
+    </p:extLst>
+  </p:cSld>
+  <p:clrMapOvr>
+    <a:masterClrMapping/>
+  </p:clrMapOvr>
+</p:sld>
+</file>
+
+<file path=ppt/slides/slide11.xml><?xml version="1.0" encoding="utf-8"?>
+<p:sld xmlns:a="http://schemas.openxmlformats.org/drawingml/2006/main" xmlns:r="http://schemas.openxmlformats.org/officeDocument/2006/relationships" xmlns:p="http://schemas.openxmlformats.org/presentationml/2006/main">
+  <p:cSld>
+    <p:spTree>
+      <p:nvGrpSpPr>
+        <p:cNvPr id="1" name=""/>
+        <p:cNvGrpSpPr/>
+        <p:nvPr/>
+      </p:nvGrpSpPr>
+      <p:grpSpPr>
+        <a:xfrm>
+          <a:off x="0" y="0"/>
+          <a:ext cx="0" cy="0"/>
+          <a:chOff x="0" y="0"/>
+          <a:chExt cx="0" cy="0"/>
+        </a:xfrm>
+      </p:grpSpPr>
+      <p:sp>
+        <p:nvSpPr>
+          <p:cNvPr id="2" name="Title 1">
+            <a:extLst>
+              <a:ext uri="{FF2B5EF4-FFF2-40B4-BE49-F238E27FC236}">
                 <a16:creationId xmlns:a16="http://schemas.microsoft.com/office/drawing/2014/main" id="{077824CB-D3B3-44E1-9CE3-14E8968D6110}"/>
               </a:ext>
             </a:extLst>
@@ -17673,7 +17791,7 @@
 </p:sld>
 </file>
 
-<file path=ppt/slides/slide11.xml><?xml version="1.0" encoding="utf-8"?>
+<file path=ppt/slides/slide12.xml><?xml version="1.0" encoding="utf-8"?>
 <p:sld xmlns:a="http://schemas.openxmlformats.org/drawingml/2006/main" xmlns:r="http://schemas.openxmlformats.org/officeDocument/2006/relationships" xmlns:p="http://schemas.openxmlformats.org/presentationml/2006/main">
   <p:cSld>
     <p:spTree>
@@ -17758,7 +17876,7 @@
 </p:sld>
 </file>
 
-<file path=ppt/slides/slide12.xml><?xml version="1.0" encoding="utf-8"?>
+<file path=ppt/slides/slide13.xml><?xml version="1.0" encoding="utf-8"?>
 <p:sld xmlns:a="http://schemas.openxmlformats.org/drawingml/2006/main" xmlns:r="http://schemas.openxmlformats.org/officeDocument/2006/relationships" xmlns:p="http://schemas.openxmlformats.org/presentationml/2006/main">
   <p:cSld>
     <p:spTree>
@@ -17857,7 +17975,7 @@
 </p:sld>
 </file>
 
-<file path=ppt/slides/slide13.xml><?xml version="1.0" encoding="utf-8"?>
+<file path=ppt/slides/slide14.xml><?xml version="1.0" encoding="utf-8"?>
 <p:sld xmlns:a="http://schemas.openxmlformats.org/drawingml/2006/main" xmlns:r="http://schemas.openxmlformats.org/officeDocument/2006/relationships" xmlns:p="http://schemas.openxmlformats.org/presentationml/2006/main">
   <p:cSld>
     <p:spTree>
@@ -17942,7 +18060,7 @@
 </p:sld>
 </file>
 
-<file path=ppt/slides/slide14.xml><?xml version="1.0" encoding="utf-8"?>
+<file path=ppt/slides/slide15.xml><?xml version="1.0" encoding="utf-8"?>
 <p:sld xmlns:a="http://schemas.openxmlformats.org/drawingml/2006/main" xmlns:r="http://schemas.openxmlformats.org/officeDocument/2006/relationships" xmlns:p="http://schemas.openxmlformats.org/presentationml/2006/main">
   <p:cSld>
     <p:bg>
@@ -19476,7 +19594,7 @@
         </p:nvSpPr>
         <p:spPr>
           <a:xfrm>
-            <a:off x="1056214" y="450058"/>
+            <a:off x="1019835" y="173318"/>
             <a:ext cx="3412810" cy="742692"/>
           </a:xfrm>
         </p:spPr>
@@ -19495,43 +19613,6 @@
               </a:rPr>
               <a:t>Data management</a:t>
             </a:r>
-          </a:p>
-        </p:txBody>
-      </p:sp>
-      <p:sp>
-        <p:nvSpPr>
-          <p:cNvPr id="3" name="Subtitle 2">
-            <a:extLst>
-              <a:ext uri="{FF2B5EF4-FFF2-40B4-BE49-F238E27FC236}">
-                <a16:creationId xmlns:a16="http://schemas.microsoft.com/office/drawing/2014/main" id="{84A4FF40-7D0F-47D2-974B-374F00A0AD89}"/>
-              </a:ext>
-            </a:extLst>
-          </p:cNvPr>
-          <p:cNvSpPr>
-            <a:spLocks noGrp="1"/>
-          </p:cNvSpPr>
-          <p:nvPr>
-            <p:ph type="subTitle" idx="1"/>
-          </p:nvPr>
-        </p:nvSpPr>
-        <p:spPr>
-          <a:xfrm>
-            <a:off x="2037374" y="4560432"/>
-            <a:ext cx="8300202" cy="1228171"/>
-          </a:xfrm>
-        </p:spPr>
-        <p:txBody>
-          <a:bodyPr>
-            <a:normAutofit/>
-          </a:bodyPr>
-          <a:lstStyle/>
-          <a:p>
-            <a:pPr algn="l"/>
-            <a:endParaRPr lang="en-US" sz="2400">
-              <a:solidFill>
-                <a:schemeClr val="tx1"/>
-              </a:solidFill>
-            </a:endParaRPr>
           </a:p>
         </p:txBody>
       </p:sp>
@@ -19613,7 +19694,7 @@
         </p:nvSpPr>
         <p:spPr>
           <a:xfrm>
-            <a:off x="1981769" y="1517896"/>
+            <a:off x="1955459" y="1318522"/>
             <a:ext cx="6265088" cy="685800"/>
           </a:xfrm>
           <a:prstGeom prst="rect">
@@ -19878,8 +19959,8 @@
         </p:nvSpPr>
         <p:spPr>
           <a:xfrm>
-            <a:off x="3979398" y="3075719"/>
-            <a:ext cx="3924886" cy="1044868"/>
+            <a:off x="4023100" y="2768281"/>
+            <a:ext cx="3924886" cy="1362523"/>
           </a:xfrm>
           <a:prstGeom prst="rect">
             <a:avLst/>
@@ -19887,7 +19968,7 @@
         </p:spPr>
         <p:txBody>
           <a:bodyPr vert="horz" lIns="91440" tIns="45720" rIns="91440" bIns="45720" rtlCol="0">
-            <a:normAutofit fontScale="92500"/>
+            <a:normAutofit fontScale="85000" lnSpcReduction="10000"/>
           </a:bodyPr>
           <a:lstStyle>
             <a:lvl1pPr marL="228600" indent="-228600" algn="l" defTabSz="914400" rtl="0" eaLnBrk="1" latinLnBrk="0" hangingPunct="1">
@@ -20059,7 +20140,7 @@
             </a:pPr>
             <a:r>
               <a:rPr lang="en-US" dirty="0"/>
-              <a:t>Folders were named based on their function</a:t>
+              <a:t>Folders were named based on their function. A “README File is included in each functionality folder</a:t>
             </a:r>
           </a:p>
         </p:txBody>
@@ -20080,7 +20161,7 @@
         </p:nvSpPr>
         <p:spPr>
           <a:xfrm>
-            <a:off x="5253480" y="4450975"/>
+            <a:off x="6272446" y="4505703"/>
             <a:ext cx="3924886" cy="1337628"/>
           </a:xfrm>
           <a:prstGeom prst="rect">
@@ -20270,8 +20351,14 @@
             </a:pPr>
             <a:r>
               <a:rPr lang="en-US" dirty="0"/>
-              <a:t>“clean_analysis_v1.csv”</a:t>
+              <a:t>“merge_code_v1.R”</a:t>
             </a:r>
+          </a:p>
+          <a:p>
+            <a:pPr marL="0" indent="0">
+              <a:buNone/>
+            </a:pPr>
+            <a:endParaRPr lang="en-US" dirty="0"/>
           </a:p>
           <a:p>
             <a:pPr marL="0" indent="0">
@@ -20310,7 +20397,7 @@
         </p:blipFill>
         <p:spPr bwMode="auto">
           <a:xfrm>
-            <a:off x="8437098" y="727575"/>
+            <a:off x="8383536" y="354421"/>
             <a:ext cx="2438400" cy="2438400"/>
           </a:xfrm>
           <a:prstGeom prst="rect">
@@ -20381,7 +20468,7 @@
 </p:sld>
 </file>
 
-<file path=ppt/slides/slide15.xml><?xml version="1.0" encoding="utf-8"?>
+<file path=ppt/slides/slide16.xml><?xml version="1.0" encoding="utf-8"?>
 <p:sld xmlns:a="http://schemas.openxmlformats.org/drawingml/2006/main" xmlns:r="http://schemas.openxmlformats.org/officeDocument/2006/relationships" xmlns:p="http://schemas.openxmlformats.org/presentationml/2006/main">
   <p:cSld>
     <p:spTree>
@@ -20423,7 +20510,7 @@
           <a:p>
             <a:r>
               <a:rPr lang="en-US" sz="3200" dirty="0"/>
-              <a:t>Validation and replication</a:t>
+              <a:t>Replication</a:t>
             </a:r>
           </a:p>
         </p:txBody>
@@ -20510,7 +20597,7 @@
 </p:sld>
 </file>
 
-<file path=ppt/slides/slide16.xml><?xml version="1.0" encoding="utf-8"?>
+<file path=ppt/slides/slide17.xml><?xml version="1.0" encoding="utf-8"?>
 <p:sld xmlns:a="http://schemas.openxmlformats.org/drawingml/2006/main" xmlns:r="http://schemas.openxmlformats.org/officeDocument/2006/relationships" xmlns:p="http://schemas.openxmlformats.org/presentationml/2006/main">
   <p:cSld>
     <p:spTree>
@@ -20584,89 +20671,6 @@
     <p:extLst>
       <p:ext uri="{BB962C8B-B14F-4D97-AF65-F5344CB8AC3E}">
         <p14:creationId xmlns:p14="http://schemas.microsoft.com/office/powerpoint/2010/main" val="3784198570"/>
-      </p:ext>
-    </p:extLst>
-  </p:cSld>
-  <p:clrMapOvr>
-    <a:masterClrMapping/>
-  </p:clrMapOvr>
-</p:sld>
-</file>
-
-<file path=ppt/slides/slide17.xml><?xml version="1.0" encoding="utf-8"?>
-<p:sld xmlns:a="http://schemas.openxmlformats.org/drawingml/2006/main" xmlns:r="http://schemas.openxmlformats.org/officeDocument/2006/relationships" xmlns:p="http://schemas.openxmlformats.org/presentationml/2006/main">
-  <p:cSld>
-    <p:spTree>
-      <p:nvGrpSpPr>
-        <p:cNvPr id="1" name=""/>
-        <p:cNvGrpSpPr/>
-        <p:nvPr/>
-      </p:nvGrpSpPr>
-      <p:grpSpPr>
-        <a:xfrm>
-          <a:off x="0" y="0"/>
-          <a:ext cx="0" cy="0"/>
-          <a:chOff x="0" y="0"/>
-          <a:chExt cx="0" cy="0"/>
-        </a:xfrm>
-      </p:grpSpPr>
-      <p:sp>
-        <p:nvSpPr>
-          <p:cNvPr id="2" name="Title 1">
-            <a:extLst>
-              <a:ext uri="{FF2B5EF4-FFF2-40B4-BE49-F238E27FC236}">
-                <a16:creationId xmlns:a16="http://schemas.microsoft.com/office/drawing/2014/main" id="{2FB97F4B-599C-4787-92FF-6C4C3D09DC1C}"/>
-              </a:ext>
-            </a:extLst>
-          </p:cNvPr>
-          <p:cNvSpPr>
-            <a:spLocks noGrp="1"/>
-          </p:cNvSpPr>
-          <p:nvPr>
-            <p:ph type="title"/>
-          </p:nvPr>
-        </p:nvSpPr>
-        <p:spPr/>
-        <p:txBody>
-          <a:bodyPr/>
-          <a:lstStyle/>
-          <a:p>
-            <a:r>
-              <a:rPr lang="en-US" dirty="0"/>
-              <a:t>Sources</a:t>
-            </a:r>
-          </a:p>
-        </p:txBody>
-      </p:sp>
-      <p:sp>
-        <p:nvSpPr>
-          <p:cNvPr id="3" name="Content Placeholder 2">
-            <a:extLst>
-              <a:ext uri="{FF2B5EF4-FFF2-40B4-BE49-F238E27FC236}">
-                <a16:creationId xmlns:a16="http://schemas.microsoft.com/office/drawing/2014/main" id="{2C2D99C3-578C-42BC-805F-E07A1FC33DE7}"/>
-              </a:ext>
-            </a:extLst>
-          </p:cNvPr>
-          <p:cNvSpPr>
-            <a:spLocks noGrp="1"/>
-          </p:cNvSpPr>
-          <p:nvPr>
-            <p:ph idx="1"/>
-          </p:nvPr>
-        </p:nvSpPr>
-        <p:spPr/>
-        <p:txBody>
-          <a:bodyPr/>
-          <a:lstStyle/>
-          <a:p>
-            <a:endParaRPr lang="en-US" dirty="0"/>
-          </a:p>
-        </p:txBody>
-      </p:sp>
-    </p:spTree>
-    <p:extLst>
-      <p:ext uri="{BB962C8B-B14F-4D97-AF65-F5344CB8AC3E}">
-        <p14:creationId xmlns:p14="http://schemas.microsoft.com/office/powerpoint/2010/main" val="2721703034"/>
       </p:ext>
     </p:extLst>
   </p:cSld>
@@ -20701,12 +20705,12 @@
           <a:chExt cx="0" cy="0"/>
         </a:xfrm>
       </p:grpSpPr>
-      <p:sp useBgFill="1">
+      <p:sp>
         <p:nvSpPr>
           <p:cNvPr id="8" name="Rectangle 7">
             <a:extLst>
               <a:ext uri="{FF2B5EF4-FFF2-40B4-BE49-F238E27FC236}">
-                <a16:creationId xmlns:a16="http://schemas.microsoft.com/office/drawing/2014/main" id="{10CE3618-1D7A-4256-B2AF-9DB692996C65}"/>
+                <a16:creationId xmlns:a16="http://schemas.microsoft.com/office/drawing/2014/main" id="{E2366EBA-92FD-44AE-87A9-25E5135EB2C9}"/>
               </a:ext>
               <a:ext uri="{C183D7F6-B498-43B3-948B-1728B52AA6E4}">
                 <adec:decorative xmlns:adec="http://schemas.microsoft.com/office/drawing/2017/decorative" val="1"/>
@@ -20726,8 +20730,8 @@
         </p:nvSpPr>
         <p:spPr>
           <a:xfrm>
-            <a:off x="0" y="0"/>
-            <a:ext cx="12192000" cy="6858001"/>
+            <a:off x="0" y="-1"/>
+            <a:ext cx="12192000" cy="6869209"/>
           </a:xfrm>
           <a:prstGeom prst="rect">
             <a:avLst/>
@@ -20766,7 +20770,7 @@
           <p:cNvPr id="10" name="Group 9">
             <a:extLst>
               <a:ext uri="{FF2B5EF4-FFF2-40B4-BE49-F238E27FC236}">
-                <a16:creationId xmlns:a16="http://schemas.microsoft.com/office/drawing/2014/main" id="{D91A9185-A7D5-460B-98BC-0BF2EBD3EEBE}"/>
+                <a16:creationId xmlns:a16="http://schemas.microsoft.com/office/drawing/2014/main" id="{B437F5FC-01F7-4EB4-81E7-C27D917E9554}"/>
               </a:ext>
               <a:ext uri="{C183D7F6-B498-43B3-948B-1728B52AA6E4}">
                 <adec:decorative xmlns:adec="http://schemas.microsoft.com/office/drawing/2017/decorative" val="1"/>
@@ -20786,10 +20790,10 @@
         </p:nvGrpSpPr>
         <p:grpSpPr>
           <a:xfrm>
-            <a:off x="-329674" y="-59376"/>
-            <a:ext cx="12515851" cy="6923798"/>
-            <a:chOff x="-329674" y="-51881"/>
-            <a:chExt cx="12515851" cy="6923798"/>
+            <a:off x="-417513" y="0"/>
+            <a:ext cx="12584114" cy="6853238"/>
+            <a:chOff x="-417513" y="0"/>
+            <a:chExt cx="12584114" cy="6853238"/>
           </a:xfrm>
         </p:grpSpPr>
         <p:sp>
@@ -20797,7 +20801,7 @@
             <p:cNvPr id="11" name="Freeform 5">
               <a:extLst>
                 <a:ext uri="{FF2B5EF4-FFF2-40B4-BE49-F238E27FC236}">
-                  <a16:creationId xmlns:a16="http://schemas.microsoft.com/office/drawing/2014/main" id="{8AFC1764-6516-4F77-BF30-B8ADB3C9F499}"/>
+                  <a16:creationId xmlns:a16="http://schemas.microsoft.com/office/drawing/2014/main" id="{4B0CFF10-4805-4BFA-961B-1F60DAEB948A}"/>
                 </a:ext>
                 <a:ext uri="{C183D7F6-B498-43B3-948B-1728B52AA6E4}">
                   <adec:decorative xmlns:adec="http://schemas.microsoft.com/office/drawing/2017/decorative" val="1"/>
@@ -20815,8 +20819,8 @@
           </p:nvSpPr>
           <p:spPr bwMode="auto">
             <a:xfrm>
-              <a:off x="-329674" y="1298404"/>
-              <a:ext cx="9702800" cy="5573512"/>
+              <a:off x="1306513" y="0"/>
+              <a:ext cx="3862388" cy="6843713"/>
             </a:xfrm>
             <a:custGeom>
               <a:avLst/>
@@ -20825,29 +20829,14 @@
               <a:cxnLst/>
               <a:rect l="0" t="0" r="r" b="b"/>
               <a:pathLst>
-                <a:path w="2038" h="1169">
+                <a:path w="813" h="1440">
                   <a:moveTo>
-                    <a:pt x="1752" y="1169"/>
+                    <a:pt x="813" y="0"/>
                   </a:moveTo>
                   <a:cubicBezTo>
-                    <a:pt x="2038" y="928"/>
-                    <a:pt x="1673" y="513"/>
-                    <a:pt x="1487" y="334"/>
-                  </a:cubicBezTo>
-                  <a:cubicBezTo>
-                    <a:pt x="1316" y="170"/>
-                    <a:pt x="1099" y="43"/>
-                    <a:pt x="860" y="22"/>
-                  </a:cubicBezTo>
-                  <a:cubicBezTo>
-                    <a:pt x="621" y="0"/>
-                    <a:pt x="341" y="128"/>
-                    <a:pt x="199" y="318"/>
-                  </a:cubicBezTo>
-                  <a:cubicBezTo>
-                    <a:pt x="0" y="586"/>
-                    <a:pt x="184" y="965"/>
-                    <a:pt x="399" y="1165"/>
+                    <a:pt x="331" y="221"/>
+                    <a:pt x="0" y="1039"/>
+                    <a:pt x="435" y="1440"/>
                   </a:cubicBezTo>
                 </a:path>
               </a:pathLst>
@@ -20855,8 +20844,8 @@
             <a:noFill/>
             <a:ln w="9525" cap="flat">
               <a:solidFill>
-                <a:schemeClr val="accent1">
-                  <a:alpha val="15000"/>
+                <a:schemeClr val="bg1">
+                  <a:alpha val="35000"/>
                 </a:schemeClr>
               </a:solidFill>
               <a:prstDash val="solid"/>
@@ -20880,7 +20869,7 @@
             <p:cNvPr id="12" name="Freeform 6">
               <a:extLst>
                 <a:ext uri="{FF2B5EF4-FFF2-40B4-BE49-F238E27FC236}">
-                  <a16:creationId xmlns:a16="http://schemas.microsoft.com/office/drawing/2014/main" id="{FCAFF9F9-F806-47EC-BCAC-9921E719FF2A}"/>
+                  <a16:creationId xmlns:a16="http://schemas.microsoft.com/office/drawing/2014/main" id="{BE054536-C03E-4857-B4AE-D687A58F9A9F}"/>
                 </a:ext>
                 <a:ext uri="{C183D7F6-B498-43B3-948B-1728B52AA6E4}">
                   <adec:decorative xmlns:adec="http://schemas.microsoft.com/office/drawing/2017/decorative" val="1"/>
@@ -20898,8 +20887,8 @@
           </p:nvSpPr>
           <p:spPr bwMode="auto">
             <a:xfrm>
-              <a:off x="670451" y="2018236"/>
-              <a:ext cx="7373938" cy="4848892"/>
+              <a:off x="10626725" y="9525"/>
+              <a:ext cx="1539875" cy="555625"/>
             </a:xfrm>
             <a:custGeom>
               <a:avLst/>
@@ -20908,29 +20897,14 @@
               <a:cxnLst/>
               <a:rect l="0" t="0" r="r" b="b"/>
               <a:pathLst>
-                <a:path w="1549" h="1017">
+                <a:path w="324" h="117">
                   <a:moveTo>
-                    <a:pt x="1025" y="1016"/>
+                    <a:pt x="324" y="117"/>
                   </a:moveTo>
                   <a:cubicBezTo>
-                    <a:pt x="1223" y="971"/>
-                    <a:pt x="1549" y="857"/>
-                    <a:pt x="1443" y="592"/>
-                  </a:cubicBezTo>
-                  <a:cubicBezTo>
-                    <a:pt x="1344" y="344"/>
-                    <a:pt x="1041" y="111"/>
-                    <a:pt x="782" y="53"/>
-                  </a:cubicBezTo>
-                  <a:cubicBezTo>
-                    <a:pt x="545" y="0"/>
-                    <a:pt x="275" y="117"/>
-                    <a:pt x="150" y="329"/>
-                  </a:cubicBezTo>
-                  <a:cubicBezTo>
-                    <a:pt x="0" y="584"/>
-                    <a:pt x="243" y="911"/>
-                    <a:pt x="477" y="1017"/>
+                    <a:pt x="223" y="64"/>
+                    <a:pt x="107" y="28"/>
+                    <a:pt x="0" y="0"/>
                   </a:cubicBezTo>
                 </a:path>
               </a:pathLst>
@@ -20938,8 +20912,8 @@
             <a:noFill/>
             <a:ln w="9525" cap="flat">
               <a:solidFill>
-                <a:schemeClr val="accent1">
-                  <a:alpha val="18000"/>
+                <a:schemeClr val="bg1">
+                  <a:alpha val="35000"/>
                 </a:schemeClr>
               </a:solidFill>
               <a:prstDash val="solid"/>
@@ -20957,20 +20931,13 @@
               </a:ext>
             </a:extLst>
           </p:spPr>
-          <p:txBody>
-            <a:bodyPr/>
-            <a:lstStyle/>
-            <a:p>
-              <a:endParaRPr lang="en-US" dirty="0"/>
-            </a:p>
-          </p:txBody>
         </p:sp>
         <p:sp>
           <p:nvSpPr>
             <p:cNvPr id="13" name="Freeform 7">
               <a:extLst>
                 <a:ext uri="{FF2B5EF4-FFF2-40B4-BE49-F238E27FC236}">
-                  <a16:creationId xmlns:a16="http://schemas.microsoft.com/office/drawing/2014/main" id="{09D92491-36BD-4861-BA54-DD88E608988E}"/>
+                  <a16:creationId xmlns:a16="http://schemas.microsoft.com/office/drawing/2014/main" id="{FE33E51C-23D8-43F5-98C4-A2ED2C4C99C7}"/>
                 </a:ext>
                 <a:ext uri="{C183D7F6-B498-43B3-948B-1728B52AA6E4}">
                   <adec:decorative xmlns:adec="http://schemas.microsoft.com/office/drawing/2017/decorative" val="1"/>
@@ -20988,8 +20955,8 @@
           </p:nvSpPr>
           <p:spPr bwMode="auto">
             <a:xfrm>
-              <a:off x="251351" y="1788400"/>
-              <a:ext cx="8035925" cy="5083516"/>
+              <a:off x="10247313" y="5013325"/>
+              <a:ext cx="1919288" cy="1830388"/>
             </a:xfrm>
             <a:custGeom>
               <a:avLst/>
@@ -20998,34 +20965,14 @@
               <a:cxnLst/>
               <a:rect l="0" t="0" r="r" b="b"/>
               <a:pathLst>
-                <a:path w="1688" h="1066">
+                <a:path w="404" h="385">
                   <a:moveTo>
-                    <a:pt x="1302" y="1066"/>
+                    <a:pt x="0" y="385"/>
                   </a:moveTo>
                   <a:cubicBezTo>
-                    <a:pt x="1416" y="1024"/>
-                    <a:pt x="1551" y="962"/>
-                    <a:pt x="1613" y="850"/>
-                  </a:cubicBezTo>
-                  <a:cubicBezTo>
-                    <a:pt x="1688" y="715"/>
-                    <a:pt x="1606" y="575"/>
-                    <a:pt x="1517" y="471"/>
-                  </a:cubicBezTo>
-                  <a:cubicBezTo>
-                    <a:pt x="1336" y="258"/>
-                    <a:pt x="1084" y="62"/>
-                    <a:pt x="798" y="28"/>
-                  </a:cubicBezTo>
-                  <a:cubicBezTo>
-                    <a:pt x="559" y="0"/>
-                    <a:pt x="317" y="138"/>
-                    <a:pt x="181" y="333"/>
-                  </a:cubicBezTo>
-                  <a:cubicBezTo>
-                    <a:pt x="0" y="592"/>
-                    <a:pt x="191" y="907"/>
-                    <a:pt x="420" y="1066"/>
+                    <a:pt x="146" y="272"/>
+                    <a:pt x="285" y="142"/>
+                    <a:pt x="404" y="0"/>
                   </a:cubicBezTo>
                 </a:path>
               </a:pathLst>
@@ -21033,11 +20980,11 @@
             <a:noFill/>
             <a:ln w="9525" cap="flat">
               <a:solidFill>
-                <a:schemeClr val="accent1">
-                  <a:alpha val="20000"/>
+                <a:schemeClr val="bg1">
+                  <a:alpha val="35000"/>
                 </a:schemeClr>
               </a:solidFill>
-              <a:prstDash val="dash"/>
+              <a:prstDash val="solid"/>
               <a:miter lim="800000"/>
               <a:headEnd/>
               <a:tailEnd/>
@@ -21058,7 +21005,7 @@
             <p:cNvPr id="14" name="Freeform 8">
               <a:extLst>
                 <a:ext uri="{FF2B5EF4-FFF2-40B4-BE49-F238E27FC236}">
-                  <a16:creationId xmlns:a16="http://schemas.microsoft.com/office/drawing/2014/main" id="{23740E15-AB86-4E5C-A137-07E0DDC03548}"/>
+                  <a16:creationId xmlns:a16="http://schemas.microsoft.com/office/drawing/2014/main" id="{89E18891-DEB2-4CFD-A907-2868B2A91055}"/>
                 </a:ext>
                 <a:ext uri="{C183D7F6-B498-43B3-948B-1728B52AA6E4}">
                   <adec:decorative xmlns:adec="http://schemas.microsoft.com/office/drawing/2017/decorative" val="1"/>
@@ -21076,8 +21023,8 @@
           </p:nvSpPr>
           <p:spPr bwMode="auto">
             <a:xfrm>
-              <a:off x="-1061" y="549842"/>
-              <a:ext cx="10334625" cy="6322075"/>
+              <a:off x="1120775" y="0"/>
+              <a:ext cx="3676650" cy="6843713"/>
             </a:xfrm>
             <a:custGeom>
               <a:avLst/>
@@ -21086,24 +21033,14 @@
               <a:cxnLst/>
               <a:rect l="0" t="0" r="r" b="b"/>
               <a:pathLst>
-                <a:path w="2171" h="1326">
+                <a:path w="774" h="1440">
                   <a:moveTo>
-                    <a:pt x="1873" y="1326"/>
+                    <a:pt x="774" y="0"/>
                   </a:moveTo>
                   <a:cubicBezTo>
-                    <a:pt x="2171" y="1045"/>
-                    <a:pt x="1825" y="678"/>
-                    <a:pt x="1609" y="473"/>
-                  </a:cubicBezTo>
-                  <a:cubicBezTo>
-                    <a:pt x="1406" y="281"/>
-                    <a:pt x="1159" y="116"/>
-                    <a:pt x="880" y="63"/>
-                  </a:cubicBezTo>
-                  <a:cubicBezTo>
-                    <a:pt x="545" y="0"/>
-                    <a:pt x="214" y="161"/>
-                    <a:pt x="0" y="423"/>
+                    <a:pt x="312" y="240"/>
+                    <a:pt x="0" y="1034"/>
+                    <a:pt x="411" y="1440"/>
                   </a:cubicBezTo>
                 </a:path>
               </a:pathLst>
@@ -21111,11 +21048,11 @@
             <a:noFill/>
             <a:ln w="9525" cap="flat">
               <a:solidFill>
-                <a:schemeClr val="accent1">
-                  <a:alpha val="11000"/>
+                <a:schemeClr val="bg1">
+                  <a:alpha val="35000"/>
                 </a:schemeClr>
               </a:solidFill>
-              <a:prstDash val="solid"/>
+              <a:prstDash val="dash"/>
               <a:miter lim="800000"/>
               <a:headEnd/>
               <a:tailEnd/>
@@ -21136,7 +21073,7 @@
             <p:cNvPr id="15" name="Freeform 9">
               <a:extLst>
                 <a:ext uri="{FF2B5EF4-FFF2-40B4-BE49-F238E27FC236}">
-                  <a16:creationId xmlns:a16="http://schemas.microsoft.com/office/drawing/2014/main" id="{BE097852-1F54-4EF0-A1BE-561272FCD6D7}"/>
+                  <a16:creationId xmlns:a16="http://schemas.microsoft.com/office/drawing/2014/main" id="{0002C1BB-DB60-4314-A2FC-203E54D94C78}"/>
                 </a:ext>
                 <a:ext uri="{C183D7F6-B498-43B3-948B-1728B52AA6E4}">
                   <adec:decorative xmlns:adec="http://schemas.microsoft.com/office/drawing/2017/decorative" val="1"/>
@@ -21154,8 +21091,8 @@
           </p:nvSpPr>
           <p:spPr bwMode="auto">
             <a:xfrm>
-              <a:off x="3701" y="6186246"/>
-              <a:ext cx="504825" cy="681527"/>
+              <a:off x="11202988" y="9525"/>
+              <a:ext cx="963613" cy="366713"/>
             </a:xfrm>
             <a:custGeom>
               <a:avLst/>
@@ -21164,26 +21101,26 @@
               <a:cxnLst/>
               <a:rect l="0" t="0" r="r" b="b"/>
               <a:pathLst>
-                <a:path w="106" h="143">
+                <a:path w="203" h="77">
                   <a:moveTo>
+                    <a:pt x="203" y="77"/>
+                  </a:moveTo>
+                  <a:cubicBezTo>
+                    <a:pt x="138" y="46"/>
+                    <a:pt x="68" y="21"/>
                     <a:pt x="0" y="0"/>
-                  </a:moveTo>
-                  <a:cubicBezTo>
-                    <a:pt x="35" y="54"/>
-                    <a:pt x="70" y="101"/>
-                    <a:pt x="106" y="143"/>
                   </a:cubicBezTo>
                 </a:path>
               </a:pathLst>
             </a:custGeom>
             <a:noFill/>
-            <a:ln w="4763" cap="flat">
+            <a:ln w="9525" cap="flat">
               <a:solidFill>
-                <a:schemeClr val="accent1">
-                  <a:alpha val="20000"/>
+                <a:schemeClr val="bg1">
+                  <a:alpha val="35000"/>
                 </a:schemeClr>
               </a:solidFill>
-              <a:prstDash val="solid"/>
+              <a:prstDash val="dash"/>
               <a:miter lim="800000"/>
               <a:headEnd/>
               <a:tailEnd/>
@@ -21204,7 +21141,7 @@
             <p:cNvPr id="16" name="Freeform 10">
               <a:extLst>
                 <a:ext uri="{FF2B5EF4-FFF2-40B4-BE49-F238E27FC236}">
-                  <a16:creationId xmlns:a16="http://schemas.microsoft.com/office/drawing/2014/main" id="{5C2DF1F9-21CC-430E-84C8-356C73C6FD38}"/>
+                  <a16:creationId xmlns:a16="http://schemas.microsoft.com/office/drawing/2014/main" id="{9B75BDFA-6D78-4FB1-9F21-5280855C49F8}"/>
                 </a:ext>
                 <a:ext uri="{C183D7F6-B498-43B3-948B-1728B52AA6E4}">
                   <adec:decorative xmlns:adec="http://schemas.microsoft.com/office/drawing/2017/decorative" val="1"/>
@@ -21222,8 +21159,8 @@
           </p:nvSpPr>
           <p:spPr bwMode="auto">
             <a:xfrm>
-              <a:off x="-1061" y="-51881"/>
-              <a:ext cx="11091863" cy="6923796"/>
+              <a:off x="10494963" y="5275263"/>
+              <a:ext cx="1666875" cy="1577975"/>
             </a:xfrm>
             <a:custGeom>
               <a:avLst/>
@@ -21232,24 +21169,14 @@
               <a:cxnLst/>
               <a:rect l="0" t="0" r="r" b="b"/>
               <a:pathLst>
-                <a:path w="2330" h="1452">
+                <a:path w="351" h="332">
                   <a:moveTo>
-                    <a:pt x="2046" y="1452"/>
+                    <a:pt x="0" y="332"/>
                   </a:moveTo>
                   <a:cubicBezTo>
-                    <a:pt x="2330" y="1153"/>
-                    <a:pt x="2049" y="821"/>
-                    <a:pt x="1813" y="601"/>
-                  </a:cubicBezTo>
-                  <a:cubicBezTo>
-                    <a:pt x="1569" y="375"/>
-                    <a:pt x="1282" y="179"/>
-                    <a:pt x="956" y="97"/>
-                  </a:cubicBezTo>
-                  <a:cubicBezTo>
-                    <a:pt x="572" y="0"/>
-                    <a:pt x="292" y="101"/>
-                    <a:pt x="0" y="366"/>
+                    <a:pt x="125" y="232"/>
+                    <a:pt x="245" y="121"/>
+                    <a:pt x="351" y="0"/>
                   </a:cubicBezTo>
                 </a:path>
               </a:pathLst>
@@ -21257,11 +21184,11 @@
             <a:noFill/>
             <a:ln w="9525" cap="flat">
               <a:solidFill>
-                <a:schemeClr val="accent1">
-                  <a:alpha val="8000"/>
+                <a:schemeClr val="bg1">
+                  <a:alpha val="35000"/>
                 </a:schemeClr>
               </a:solidFill>
-              <a:prstDash val="solid"/>
+              <a:prstDash val="dash"/>
               <a:miter lim="800000"/>
               <a:headEnd/>
               <a:tailEnd/>
@@ -21282,7 +21209,7 @@
             <p:cNvPr id="17" name="Freeform 11">
               <a:extLst>
                 <a:ext uri="{FF2B5EF4-FFF2-40B4-BE49-F238E27FC236}">
-                  <a16:creationId xmlns:a16="http://schemas.microsoft.com/office/drawing/2014/main" id="{7F11B45B-3EDE-4B6A-903B-0AE6E9DDF415}"/>
+                  <a16:creationId xmlns:a16="http://schemas.microsoft.com/office/drawing/2014/main" id="{0B632D6B-A327-41AB-BBCF-9A03AD2AB738}"/>
                 </a:ext>
                 <a:ext uri="{C183D7F6-B498-43B3-948B-1728B52AA6E4}">
                   <adec:decorative xmlns:adec="http://schemas.microsoft.com/office/drawing/2017/decorative" val="1"/>
@@ -21300,8 +21227,8 @@
           </p:nvSpPr>
           <p:spPr bwMode="auto">
             <a:xfrm>
-              <a:off x="5426601" y="5579"/>
-              <a:ext cx="5788025" cy="6847184"/>
+              <a:off x="1001713" y="0"/>
+              <a:ext cx="3621088" cy="6843713"/>
             </a:xfrm>
             <a:custGeom>
               <a:avLst/>
@@ -21310,19 +21237,14 @@
               <a:cxnLst/>
               <a:rect l="0" t="0" r="r" b="b"/>
               <a:pathLst>
-                <a:path w="1216" h="1436">
+                <a:path w="762" h="1440">
                   <a:moveTo>
-                    <a:pt x="1094" y="1436"/>
+                    <a:pt x="762" y="0"/>
                   </a:moveTo>
                   <a:cubicBezTo>
-                    <a:pt x="1216" y="1114"/>
-                    <a:pt x="904" y="770"/>
-                    <a:pt x="709" y="551"/>
-                  </a:cubicBezTo>
-                  <a:cubicBezTo>
-                    <a:pt x="509" y="327"/>
-                    <a:pt x="274" y="127"/>
-                    <a:pt x="0" y="0"/>
+                    <a:pt x="308" y="245"/>
+                    <a:pt x="0" y="1033"/>
+                    <a:pt x="403" y="1440"/>
                   </a:cubicBezTo>
                 </a:path>
               </a:pathLst>
@@ -21330,8 +21252,8 @@
             <a:noFill/>
             <a:ln w="9525" cap="flat">
               <a:solidFill>
-                <a:schemeClr val="accent1">
-                  <a:alpha val="7000"/>
+                <a:schemeClr val="bg1">
+                  <a:alpha val="35000"/>
                 </a:schemeClr>
               </a:solidFill>
               <a:prstDash val="solid"/>
@@ -21355,7 +21277,7 @@
             <p:cNvPr id="18" name="Freeform 12">
               <a:extLst>
                 <a:ext uri="{FF2B5EF4-FFF2-40B4-BE49-F238E27FC236}">
-                  <a16:creationId xmlns:a16="http://schemas.microsoft.com/office/drawing/2014/main" id="{F77FDDC5-477E-420D-B98F-42ABA24772F8}"/>
+                  <a16:creationId xmlns:a16="http://schemas.microsoft.com/office/drawing/2014/main" id="{F514BBC5-1736-4813-BECB-5A6B6738E587}"/>
                 </a:ext>
                 <a:ext uri="{C183D7F6-B498-43B3-948B-1728B52AA6E4}">
                   <adec:decorative xmlns:adec="http://schemas.microsoft.com/office/drawing/2017/decorative" val="1"/>
@@ -21373,8 +21295,8 @@
           </p:nvSpPr>
           <p:spPr bwMode="auto">
             <a:xfrm>
-              <a:off x="-1061" y="5579"/>
-              <a:ext cx="1057275" cy="614491"/>
+              <a:off x="11501438" y="9525"/>
+              <a:ext cx="665163" cy="257175"/>
             </a:xfrm>
             <a:custGeom>
               <a:avLst/>
@@ -21383,14 +21305,14 @@
               <a:cxnLst/>
               <a:rect l="0" t="0" r="r" b="b"/>
               <a:pathLst>
-                <a:path w="222" h="129">
+                <a:path w="140" h="54">
                   <a:moveTo>
-                    <a:pt x="222" y="0"/>
+                    <a:pt x="140" y="54"/>
                   </a:moveTo>
                   <a:cubicBezTo>
-                    <a:pt x="152" y="35"/>
-                    <a:pt x="76" y="78"/>
-                    <a:pt x="0" y="129"/>
+                    <a:pt x="95" y="34"/>
+                    <a:pt x="48" y="16"/>
+                    <a:pt x="0" y="0"/>
                   </a:cubicBezTo>
                 </a:path>
               </a:pathLst>
@@ -21398,8 +21320,8 @@
             <a:noFill/>
             <a:ln w="9525" cap="flat">
               <a:solidFill>
-                <a:schemeClr val="accent1">
-                  <a:alpha val="8000"/>
+                <a:schemeClr val="bg1">
+                  <a:alpha val="35000"/>
                 </a:schemeClr>
               </a:solidFill>
               <a:prstDash val="solid"/>
@@ -21423,7 +21345,7 @@
             <p:cNvPr id="19" name="Freeform 13">
               <a:extLst>
                 <a:ext uri="{FF2B5EF4-FFF2-40B4-BE49-F238E27FC236}">
-                  <a16:creationId xmlns:a16="http://schemas.microsoft.com/office/drawing/2014/main" id="{A92C0474-B573-45C5-84C5-194CE1715FE2}"/>
+                  <a16:creationId xmlns:a16="http://schemas.microsoft.com/office/drawing/2014/main" id="{94A2C868-7AEC-4209-BFA3-7185B11D330C}"/>
                 </a:ext>
                 <a:ext uri="{C183D7F6-B498-43B3-948B-1728B52AA6E4}">
                   <adec:decorative xmlns:adec="http://schemas.microsoft.com/office/drawing/2017/decorative" val="1"/>
@@ -21441,8 +21363,8 @@
           </p:nvSpPr>
           <p:spPr bwMode="auto">
             <a:xfrm>
-              <a:off x="5821889" y="5579"/>
-              <a:ext cx="5588000" cy="6866337"/>
+              <a:off x="10641013" y="5408613"/>
+              <a:ext cx="1525588" cy="1435100"/>
             </a:xfrm>
             <a:custGeom>
               <a:avLst/>
@@ -21451,19 +21373,14 @@
               <a:cxnLst/>
               <a:rect l="0" t="0" r="r" b="b"/>
               <a:pathLst>
-                <a:path w="1174" h="1440">
+                <a:path w="321" h="302">
                   <a:moveTo>
-                    <a:pt x="1067" y="1440"/>
+                    <a:pt x="0" y="302"/>
                   </a:moveTo>
                   <a:cubicBezTo>
-                    <a:pt x="1174" y="1124"/>
-                    <a:pt x="887" y="797"/>
-                    <a:pt x="698" y="577"/>
-                  </a:cubicBezTo>
-                  <a:cubicBezTo>
-                    <a:pt x="500" y="348"/>
-                    <a:pt x="270" y="141"/>
-                    <a:pt x="0" y="0"/>
+                    <a:pt x="114" y="210"/>
+                    <a:pt x="223" y="109"/>
+                    <a:pt x="321" y="0"/>
                   </a:cubicBezTo>
                 </a:path>
               </a:pathLst>
@@ -21471,11 +21388,11 @@
             <a:noFill/>
             <a:ln w="9525" cap="flat">
               <a:solidFill>
-                <a:schemeClr val="accent1">
-                  <a:alpha val="6000"/>
+                <a:schemeClr val="bg1">
+                  <a:alpha val="35000"/>
                 </a:schemeClr>
               </a:solidFill>
-              <a:prstDash val="dash"/>
+              <a:prstDash val="solid"/>
               <a:miter lim="800000"/>
               <a:headEnd/>
               <a:tailEnd/>
@@ -21496,7 +21413,7 @@
             <p:cNvPr id="20" name="Freeform 14">
               <a:extLst>
                 <a:ext uri="{FF2B5EF4-FFF2-40B4-BE49-F238E27FC236}">
-                  <a16:creationId xmlns:a16="http://schemas.microsoft.com/office/drawing/2014/main" id="{2FBC62F8-64D0-4025-99AE-A04E291D90EA}"/>
+                  <a16:creationId xmlns:a16="http://schemas.microsoft.com/office/drawing/2014/main" id="{FF56CB70-2B25-4695-ADC8-6092D0D1129B}"/>
                 </a:ext>
                 <a:ext uri="{C183D7F6-B498-43B3-948B-1728B52AA6E4}">
                   <adec:decorative xmlns:adec="http://schemas.microsoft.com/office/drawing/2017/decorative" val="1"/>
@@ -21514,8 +21431,8 @@
           </p:nvSpPr>
           <p:spPr bwMode="auto">
             <a:xfrm>
-              <a:off x="3701" y="790"/>
-              <a:ext cx="595313" cy="352734"/>
+              <a:off x="1001713" y="0"/>
+              <a:ext cx="3244850" cy="6843713"/>
             </a:xfrm>
             <a:custGeom>
               <a:avLst/>
@@ -21524,14 +21441,14 @@
               <a:cxnLst/>
               <a:rect l="0" t="0" r="r" b="b"/>
               <a:pathLst>
-                <a:path w="125" h="74">
+                <a:path w="683" h="1440">
                   <a:moveTo>
-                    <a:pt x="125" y="0"/>
+                    <a:pt x="683" y="0"/>
                   </a:moveTo>
                   <a:cubicBezTo>
-                    <a:pt x="85" y="22"/>
-                    <a:pt x="43" y="47"/>
-                    <a:pt x="0" y="74"/>
+                    <a:pt x="258" y="256"/>
+                    <a:pt x="0" y="1041"/>
+                    <a:pt x="355" y="1440"/>
                   </a:cubicBezTo>
                 </a:path>
               </a:pathLst>
@@ -21539,11 +21456,11 @@
             <a:noFill/>
             <a:ln w="9525" cap="flat">
               <a:solidFill>
-                <a:schemeClr val="accent1">
-                  <a:alpha val="6000"/>
+                <a:schemeClr val="bg1">
+                  <a:alpha val="35000"/>
                 </a:schemeClr>
               </a:solidFill>
-              <a:prstDash val="dash"/>
+              <a:prstDash val="solid"/>
               <a:miter lim="800000"/>
               <a:headEnd/>
               <a:tailEnd/>
@@ -21564,7 +21481,7 @@
             <p:cNvPr id="21" name="Freeform 15">
               <a:extLst>
                 <a:ext uri="{FF2B5EF4-FFF2-40B4-BE49-F238E27FC236}">
-                  <a16:creationId xmlns:a16="http://schemas.microsoft.com/office/drawing/2014/main" id="{7632F945-80B5-4575-A538-29495BF8F258}"/>
+                  <a16:creationId xmlns:a16="http://schemas.microsoft.com/office/drawing/2014/main" id="{BA411BEF-2182-4458-B9AF-1634B5C23168}"/>
                 </a:ext>
                 <a:ext uri="{C183D7F6-B498-43B3-948B-1728B52AA6E4}">
                   <adec:decorative xmlns:adec="http://schemas.microsoft.com/office/drawing/2017/decorative" val="1"/>
@@ -21582,8 +21499,8 @@
           </p:nvSpPr>
           <p:spPr bwMode="auto">
             <a:xfrm>
-              <a:off x="6012389" y="5579"/>
-              <a:ext cx="5497513" cy="6866337"/>
+              <a:off x="10802938" y="5518150"/>
+              <a:ext cx="1363663" cy="1325563"/>
             </a:xfrm>
             <a:custGeom>
               <a:avLst/>
@@ -21592,31 +21509,26 @@
               <a:cxnLst/>
               <a:rect l="0" t="0" r="r" b="b"/>
               <a:pathLst>
-                <a:path w="1155" h="1440">
+                <a:path w="287" h="279">
                   <a:moveTo>
-                    <a:pt x="1056" y="1440"/>
+                    <a:pt x="0" y="279"/>
                   </a:moveTo>
                   <a:cubicBezTo>
-                    <a:pt x="1155" y="1123"/>
-                    <a:pt x="875" y="801"/>
-                    <a:pt x="686" y="580"/>
-                  </a:cubicBezTo>
-                  <a:cubicBezTo>
-                    <a:pt x="491" y="352"/>
-                    <a:pt x="264" y="145"/>
-                    <a:pt x="0" y="0"/>
+                    <a:pt x="101" y="193"/>
+                    <a:pt x="198" y="100"/>
+                    <a:pt x="287" y="0"/>
                   </a:cubicBezTo>
                 </a:path>
               </a:pathLst>
             </a:custGeom>
             <a:noFill/>
-            <a:ln w="12700" cap="flat">
+            <a:ln w="9525" cap="flat">
               <a:solidFill>
-                <a:schemeClr val="accent1">
-                  <a:alpha val="5000"/>
+                <a:schemeClr val="bg1">
+                  <a:alpha val="35000"/>
                 </a:schemeClr>
               </a:solidFill>
-              <a:prstDash val="dashDot"/>
+              <a:prstDash val="solid"/>
               <a:miter lim="800000"/>
               <a:headEnd/>
               <a:tailEnd/>
@@ -21637,7 +21549,7 @@
             <p:cNvPr id="22" name="Freeform 16">
               <a:extLst>
                 <a:ext uri="{FF2B5EF4-FFF2-40B4-BE49-F238E27FC236}">
-                  <a16:creationId xmlns:a16="http://schemas.microsoft.com/office/drawing/2014/main" id="{5562CC17-43D4-4E57-AE08-83952EE59D5A}"/>
+                  <a16:creationId xmlns:a16="http://schemas.microsoft.com/office/drawing/2014/main" id="{53F27E63-3F11-4C85-AC72-1EE8508C4C42}"/>
                 </a:ext>
                 <a:ext uri="{C183D7F6-B498-43B3-948B-1728B52AA6E4}">
                   <adec:decorative xmlns:adec="http://schemas.microsoft.com/office/drawing/2017/decorative" val="1"/>
@@ -21655,8 +21567,8 @@
           </p:nvSpPr>
           <p:spPr bwMode="auto">
             <a:xfrm>
-              <a:off x="-1061" y="5579"/>
-              <a:ext cx="357188" cy="213875"/>
+              <a:off x="889000" y="0"/>
+              <a:ext cx="3230563" cy="6843713"/>
             </a:xfrm>
             <a:custGeom>
               <a:avLst/>
@@ -21665,26 +21577,26 @@
               <a:cxnLst/>
               <a:rect l="0" t="0" r="r" b="b"/>
               <a:pathLst>
-                <a:path w="75" h="45">
+                <a:path w="680" h="1440">
                   <a:moveTo>
-                    <a:pt x="75" y="0"/>
+                    <a:pt x="680" y="0"/>
                   </a:moveTo>
                   <a:cubicBezTo>
-                    <a:pt x="50" y="14"/>
-                    <a:pt x="25" y="29"/>
-                    <a:pt x="0" y="45"/>
+                    <a:pt x="257" y="265"/>
+                    <a:pt x="0" y="1026"/>
+                    <a:pt x="337" y="1440"/>
                   </a:cubicBezTo>
                 </a:path>
               </a:pathLst>
             </a:custGeom>
             <a:noFill/>
-            <a:ln w="12700" cap="flat">
+            <a:ln w="9525" cap="flat">
               <a:solidFill>
-                <a:schemeClr val="accent1">
-                  <a:alpha val="5000"/>
+                <a:schemeClr val="bg1">
+                  <a:alpha val="35000"/>
                 </a:schemeClr>
               </a:solidFill>
-              <a:prstDash val="dashDot"/>
+              <a:prstDash val="solid"/>
               <a:miter lim="800000"/>
               <a:headEnd/>
               <a:tailEnd/>
@@ -21705,7 +21617,7 @@
             <p:cNvPr id="23" name="Freeform 17">
               <a:extLst>
                 <a:ext uri="{FF2B5EF4-FFF2-40B4-BE49-F238E27FC236}">
-                  <a16:creationId xmlns:a16="http://schemas.microsoft.com/office/drawing/2014/main" id="{E1D78CFE-04CA-4101-AFCF-196940B2D137}"/>
+                  <a16:creationId xmlns:a16="http://schemas.microsoft.com/office/drawing/2014/main" id="{68B589BA-F70F-4E0B-94B9-EEB83EDF3F2F}"/>
                 </a:ext>
                 <a:ext uri="{C183D7F6-B498-43B3-948B-1728B52AA6E4}">
                   <adec:decorative xmlns:adec="http://schemas.microsoft.com/office/drawing/2017/decorative" val="1"/>
@@ -21723,8 +21635,8 @@
           </p:nvSpPr>
           <p:spPr bwMode="auto">
             <a:xfrm>
-              <a:off x="6210826" y="790"/>
-              <a:ext cx="5522913" cy="6871126"/>
+              <a:off x="10979150" y="5694363"/>
+              <a:ext cx="1187450" cy="1149350"/>
             </a:xfrm>
             <a:custGeom>
               <a:avLst/>
@@ -21733,19 +21645,14 @@
               <a:cxnLst/>
               <a:rect l="0" t="0" r="r" b="b"/>
               <a:pathLst>
-                <a:path w="1160" h="1441">
+                <a:path w="250" h="242">
                   <a:moveTo>
-                    <a:pt x="1053" y="1441"/>
+                    <a:pt x="0" y="242"/>
                   </a:moveTo>
                   <a:cubicBezTo>
-                    <a:pt x="1160" y="1129"/>
-                    <a:pt x="892" y="817"/>
-                    <a:pt x="705" y="599"/>
-                  </a:cubicBezTo>
-                  <a:cubicBezTo>
-                    <a:pt x="503" y="365"/>
-                    <a:pt x="270" y="152"/>
-                    <a:pt x="0" y="0"/>
+                    <a:pt x="88" y="166"/>
+                    <a:pt x="172" y="85"/>
+                    <a:pt x="250" y="0"/>
                   </a:cubicBezTo>
                 </a:path>
               </a:pathLst>
@@ -21753,8 +21660,8 @@
             <a:noFill/>
             <a:ln w="9525" cap="flat">
               <a:solidFill>
-                <a:schemeClr val="accent1">
-                  <a:alpha val="4000"/>
+                <a:schemeClr val="bg1">
+                  <a:alpha val="35000"/>
                 </a:schemeClr>
               </a:solidFill>
               <a:prstDash val="solid"/>
@@ -21778,7 +21685,7 @@
             <p:cNvPr id="24" name="Freeform 18">
               <a:extLst>
                 <a:ext uri="{FF2B5EF4-FFF2-40B4-BE49-F238E27FC236}">
-                  <a16:creationId xmlns:a16="http://schemas.microsoft.com/office/drawing/2014/main" id="{41F2A149-A64E-4690-B049-18C156A8E206}"/>
+                  <a16:creationId xmlns:a16="http://schemas.microsoft.com/office/drawing/2014/main" id="{9D0B991D-CB0A-415F-8D77-A5565F66F0EA}"/>
                 </a:ext>
                 <a:ext uri="{C183D7F6-B498-43B3-948B-1728B52AA6E4}">
                   <adec:decorative xmlns:adec="http://schemas.microsoft.com/office/drawing/2017/decorative" val="1"/>
@@ -21796,8 +21703,8 @@
           </p:nvSpPr>
           <p:spPr bwMode="auto">
             <a:xfrm>
-              <a:off x="6463239" y="5579"/>
-              <a:ext cx="5413375" cy="6866337"/>
+              <a:off x="484188" y="0"/>
+              <a:ext cx="3421063" cy="6843713"/>
             </a:xfrm>
             <a:custGeom>
               <a:avLst/>
@@ -21806,19 +21713,14 @@
               <a:cxnLst/>
               <a:rect l="0" t="0" r="r" b="b"/>
               <a:pathLst>
-                <a:path w="1137" h="1440">
+                <a:path w="720" h="1440">
                   <a:moveTo>
-                    <a:pt x="1040" y="1440"/>
+                    <a:pt x="720" y="0"/>
                   </a:moveTo>
                   <a:cubicBezTo>
-                    <a:pt x="1137" y="1131"/>
-                    <a:pt x="883" y="828"/>
-                    <a:pt x="698" y="611"/>
-                  </a:cubicBezTo>
-                  <a:cubicBezTo>
-                    <a:pt x="498" y="375"/>
-                    <a:pt x="268" y="159"/>
-                    <a:pt x="0" y="0"/>
+                    <a:pt x="316" y="282"/>
+                    <a:pt x="0" y="1018"/>
+                    <a:pt x="362" y="1440"/>
                   </a:cubicBezTo>
                 </a:path>
               </a:pathLst>
@@ -21826,8 +21728,8 @@
             <a:noFill/>
             <a:ln w="9525" cap="flat">
               <a:solidFill>
-                <a:schemeClr val="accent1">
-                  <a:alpha val="3000"/>
+                <a:schemeClr val="bg1">
+                  <a:alpha val="35000"/>
                 </a:schemeClr>
               </a:solidFill>
               <a:prstDash val="solid"/>
@@ -21851,7 +21753,7 @@
             <p:cNvPr id="25" name="Freeform 19">
               <a:extLst>
                 <a:ext uri="{FF2B5EF4-FFF2-40B4-BE49-F238E27FC236}">
-                  <a16:creationId xmlns:a16="http://schemas.microsoft.com/office/drawing/2014/main" id="{D9313C72-D62D-4416-A6AE-7EB7D6B54A58}"/>
+                  <a16:creationId xmlns:a16="http://schemas.microsoft.com/office/drawing/2014/main" id="{701E99DE-74F0-41D1-BBF4-5A57053BB6C0}"/>
                 </a:ext>
                 <a:ext uri="{C183D7F6-B498-43B3-948B-1728B52AA6E4}">
                   <adec:decorative xmlns:adec="http://schemas.microsoft.com/office/drawing/2017/decorative" val="1"/>
@@ -21869,8 +21771,8 @@
           </p:nvSpPr>
           <p:spPr bwMode="auto">
             <a:xfrm>
-              <a:off x="6877576" y="5579"/>
-              <a:ext cx="5037138" cy="6861550"/>
+              <a:off x="11287125" y="6049963"/>
+              <a:ext cx="879475" cy="793750"/>
             </a:xfrm>
             <a:custGeom>
               <a:avLst/>
@@ -21879,19 +21781,14 @@
               <a:cxnLst/>
               <a:rect l="0" t="0" r="r" b="b"/>
               <a:pathLst>
-                <a:path w="1058" h="1439">
+                <a:path w="185" h="167">
                   <a:moveTo>
-                    <a:pt x="1011" y="1439"/>
+                    <a:pt x="0" y="167"/>
                   </a:moveTo>
                   <a:cubicBezTo>
-                    <a:pt x="1058" y="1131"/>
-                    <a:pt x="825" y="841"/>
-                    <a:pt x="648" y="617"/>
-                  </a:cubicBezTo>
-                  <a:cubicBezTo>
-                    <a:pt x="462" y="383"/>
-                    <a:pt x="248" y="168"/>
-                    <a:pt x="0" y="0"/>
+                    <a:pt x="63" y="114"/>
+                    <a:pt x="125" y="58"/>
+                    <a:pt x="185" y="0"/>
                   </a:cubicBezTo>
                 </a:path>
               </a:pathLst>
@@ -21899,8 +21796,8 @@
             <a:noFill/>
             <a:ln w="9525" cap="flat">
               <a:solidFill>
-                <a:schemeClr val="accent1">
-                  <a:alpha val="5000"/>
+                <a:schemeClr val="bg1">
+                  <a:alpha val="35000"/>
                 </a:schemeClr>
               </a:solidFill>
               <a:prstDash val="solid"/>
@@ -21924,7 +21821,7 @@
             <p:cNvPr id="26" name="Freeform 20">
               <a:extLst>
                 <a:ext uri="{FF2B5EF4-FFF2-40B4-BE49-F238E27FC236}">
-                  <a16:creationId xmlns:a16="http://schemas.microsoft.com/office/drawing/2014/main" id="{77B03BEA-76E5-4ECB-B9BB-D89D27509EFD}"/>
+                  <a16:creationId xmlns:a16="http://schemas.microsoft.com/office/drawing/2014/main" id="{C02EE40A-8F17-4182-9495-9506463B794E}"/>
                 </a:ext>
                 <a:ext uri="{C183D7F6-B498-43B3-948B-1728B52AA6E4}">
                   <adec:decorative xmlns:adec="http://schemas.microsoft.com/office/drawing/2017/decorative" val="1"/>
@@ -21942,8 +21839,8 @@
           </p:nvSpPr>
           <p:spPr bwMode="auto">
             <a:xfrm>
-              <a:off x="8768289" y="5579"/>
-              <a:ext cx="3417888" cy="2742066"/>
+              <a:off x="598488" y="0"/>
+              <a:ext cx="2717800" cy="6843713"/>
             </a:xfrm>
             <a:custGeom>
               <a:avLst/>
@@ -21952,26 +21849,26 @@
               <a:cxnLst/>
               <a:rect l="0" t="0" r="r" b="b"/>
               <a:pathLst>
-                <a:path w="718" h="575">
+                <a:path w="572" h="1440">
                   <a:moveTo>
-                    <a:pt x="718" y="575"/>
+                    <a:pt x="572" y="0"/>
                   </a:moveTo>
                   <a:cubicBezTo>
-                    <a:pt x="500" y="360"/>
-                    <a:pt x="260" y="163"/>
-                    <a:pt x="0" y="0"/>
+                    <a:pt x="213" y="320"/>
+                    <a:pt x="0" y="979"/>
+                    <a:pt x="164" y="1440"/>
                   </a:cubicBezTo>
                 </a:path>
               </a:pathLst>
             </a:custGeom>
             <a:noFill/>
-            <a:ln w="9525" cap="flat">
+            <a:ln w="12700" cap="flat">
               <a:solidFill>
-                <a:schemeClr val="accent1">
-                  <a:alpha val="4000"/>
+                <a:schemeClr val="bg1">
+                  <a:alpha val="35000"/>
                 </a:schemeClr>
               </a:solidFill>
-              <a:prstDash val="solid"/>
+              <a:prstDash val="dashDot"/>
               <a:miter lim="800000"/>
               <a:headEnd/>
               <a:tailEnd/>
@@ -21992,7 +21889,7 @@
             <p:cNvPr id="27" name="Freeform 21">
               <a:extLst>
                 <a:ext uri="{FF2B5EF4-FFF2-40B4-BE49-F238E27FC236}">
-                  <a16:creationId xmlns:a16="http://schemas.microsoft.com/office/drawing/2014/main" id="{6AF6BECE-416D-4C3A-AD6F-68B08F3CA751}"/>
+                  <a16:creationId xmlns:a16="http://schemas.microsoft.com/office/drawing/2014/main" id="{924210CA-0A35-4127-925F-D4084B7DC394}"/>
                 </a:ext>
                 <a:ext uri="{C183D7F6-B498-43B3-948B-1728B52AA6E4}">
                   <adec:decorative xmlns:adec="http://schemas.microsoft.com/office/drawing/2017/decorative" val="1"/>
@@ -22010,8 +21907,8 @@
           </p:nvSpPr>
           <p:spPr bwMode="auto">
             <a:xfrm>
-              <a:off x="9235014" y="10367"/>
-              <a:ext cx="2951163" cy="2555325"/>
+              <a:off x="261938" y="0"/>
+              <a:ext cx="2944813" cy="6843713"/>
             </a:xfrm>
             <a:custGeom>
               <a:avLst/>
@@ -22020,14 +21917,14 @@
               <a:cxnLst/>
               <a:rect l="0" t="0" r="r" b="b"/>
               <a:pathLst>
-                <a:path w="620" h="536">
+                <a:path w="620" h="1440">
                   <a:moveTo>
-                    <a:pt x="620" y="536"/>
+                    <a:pt x="620" y="0"/>
                   </a:moveTo>
                   <a:cubicBezTo>
-                    <a:pt x="404" y="314"/>
-                    <a:pt x="196" y="138"/>
-                    <a:pt x="0" y="0"/>
+                    <a:pt x="248" y="325"/>
+                    <a:pt x="0" y="960"/>
+                    <a:pt x="186" y="1440"/>
                   </a:cubicBezTo>
                 </a:path>
               </a:pathLst>
@@ -22035,11 +21932,11 @@
             <a:noFill/>
             <a:ln w="9525" cap="flat">
               <a:solidFill>
-                <a:schemeClr val="accent1">
-                  <a:alpha val="4000"/>
+                <a:schemeClr val="bg1">
+                  <a:alpha val="35000"/>
                 </a:schemeClr>
               </a:solidFill>
-              <a:prstDash val="solid"/>
+              <a:prstDash val="lgDash"/>
               <a:miter lim="800000"/>
               <a:headEnd/>
               <a:tailEnd/>
@@ -22060,7 +21957,7 @@
             <p:cNvPr id="28" name="Freeform 22">
               <a:extLst>
                 <a:ext uri="{FF2B5EF4-FFF2-40B4-BE49-F238E27FC236}">
-                  <a16:creationId xmlns:a16="http://schemas.microsoft.com/office/drawing/2014/main" id="{B9197E2A-A098-480D-A2A6-3F3B889EDAEE}"/>
+                  <a16:creationId xmlns:a16="http://schemas.microsoft.com/office/drawing/2014/main" id="{DC13CEF1-DD2D-474C-B81C-820CEF3D9C3A}"/>
                 </a:ext>
                 <a:ext uri="{C183D7F6-B498-43B3-948B-1728B52AA6E4}">
                   <adec:decorative xmlns:adec="http://schemas.microsoft.com/office/drawing/2017/decorative" val="1"/>
@@ -22078,8 +21975,8 @@
           </p:nvSpPr>
           <p:spPr bwMode="auto">
             <a:xfrm>
-              <a:off x="10020826" y="5579"/>
-              <a:ext cx="2165350" cy="1358265"/>
+              <a:off x="-417513" y="0"/>
+              <a:ext cx="2403475" cy="6843713"/>
             </a:xfrm>
             <a:custGeom>
               <a:avLst/>
@@ -22088,14 +21985,14 @@
               <a:cxnLst/>
               <a:rect l="0" t="0" r="r" b="b"/>
               <a:pathLst>
-                <a:path w="455" h="285">
+                <a:path w="506" h="1440">
                   <a:moveTo>
-                    <a:pt x="0" y="0"/>
+                    <a:pt x="506" y="0"/>
                   </a:moveTo>
                   <a:cubicBezTo>
-                    <a:pt x="153" y="85"/>
-                    <a:pt x="308" y="180"/>
-                    <a:pt x="455" y="285"/>
+                    <a:pt x="109" y="356"/>
+                    <a:pt x="0" y="943"/>
+                    <a:pt x="171" y="1440"/>
                   </a:cubicBezTo>
                 </a:path>
               </a:pathLst>
@@ -22103,11 +22000,11 @@
             <a:noFill/>
             <a:ln w="9525" cap="flat">
               <a:solidFill>
-                <a:schemeClr val="accent1">
-                  <a:alpha val="4000"/>
+                <a:schemeClr val="bg1">
+                  <a:alpha val="35000"/>
                 </a:schemeClr>
               </a:solidFill>
-              <a:prstDash val="dash"/>
+              <a:prstDash val="solid"/>
               <a:miter lim="800000"/>
               <a:headEnd/>
               <a:tailEnd/>
@@ -22128,7 +22025,7 @@
             <p:cNvPr id="29" name="Freeform 23">
               <a:extLst>
                 <a:ext uri="{FF2B5EF4-FFF2-40B4-BE49-F238E27FC236}">
-                  <a16:creationId xmlns:a16="http://schemas.microsoft.com/office/drawing/2014/main" id="{5A493EDB-6C9E-483F-86A6-0F473E5908D5}"/>
+                  <a16:creationId xmlns:a16="http://schemas.microsoft.com/office/drawing/2014/main" id="{F889481A-8038-43E6-8EF1-A5F802CEDF15}"/>
                 </a:ext>
                 <a:ext uri="{C183D7F6-B498-43B3-948B-1728B52AA6E4}">
                   <adec:decorative xmlns:adec="http://schemas.microsoft.com/office/drawing/2017/decorative" val="1"/>
@@ -22146,8 +22043,8 @@
           </p:nvSpPr>
           <p:spPr bwMode="auto">
             <a:xfrm>
-              <a:off x="11290826" y="5579"/>
-              <a:ext cx="895350" cy="534687"/>
+              <a:off x="14288" y="9525"/>
+              <a:ext cx="1771650" cy="3198813"/>
             </a:xfrm>
             <a:custGeom>
               <a:avLst/>
@@ -22156,14 +22053,14 @@
               <a:cxnLst/>
               <a:rect l="0" t="0" r="r" b="b"/>
               <a:pathLst>
-                <a:path w="188" h="112">
+                <a:path w="373" h="673">
                   <a:moveTo>
-                    <a:pt x="0" y="0"/>
+                    <a:pt x="373" y="0"/>
                   </a:moveTo>
                   <a:cubicBezTo>
-                    <a:pt x="63" y="36"/>
-                    <a:pt x="126" y="73"/>
-                    <a:pt x="188" y="112"/>
+                    <a:pt x="175" y="183"/>
+                    <a:pt x="51" y="409"/>
+                    <a:pt x="0" y="673"/>
                   </a:cubicBezTo>
                 </a:path>
               </a:pathLst>
@@ -22171,8 +22068,8 @@
             <a:noFill/>
             <a:ln w="9525" cap="flat">
               <a:solidFill>
-                <a:schemeClr val="accent1">
-                  <a:alpha val="3000"/>
+                <a:schemeClr val="bg1">
+                  <a:alpha val="35000"/>
                 </a:schemeClr>
               </a:solidFill>
               <a:prstDash val="solid"/>
@@ -22191,90 +22088,149 @@
             </a:extLst>
           </p:spPr>
         </p:sp>
+        <p:sp>
+          <p:nvSpPr>
+            <p:cNvPr id="30" name="Freeform 24">
+              <a:extLst>
+                <a:ext uri="{FF2B5EF4-FFF2-40B4-BE49-F238E27FC236}">
+                  <a16:creationId xmlns:a16="http://schemas.microsoft.com/office/drawing/2014/main" id="{128BD14A-9093-4854-A73A-F666B2ED2D21}"/>
+                </a:ext>
+                <a:ext uri="{C183D7F6-B498-43B3-948B-1728B52AA6E4}">
+                  <adec:decorative xmlns:adec="http://schemas.microsoft.com/office/drawing/2017/decorative" val="1"/>
+                </a:ext>
+              </a:extLst>
+            </p:cNvPr>
+            <p:cNvSpPr/>
+            <p:nvPr>
+              <p:extLst>
+                <p:ext uri="{386F3935-93C4-4BCD-93E2-E3B085C9AB24}">
+                  <p16:designElem xmlns:p16="http://schemas.microsoft.com/office/powerpoint/2015/main" val="1"/>
+                </p:ext>
+              </p:extLst>
+            </p:nvPr>
+          </p:nvSpPr>
+          <p:spPr bwMode="auto">
+            <a:xfrm>
+              <a:off x="4763" y="6016625"/>
+              <a:ext cx="214313" cy="827088"/>
+            </a:xfrm>
+            <a:custGeom>
+              <a:avLst/>
+              <a:gdLst/>
+              <a:ahLst/>
+              <a:cxnLst/>
+              <a:rect l="0" t="0" r="r" b="b"/>
+              <a:pathLst>
+                <a:path w="45" h="174">
+                  <a:moveTo>
+                    <a:pt x="0" y="0"/>
+                  </a:moveTo>
+                  <a:cubicBezTo>
+                    <a:pt x="11" y="59"/>
+                    <a:pt x="26" y="118"/>
+                    <a:pt x="45" y="174"/>
+                  </a:cubicBezTo>
+                </a:path>
+              </a:pathLst>
+            </a:custGeom>
+            <a:noFill/>
+            <a:ln w="9525" cap="flat">
+              <a:solidFill>
+                <a:schemeClr val="bg1">
+                  <a:alpha val="35000"/>
+                </a:schemeClr>
+              </a:solidFill>
+              <a:prstDash val="solid"/>
+              <a:miter lim="800000"/>
+              <a:headEnd/>
+              <a:tailEnd/>
+            </a:ln>
+            <a:extLst>
+              <a:ext uri="{909E8E84-426E-40DD-AFC4-6F175D3DCCD1}">
+                <a14:hiddenFill xmlns:a14="http://schemas.microsoft.com/office/drawing/2010/main">
+                  <a:solidFill>
+                    <a:srgbClr val="FFFFFF"/>
+                  </a:solidFill>
+                </a14:hiddenFill>
+              </a:ext>
+            </a:extLst>
+          </p:spPr>
+        </p:sp>
+        <p:sp>
+          <p:nvSpPr>
+            <p:cNvPr id="31" name="Freeform 25">
+              <a:extLst>
+                <a:ext uri="{FF2B5EF4-FFF2-40B4-BE49-F238E27FC236}">
+                  <a16:creationId xmlns:a16="http://schemas.microsoft.com/office/drawing/2014/main" id="{22D884F4-76EC-4371-B903-E79CF191E30F}"/>
+                </a:ext>
+                <a:ext uri="{C183D7F6-B498-43B3-948B-1728B52AA6E4}">
+                  <adec:decorative xmlns:adec="http://schemas.microsoft.com/office/drawing/2017/decorative" val="1"/>
+                </a:ext>
+              </a:extLst>
+            </p:cNvPr>
+            <p:cNvSpPr/>
+            <p:nvPr>
+              <p:extLst>
+                <p:ext uri="{386F3935-93C4-4BCD-93E2-E3B085C9AB24}">
+                  <p16:designElem xmlns:p16="http://schemas.microsoft.com/office/powerpoint/2015/main" val="1"/>
+                </p:ext>
+              </p:extLst>
+            </p:nvPr>
+          </p:nvSpPr>
+          <p:spPr bwMode="auto">
+            <a:xfrm>
+              <a:off x="14288" y="0"/>
+              <a:ext cx="1562100" cy="2228850"/>
+            </a:xfrm>
+            <a:custGeom>
+              <a:avLst/>
+              <a:gdLst/>
+              <a:ahLst/>
+              <a:cxnLst/>
+              <a:rect l="0" t="0" r="r" b="b"/>
+              <a:pathLst>
+                <a:path w="329" h="469">
+                  <a:moveTo>
+                    <a:pt x="329" y="0"/>
+                  </a:moveTo>
+                  <a:cubicBezTo>
+                    <a:pt x="189" y="133"/>
+                    <a:pt x="69" y="288"/>
+                    <a:pt x="0" y="469"/>
+                  </a:cubicBezTo>
+                </a:path>
+              </a:pathLst>
+            </a:custGeom>
+            <a:noFill/>
+            <a:ln w="9525" cap="flat">
+              <a:solidFill>
+                <a:schemeClr val="bg1">
+                  <a:alpha val="35000"/>
+                </a:schemeClr>
+              </a:solidFill>
+              <a:prstDash val="solid"/>
+              <a:miter lim="800000"/>
+              <a:headEnd/>
+              <a:tailEnd/>
+            </a:ln>
+            <a:extLst>
+              <a:ext uri="{909E8E84-426E-40DD-AFC4-6F175D3DCCD1}">
+                <a14:hiddenFill xmlns:a14="http://schemas.microsoft.com/office/drawing/2010/main">
+                  <a:solidFill>
+                    <a:srgbClr val="FFFFFF"/>
+                  </a:solidFill>
+                </a14:hiddenFill>
+              </a:ext>
+            </a:extLst>
+          </p:spPr>
+        </p:sp>
       </p:grpSp>
-      <p:sp>
+      <p:sp useBgFill="1">
         <p:nvSpPr>
-          <p:cNvPr id="2" name="Title 1">
+          <p:cNvPr id="33" name="Rectangle 32">
             <a:extLst>
               <a:ext uri="{FF2B5EF4-FFF2-40B4-BE49-F238E27FC236}">
-                <a16:creationId xmlns:a16="http://schemas.microsoft.com/office/drawing/2014/main" id="{165AB785-7966-4B7A-B9FD-AE50F4A706D5}"/>
-              </a:ext>
-            </a:extLst>
-          </p:cNvPr>
-          <p:cNvSpPr>
-            <a:spLocks noGrp="1"/>
-          </p:cNvSpPr>
-          <p:nvPr>
-            <p:ph type="ctrTitle"/>
-          </p:nvPr>
-        </p:nvSpPr>
-        <p:spPr>
-          <a:xfrm>
-            <a:off x="1056214" y="450058"/>
-            <a:ext cx="3412810" cy="742692"/>
-          </a:xfrm>
-        </p:spPr>
-        <p:txBody>
-          <a:bodyPr>
-            <a:normAutofit/>
-          </a:bodyPr>
-          <a:lstStyle/>
-          <a:p>
-            <a:pPr algn="l"/>
-            <a:r>
-              <a:rPr lang="en-US" sz="3200" dirty="0">
-                <a:solidFill>
-                  <a:schemeClr val="accent1"/>
-                </a:solidFill>
-              </a:rPr>
-              <a:t>Data management</a:t>
-            </a:r>
-          </a:p>
-        </p:txBody>
-      </p:sp>
-      <p:sp>
-        <p:nvSpPr>
-          <p:cNvPr id="3" name="Subtitle 2">
-            <a:extLst>
-              <a:ext uri="{FF2B5EF4-FFF2-40B4-BE49-F238E27FC236}">
-                <a16:creationId xmlns:a16="http://schemas.microsoft.com/office/drawing/2014/main" id="{84A4FF40-7D0F-47D2-974B-374F00A0AD89}"/>
-              </a:ext>
-            </a:extLst>
-          </p:cNvPr>
-          <p:cNvSpPr>
-            <a:spLocks noGrp="1"/>
-          </p:cNvSpPr>
-          <p:nvPr>
-            <p:ph type="subTitle" idx="1"/>
-          </p:nvPr>
-        </p:nvSpPr>
-        <p:spPr>
-          <a:xfrm>
-            <a:off x="2037374" y="4560432"/>
-            <a:ext cx="8300202" cy="1228171"/>
-          </a:xfrm>
-        </p:spPr>
-        <p:txBody>
-          <a:bodyPr>
-            <a:normAutofit/>
-          </a:bodyPr>
-          <a:lstStyle/>
-          <a:p>
-            <a:pPr algn="l"/>
-            <a:endParaRPr lang="en-US" sz="2400">
-              <a:solidFill>
-                <a:schemeClr val="tx1"/>
-              </a:solidFill>
-            </a:endParaRPr>
-          </a:p>
-        </p:txBody>
-      </p:sp>
-      <p:sp>
-        <p:nvSpPr>
-          <p:cNvPr id="31" name="Isosceles Triangle 30">
-            <a:extLst>
-              <a:ext uri="{FF2B5EF4-FFF2-40B4-BE49-F238E27FC236}">
-                <a16:creationId xmlns:a16="http://schemas.microsoft.com/office/drawing/2014/main" id="{3F39476B-1A6D-47CB-AC7A-FB87EF003323}"/>
+                <a16:creationId xmlns:a16="http://schemas.microsoft.com/office/drawing/2014/main" id="{7C462C46-EFB7-4580-9921-DFC346FCC3C2}"/>
               </a:ext>
               <a:ext uri="{C183D7F6-B498-43B3-948B-1728B52AA6E4}">
                 <adec:decorative xmlns:adec="http://schemas.microsoft.com/office/drawing/2017/decorative" val="1"/>
@@ -22293,8 +22249,108 @@
           </p:nvPr>
         </p:nvSpPr>
         <p:spPr>
-          <a:xfrm rot="10800000">
-            <a:off x="1490253" y="3276595"/>
+          <a:xfrm>
+            <a:off x="1923665" y="0"/>
+            <a:ext cx="10268336" cy="6869208"/>
+          </a:xfrm>
+          <a:prstGeom prst="rect">
+            <a:avLst/>
+          </a:prstGeom>
+          <a:ln>
+            <a:noFill/>
+          </a:ln>
+        </p:spPr>
+        <p:style>
+          <a:lnRef idx="2">
+            <a:schemeClr val="accent1">
+              <a:shade val="50000"/>
+            </a:schemeClr>
+          </a:lnRef>
+          <a:fillRef idx="1">
+            <a:schemeClr val="accent1"/>
+          </a:fillRef>
+          <a:effectRef idx="0">
+            <a:schemeClr val="accent1"/>
+          </a:effectRef>
+          <a:fontRef idx="minor">
+            <a:schemeClr val="lt1"/>
+          </a:fontRef>
+        </p:style>
+        <p:txBody>
+          <a:bodyPr rtlCol="0" anchor="ctr"/>
+          <a:lstStyle/>
+          <a:p>
+            <a:pPr algn="ctr"/>
+            <a:endParaRPr lang="en-US"/>
+          </a:p>
+        </p:txBody>
+      </p:sp>
+      <p:sp>
+        <p:nvSpPr>
+          <p:cNvPr id="2" name="Title 1">
+            <a:extLst>
+              <a:ext uri="{FF2B5EF4-FFF2-40B4-BE49-F238E27FC236}">
+                <a16:creationId xmlns:a16="http://schemas.microsoft.com/office/drawing/2014/main" id="{2FB97F4B-599C-4787-92FF-6C4C3D09DC1C}"/>
+              </a:ext>
+            </a:extLst>
+          </p:cNvPr>
+          <p:cNvSpPr>
+            <a:spLocks noGrp="1"/>
+          </p:cNvSpPr>
+          <p:nvPr>
+            <p:ph type="title"/>
+          </p:nvPr>
+        </p:nvSpPr>
+        <p:spPr>
+          <a:xfrm>
+            <a:off x="2880485" y="841375"/>
+            <a:ext cx="6230857" cy="1230570"/>
+          </a:xfrm>
+        </p:spPr>
+        <p:txBody>
+          <a:bodyPr anchor="t">
+            <a:normAutofit/>
+          </a:bodyPr>
+          <a:lstStyle/>
+          <a:p>
+            <a:pPr algn="l"/>
+            <a:r>
+              <a:rPr lang="en-US" sz="3600">
+                <a:solidFill>
+                  <a:schemeClr val="accent1"/>
+                </a:solidFill>
+              </a:rPr>
+              <a:t>Sources</a:t>
+            </a:r>
+          </a:p>
+        </p:txBody>
+      </p:sp>
+      <p:sp>
+        <p:nvSpPr>
+          <p:cNvPr id="35" name="Isosceles Triangle 34">
+            <a:extLst>
+              <a:ext uri="{FF2B5EF4-FFF2-40B4-BE49-F238E27FC236}">
+                <a16:creationId xmlns:a16="http://schemas.microsoft.com/office/drawing/2014/main" id="{B8B918B4-AB10-4E3A-916E-A9625586EA47}"/>
+              </a:ext>
+              <a:ext uri="{C183D7F6-B498-43B3-948B-1728B52AA6E4}">
+                <adec:decorative xmlns:adec="http://schemas.microsoft.com/office/drawing/2017/decorative" val="1"/>
+              </a:ext>
+            </a:extLst>
+          </p:cNvPr>
+          <p:cNvSpPr>
+            <a:spLocks noGrp="1" noRot="1" noChangeAspect="1" noMove="1" noResize="1" noEditPoints="1" noAdjustHandles="1" noChangeArrowheads="1" noChangeShapeType="1" noTextEdit="1"/>
+          </p:cNvSpPr>
+          <p:nvPr>
+            <p:extLst>
+              <p:ext uri="{386F3935-93C4-4BCD-93E2-E3B085C9AB24}">
+                <p16:designElem xmlns:p16="http://schemas.microsoft.com/office/powerpoint/2015/main" val="1"/>
+              </p:ext>
+            </p:extLst>
+          </p:nvPr>
+        </p:nvSpPr>
+        <p:spPr>
+          <a:xfrm rot="5400000">
+            <a:off x="1797903" y="954813"/>
             <a:ext cx="300774" cy="259288"/>
           </a:xfrm>
           <a:prstGeom prst="triangle">
@@ -22331,10 +22387,42 @@
           </a:p>
         </p:txBody>
       </p:sp>
+      <p:sp>
+        <p:nvSpPr>
+          <p:cNvPr id="3" name="Content Placeholder 2">
+            <a:extLst>
+              <a:ext uri="{FF2B5EF4-FFF2-40B4-BE49-F238E27FC236}">
+                <a16:creationId xmlns:a16="http://schemas.microsoft.com/office/drawing/2014/main" id="{2C2D99C3-578C-42BC-805F-E07A1FC33DE7}"/>
+              </a:ext>
+            </a:extLst>
+          </p:cNvPr>
+          <p:cNvSpPr>
+            <a:spLocks noGrp="1"/>
+          </p:cNvSpPr>
+          <p:nvPr>
+            <p:ph idx="1"/>
+          </p:nvPr>
+        </p:nvSpPr>
+        <p:spPr>
+          <a:xfrm>
+            <a:off x="2880487" y="2249046"/>
+            <a:ext cx="6123783" cy="3802762"/>
+          </a:xfrm>
+        </p:spPr>
+        <p:txBody>
+          <a:bodyPr anchor="t">
+            <a:normAutofit/>
+          </a:bodyPr>
+          <a:lstStyle/>
+          <a:p>
+            <a:endParaRPr lang="en-US" sz="1600"/>
+          </a:p>
+        </p:txBody>
+      </p:sp>
     </p:spTree>
     <p:extLst>
       <p:ext uri="{BB962C8B-B14F-4D97-AF65-F5344CB8AC3E}">
-        <p14:creationId xmlns:p14="http://schemas.microsoft.com/office/powerpoint/2010/main" val="1785544335"/>
+        <p14:creationId xmlns:p14="http://schemas.microsoft.com/office/powerpoint/2010/main" val="2721703034"/>
       </p:ext>
     </p:extLst>
   </p:cSld>
@@ -26441,7 +26529,7 @@
           </a:bodyPr>
           <a:lstStyle/>
           <a:p>
-            <a:endParaRPr lang="en-US" sz="1600">
+            <a:endParaRPr lang="en-US" sz="1600" dirty="0">
               <a:solidFill>
                 <a:srgbClr val="FFFFFE"/>
               </a:solidFill>
@@ -26562,6 +26650,14 @@
 <file path=ppt/slides/slide7.xml><?xml version="1.0" encoding="utf-8"?>
 <p:sld xmlns:a="http://schemas.openxmlformats.org/drawingml/2006/main" xmlns:r="http://schemas.openxmlformats.org/officeDocument/2006/relationships" xmlns:p="http://schemas.openxmlformats.org/presentationml/2006/main">
   <p:cSld>
+    <p:bg>
+      <p:bgPr>
+        <a:solidFill>
+          <a:schemeClr val="bg1"/>
+        </a:solidFill>
+        <a:effectLst/>
+      </p:bgPr>
+    </p:bg>
     <p:spTree>
       <p:nvGrpSpPr>
         <p:cNvPr id="1" name=""/>
@@ -26576,6 +26672,2051 @@
           <a:chExt cx="0" cy="0"/>
         </a:xfrm>
       </p:grpSpPr>
+      <p:sp useBgFill="1">
+        <p:nvSpPr>
+          <p:cNvPr id="9" name="Rectangle 8">
+            <a:extLst>
+              <a:ext uri="{FF2B5EF4-FFF2-40B4-BE49-F238E27FC236}">
+                <a16:creationId xmlns:a16="http://schemas.microsoft.com/office/drawing/2014/main" id="{982413CC-69E6-4BDA-A88D-E4EF8F95B27D}"/>
+              </a:ext>
+              <a:ext uri="{C183D7F6-B498-43B3-948B-1728B52AA6E4}">
+                <adec:decorative xmlns:adec="http://schemas.microsoft.com/office/drawing/2017/decorative" val="1"/>
+              </a:ext>
+            </a:extLst>
+          </p:cNvPr>
+          <p:cNvSpPr>
+            <a:spLocks noGrp="1" noRot="1" noChangeAspect="1" noMove="1" noResize="1" noEditPoints="1" noAdjustHandles="1" noChangeArrowheads="1" noChangeShapeType="1" noTextEdit="1"/>
+          </p:cNvSpPr>
+          <p:nvPr>
+            <p:extLst>
+              <p:ext uri="{386F3935-93C4-4BCD-93E2-E3B085C9AB24}">
+                <p16:designElem xmlns:p16="http://schemas.microsoft.com/office/powerpoint/2015/main" val="1"/>
+              </p:ext>
+            </p:extLst>
+          </p:nvPr>
+        </p:nvSpPr>
+        <p:spPr>
+          <a:xfrm>
+            <a:off x="0" y="0"/>
+            <a:ext cx="12191695" cy="6858000"/>
+          </a:xfrm>
+          <a:prstGeom prst="rect">
+            <a:avLst/>
+          </a:prstGeom>
+          <a:ln>
+            <a:noFill/>
+          </a:ln>
+        </p:spPr>
+        <p:style>
+          <a:lnRef idx="2">
+            <a:schemeClr val="accent1">
+              <a:shade val="50000"/>
+            </a:schemeClr>
+          </a:lnRef>
+          <a:fillRef idx="1">
+            <a:schemeClr val="accent1"/>
+          </a:fillRef>
+          <a:effectRef idx="0">
+            <a:schemeClr val="accent1"/>
+          </a:effectRef>
+          <a:fontRef idx="minor">
+            <a:schemeClr val="lt1"/>
+          </a:fontRef>
+        </p:style>
+        <p:txBody>
+          <a:bodyPr rtlCol="0" anchor="ctr"/>
+          <a:lstStyle/>
+          <a:p>
+            <a:pPr algn="ctr"/>
+            <a:endParaRPr lang="en-US"/>
+          </a:p>
+        </p:txBody>
+      </p:sp>
+      <p:grpSp>
+        <p:nvGrpSpPr>
+          <p:cNvPr id="11" name="Group 10">
+            <a:extLst>
+              <a:ext uri="{FF2B5EF4-FFF2-40B4-BE49-F238E27FC236}">
+                <a16:creationId xmlns:a16="http://schemas.microsoft.com/office/drawing/2014/main" id="{4F1F7357-8633-4CE7-BF80-475EE8A2FAEA}"/>
+              </a:ext>
+              <a:ext uri="{C183D7F6-B498-43B3-948B-1728B52AA6E4}">
+                <adec:decorative xmlns:adec="http://schemas.microsoft.com/office/drawing/2017/decorative" val="1"/>
+              </a:ext>
+            </a:extLst>
+          </p:cNvPr>
+          <p:cNvGrpSpPr>
+            <a:grpSpLocks noGrp="1" noUngrp="1" noRot="1" noChangeAspect="1" noMove="1" noResize="1"/>
+          </p:cNvGrpSpPr>
+          <p:nvPr>
+            <p:extLst>
+              <p:ext uri="{386F3935-93C4-4BCD-93E2-E3B085C9AB24}">
+                <p16:designElem xmlns:p16="http://schemas.microsoft.com/office/powerpoint/2015/main" val="1"/>
+              </p:ext>
+            </p:extLst>
+          </p:nvPr>
+        </p:nvGrpSpPr>
+        <p:grpSpPr>
+          <a:xfrm>
+            <a:off x="-417513" y="0"/>
+            <a:ext cx="12584114" cy="6853238"/>
+            <a:chOff x="-417513" y="0"/>
+            <a:chExt cx="12584114" cy="6853238"/>
+          </a:xfrm>
+        </p:grpSpPr>
+        <p:sp>
+          <p:nvSpPr>
+            <p:cNvPr id="12" name="Freeform 5">
+              <a:extLst>
+                <a:ext uri="{FF2B5EF4-FFF2-40B4-BE49-F238E27FC236}">
+                  <a16:creationId xmlns:a16="http://schemas.microsoft.com/office/drawing/2014/main" id="{E402FE4E-C12D-497C-AF81-F08E4E02B457}"/>
+                </a:ext>
+                <a:ext uri="{C183D7F6-B498-43B3-948B-1728B52AA6E4}">
+                  <adec:decorative xmlns:adec="http://schemas.microsoft.com/office/drawing/2017/decorative" val="1"/>
+                </a:ext>
+              </a:extLst>
+            </p:cNvPr>
+            <p:cNvSpPr>
+              <a:spLocks/>
+            </p:cNvSpPr>
+            <p:nvPr>
+              <p:extLst>
+                <p:ext uri="{386F3935-93C4-4BCD-93E2-E3B085C9AB24}">
+                  <p16:designElem xmlns:p16="http://schemas.microsoft.com/office/powerpoint/2015/main" val="1"/>
+                </p:ext>
+              </p:extLst>
+            </p:nvPr>
+          </p:nvSpPr>
+          <p:spPr bwMode="auto">
+            <a:xfrm>
+              <a:off x="1306513" y="0"/>
+              <a:ext cx="3862388" cy="6843713"/>
+            </a:xfrm>
+            <a:custGeom>
+              <a:avLst/>
+              <a:gdLst>
+                <a:gd name="T0" fmla="*/ 813 w 813"/>
+                <a:gd name="T1" fmla="*/ 0 h 1440"/>
+                <a:gd name="T2" fmla="*/ 435 w 813"/>
+                <a:gd name="T3" fmla="*/ 1440 h 1440"/>
+              </a:gdLst>
+              <a:ahLst/>
+              <a:cxnLst>
+                <a:cxn ang="0">
+                  <a:pos x="T0" y="T1"/>
+                </a:cxn>
+                <a:cxn ang="0">
+                  <a:pos x="T2" y="T3"/>
+                </a:cxn>
+              </a:cxnLst>
+              <a:rect l="0" t="0" r="r" b="b"/>
+              <a:pathLst>
+                <a:path w="813" h="1440">
+                  <a:moveTo>
+                    <a:pt x="813" y="0"/>
+                  </a:moveTo>
+                  <a:cubicBezTo>
+                    <a:pt x="331" y="221"/>
+                    <a:pt x="0" y="1039"/>
+                    <a:pt x="435" y="1440"/>
+                  </a:cubicBezTo>
+                </a:path>
+              </a:pathLst>
+            </a:custGeom>
+            <a:noFill/>
+            <a:ln w="9525" cap="flat">
+              <a:solidFill>
+                <a:schemeClr val="tx1">
+                  <a:alpha val="15000"/>
+                </a:schemeClr>
+              </a:solidFill>
+              <a:prstDash val="solid"/>
+              <a:miter lim="800000"/>
+              <a:headEnd/>
+              <a:tailEnd/>
+            </a:ln>
+            <a:extLst>
+              <a:ext uri="{909E8E84-426E-40DD-AFC4-6F175D3DCCD1}">
+                <a14:hiddenFill xmlns:a14="http://schemas.microsoft.com/office/drawing/2010/main">
+                  <a:solidFill>
+                    <a:srgbClr val="FFFFFF"/>
+                  </a:solidFill>
+                </a14:hiddenFill>
+              </a:ext>
+            </a:extLst>
+          </p:spPr>
+          <p:txBody>
+            <a:bodyPr vert="horz" wrap="square" lIns="91440" tIns="45720" rIns="91440" bIns="45720" numCol="1" anchor="t" anchorCtr="0" compatLnSpc="1">
+              <a:prstTxWarp prst="textNoShape">
+                <a:avLst/>
+              </a:prstTxWarp>
+            </a:bodyPr>
+            <a:lstStyle/>
+            <a:p>
+              <a:endParaRPr lang="en-US"/>
+            </a:p>
+          </p:txBody>
+        </p:sp>
+        <p:sp>
+          <p:nvSpPr>
+            <p:cNvPr id="13" name="Freeform 6">
+              <a:extLst>
+                <a:ext uri="{FF2B5EF4-FFF2-40B4-BE49-F238E27FC236}">
+                  <a16:creationId xmlns:a16="http://schemas.microsoft.com/office/drawing/2014/main" id="{59247B10-170D-4E62-849A-38FCB43C6AF9}"/>
+                </a:ext>
+                <a:ext uri="{C183D7F6-B498-43B3-948B-1728B52AA6E4}">
+                  <adec:decorative xmlns:adec="http://schemas.microsoft.com/office/drawing/2017/decorative" val="1"/>
+                </a:ext>
+              </a:extLst>
+            </p:cNvPr>
+            <p:cNvSpPr>
+              <a:spLocks/>
+            </p:cNvSpPr>
+            <p:nvPr>
+              <p:extLst>
+                <p:ext uri="{386F3935-93C4-4BCD-93E2-E3B085C9AB24}">
+                  <p16:designElem xmlns:p16="http://schemas.microsoft.com/office/powerpoint/2015/main" val="1"/>
+                </p:ext>
+              </p:extLst>
+            </p:nvPr>
+          </p:nvSpPr>
+          <p:spPr bwMode="auto">
+            <a:xfrm>
+              <a:off x="10626725" y="9525"/>
+              <a:ext cx="1539875" cy="555625"/>
+            </a:xfrm>
+            <a:custGeom>
+              <a:avLst/>
+              <a:gdLst>
+                <a:gd name="T0" fmla="*/ 324 w 324"/>
+                <a:gd name="T1" fmla="*/ 117 h 117"/>
+                <a:gd name="T2" fmla="*/ 0 w 324"/>
+                <a:gd name="T3" fmla="*/ 0 h 117"/>
+              </a:gdLst>
+              <a:ahLst/>
+              <a:cxnLst>
+                <a:cxn ang="0">
+                  <a:pos x="T0" y="T1"/>
+                </a:cxn>
+                <a:cxn ang="0">
+                  <a:pos x="T2" y="T3"/>
+                </a:cxn>
+              </a:cxnLst>
+              <a:rect l="0" t="0" r="r" b="b"/>
+              <a:pathLst>
+                <a:path w="324" h="117">
+                  <a:moveTo>
+                    <a:pt x="324" y="117"/>
+                  </a:moveTo>
+                  <a:cubicBezTo>
+                    <a:pt x="223" y="64"/>
+                    <a:pt x="107" y="28"/>
+                    <a:pt x="0" y="0"/>
+                  </a:cubicBezTo>
+                </a:path>
+              </a:pathLst>
+            </a:custGeom>
+            <a:noFill/>
+            <a:ln w="9525" cap="flat">
+              <a:solidFill>
+                <a:schemeClr val="tx1">
+                  <a:alpha val="15000"/>
+                </a:schemeClr>
+              </a:solidFill>
+              <a:prstDash val="solid"/>
+              <a:miter lim="800000"/>
+              <a:headEnd/>
+              <a:tailEnd/>
+            </a:ln>
+            <a:extLst>
+              <a:ext uri="{909E8E84-426E-40DD-AFC4-6F175D3DCCD1}">
+                <a14:hiddenFill xmlns:a14="http://schemas.microsoft.com/office/drawing/2010/main">
+                  <a:solidFill>
+                    <a:srgbClr val="FFFFFF"/>
+                  </a:solidFill>
+                </a14:hiddenFill>
+              </a:ext>
+            </a:extLst>
+          </p:spPr>
+          <p:txBody>
+            <a:bodyPr vert="horz" wrap="square" lIns="91440" tIns="45720" rIns="91440" bIns="45720" numCol="1" anchor="t" anchorCtr="0" compatLnSpc="1">
+              <a:prstTxWarp prst="textNoShape">
+                <a:avLst/>
+              </a:prstTxWarp>
+            </a:bodyPr>
+            <a:lstStyle/>
+            <a:p>
+              <a:endParaRPr lang="en-US"/>
+            </a:p>
+          </p:txBody>
+        </p:sp>
+        <p:sp>
+          <p:nvSpPr>
+            <p:cNvPr id="14" name="Freeform 7">
+              <a:extLst>
+                <a:ext uri="{FF2B5EF4-FFF2-40B4-BE49-F238E27FC236}">
+                  <a16:creationId xmlns:a16="http://schemas.microsoft.com/office/drawing/2014/main" id="{89A587A7-1BEF-45AA-9EFC-6558A8749CE3}"/>
+                </a:ext>
+                <a:ext uri="{C183D7F6-B498-43B3-948B-1728B52AA6E4}">
+                  <adec:decorative xmlns:adec="http://schemas.microsoft.com/office/drawing/2017/decorative" val="1"/>
+                </a:ext>
+              </a:extLst>
+            </p:cNvPr>
+            <p:cNvSpPr>
+              <a:spLocks/>
+            </p:cNvSpPr>
+            <p:nvPr>
+              <p:extLst>
+                <p:ext uri="{386F3935-93C4-4BCD-93E2-E3B085C9AB24}">
+                  <p16:designElem xmlns:p16="http://schemas.microsoft.com/office/powerpoint/2015/main" val="1"/>
+                </p:ext>
+              </p:extLst>
+            </p:nvPr>
+          </p:nvSpPr>
+          <p:spPr bwMode="auto">
+            <a:xfrm>
+              <a:off x="10247313" y="5013325"/>
+              <a:ext cx="1919288" cy="1830388"/>
+            </a:xfrm>
+            <a:custGeom>
+              <a:avLst/>
+              <a:gdLst>
+                <a:gd name="T0" fmla="*/ 0 w 404"/>
+                <a:gd name="T1" fmla="*/ 385 h 385"/>
+                <a:gd name="T2" fmla="*/ 404 w 404"/>
+                <a:gd name="T3" fmla="*/ 0 h 385"/>
+              </a:gdLst>
+              <a:ahLst/>
+              <a:cxnLst>
+                <a:cxn ang="0">
+                  <a:pos x="T0" y="T1"/>
+                </a:cxn>
+                <a:cxn ang="0">
+                  <a:pos x="T2" y="T3"/>
+                </a:cxn>
+              </a:cxnLst>
+              <a:rect l="0" t="0" r="r" b="b"/>
+              <a:pathLst>
+                <a:path w="404" h="385">
+                  <a:moveTo>
+                    <a:pt x="0" y="385"/>
+                  </a:moveTo>
+                  <a:cubicBezTo>
+                    <a:pt x="146" y="272"/>
+                    <a:pt x="285" y="142"/>
+                    <a:pt x="404" y="0"/>
+                  </a:cubicBezTo>
+                </a:path>
+              </a:pathLst>
+            </a:custGeom>
+            <a:noFill/>
+            <a:ln w="9525" cap="flat">
+              <a:solidFill>
+                <a:schemeClr val="tx1">
+                  <a:alpha val="15000"/>
+                </a:schemeClr>
+              </a:solidFill>
+              <a:prstDash val="solid"/>
+              <a:miter lim="800000"/>
+              <a:headEnd/>
+              <a:tailEnd/>
+            </a:ln>
+            <a:extLst>
+              <a:ext uri="{909E8E84-426E-40DD-AFC4-6F175D3DCCD1}">
+                <a14:hiddenFill xmlns:a14="http://schemas.microsoft.com/office/drawing/2010/main">
+                  <a:solidFill>
+                    <a:srgbClr val="FFFFFF"/>
+                  </a:solidFill>
+                </a14:hiddenFill>
+              </a:ext>
+            </a:extLst>
+          </p:spPr>
+          <p:txBody>
+            <a:bodyPr vert="horz" wrap="square" lIns="91440" tIns="45720" rIns="91440" bIns="45720" numCol="1" anchor="t" anchorCtr="0" compatLnSpc="1">
+              <a:prstTxWarp prst="textNoShape">
+                <a:avLst/>
+              </a:prstTxWarp>
+            </a:bodyPr>
+            <a:lstStyle/>
+            <a:p>
+              <a:endParaRPr lang="en-US"/>
+            </a:p>
+          </p:txBody>
+        </p:sp>
+        <p:sp>
+          <p:nvSpPr>
+            <p:cNvPr id="15" name="Freeform 8">
+              <a:extLst>
+                <a:ext uri="{FF2B5EF4-FFF2-40B4-BE49-F238E27FC236}">
+                  <a16:creationId xmlns:a16="http://schemas.microsoft.com/office/drawing/2014/main" id="{AC25B5A1-6EF7-44EC-A2F0-1EDC96A79B07}"/>
+                </a:ext>
+                <a:ext uri="{C183D7F6-B498-43B3-948B-1728B52AA6E4}">
+                  <adec:decorative xmlns:adec="http://schemas.microsoft.com/office/drawing/2017/decorative" val="1"/>
+                </a:ext>
+              </a:extLst>
+            </p:cNvPr>
+            <p:cNvSpPr>
+              <a:spLocks/>
+            </p:cNvSpPr>
+            <p:nvPr>
+              <p:extLst>
+                <p:ext uri="{386F3935-93C4-4BCD-93E2-E3B085C9AB24}">
+                  <p16:designElem xmlns:p16="http://schemas.microsoft.com/office/powerpoint/2015/main" val="1"/>
+                </p:ext>
+              </p:extLst>
+            </p:nvPr>
+          </p:nvSpPr>
+          <p:spPr bwMode="auto">
+            <a:xfrm>
+              <a:off x="1120775" y="0"/>
+              <a:ext cx="3676650" cy="6843713"/>
+            </a:xfrm>
+            <a:custGeom>
+              <a:avLst/>
+              <a:gdLst>
+                <a:gd name="T0" fmla="*/ 774 w 774"/>
+                <a:gd name="T1" fmla="*/ 0 h 1440"/>
+                <a:gd name="T2" fmla="*/ 411 w 774"/>
+                <a:gd name="T3" fmla="*/ 1440 h 1440"/>
+              </a:gdLst>
+              <a:ahLst/>
+              <a:cxnLst>
+                <a:cxn ang="0">
+                  <a:pos x="T0" y="T1"/>
+                </a:cxn>
+                <a:cxn ang="0">
+                  <a:pos x="T2" y="T3"/>
+                </a:cxn>
+              </a:cxnLst>
+              <a:rect l="0" t="0" r="r" b="b"/>
+              <a:pathLst>
+                <a:path w="774" h="1440">
+                  <a:moveTo>
+                    <a:pt x="774" y="0"/>
+                  </a:moveTo>
+                  <a:cubicBezTo>
+                    <a:pt x="312" y="240"/>
+                    <a:pt x="0" y="1034"/>
+                    <a:pt x="411" y="1440"/>
+                  </a:cubicBezTo>
+                </a:path>
+              </a:pathLst>
+            </a:custGeom>
+            <a:noFill/>
+            <a:ln w="9525" cap="flat">
+              <a:solidFill>
+                <a:schemeClr val="tx1">
+                  <a:alpha val="15000"/>
+                </a:schemeClr>
+              </a:solidFill>
+              <a:prstDash val="dash"/>
+              <a:miter lim="800000"/>
+              <a:headEnd/>
+              <a:tailEnd/>
+            </a:ln>
+            <a:extLst>
+              <a:ext uri="{909E8E84-426E-40DD-AFC4-6F175D3DCCD1}">
+                <a14:hiddenFill xmlns:a14="http://schemas.microsoft.com/office/drawing/2010/main">
+                  <a:solidFill>
+                    <a:srgbClr val="FFFFFF"/>
+                  </a:solidFill>
+                </a14:hiddenFill>
+              </a:ext>
+            </a:extLst>
+          </p:spPr>
+          <p:txBody>
+            <a:bodyPr vert="horz" wrap="square" lIns="91440" tIns="45720" rIns="91440" bIns="45720" numCol="1" anchor="t" anchorCtr="0" compatLnSpc="1">
+              <a:prstTxWarp prst="textNoShape">
+                <a:avLst/>
+              </a:prstTxWarp>
+            </a:bodyPr>
+            <a:lstStyle/>
+            <a:p>
+              <a:endParaRPr lang="en-US"/>
+            </a:p>
+          </p:txBody>
+        </p:sp>
+        <p:sp>
+          <p:nvSpPr>
+            <p:cNvPr id="16" name="Freeform 9">
+              <a:extLst>
+                <a:ext uri="{FF2B5EF4-FFF2-40B4-BE49-F238E27FC236}">
+                  <a16:creationId xmlns:a16="http://schemas.microsoft.com/office/drawing/2014/main" id="{80B8582C-7E17-4115-9FF1-979C8405CB5E}"/>
+                </a:ext>
+                <a:ext uri="{C183D7F6-B498-43B3-948B-1728B52AA6E4}">
+                  <adec:decorative xmlns:adec="http://schemas.microsoft.com/office/drawing/2017/decorative" val="1"/>
+                </a:ext>
+              </a:extLst>
+            </p:cNvPr>
+            <p:cNvSpPr>
+              <a:spLocks/>
+            </p:cNvSpPr>
+            <p:nvPr>
+              <p:extLst>
+                <p:ext uri="{386F3935-93C4-4BCD-93E2-E3B085C9AB24}">
+                  <p16:designElem xmlns:p16="http://schemas.microsoft.com/office/powerpoint/2015/main" val="1"/>
+                </p:ext>
+              </p:extLst>
+            </p:nvPr>
+          </p:nvSpPr>
+          <p:spPr bwMode="auto">
+            <a:xfrm>
+              <a:off x="11202988" y="9525"/>
+              <a:ext cx="963613" cy="366713"/>
+            </a:xfrm>
+            <a:custGeom>
+              <a:avLst/>
+              <a:gdLst>
+                <a:gd name="T0" fmla="*/ 203 w 203"/>
+                <a:gd name="T1" fmla="*/ 77 h 77"/>
+                <a:gd name="T2" fmla="*/ 0 w 203"/>
+                <a:gd name="T3" fmla="*/ 0 h 77"/>
+              </a:gdLst>
+              <a:ahLst/>
+              <a:cxnLst>
+                <a:cxn ang="0">
+                  <a:pos x="T0" y="T1"/>
+                </a:cxn>
+                <a:cxn ang="0">
+                  <a:pos x="T2" y="T3"/>
+                </a:cxn>
+              </a:cxnLst>
+              <a:rect l="0" t="0" r="r" b="b"/>
+              <a:pathLst>
+                <a:path w="203" h="77">
+                  <a:moveTo>
+                    <a:pt x="203" y="77"/>
+                  </a:moveTo>
+                  <a:cubicBezTo>
+                    <a:pt x="138" y="46"/>
+                    <a:pt x="68" y="21"/>
+                    <a:pt x="0" y="0"/>
+                  </a:cubicBezTo>
+                </a:path>
+              </a:pathLst>
+            </a:custGeom>
+            <a:noFill/>
+            <a:ln w="9525" cap="flat">
+              <a:solidFill>
+                <a:schemeClr val="tx1">
+                  <a:alpha val="15000"/>
+                </a:schemeClr>
+              </a:solidFill>
+              <a:prstDash val="dash"/>
+              <a:miter lim="800000"/>
+              <a:headEnd/>
+              <a:tailEnd/>
+            </a:ln>
+            <a:extLst>
+              <a:ext uri="{909E8E84-426E-40DD-AFC4-6F175D3DCCD1}">
+                <a14:hiddenFill xmlns:a14="http://schemas.microsoft.com/office/drawing/2010/main">
+                  <a:solidFill>
+                    <a:srgbClr val="FFFFFF"/>
+                  </a:solidFill>
+                </a14:hiddenFill>
+              </a:ext>
+            </a:extLst>
+          </p:spPr>
+          <p:txBody>
+            <a:bodyPr vert="horz" wrap="square" lIns="91440" tIns="45720" rIns="91440" bIns="45720" numCol="1" anchor="t" anchorCtr="0" compatLnSpc="1">
+              <a:prstTxWarp prst="textNoShape">
+                <a:avLst/>
+              </a:prstTxWarp>
+            </a:bodyPr>
+            <a:lstStyle/>
+            <a:p>
+              <a:endParaRPr lang="en-US"/>
+            </a:p>
+          </p:txBody>
+        </p:sp>
+        <p:sp>
+          <p:nvSpPr>
+            <p:cNvPr id="17" name="Freeform 10">
+              <a:extLst>
+                <a:ext uri="{FF2B5EF4-FFF2-40B4-BE49-F238E27FC236}">
+                  <a16:creationId xmlns:a16="http://schemas.microsoft.com/office/drawing/2014/main" id="{F6C4AB66-7A18-4E51-935B-237F4CA82720}"/>
+                </a:ext>
+                <a:ext uri="{C183D7F6-B498-43B3-948B-1728B52AA6E4}">
+                  <adec:decorative xmlns:adec="http://schemas.microsoft.com/office/drawing/2017/decorative" val="1"/>
+                </a:ext>
+              </a:extLst>
+            </p:cNvPr>
+            <p:cNvSpPr>
+              <a:spLocks/>
+            </p:cNvSpPr>
+            <p:nvPr>
+              <p:extLst>
+                <p:ext uri="{386F3935-93C4-4BCD-93E2-E3B085C9AB24}">
+                  <p16:designElem xmlns:p16="http://schemas.microsoft.com/office/powerpoint/2015/main" val="1"/>
+                </p:ext>
+              </p:extLst>
+            </p:nvPr>
+          </p:nvSpPr>
+          <p:spPr bwMode="auto">
+            <a:xfrm>
+              <a:off x="10494963" y="5275263"/>
+              <a:ext cx="1666875" cy="1577975"/>
+            </a:xfrm>
+            <a:custGeom>
+              <a:avLst/>
+              <a:gdLst>
+                <a:gd name="T0" fmla="*/ 0 w 351"/>
+                <a:gd name="T1" fmla="*/ 332 h 332"/>
+                <a:gd name="T2" fmla="*/ 351 w 351"/>
+                <a:gd name="T3" fmla="*/ 0 h 332"/>
+              </a:gdLst>
+              <a:ahLst/>
+              <a:cxnLst>
+                <a:cxn ang="0">
+                  <a:pos x="T0" y="T1"/>
+                </a:cxn>
+                <a:cxn ang="0">
+                  <a:pos x="T2" y="T3"/>
+                </a:cxn>
+              </a:cxnLst>
+              <a:rect l="0" t="0" r="r" b="b"/>
+              <a:pathLst>
+                <a:path w="351" h="332">
+                  <a:moveTo>
+                    <a:pt x="0" y="332"/>
+                  </a:moveTo>
+                  <a:cubicBezTo>
+                    <a:pt x="125" y="232"/>
+                    <a:pt x="245" y="121"/>
+                    <a:pt x="351" y="0"/>
+                  </a:cubicBezTo>
+                </a:path>
+              </a:pathLst>
+            </a:custGeom>
+            <a:noFill/>
+            <a:ln w="9525" cap="flat">
+              <a:solidFill>
+                <a:schemeClr val="tx1">
+                  <a:alpha val="15000"/>
+                </a:schemeClr>
+              </a:solidFill>
+              <a:prstDash val="dash"/>
+              <a:miter lim="800000"/>
+              <a:headEnd/>
+              <a:tailEnd/>
+            </a:ln>
+            <a:extLst>
+              <a:ext uri="{909E8E84-426E-40DD-AFC4-6F175D3DCCD1}">
+                <a14:hiddenFill xmlns:a14="http://schemas.microsoft.com/office/drawing/2010/main">
+                  <a:solidFill>
+                    <a:srgbClr val="FFFFFF"/>
+                  </a:solidFill>
+                </a14:hiddenFill>
+              </a:ext>
+            </a:extLst>
+          </p:spPr>
+          <p:txBody>
+            <a:bodyPr vert="horz" wrap="square" lIns="91440" tIns="45720" rIns="91440" bIns="45720" numCol="1" anchor="t" anchorCtr="0" compatLnSpc="1">
+              <a:prstTxWarp prst="textNoShape">
+                <a:avLst/>
+              </a:prstTxWarp>
+            </a:bodyPr>
+            <a:lstStyle/>
+            <a:p>
+              <a:endParaRPr lang="en-US"/>
+            </a:p>
+          </p:txBody>
+        </p:sp>
+        <p:sp>
+          <p:nvSpPr>
+            <p:cNvPr id="18" name="Freeform 11">
+              <a:extLst>
+                <a:ext uri="{FF2B5EF4-FFF2-40B4-BE49-F238E27FC236}">
+                  <a16:creationId xmlns:a16="http://schemas.microsoft.com/office/drawing/2014/main" id="{CDF12911-A240-4580-8788-0C49DB1FEDBF}"/>
+                </a:ext>
+                <a:ext uri="{C183D7F6-B498-43B3-948B-1728B52AA6E4}">
+                  <adec:decorative xmlns:adec="http://schemas.microsoft.com/office/drawing/2017/decorative" val="1"/>
+                </a:ext>
+              </a:extLst>
+            </p:cNvPr>
+            <p:cNvSpPr>
+              <a:spLocks/>
+            </p:cNvSpPr>
+            <p:nvPr>
+              <p:extLst>
+                <p:ext uri="{386F3935-93C4-4BCD-93E2-E3B085C9AB24}">
+                  <p16:designElem xmlns:p16="http://schemas.microsoft.com/office/powerpoint/2015/main" val="1"/>
+                </p:ext>
+              </p:extLst>
+            </p:nvPr>
+          </p:nvSpPr>
+          <p:spPr bwMode="auto">
+            <a:xfrm>
+              <a:off x="1001713" y="0"/>
+              <a:ext cx="3621088" cy="6843713"/>
+            </a:xfrm>
+            <a:custGeom>
+              <a:avLst/>
+              <a:gdLst>
+                <a:gd name="T0" fmla="*/ 762 w 762"/>
+                <a:gd name="T1" fmla="*/ 0 h 1440"/>
+                <a:gd name="T2" fmla="*/ 403 w 762"/>
+                <a:gd name="T3" fmla="*/ 1440 h 1440"/>
+              </a:gdLst>
+              <a:ahLst/>
+              <a:cxnLst>
+                <a:cxn ang="0">
+                  <a:pos x="T0" y="T1"/>
+                </a:cxn>
+                <a:cxn ang="0">
+                  <a:pos x="T2" y="T3"/>
+                </a:cxn>
+              </a:cxnLst>
+              <a:rect l="0" t="0" r="r" b="b"/>
+              <a:pathLst>
+                <a:path w="762" h="1440">
+                  <a:moveTo>
+                    <a:pt x="762" y="0"/>
+                  </a:moveTo>
+                  <a:cubicBezTo>
+                    <a:pt x="308" y="245"/>
+                    <a:pt x="0" y="1033"/>
+                    <a:pt x="403" y="1440"/>
+                  </a:cubicBezTo>
+                </a:path>
+              </a:pathLst>
+            </a:custGeom>
+            <a:noFill/>
+            <a:ln w="9525" cap="flat">
+              <a:solidFill>
+                <a:schemeClr val="tx1">
+                  <a:alpha val="15000"/>
+                </a:schemeClr>
+              </a:solidFill>
+              <a:prstDash val="solid"/>
+              <a:miter lim="800000"/>
+              <a:headEnd/>
+              <a:tailEnd/>
+            </a:ln>
+            <a:extLst>
+              <a:ext uri="{909E8E84-426E-40DD-AFC4-6F175D3DCCD1}">
+                <a14:hiddenFill xmlns:a14="http://schemas.microsoft.com/office/drawing/2010/main">
+                  <a:solidFill>
+                    <a:srgbClr val="FFFFFF"/>
+                  </a:solidFill>
+                </a14:hiddenFill>
+              </a:ext>
+            </a:extLst>
+          </p:spPr>
+          <p:txBody>
+            <a:bodyPr vert="horz" wrap="square" lIns="91440" tIns="45720" rIns="91440" bIns="45720" numCol="1" anchor="t" anchorCtr="0" compatLnSpc="1">
+              <a:prstTxWarp prst="textNoShape">
+                <a:avLst/>
+              </a:prstTxWarp>
+            </a:bodyPr>
+            <a:lstStyle/>
+            <a:p>
+              <a:endParaRPr lang="en-US"/>
+            </a:p>
+          </p:txBody>
+        </p:sp>
+        <p:sp>
+          <p:nvSpPr>
+            <p:cNvPr id="19" name="Freeform 12">
+              <a:extLst>
+                <a:ext uri="{FF2B5EF4-FFF2-40B4-BE49-F238E27FC236}">
+                  <a16:creationId xmlns:a16="http://schemas.microsoft.com/office/drawing/2014/main" id="{EAE0F5DE-442D-4F6C-B02C-2568ED195858}"/>
+                </a:ext>
+                <a:ext uri="{C183D7F6-B498-43B3-948B-1728B52AA6E4}">
+                  <adec:decorative xmlns:adec="http://schemas.microsoft.com/office/drawing/2017/decorative" val="1"/>
+                </a:ext>
+              </a:extLst>
+            </p:cNvPr>
+            <p:cNvSpPr>
+              <a:spLocks/>
+            </p:cNvSpPr>
+            <p:nvPr>
+              <p:extLst>
+                <p:ext uri="{386F3935-93C4-4BCD-93E2-E3B085C9AB24}">
+                  <p16:designElem xmlns:p16="http://schemas.microsoft.com/office/powerpoint/2015/main" val="1"/>
+                </p:ext>
+              </p:extLst>
+            </p:nvPr>
+          </p:nvSpPr>
+          <p:spPr bwMode="auto">
+            <a:xfrm>
+              <a:off x="11501438" y="9525"/>
+              <a:ext cx="665163" cy="257175"/>
+            </a:xfrm>
+            <a:custGeom>
+              <a:avLst/>
+              <a:gdLst>
+                <a:gd name="T0" fmla="*/ 140 w 140"/>
+                <a:gd name="T1" fmla="*/ 54 h 54"/>
+                <a:gd name="T2" fmla="*/ 0 w 140"/>
+                <a:gd name="T3" fmla="*/ 0 h 54"/>
+              </a:gdLst>
+              <a:ahLst/>
+              <a:cxnLst>
+                <a:cxn ang="0">
+                  <a:pos x="T0" y="T1"/>
+                </a:cxn>
+                <a:cxn ang="0">
+                  <a:pos x="T2" y="T3"/>
+                </a:cxn>
+              </a:cxnLst>
+              <a:rect l="0" t="0" r="r" b="b"/>
+              <a:pathLst>
+                <a:path w="140" h="54">
+                  <a:moveTo>
+                    <a:pt x="140" y="54"/>
+                  </a:moveTo>
+                  <a:cubicBezTo>
+                    <a:pt x="95" y="34"/>
+                    <a:pt x="48" y="16"/>
+                    <a:pt x="0" y="0"/>
+                  </a:cubicBezTo>
+                </a:path>
+              </a:pathLst>
+            </a:custGeom>
+            <a:noFill/>
+            <a:ln w="9525" cap="flat">
+              <a:solidFill>
+                <a:schemeClr val="tx1">
+                  <a:alpha val="15000"/>
+                </a:schemeClr>
+              </a:solidFill>
+              <a:prstDash val="solid"/>
+              <a:miter lim="800000"/>
+              <a:headEnd/>
+              <a:tailEnd/>
+            </a:ln>
+            <a:extLst>
+              <a:ext uri="{909E8E84-426E-40DD-AFC4-6F175D3DCCD1}">
+                <a14:hiddenFill xmlns:a14="http://schemas.microsoft.com/office/drawing/2010/main">
+                  <a:solidFill>
+                    <a:srgbClr val="FFFFFF"/>
+                  </a:solidFill>
+                </a14:hiddenFill>
+              </a:ext>
+            </a:extLst>
+          </p:spPr>
+          <p:txBody>
+            <a:bodyPr vert="horz" wrap="square" lIns="91440" tIns="45720" rIns="91440" bIns="45720" numCol="1" anchor="t" anchorCtr="0" compatLnSpc="1">
+              <a:prstTxWarp prst="textNoShape">
+                <a:avLst/>
+              </a:prstTxWarp>
+            </a:bodyPr>
+            <a:lstStyle/>
+            <a:p>
+              <a:endParaRPr lang="en-US"/>
+            </a:p>
+          </p:txBody>
+        </p:sp>
+        <p:sp>
+          <p:nvSpPr>
+            <p:cNvPr id="20" name="Freeform 13">
+              <a:extLst>
+                <a:ext uri="{FF2B5EF4-FFF2-40B4-BE49-F238E27FC236}">
+                  <a16:creationId xmlns:a16="http://schemas.microsoft.com/office/drawing/2014/main" id="{4F24A002-AFDE-4034-85BE-CBF005AE9238}"/>
+                </a:ext>
+                <a:ext uri="{C183D7F6-B498-43B3-948B-1728B52AA6E4}">
+                  <adec:decorative xmlns:adec="http://schemas.microsoft.com/office/drawing/2017/decorative" val="1"/>
+                </a:ext>
+              </a:extLst>
+            </p:cNvPr>
+            <p:cNvSpPr>
+              <a:spLocks/>
+            </p:cNvSpPr>
+            <p:nvPr>
+              <p:extLst>
+                <p:ext uri="{386F3935-93C4-4BCD-93E2-E3B085C9AB24}">
+                  <p16:designElem xmlns:p16="http://schemas.microsoft.com/office/powerpoint/2015/main" val="1"/>
+                </p:ext>
+              </p:extLst>
+            </p:nvPr>
+          </p:nvSpPr>
+          <p:spPr bwMode="auto">
+            <a:xfrm>
+              <a:off x="10641013" y="5408613"/>
+              <a:ext cx="1525588" cy="1435100"/>
+            </a:xfrm>
+            <a:custGeom>
+              <a:avLst/>
+              <a:gdLst>
+                <a:gd name="T0" fmla="*/ 0 w 321"/>
+                <a:gd name="T1" fmla="*/ 302 h 302"/>
+                <a:gd name="T2" fmla="*/ 321 w 321"/>
+                <a:gd name="T3" fmla="*/ 0 h 302"/>
+              </a:gdLst>
+              <a:ahLst/>
+              <a:cxnLst>
+                <a:cxn ang="0">
+                  <a:pos x="T0" y="T1"/>
+                </a:cxn>
+                <a:cxn ang="0">
+                  <a:pos x="T2" y="T3"/>
+                </a:cxn>
+              </a:cxnLst>
+              <a:rect l="0" t="0" r="r" b="b"/>
+              <a:pathLst>
+                <a:path w="321" h="302">
+                  <a:moveTo>
+                    <a:pt x="0" y="302"/>
+                  </a:moveTo>
+                  <a:cubicBezTo>
+                    <a:pt x="114" y="210"/>
+                    <a:pt x="223" y="109"/>
+                    <a:pt x="321" y="0"/>
+                  </a:cubicBezTo>
+                </a:path>
+              </a:pathLst>
+            </a:custGeom>
+            <a:noFill/>
+            <a:ln w="9525" cap="flat">
+              <a:solidFill>
+                <a:schemeClr val="tx1">
+                  <a:alpha val="15000"/>
+                </a:schemeClr>
+              </a:solidFill>
+              <a:prstDash val="solid"/>
+              <a:miter lim="800000"/>
+              <a:headEnd/>
+              <a:tailEnd/>
+            </a:ln>
+            <a:extLst>
+              <a:ext uri="{909E8E84-426E-40DD-AFC4-6F175D3DCCD1}">
+                <a14:hiddenFill xmlns:a14="http://schemas.microsoft.com/office/drawing/2010/main">
+                  <a:solidFill>
+                    <a:srgbClr val="FFFFFF"/>
+                  </a:solidFill>
+                </a14:hiddenFill>
+              </a:ext>
+            </a:extLst>
+          </p:spPr>
+          <p:txBody>
+            <a:bodyPr vert="horz" wrap="square" lIns="91440" tIns="45720" rIns="91440" bIns="45720" numCol="1" anchor="t" anchorCtr="0" compatLnSpc="1">
+              <a:prstTxWarp prst="textNoShape">
+                <a:avLst/>
+              </a:prstTxWarp>
+            </a:bodyPr>
+            <a:lstStyle/>
+            <a:p>
+              <a:endParaRPr lang="en-US"/>
+            </a:p>
+          </p:txBody>
+        </p:sp>
+        <p:sp>
+          <p:nvSpPr>
+            <p:cNvPr id="21" name="Freeform 14">
+              <a:extLst>
+                <a:ext uri="{FF2B5EF4-FFF2-40B4-BE49-F238E27FC236}">
+                  <a16:creationId xmlns:a16="http://schemas.microsoft.com/office/drawing/2014/main" id="{36F0721E-B4B0-4A6C-A92C-F8DE92D3AC02}"/>
+                </a:ext>
+                <a:ext uri="{C183D7F6-B498-43B3-948B-1728B52AA6E4}">
+                  <adec:decorative xmlns:adec="http://schemas.microsoft.com/office/drawing/2017/decorative" val="1"/>
+                </a:ext>
+              </a:extLst>
+            </p:cNvPr>
+            <p:cNvSpPr>
+              <a:spLocks/>
+            </p:cNvSpPr>
+            <p:nvPr>
+              <p:extLst>
+                <p:ext uri="{386F3935-93C4-4BCD-93E2-E3B085C9AB24}">
+                  <p16:designElem xmlns:p16="http://schemas.microsoft.com/office/powerpoint/2015/main" val="1"/>
+                </p:ext>
+              </p:extLst>
+            </p:nvPr>
+          </p:nvSpPr>
+          <p:spPr bwMode="auto">
+            <a:xfrm>
+              <a:off x="1001713" y="0"/>
+              <a:ext cx="3244850" cy="6843713"/>
+            </a:xfrm>
+            <a:custGeom>
+              <a:avLst/>
+              <a:gdLst>
+                <a:gd name="T0" fmla="*/ 683 w 683"/>
+                <a:gd name="T1" fmla="*/ 0 h 1440"/>
+                <a:gd name="T2" fmla="*/ 355 w 683"/>
+                <a:gd name="T3" fmla="*/ 1440 h 1440"/>
+              </a:gdLst>
+              <a:ahLst/>
+              <a:cxnLst>
+                <a:cxn ang="0">
+                  <a:pos x="T0" y="T1"/>
+                </a:cxn>
+                <a:cxn ang="0">
+                  <a:pos x="T2" y="T3"/>
+                </a:cxn>
+              </a:cxnLst>
+              <a:rect l="0" t="0" r="r" b="b"/>
+              <a:pathLst>
+                <a:path w="683" h="1440">
+                  <a:moveTo>
+                    <a:pt x="683" y="0"/>
+                  </a:moveTo>
+                  <a:cubicBezTo>
+                    <a:pt x="258" y="256"/>
+                    <a:pt x="0" y="1041"/>
+                    <a:pt x="355" y="1440"/>
+                  </a:cubicBezTo>
+                </a:path>
+              </a:pathLst>
+            </a:custGeom>
+            <a:noFill/>
+            <a:ln w="9525" cap="flat">
+              <a:solidFill>
+                <a:schemeClr val="tx1">
+                  <a:alpha val="15000"/>
+                </a:schemeClr>
+              </a:solidFill>
+              <a:prstDash val="solid"/>
+              <a:miter lim="800000"/>
+              <a:headEnd/>
+              <a:tailEnd/>
+            </a:ln>
+            <a:extLst>
+              <a:ext uri="{909E8E84-426E-40DD-AFC4-6F175D3DCCD1}">
+                <a14:hiddenFill xmlns:a14="http://schemas.microsoft.com/office/drawing/2010/main">
+                  <a:solidFill>
+                    <a:srgbClr val="FFFFFF"/>
+                  </a:solidFill>
+                </a14:hiddenFill>
+              </a:ext>
+            </a:extLst>
+          </p:spPr>
+          <p:txBody>
+            <a:bodyPr vert="horz" wrap="square" lIns="91440" tIns="45720" rIns="91440" bIns="45720" numCol="1" anchor="t" anchorCtr="0" compatLnSpc="1">
+              <a:prstTxWarp prst="textNoShape">
+                <a:avLst/>
+              </a:prstTxWarp>
+            </a:bodyPr>
+            <a:lstStyle/>
+            <a:p>
+              <a:endParaRPr lang="en-US"/>
+            </a:p>
+          </p:txBody>
+        </p:sp>
+        <p:sp>
+          <p:nvSpPr>
+            <p:cNvPr id="22" name="Freeform 15">
+              <a:extLst>
+                <a:ext uri="{FF2B5EF4-FFF2-40B4-BE49-F238E27FC236}">
+                  <a16:creationId xmlns:a16="http://schemas.microsoft.com/office/drawing/2014/main" id="{54D2DC98-69F8-4F2F-9D45-BDFFA5E2BBBB}"/>
+                </a:ext>
+                <a:ext uri="{C183D7F6-B498-43B3-948B-1728B52AA6E4}">
+                  <adec:decorative xmlns:adec="http://schemas.microsoft.com/office/drawing/2017/decorative" val="1"/>
+                </a:ext>
+              </a:extLst>
+            </p:cNvPr>
+            <p:cNvSpPr>
+              <a:spLocks/>
+            </p:cNvSpPr>
+            <p:nvPr>
+              <p:extLst>
+                <p:ext uri="{386F3935-93C4-4BCD-93E2-E3B085C9AB24}">
+                  <p16:designElem xmlns:p16="http://schemas.microsoft.com/office/powerpoint/2015/main" val="1"/>
+                </p:ext>
+              </p:extLst>
+            </p:nvPr>
+          </p:nvSpPr>
+          <p:spPr bwMode="auto">
+            <a:xfrm>
+              <a:off x="10802938" y="5518150"/>
+              <a:ext cx="1363663" cy="1325563"/>
+            </a:xfrm>
+            <a:custGeom>
+              <a:avLst/>
+              <a:gdLst>
+                <a:gd name="T0" fmla="*/ 0 w 287"/>
+                <a:gd name="T1" fmla="*/ 279 h 279"/>
+                <a:gd name="T2" fmla="*/ 287 w 287"/>
+                <a:gd name="T3" fmla="*/ 0 h 279"/>
+              </a:gdLst>
+              <a:ahLst/>
+              <a:cxnLst>
+                <a:cxn ang="0">
+                  <a:pos x="T0" y="T1"/>
+                </a:cxn>
+                <a:cxn ang="0">
+                  <a:pos x="T2" y="T3"/>
+                </a:cxn>
+              </a:cxnLst>
+              <a:rect l="0" t="0" r="r" b="b"/>
+              <a:pathLst>
+                <a:path w="287" h="279">
+                  <a:moveTo>
+                    <a:pt x="0" y="279"/>
+                  </a:moveTo>
+                  <a:cubicBezTo>
+                    <a:pt x="101" y="193"/>
+                    <a:pt x="198" y="100"/>
+                    <a:pt x="287" y="0"/>
+                  </a:cubicBezTo>
+                </a:path>
+              </a:pathLst>
+            </a:custGeom>
+            <a:noFill/>
+            <a:ln w="9525" cap="flat">
+              <a:solidFill>
+                <a:schemeClr val="tx1">
+                  <a:alpha val="15000"/>
+                </a:schemeClr>
+              </a:solidFill>
+              <a:prstDash val="solid"/>
+              <a:miter lim="800000"/>
+              <a:headEnd/>
+              <a:tailEnd/>
+            </a:ln>
+            <a:extLst>
+              <a:ext uri="{909E8E84-426E-40DD-AFC4-6F175D3DCCD1}">
+                <a14:hiddenFill xmlns:a14="http://schemas.microsoft.com/office/drawing/2010/main">
+                  <a:solidFill>
+                    <a:srgbClr val="FFFFFF"/>
+                  </a:solidFill>
+                </a14:hiddenFill>
+              </a:ext>
+            </a:extLst>
+          </p:spPr>
+          <p:txBody>
+            <a:bodyPr vert="horz" wrap="square" lIns="91440" tIns="45720" rIns="91440" bIns="45720" numCol="1" anchor="t" anchorCtr="0" compatLnSpc="1">
+              <a:prstTxWarp prst="textNoShape">
+                <a:avLst/>
+              </a:prstTxWarp>
+            </a:bodyPr>
+            <a:lstStyle/>
+            <a:p>
+              <a:endParaRPr lang="en-US"/>
+            </a:p>
+          </p:txBody>
+        </p:sp>
+        <p:sp>
+          <p:nvSpPr>
+            <p:cNvPr id="23" name="Freeform 16">
+              <a:extLst>
+                <a:ext uri="{FF2B5EF4-FFF2-40B4-BE49-F238E27FC236}">
+                  <a16:creationId xmlns:a16="http://schemas.microsoft.com/office/drawing/2014/main" id="{0A636E33-DC38-40B9-B941-037E5D8603F4}"/>
+                </a:ext>
+                <a:ext uri="{C183D7F6-B498-43B3-948B-1728B52AA6E4}">
+                  <adec:decorative xmlns:adec="http://schemas.microsoft.com/office/drawing/2017/decorative" val="1"/>
+                </a:ext>
+              </a:extLst>
+            </p:cNvPr>
+            <p:cNvSpPr>
+              <a:spLocks/>
+            </p:cNvSpPr>
+            <p:nvPr>
+              <p:extLst>
+                <p:ext uri="{386F3935-93C4-4BCD-93E2-E3B085C9AB24}">
+                  <p16:designElem xmlns:p16="http://schemas.microsoft.com/office/powerpoint/2015/main" val="1"/>
+                </p:ext>
+              </p:extLst>
+            </p:nvPr>
+          </p:nvSpPr>
+          <p:spPr bwMode="auto">
+            <a:xfrm>
+              <a:off x="889000" y="0"/>
+              <a:ext cx="3230563" cy="6843713"/>
+            </a:xfrm>
+            <a:custGeom>
+              <a:avLst/>
+              <a:gdLst>
+                <a:gd name="T0" fmla="*/ 680 w 680"/>
+                <a:gd name="T1" fmla="*/ 0 h 1440"/>
+                <a:gd name="T2" fmla="*/ 337 w 680"/>
+                <a:gd name="T3" fmla="*/ 1440 h 1440"/>
+              </a:gdLst>
+              <a:ahLst/>
+              <a:cxnLst>
+                <a:cxn ang="0">
+                  <a:pos x="T0" y="T1"/>
+                </a:cxn>
+                <a:cxn ang="0">
+                  <a:pos x="T2" y="T3"/>
+                </a:cxn>
+              </a:cxnLst>
+              <a:rect l="0" t="0" r="r" b="b"/>
+              <a:pathLst>
+                <a:path w="680" h="1440">
+                  <a:moveTo>
+                    <a:pt x="680" y="0"/>
+                  </a:moveTo>
+                  <a:cubicBezTo>
+                    <a:pt x="257" y="265"/>
+                    <a:pt x="0" y="1026"/>
+                    <a:pt x="337" y="1440"/>
+                  </a:cubicBezTo>
+                </a:path>
+              </a:pathLst>
+            </a:custGeom>
+            <a:noFill/>
+            <a:ln w="9525" cap="flat">
+              <a:solidFill>
+                <a:schemeClr val="tx1">
+                  <a:alpha val="15000"/>
+                </a:schemeClr>
+              </a:solidFill>
+              <a:prstDash val="solid"/>
+              <a:miter lim="800000"/>
+              <a:headEnd/>
+              <a:tailEnd/>
+            </a:ln>
+            <a:extLst>
+              <a:ext uri="{909E8E84-426E-40DD-AFC4-6F175D3DCCD1}">
+                <a14:hiddenFill xmlns:a14="http://schemas.microsoft.com/office/drawing/2010/main">
+                  <a:solidFill>
+                    <a:srgbClr val="FFFFFF"/>
+                  </a:solidFill>
+                </a14:hiddenFill>
+              </a:ext>
+            </a:extLst>
+          </p:spPr>
+          <p:txBody>
+            <a:bodyPr vert="horz" wrap="square" lIns="91440" tIns="45720" rIns="91440" bIns="45720" numCol="1" anchor="t" anchorCtr="0" compatLnSpc="1">
+              <a:prstTxWarp prst="textNoShape">
+                <a:avLst/>
+              </a:prstTxWarp>
+            </a:bodyPr>
+            <a:lstStyle/>
+            <a:p>
+              <a:endParaRPr lang="en-US"/>
+            </a:p>
+          </p:txBody>
+        </p:sp>
+        <p:sp>
+          <p:nvSpPr>
+            <p:cNvPr id="24" name="Freeform 17">
+              <a:extLst>
+                <a:ext uri="{FF2B5EF4-FFF2-40B4-BE49-F238E27FC236}">
+                  <a16:creationId xmlns:a16="http://schemas.microsoft.com/office/drawing/2014/main" id="{03D30690-68C2-4AEC-9789-1495D97E194F}"/>
+                </a:ext>
+                <a:ext uri="{C183D7F6-B498-43B3-948B-1728B52AA6E4}">
+                  <adec:decorative xmlns:adec="http://schemas.microsoft.com/office/drawing/2017/decorative" val="1"/>
+                </a:ext>
+              </a:extLst>
+            </p:cNvPr>
+            <p:cNvSpPr>
+              <a:spLocks/>
+            </p:cNvSpPr>
+            <p:nvPr>
+              <p:extLst>
+                <p:ext uri="{386F3935-93C4-4BCD-93E2-E3B085C9AB24}">
+                  <p16:designElem xmlns:p16="http://schemas.microsoft.com/office/powerpoint/2015/main" val="1"/>
+                </p:ext>
+              </p:extLst>
+            </p:nvPr>
+          </p:nvSpPr>
+          <p:spPr bwMode="auto">
+            <a:xfrm>
+              <a:off x="10979150" y="5694363"/>
+              <a:ext cx="1187450" cy="1149350"/>
+            </a:xfrm>
+            <a:custGeom>
+              <a:avLst/>
+              <a:gdLst>
+                <a:gd name="T0" fmla="*/ 0 w 250"/>
+                <a:gd name="T1" fmla="*/ 242 h 242"/>
+                <a:gd name="T2" fmla="*/ 250 w 250"/>
+                <a:gd name="T3" fmla="*/ 0 h 242"/>
+              </a:gdLst>
+              <a:ahLst/>
+              <a:cxnLst>
+                <a:cxn ang="0">
+                  <a:pos x="T0" y="T1"/>
+                </a:cxn>
+                <a:cxn ang="0">
+                  <a:pos x="T2" y="T3"/>
+                </a:cxn>
+              </a:cxnLst>
+              <a:rect l="0" t="0" r="r" b="b"/>
+              <a:pathLst>
+                <a:path w="250" h="242">
+                  <a:moveTo>
+                    <a:pt x="0" y="242"/>
+                  </a:moveTo>
+                  <a:cubicBezTo>
+                    <a:pt x="88" y="166"/>
+                    <a:pt x="172" y="85"/>
+                    <a:pt x="250" y="0"/>
+                  </a:cubicBezTo>
+                </a:path>
+              </a:pathLst>
+            </a:custGeom>
+            <a:noFill/>
+            <a:ln w="9525" cap="flat">
+              <a:solidFill>
+                <a:schemeClr val="tx1">
+                  <a:alpha val="15000"/>
+                </a:schemeClr>
+              </a:solidFill>
+              <a:prstDash val="solid"/>
+              <a:miter lim="800000"/>
+              <a:headEnd/>
+              <a:tailEnd/>
+            </a:ln>
+            <a:extLst>
+              <a:ext uri="{909E8E84-426E-40DD-AFC4-6F175D3DCCD1}">
+                <a14:hiddenFill xmlns:a14="http://schemas.microsoft.com/office/drawing/2010/main">
+                  <a:solidFill>
+                    <a:srgbClr val="FFFFFF"/>
+                  </a:solidFill>
+                </a14:hiddenFill>
+              </a:ext>
+            </a:extLst>
+          </p:spPr>
+          <p:txBody>
+            <a:bodyPr vert="horz" wrap="square" lIns="91440" tIns="45720" rIns="91440" bIns="45720" numCol="1" anchor="t" anchorCtr="0" compatLnSpc="1">
+              <a:prstTxWarp prst="textNoShape">
+                <a:avLst/>
+              </a:prstTxWarp>
+            </a:bodyPr>
+            <a:lstStyle/>
+            <a:p>
+              <a:endParaRPr lang="en-US"/>
+            </a:p>
+          </p:txBody>
+        </p:sp>
+        <p:sp>
+          <p:nvSpPr>
+            <p:cNvPr id="25" name="Freeform 18">
+              <a:extLst>
+                <a:ext uri="{FF2B5EF4-FFF2-40B4-BE49-F238E27FC236}">
+                  <a16:creationId xmlns:a16="http://schemas.microsoft.com/office/drawing/2014/main" id="{1020B1B9-821B-49FB-BDC9-57DA08CBC30A}"/>
+                </a:ext>
+                <a:ext uri="{C183D7F6-B498-43B3-948B-1728B52AA6E4}">
+                  <adec:decorative xmlns:adec="http://schemas.microsoft.com/office/drawing/2017/decorative" val="1"/>
+                </a:ext>
+              </a:extLst>
+            </p:cNvPr>
+            <p:cNvSpPr>
+              <a:spLocks/>
+            </p:cNvSpPr>
+            <p:nvPr>
+              <p:extLst>
+                <p:ext uri="{386F3935-93C4-4BCD-93E2-E3B085C9AB24}">
+                  <p16:designElem xmlns:p16="http://schemas.microsoft.com/office/powerpoint/2015/main" val="1"/>
+                </p:ext>
+              </p:extLst>
+            </p:nvPr>
+          </p:nvSpPr>
+          <p:spPr bwMode="auto">
+            <a:xfrm>
+              <a:off x="484188" y="0"/>
+              <a:ext cx="3421063" cy="6843713"/>
+            </a:xfrm>
+            <a:custGeom>
+              <a:avLst/>
+              <a:gdLst>
+                <a:gd name="T0" fmla="*/ 720 w 720"/>
+                <a:gd name="T1" fmla="*/ 0 h 1440"/>
+                <a:gd name="T2" fmla="*/ 362 w 720"/>
+                <a:gd name="T3" fmla="*/ 1440 h 1440"/>
+              </a:gdLst>
+              <a:ahLst/>
+              <a:cxnLst>
+                <a:cxn ang="0">
+                  <a:pos x="T0" y="T1"/>
+                </a:cxn>
+                <a:cxn ang="0">
+                  <a:pos x="T2" y="T3"/>
+                </a:cxn>
+              </a:cxnLst>
+              <a:rect l="0" t="0" r="r" b="b"/>
+              <a:pathLst>
+                <a:path w="720" h="1440">
+                  <a:moveTo>
+                    <a:pt x="720" y="0"/>
+                  </a:moveTo>
+                  <a:cubicBezTo>
+                    <a:pt x="316" y="282"/>
+                    <a:pt x="0" y="1018"/>
+                    <a:pt x="362" y="1440"/>
+                  </a:cubicBezTo>
+                </a:path>
+              </a:pathLst>
+            </a:custGeom>
+            <a:noFill/>
+            <a:ln w="9525" cap="flat">
+              <a:solidFill>
+                <a:schemeClr val="tx1">
+                  <a:alpha val="15000"/>
+                </a:schemeClr>
+              </a:solidFill>
+              <a:prstDash val="solid"/>
+              <a:miter lim="800000"/>
+              <a:headEnd/>
+              <a:tailEnd/>
+            </a:ln>
+            <a:extLst>
+              <a:ext uri="{909E8E84-426E-40DD-AFC4-6F175D3DCCD1}">
+                <a14:hiddenFill xmlns:a14="http://schemas.microsoft.com/office/drawing/2010/main">
+                  <a:solidFill>
+                    <a:srgbClr val="FFFFFF"/>
+                  </a:solidFill>
+                </a14:hiddenFill>
+              </a:ext>
+            </a:extLst>
+          </p:spPr>
+          <p:txBody>
+            <a:bodyPr vert="horz" wrap="square" lIns="91440" tIns="45720" rIns="91440" bIns="45720" numCol="1" anchor="t" anchorCtr="0" compatLnSpc="1">
+              <a:prstTxWarp prst="textNoShape">
+                <a:avLst/>
+              </a:prstTxWarp>
+            </a:bodyPr>
+            <a:lstStyle/>
+            <a:p>
+              <a:endParaRPr lang="en-US"/>
+            </a:p>
+          </p:txBody>
+        </p:sp>
+        <p:sp>
+          <p:nvSpPr>
+            <p:cNvPr id="26" name="Freeform 19">
+              <a:extLst>
+                <a:ext uri="{FF2B5EF4-FFF2-40B4-BE49-F238E27FC236}">
+                  <a16:creationId xmlns:a16="http://schemas.microsoft.com/office/drawing/2014/main" id="{720EDCE4-8B18-413F-989E-E79628E5AF1F}"/>
+                </a:ext>
+                <a:ext uri="{C183D7F6-B498-43B3-948B-1728B52AA6E4}">
+                  <adec:decorative xmlns:adec="http://schemas.microsoft.com/office/drawing/2017/decorative" val="1"/>
+                </a:ext>
+              </a:extLst>
+            </p:cNvPr>
+            <p:cNvSpPr>
+              <a:spLocks/>
+            </p:cNvSpPr>
+            <p:nvPr>
+              <p:extLst>
+                <p:ext uri="{386F3935-93C4-4BCD-93E2-E3B085C9AB24}">
+                  <p16:designElem xmlns:p16="http://schemas.microsoft.com/office/powerpoint/2015/main" val="1"/>
+                </p:ext>
+              </p:extLst>
+            </p:nvPr>
+          </p:nvSpPr>
+          <p:spPr bwMode="auto">
+            <a:xfrm>
+              <a:off x="11287125" y="6049963"/>
+              <a:ext cx="879475" cy="793750"/>
+            </a:xfrm>
+            <a:custGeom>
+              <a:avLst/>
+              <a:gdLst>
+                <a:gd name="T0" fmla="*/ 0 w 185"/>
+                <a:gd name="T1" fmla="*/ 167 h 167"/>
+                <a:gd name="T2" fmla="*/ 185 w 185"/>
+                <a:gd name="T3" fmla="*/ 0 h 167"/>
+              </a:gdLst>
+              <a:ahLst/>
+              <a:cxnLst>
+                <a:cxn ang="0">
+                  <a:pos x="T0" y="T1"/>
+                </a:cxn>
+                <a:cxn ang="0">
+                  <a:pos x="T2" y="T3"/>
+                </a:cxn>
+              </a:cxnLst>
+              <a:rect l="0" t="0" r="r" b="b"/>
+              <a:pathLst>
+                <a:path w="185" h="167">
+                  <a:moveTo>
+                    <a:pt x="0" y="167"/>
+                  </a:moveTo>
+                  <a:cubicBezTo>
+                    <a:pt x="63" y="114"/>
+                    <a:pt x="125" y="58"/>
+                    <a:pt x="185" y="0"/>
+                  </a:cubicBezTo>
+                </a:path>
+              </a:pathLst>
+            </a:custGeom>
+            <a:noFill/>
+            <a:ln w="9525" cap="flat">
+              <a:solidFill>
+                <a:schemeClr val="tx1">
+                  <a:alpha val="15000"/>
+                </a:schemeClr>
+              </a:solidFill>
+              <a:prstDash val="solid"/>
+              <a:miter lim="800000"/>
+              <a:headEnd/>
+              <a:tailEnd/>
+            </a:ln>
+            <a:extLst>
+              <a:ext uri="{909E8E84-426E-40DD-AFC4-6F175D3DCCD1}">
+                <a14:hiddenFill xmlns:a14="http://schemas.microsoft.com/office/drawing/2010/main">
+                  <a:solidFill>
+                    <a:srgbClr val="FFFFFF"/>
+                  </a:solidFill>
+                </a14:hiddenFill>
+              </a:ext>
+            </a:extLst>
+          </p:spPr>
+          <p:txBody>
+            <a:bodyPr vert="horz" wrap="square" lIns="91440" tIns="45720" rIns="91440" bIns="45720" numCol="1" anchor="t" anchorCtr="0" compatLnSpc="1">
+              <a:prstTxWarp prst="textNoShape">
+                <a:avLst/>
+              </a:prstTxWarp>
+            </a:bodyPr>
+            <a:lstStyle/>
+            <a:p>
+              <a:endParaRPr lang="en-US"/>
+            </a:p>
+          </p:txBody>
+        </p:sp>
+        <p:sp>
+          <p:nvSpPr>
+            <p:cNvPr id="27" name="Freeform 20">
+              <a:extLst>
+                <a:ext uri="{FF2B5EF4-FFF2-40B4-BE49-F238E27FC236}">
+                  <a16:creationId xmlns:a16="http://schemas.microsoft.com/office/drawing/2014/main" id="{8563351E-0DDD-4FC8-8D0C-1E446E3C1B52}"/>
+                </a:ext>
+                <a:ext uri="{C183D7F6-B498-43B3-948B-1728B52AA6E4}">
+                  <adec:decorative xmlns:adec="http://schemas.microsoft.com/office/drawing/2017/decorative" val="1"/>
+                </a:ext>
+              </a:extLst>
+            </p:cNvPr>
+            <p:cNvSpPr>
+              <a:spLocks/>
+            </p:cNvSpPr>
+            <p:nvPr>
+              <p:extLst>
+                <p:ext uri="{386F3935-93C4-4BCD-93E2-E3B085C9AB24}">
+                  <p16:designElem xmlns:p16="http://schemas.microsoft.com/office/powerpoint/2015/main" val="1"/>
+                </p:ext>
+              </p:extLst>
+            </p:nvPr>
+          </p:nvSpPr>
+          <p:spPr bwMode="auto">
+            <a:xfrm>
+              <a:off x="598488" y="0"/>
+              <a:ext cx="2717800" cy="6843713"/>
+            </a:xfrm>
+            <a:custGeom>
+              <a:avLst/>
+              <a:gdLst>
+                <a:gd name="T0" fmla="*/ 572 w 572"/>
+                <a:gd name="T1" fmla="*/ 0 h 1440"/>
+                <a:gd name="T2" fmla="*/ 164 w 572"/>
+                <a:gd name="T3" fmla="*/ 1440 h 1440"/>
+              </a:gdLst>
+              <a:ahLst/>
+              <a:cxnLst>
+                <a:cxn ang="0">
+                  <a:pos x="T0" y="T1"/>
+                </a:cxn>
+                <a:cxn ang="0">
+                  <a:pos x="T2" y="T3"/>
+                </a:cxn>
+              </a:cxnLst>
+              <a:rect l="0" t="0" r="r" b="b"/>
+              <a:pathLst>
+                <a:path w="572" h="1440">
+                  <a:moveTo>
+                    <a:pt x="572" y="0"/>
+                  </a:moveTo>
+                  <a:cubicBezTo>
+                    <a:pt x="213" y="320"/>
+                    <a:pt x="0" y="979"/>
+                    <a:pt x="164" y="1440"/>
+                  </a:cubicBezTo>
+                </a:path>
+              </a:pathLst>
+            </a:custGeom>
+            <a:noFill/>
+            <a:ln w="12700" cap="flat">
+              <a:solidFill>
+                <a:schemeClr val="tx1">
+                  <a:alpha val="15000"/>
+                </a:schemeClr>
+              </a:solidFill>
+              <a:prstDash val="dashDot"/>
+              <a:miter lim="800000"/>
+              <a:headEnd/>
+              <a:tailEnd/>
+            </a:ln>
+            <a:extLst>
+              <a:ext uri="{909E8E84-426E-40DD-AFC4-6F175D3DCCD1}">
+                <a14:hiddenFill xmlns:a14="http://schemas.microsoft.com/office/drawing/2010/main">
+                  <a:solidFill>
+                    <a:srgbClr val="FFFFFF"/>
+                  </a:solidFill>
+                </a14:hiddenFill>
+              </a:ext>
+            </a:extLst>
+          </p:spPr>
+          <p:txBody>
+            <a:bodyPr vert="horz" wrap="square" lIns="91440" tIns="45720" rIns="91440" bIns="45720" numCol="1" anchor="t" anchorCtr="0" compatLnSpc="1">
+              <a:prstTxWarp prst="textNoShape">
+                <a:avLst/>
+              </a:prstTxWarp>
+            </a:bodyPr>
+            <a:lstStyle/>
+            <a:p>
+              <a:endParaRPr lang="en-US"/>
+            </a:p>
+          </p:txBody>
+        </p:sp>
+        <p:sp>
+          <p:nvSpPr>
+            <p:cNvPr id="28" name="Freeform 21">
+              <a:extLst>
+                <a:ext uri="{FF2B5EF4-FFF2-40B4-BE49-F238E27FC236}">
+                  <a16:creationId xmlns:a16="http://schemas.microsoft.com/office/drawing/2014/main" id="{15E8B705-64E7-4513-B3CB-BF46C35732B0}"/>
+                </a:ext>
+                <a:ext uri="{C183D7F6-B498-43B3-948B-1728B52AA6E4}">
+                  <adec:decorative xmlns:adec="http://schemas.microsoft.com/office/drawing/2017/decorative" val="1"/>
+                </a:ext>
+              </a:extLst>
+            </p:cNvPr>
+            <p:cNvSpPr>
+              <a:spLocks/>
+            </p:cNvSpPr>
+            <p:nvPr>
+              <p:extLst>
+                <p:ext uri="{386F3935-93C4-4BCD-93E2-E3B085C9AB24}">
+                  <p16:designElem xmlns:p16="http://schemas.microsoft.com/office/powerpoint/2015/main" val="1"/>
+                </p:ext>
+              </p:extLst>
+            </p:nvPr>
+          </p:nvSpPr>
+          <p:spPr bwMode="auto">
+            <a:xfrm>
+              <a:off x="261938" y="0"/>
+              <a:ext cx="2944813" cy="6843713"/>
+            </a:xfrm>
+            <a:custGeom>
+              <a:avLst/>
+              <a:gdLst>
+                <a:gd name="T0" fmla="*/ 620 w 620"/>
+                <a:gd name="T1" fmla="*/ 0 h 1440"/>
+                <a:gd name="T2" fmla="*/ 186 w 620"/>
+                <a:gd name="T3" fmla="*/ 1440 h 1440"/>
+              </a:gdLst>
+              <a:ahLst/>
+              <a:cxnLst>
+                <a:cxn ang="0">
+                  <a:pos x="T0" y="T1"/>
+                </a:cxn>
+                <a:cxn ang="0">
+                  <a:pos x="T2" y="T3"/>
+                </a:cxn>
+              </a:cxnLst>
+              <a:rect l="0" t="0" r="r" b="b"/>
+              <a:pathLst>
+                <a:path w="620" h="1440">
+                  <a:moveTo>
+                    <a:pt x="620" y="0"/>
+                  </a:moveTo>
+                  <a:cubicBezTo>
+                    <a:pt x="248" y="325"/>
+                    <a:pt x="0" y="960"/>
+                    <a:pt x="186" y="1440"/>
+                  </a:cubicBezTo>
+                </a:path>
+              </a:pathLst>
+            </a:custGeom>
+            <a:noFill/>
+            <a:ln w="9525" cap="flat">
+              <a:solidFill>
+                <a:schemeClr val="tx1">
+                  <a:alpha val="15000"/>
+                </a:schemeClr>
+              </a:solidFill>
+              <a:prstDash val="lgDash"/>
+              <a:miter lim="800000"/>
+              <a:headEnd/>
+              <a:tailEnd/>
+            </a:ln>
+            <a:extLst>
+              <a:ext uri="{909E8E84-426E-40DD-AFC4-6F175D3DCCD1}">
+                <a14:hiddenFill xmlns:a14="http://schemas.microsoft.com/office/drawing/2010/main">
+                  <a:solidFill>
+                    <a:srgbClr val="FFFFFF"/>
+                  </a:solidFill>
+                </a14:hiddenFill>
+              </a:ext>
+            </a:extLst>
+          </p:spPr>
+          <p:txBody>
+            <a:bodyPr vert="horz" wrap="square" lIns="91440" tIns="45720" rIns="91440" bIns="45720" numCol="1" anchor="t" anchorCtr="0" compatLnSpc="1">
+              <a:prstTxWarp prst="textNoShape">
+                <a:avLst/>
+              </a:prstTxWarp>
+            </a:bodyPr>
+            <a:lstStyle/>
+            <a:p>
+              <a:endParaRPr lang="en-US"/>
+            </a:p>
+          </p:txBody>
+        </p:sp>
+        <p:sp>
+          <p:nvSpPr>
+            <p:cNvPr id="29" name="Freeform 22">
+              <a:extLst>
+                <a:ext uri="{FF2B5EF4-FFF2-40B4-BE49-F238E27FC236}">
+                  <a16:creationId xmlns:a16="http://schemas.microsoft.com/office/drawing/2014/main" id="{30DAEE1C-EBB5-47F5-9E76-564FCFDBFC24}"/>
+                </a:ext>
+                <a:ext uri="{C183D7F6-B498-43B3-948B-1728B52AA6E4}">
+                  <adec:decorative xmlns:adec="http://schemas.microsoft.com/office/drawing/2017/decorative" val="1"/>
+                </a:ext>
+              </a:extLst>
+            </p:cNvPr>
+            <p:cNvSpPr>
+              <a:spLocks/>
+            </p:cNvSpPr>
+            <p:nvPr>
+              <p:extLst>
+                <p:ext uri="{386F3935-93C4-4BCD-93E2-E3B085C9AB24}">
+                  <p16:designElem xmlns:p16="http://schemas.microsoft.com/office/powerpoint/2015/main" val="1"/>
+                </p:ext>
+              </p:extLst>
+            </p:nvPr>
+          </p:nvSpPr>
+          <p:spPr bwMode="auto">
+            <a:xfrm>
+              <a:off x="-417513" y="0"/>
+              <a:ext cx="2403475" cy="6843713"/>
+            </a:xfrm>
+            <a:custGeom>
+              <a:avLst/>
+              <a:gdLst>
+                <a:gd name="T0" fmla="*/ 506 w 506"/>
+                <a:gd name="T1" fmla="*/ 0 h 1440"/>
+                <a:gd name="T2" fmla="*/ 171 w 506"/>
+                <a:gd name="T3" fmla="*/ 1440 h 1440"/>
+              </a:gdLst>
+              <a:ahLst/>
+              <a:cxnLst>
+                <a:cxn ang="0">
+                  <a:pos x="T0" y="T1"/>
+                </a:cxn>
+                <a:cxn ang="0">
+                  <a:pos x="T2" y="T3"/>
+                </a:cxn>
+              </a:cxnLst>
+              <a:rect l="0" t="0" r="r" b="b"/>
+              <a:pathLst>
+                <a:path w="506" h="1440">
+                  <a:moveTo>
+                    <a:pt x="506" y="0"/>
+                  </a:moveTo>
+                  <a:cubicBezTo>
+                    <a:pt x="109" y="356"/>
+                    <a:pt x="0" y="943"/>
+                    <a:pt x="171" y="1440"/>
+                  </a:cubicBezTo>
+                </a:path>
+              </a:pathLst>
+            </a:custGeom>
+            <a:noFill/>
+            <a:ln w="9525" cap="flat">
+              <a:solidFill>
+                <a:schemeClr val="tx1">
+                  <a:alpha val="15000"/>
+                </a:schemeClr>
+              </a:solidFill>
+              <a:prstDash val="solid"/>
+              <a:miter lim="800000"/>
+              <a:headEnd/>
+              <a:tailEnd/>
+            </a:ln>
+            <a:extLst>
+              <a:ext uri="{909E8E84-426E-40DD-AFC4-6F175D3DCCD1}">
+                <a14:hiddenFill xmlns:a14="http://schemas.microsoft.com/office/drawing/2010/main">
+                  <a:solidFill>
+                    <a:srgbClr val="FFFFFF"/>
+                  </a:solidFill>
+                </a14:hiddenFill>
+              </a:ext>
+            </a:extLst>
+          </p:spPr>
+          <p:txBody>
+            <a:bodyPr vert="horz" wrap="square" lIns="91440" tIns="45720" rIns="91440" bIns="45720" numCol="1" anchor="t" anchorCtr="0" compatLnSpc="1">
+              <a:prstTxWarp prst="textNoShape">
+                <a:avLst/>
+              </a:prstTxWarp>
+            </a:bodyPr>
+            <a:lstStyle/>
+            <a:p>
+              <a:endParaRPr lang="en-US"/>
+            </a:p>
+          </p:txBody>
+        </p:sp>
+        <p:sp>
+          <p:nvSpPr>
+            <p:cNvPr id="30" name="Freeform 23">
+              <a:extLst>
+                <a:ext uri="{FF2B5EF4-FFF2-40B4-BE49-F238E27FC236}">
+                  <a16:creationId xmlns:a16="http://schemas.microsoft.com/office/drawing/2014/main" id="{EDB255E9-A3E2-4098-99A1-FE38FAD15DA1}"/>
+                </a:ext>
+                <a:ext uri="{C183D7F6-B498-43B3-948B-1728B52AA6E4}">
+                  <adec:decorative xmlns:adec="http://schemas.microsoft.com/office/drawing/2017/decorative" val="1"/>
+                </a:ext>
+              </a:extLst>
+            </p:cNvPr>
+            <p:cNvSpPr>
+              <a:spLocks/>
+            </p:cNvSpPr>
+            <p:nvPr>
+              <p:extLst>
+                <p:ext uri="{386F3935-93C4-4BCD-93E2-E3B085C9AB24}">
+                  <p16:designElem xmlns:p16="http://schemas.microsoft.com/office/powerpoint/2015/main" val="1"/>
+                </p:ext>
+              </p:extLst>
+            </p:nvPr>
+          </p:nvSpPr>
+          <p:spPr bwMode="auto">
+            <a:xfrm>
+              <a:off x="14288" y="9525"/>
+              <a:ext cx="1771650" cy="3198813"/>
+            </a:xfrm>
+            <a:custGeom>
+              <a:avLst/>
+              <a:gdLst>
+                <a:gd name="T0" fmla="*/ 373 w 373"/>
+                <a:gd name="T1" fmla="*/ 0 h 673"/>
+                <a:gd name="T2" fmla="*/ 0 w 373"/>
+                <a:gd name="T3" fmla="*/ 673 h 673"/>
+              </a:gdLst>
+              <a:ahLst/>
+              <a:cxnLst>
+                <a:cxn ang="0">
+                  <a:pos x="T0" y="T1"/>
+                </a:cxn>
+                <a:cxn ang="0">
+                  <a:pos x="T2" y="T3"/>
+                </a:cxn>
+              </a:cxnLst>
+              <a:rect l="0" t="0" r="r" b="b"/>
+              <a:pathLst>
+                <a:path w="373" h="673">
+                  <a:moveTo>
+                    <a:pt x="373" y="0"/>
+                  </a:moveTo>
+                  <a:cubicBezTo>
+                    <a:pt x="175" y="183"/>
+                    <a:pt x="51" y="409"/>
+                    <a:pt x="0" y="673"/>
+                  </a:cubicBezTo>
+                </a:path>
+              </a:pathLst>
+            </a:custGeom>
+            <a:noFill/>
+            <a:ln w="9525" cap="flat">
+              <a:solidFill>
+                <a:schemeClr val="tx1">
+                  <a:alpha val="15000"/>
+                </a:schemeClr>
+              </a:solidFill>
+              <a:prstDash val="solid"/>
+              <a:miter lim="800000"/>
+              <a:headEnd/>
+              <a:tailEnd/>
+            </a:ln>
+            <a:extLst>
+              <a:ext uri="{909E8E84-426E-40DD-AFC4-6F175D3DCCD1}">
+                <a14:hiddenFill xmlns:a14="http://schemas.microsoft.com/office/drawing/2010/main">
+                  <a:solidFill>
+                    <a:srgbClr val="FFFFFF"/>
+                  </a:solidFill>
+                </a14:hiddenFill>
+              </a:ext>
+            </a:extLst>
+          </p:spPr>
+          <p:txBody>
+            <a:bodyPr vert="horz" wrap="square" lIns="91440" tIns="45720" rIns="91440" bIns="45720" numCol="1" anchor="t" anchorCtr="0" compatLnSpc="1">
+              <a:prstTxWarp prst="textNoShape">
+                <a:avLst/>
+              </a:prstTxWarp>
+            </a:bodyPr>
+            <a:lstStyle/>
+            <a:p>
+              <a:endParaRPr lang="en-US"/>
+            </a:p>
+          </p:txBody>
+        </p:sp>
+        <p:sp>
+          <p:nvSpPr>
+            <p:cNvPr id="31" name="Freeform 24">
+              <a:extLst>
+                <a:ext uri="{FF2B5EF4-FFF2-40B4-BE49-F238E27FC236}">
+                  <a16:creationId xmlns:a16="http://schemas.microsoft.com/office/drawing/2014/main" id="{D2507F2A-27AF-4833-8273-5FC9A9886392}"/>
+                </a:ext>
+                <a:ext uri="{C183D7F6-B498-43B3-948B-1728B52AA6E4}">
+                  <adec:decorative xmlns:adec="http://schemas.microsoft.com/office/drawing/2017/decorative" val="1"/>
+                </a:ext>
+              </a:extLst>
+            </p:cNvPr>
+            <p:cNvSpPr>
+              <a:spLocks/>
+            </p:cNvSpPr>
+            <p:nvPr>
+              <p:extLst>
+                <p:ext uri="{386F3935-93C4-4BCD-93E2-E3B085C9AB24}">
+                  <p16:designElem xmlns:p16="http://schemas.microsoft.com/office/powerpoint/2015/main" val="1"/>
+                </p:ext>
+              </p:extLst>
+            </p:nvPr>
+          </p:nvSpPr>
+          <p:spPr bwMode="auto">
+            <a:xfrm>
+              <a:off x="4763" y="6016625"/>
+              <a:ext cx="214313" cy="827088"/>
+            </a:xfrm>
+            <a:custGeom>
+              <a:avLst/>
+              <a:gdLst>
+                <a:gd name="T0" fmla="*/ 0 w 45"/>
+                <a:gd name="T1" fmla="*/ 0 h 174"/>
+                <a:gd name="T2" fmla="*/ 45 w 45"/>
+                <a:gd name="T3" fmla="*/ 174 h 174"/>
+              </a:gdLst>
+              <a:ahLst/>
+              <a:cxnLst>
+                <a:cxn ang="0">
+                  <a:pos x="T0" y="T1"/>
+                </a:cxn>
+                <a:cxn ang="0">
+                  <a:pos x="T2" y="T3"/>
+                </a:cxn>
+              </a:cxnLst>
+              <a:rect l="0" t="0" r="r" b="b"/>
+              <a:pathLst>
+                <a:path w="45" h="174">
+                  <a:moveTo>
+                    <a:pt x="0" y="0"/>
+                  </a:moveTo>
+                  <a:cubicBezTo>
+                    <a:pt x="11" y="59"/>
+                    <a:pt x="26" y="118"/>
+                    <a:pt x="45" y="174"/>
+                  </a:cubicBezTo>
+                </a:path>
+              </a:pathLst>
+            </a:custGeom>
+            <a:noFill/>
+            <a:ln w="9525" cap="flat">
+              <a:solidFill>
+                <a:schemeClr val="tx1">
+                  <a:alpha val="15000"/>
+                </a:schemeClr>
+              </a:solidFill>
+              <a:prstDash val="solid"/>
+              <a:miter lim="800000"/>
+              <a:headEnd/>
+              <a:tailEnd/>
+            </a:ln>
+            <a:extLst>
+              <a:ext uri="{909E8E84-426E-40DD-AFC4-6F175D3DCCD1}">
+                <a14:hiddenFill xmlns:a14="http://schemas.microsoft.com/office/drawing/2010/main">
+                  <a:solidFill>
+                    <a:srgbClr val="FFFFFF"/>
+                  </a:solidFill>
+                </a14:hiddenFill>
+              </a:ext>
+            </a:extLst>
+          </p:spPr>
+          <p:txBody>
+            <a:bodyPr vert="horz" wrap="square" lIns="91440" tIns="45720" rIns="91440" bIns="45720" numCol="1" anchor="t" anchorCtr="0" compatLnSpc="1">
+              <a:prstTxWarp prst="textNoShape">
+                <a:avLst/>
+              </a:prstTxWarp>
+            </a:bodyPr>
+            <a:lstStyle/>
+            <a:p>
+              <a:endParaRPr lang="en-US"/>
+            </a:p>
+          </p:txBody>
+        </p:sp>
+        <p:sp>
+          <p:nvSpPr>
+            <p:cNvPr id="32" name="Freeform 25">
+              <a:extLst>
+                <a:ext uri="{FF2B5EF4-FFF2-40B4-BE49-F238E27FC236}">
+                  <a16:creationId xmlns:a16="http://schemas.microsoft.com/office/drawing/2014/main" id="{8DFB8904-0CB8-45AD-ABD2-F7A582365E86}"/>
+                </a:ext>
+                <a:ext uri="{C183D7F6-B498-43B3-948B-1728B52AA6E4}">
+                  <adec:decorative xmlns:adec="http://schemas.microsoft.com/office/drawing/2017/decorative" val="1"/>
+                </a:ext>
+              </a:extLst>
+            </p:cNvPr>
+            <p:cNvSpPr>
+              <a:spLocks/>
+            </p:cNvSpPr>
+            <p:nvPr>
+              <p:extLst>
+                <p:ext uri="{386F3935-93C4-4BCD-93E2-E3B085C9AB24}">
+                  <p16:designElem xmlns:p16="http://schemas.microsoft.com/office/powerpoint/2015/main" val="1"/>
+                </p:ext>
+              </p:extLst>
+            </p:nvPr>
+          </p:nvSpPr>
+          <p:spPr bwMode="auto">
+            <a:xfrm>
+              <a:off x="14288" y="0"/>
+              <a:ext cx="1562100" cy="2228850"/>
+            </a:xfrm>
+            <a:custGeom>
+              <a:avLst/>
+              <a:gdLst>
+                <a:gd name="T0" fmla="*/ 329 w 329"/>
+                <a:gd name="T1" fmla="*/ 0 h 469"/>
+                <a:gd name="T2" fmla="*/ 0 w 329"/>
+                <a:gd name="T3" fmla="*/ 469 h 469"/>
+              </a:gdLst>
+              <a:ahLst/>
+              <a:cxnLst>
+                <a:cxn ang="0">
+                  <a:pos x="T0" y="T1"/>
+                </a:cxn>
+                <a:cxn ang="0">
+                  <a:pos x="T2" y="T3"/>
+                </a:cxn>
+              </a:cxnLst>
+              <a:rect l="0" t="0" r="r" b="b"/>
+              <a:pathLst>
+                <a:path w="329" h="469">
+                  <a:moveTo>
+                    <a:pt x="329" y="0"/>
+                  </a:moveTo>
+                  <a:cubicBezTo>
+                    <a:pt x="189" y="133"/>
+                    <a:pt x="69" y="288"/>
+                    <a:pt x="0" y="469"/>
+                  </a:cubicBezTo>
+                </a:path>
+              </a:pathLst>
+            </a:custGeom>
+            <a:noFill/>
+            <a:ln w="9525" cap="flat">
+              <a:solidFill>
+                <a:schemeClr val="tx1">
+                  <a:alpha val="15000"/>
+                </a:schemeClr>
+              </a:solidFill>
+              <a:prstDash val="solid"/>
+              <a:miter lim="800000"/>
+              <a:headEnd/>
+              <a:tailEnd/>
+            </a:ln>
+            <a:extLst>
+              <a:ext uri="{909E8E84-426E-40DD-AFC4-6F175D3DCCD1}">
+                <a14:hiddenFill xmlns:a14="http://schemas.microsoft.com/office/drawing/2010/main">
+                  <a:solidFill>
+                    <a:srgbClr val="FFFFFF"/>
+                  </a:solidFill>
+                </a14:hiddenFill>
+              </a:ext>
+            </a:extLst>
+          </p:spPr>
+          <p:txBody>
+            <a:bodyPr vert="horz" wrap="square" lIns="91440" tIns="45720" rIns="91440" bIns="45720" numCol="1" anchor="t" anchorCtr="0" compatLnSpc="1">
+              <a:prstTxWarp prst="textNoShape">
+                <a:avLst/>
+              </a:prstTxWarp>
+            </a:bodyPr>
+            <a:lstStyle/>
+            <a:p>
+              <a:endParaRPr lang="en-US"/>
+            </a:p>
+          </p:txBody>
+        </p:sp>
+      </p:grpSp>
       <p:sp>
         <p:nvSpPr>
           <p:cNvPr id="2" name="Title 1">
@@ -26592,7 +28733,12 @@
             <p:ph type="title"/>
           </p:nvPr>
         </p:nvSpPr>
-        <p:spPr/>
+        <p:spPr>
+          <a:xfrm>
+            <a:off x="1407198" y="238381"/>
+            <a:ext cx="8673427" cy="1048945"/>
+          </a:xfrm>
+        </p:spPr>
         <p:txBody>
           <a:bodyPr>
             <a:normAutofit/>
@@ -26600,34 +28746,1866 @@
           <a:lstStyle/>
           <a:p>
             <a:r>
-              <a:rPr lang="en-US" sz="3200" dirty="0"/>
+              <a:rPr lang="en-US" sz="3200" dirty="0">
+                <a:solidFill>
+                  <a:schemeClr val="tx1"/>
+                </a:solidFill>
+              </a:rPr>
               <a:t>Variables </a:t>
             </a:r>
           </a:p>
         </p:txBody>
       </p:sp>
+      <p:graphicFrame>
+        <p:nvGraphicFramePr>
+          <p:cNvPr id="4" name="Content Placeholder 3">
+            <a:extLst>
+              <a:ext uri="{FF2B5EF4-FFF2-40B4-BE49-F238E27FC236}">
+                <a16:creationId xmlns:a16="http://schemas.microsoft.com/office/drawing/2014/main" id="{7AB2428F-D2FC-44BA-92C2-A8B1C65E1962}"/>
+              </a:ext>
+            </a:extLst>
+          </p:cNvPr>
+          <p:cNvGraphicFramePr>
+            <a:graphicFrameLocks noGrp="1"/>
+          </p:cNvGraphicFramePr>
+          <p:nvPr>
+            <p:ph idx="1"/>
+            <p:extLst>
+              <p:ext uri="{D42A27DB-BD31-4B8C-83A1-F6EECF244321}">
+                <p14:modId xmlns:p14="http://schemas.microsoft.com/office/powerpoint/2010/main" val="2342583827"/>
+              </p:ext>
+            </p:extLst>
+          </p:nvPr>
+        </p:nvGraphicFramePr>
+        <p:xfrm>
+          <a:off x="3520800" y="376238"/>
+          <a:ext cx="5093625" cy="6344173"/>
+        </p:xfrm>
+        <a:graphic>
+          <a:graphicData uri="http://schemas.openxmlformats.org/drawingml/2006/table">
+            <a:tbl>
+              <a:tblPr firstRow="1" firstCol="1" bandRow="1">
+                <a:tableStyleId>{5C22544A-7EE6-4342-B048-85BDC9FD1C3A}</a:tableStyleId>
+              </a:tblPr>
+              <a:tblGrid>
+                <a:gridCol w="2325523">
+                  <a:extLst>
+                    <a:ext uri="{9D8B030D-6E8A-4147-A177-3AD203B41FA5}">
+                      <a16:colId xmlns:a16="http://schemas.microsoft.com/office/drawing/2014/main" val="3411579560"/>
+                    </a:ext>
+                  </a:extLst>
+                </a:gridCol>
+                <a:gridCol w="2768102">
+                  <a:extLst>
+                    <a:ext uri="{9D8B030D-6E8A-4147-A177-3AD203B41FA5}">
+                      <a16:colId xmlns:a16="http://schemas.microsoft.com/office/drawing/2014/main" val="288273637"/>
+                    </a:ext>
+                  </a:extLst>
+                </a:gridCol>
+              </a:tblGrid>
+              <a:tr h="272811">
+                <a:tc>
+                  <a:txBody>
+                    <a:bodyPr/>
+                    <a:lstStyle/>
+                    <a:p>
+                      <a:pPr marL="0" marR="0" lvl="0" indent="0" algn="l" defTabSz="914400" rtl="0" eaLnBrk="1" fontAlgn="auto" latinLnBrk="0" hangingPunct="1">
+                        <a:lnSpc>
+                          <a:spcPct val="107000"/>
+                        </a:lnSpc>
+                        <a:spcBef>
+                          <a:spcPts val="0"/>
+                        </a:spcBef>
+                        <a:spcAft>
+                          <a:spcPts val="0"/>
+                        </a:spcAft>
+                        <a:buClrTx/>
+                        <a:buSzTx/>
+                        <a:buFontTx/>
+                        <a:buNone/>
+                        <a:tabLst/>
+                        <a:defRPr/>
+                      </a:pPr>
+                      <a:r>
+                        <a:rPr lang="en-US" sz="1800" dirty="0">
+                          <a:effectLst/>
+                          <a:latin typeface="Calibri" panose="020F0502020204030204" pitchFamily="34" charset="0"/>
+                          <a:ea typeface="Calibri" panose="020F0502020204030204" pitchFamily="34" charset="0"/>
+                          <a:cs typeface="Times New Roman" panose="02020603050405020304" pitchFamily="18" charset="0"/>
+                        </a:rPr>
+                        <a:t>Description</a:t>
+                      </a:r>
+                    </a:p>
+                  </a:txBody>
+                  <a:tcPr marL="86320" marR="86320" marT="0" marB="0"/>
+                </a:tc>
+                <a:tc>
+                  <a:txBody>
+                    <a:bodyPr/>
+                    <a:lstStyle/>
+                    <a:p>
+                      <a:pPr marL="0" marR="0" lvl="0" indent="0" algn="l" defTabSz="914400" rtl="0" eaLnBrk="1" fontAlgn="auto" latinLnBrk="0" hangingPunct="1">
+                        <a:lnSpc>
+                          <a:spcPct val="107000"/>
+                        </a:lnSpc>
+                        <a:spcBef>
+                          <a:spcPts val="0"/>
+                        </a:spcBef>
+                        <a:spcAft>
+                          <a:spcPts val="0"/>
+                        </a:spcAft>
+                        <a:buClrTx/>
+                        <a:buSzTx/>
+                        <a:buFontTx/>
+                        <a:buNone/>
+                        <a:tabLst/>
+                        <a:defRPr/>
+                      </a:pPr>
+                      <a:r>
+                        <a:rPr lang="en-US" sz="1800" dirty="0">
+                          <a:effectLst/>
+                        </a:rPr>
+                        <a:t>Variable Prefix</a:t>
+                      </a:r>
+                      <a:endParaRPr lang="en-US" sz="1800" dirty="0">
+                        <a:effectLst/>
+                        <a:latin typeface="Calibri" panose="020F0502020204030204" pitchFamily="34" charset="0"/>
+                        <a:ea typeface="Calibri" panose="020F0502020204030204" pitchFamily="34" charset="0"/>
+                        <a:cs typeface="Times New Roman" panose="02020603050405020304" pitchFamily="18" charset="0"/>
+                      </a:endParaRPr>
+                    </a:p>
+                  </a:txBody>
+                  <a:tcPr marL="86320" marR="86320" marT="0" marB="0"/>
+                </a:tc>
+                <a:extLst>
+                  <a:ext uri="{0D108BD9-81ED-4DB2-BD59-A6C34878D82A}">
+                    <a16:rowId xmlns:a16="http://schemas.microsoft.com/office/drawing/2014/main" val="3780073870"/>
+                  </a:ext>
+                </a:extLst>
+              </a:tr>
+              <a:tr h="434261">
+                <a:tc>
+                  <a:txBody>
+                    <a:bodyPr/>
+                    <a:lstStyle/>
+                    <a:p>
+                      <a:pPr marL="0" marR="0" lvl="0" indent="0" algn="l" defTabSz="914400" rtl="0" eaLnBrk="1" fontAlgn="auto" latinLnBrk="0" hangingPunct="1">
+                        <a:lnSpc>
+                          <a:spcPct val="107000"/>
+                        </a:lnSpc>
+                        <a:spcBef>
+                          <a:spcPts val="0"/>
+                        </a:spcBef>
+                        <a:spcAft>
+                          <a:spcPts val="0"/>
+                        </a:spcAft>
+                        <a:buClrTx/>
+                        <a:buSzTx/>
+                        <a:buFontTx/>
+                        <a:buNone/>
+                        <a:tabLst/>
+                        <a:defRPr/>
+                      </a:pPr>
+                      <a:r>
+                        <a:rPr lang="en-US" sz="1400" dirty="0">
+                          <a:effectLst/>
+                          <a:latin typeface="Calibri" panose="020F0502020204030204" pitchFamily="34" charset="0"/>
+                          <a:ea typeface="Calibri" panose="020F0502020204030204" pitchFamily="34" charset="0"/>
+                          <a:cs typeface="Times New Roman" panose="02020603050405020304" pitchFamily="18" charset="0"/>
+                        </a:rPr>
+                        <a:t>Energy Burden (energy expenditures as %of LMI) </a:t>
+                      </a:r>
+                    </a:p>
+                  </a:txBody>
+                  <a:tcPr marL="86320" marR="86320" marT="0" marB="0"/>
+                </a:tc>
+                <a:tc>
+                  <a:txBody>
+                    <a:bodyPr/>
+                    <a:lstStyle/>
+                    <a:p>
+                      <a:pPr marL="0" marR="0" lvl="0" indent="0" algn="l" defTabSz="914400" rtl="0" eaLnBrk="1" fontAlgn="auto" latinLnBrk="0" hangingPunct="1">
+                        <a:lnSpc>
+                          <a:spcPct val="107000"/>
+                        </a:lnSpc>
+                        <a:spcBef>
+                          <a:spcPts val="0"/>
+                        </a:spcBef>
+                        <a:spcAft>
+                          <a:spcPts val="0"/>
+                        </a:spcAft>
+                        <a:buClrTx/>
+                        <a:buSzTx/>
+                        <a:buFontTx/>
+                        <a:buNone/>
+                        <a:tabLst/>
+                        <a:defRPr/>
+                      </a:pPr>
+                      <a:r>
+                        <a:rPr lang="en-US" sz="1400" dirty="0" err="1">
+                          <a:effectLst/>
+                        </a:rPr>
+                        <a:t>En_burden</a:t>
+                      </a:r>
+                      <a:endParaRPr lang="en-US" sz="1400" dirty="0">
+                        <a:effectLst/>
+                        <a:latin typeface="Calibri" panose="020F0502020204030204" pitchFamily="34" charset="0"/>
+                        <a:ea typeface="Calibri" panose="020F0502020204030204" pitchFamily="34" charset="0"/>
+                        <a:cs typeface="Times New Roman" panose="02020603050405020304" pitchFamily="18" charset="0"/>
+                      </a:endParaRPr>
+                    </a:p>
+                  </a:txBody>
+                  <a:tcPr marL="86320" marR="86320" marT="0" marB="0"/>
+                </a:tc>
+                <a:extLst>
+                  <a:ext uri="{0D108BD9-81ED-4DB2-BD59-A6C34878D82A}">
+                    <a16:rowId xmlns:a16="http://schemas.microsoft.com/office/drawing/2014/main" val="1211545233"/>
+                  </a:ext>
+                </a:extLst>
+              </a:tr>
+              <a:tr h="261773">
+                <a:tc>
+                  <a:txBody>
+                    <a:bodyPr/>
+                    <a:lstStyle/>
+                    <a:p>
+                      <a:pPr marL="0" marR="0">
+                        <a:lnSpc>
+                          <a:spcPct val="107000"/>
+                        </a:lnSpc>
+                        <a:spcBef>
+                          <a:spcPts val="0"/>
+                        </a:spcBef>
+                        <a:spcAft>
+                          <a:spcPts val="0"/>
+                        </a:spcAft>
+                      </a:pPr>
+                      <a:r>
+                        <a:rPr lang="en-US" sz="1400" dirty="0">
+                          <a:effectLst/>
+                          <a:latin typeface="Calibri" panose="020F0502020204030204" pitchFamily="34" charset="0"/>
+                          <a:ea typeface="Calibri" panose="020F0502020204030204" pitchFamily="34" charset="0"/>
+                          <a:cs typeface="Times New Roman" panose="02020603050405020304" pitchFamily="18" charset="0"/>
+                        </a:rPr>
+                        <a:t>Federal Identification</a:t>
+                      </a:r>
+                    </a:p>
+                  </a:txBody>
+                  <a:tcPr marL="86320" marR="86320" marT="0" marB="0"/>
+                </a:tc>
+                <a:tc>
+                  <a:txBody>
+                    <a:bodyPr/>
+                    <a:lstStyle/>
+                    <a:p>
+                      <a:pPr marL="0" marR="0" lvl="0" indent="0" algn="l" defTabSz="914400" rtl="0" eaLnBrk="1" fontAlgn="auto" latinLnBrk="0" hangingPunct="1">
+                        <a:lnSpc>
+                          <a:spcPct val="107000"/>
+                        </a:lnSpc>
+                        <a:spcBef>
+                          <a:spcPts val="0"/>
+                        </a:spcBef>
+                        <a:spcAft>
+                          <a:spcPts val="0"/>
+                        </a:spcAft>
+                        <a:buClrTx/>
+                        <a:buSzTx/>
+                        <a:buFontTx/>
+                        <a:buNone/>
+                        <a:tabLst/>
+                        <a:defRPr/>
+                      </a:pPr>
+                      <a:r>
+                        <a:rPr lang="en-US" sz="1400" dirty="0" err="1">
+                          <a:effectLst/>
+                        </a:rPr>
+                        <a:t>fip</a:t>
+                      </a:r>
+                      <a:endParaRPr lang="en-US" sz="1400" dirty="0">
+                        <a:effectLst/>
+                        <a:latin typeface="Calibri" panose="020F0502020204030204" pitchFamily="34" charset="0"/>
+                        <a:ea typeface="Calibri" panose="020F0502020204030204" pitchFamily="34" charset="0"/>
+                        <a:cs typeface="Times New Roman" panose="02020603050405020304" pitchFamily="18" charset="0"/>
+                      </a:endParaRPr>
+                    </a:p>
+                  </a:txBody>
+                  <a:tcPr marL="86320" marR="86320" marT="0" marB="0"/>
+                </a:tc>
+                <a:extLst>
+                  <a:ext uri="{0D108BD9-81ED-4DB2-BD59-A6C34878D82A}">
+                    <a16:rowId xmlns:a16="http://schemas.microsoft.com/office/drawing/2014/main" val="550775974"/>
+                  </a:ext>
+                </a:extLst>
+              </a:tr>
+              <a:tr h="261773">
+                <a:tc>
+                  <a:txBody>
+                    <a:bodyPr/>
+                    <a:lstStyle/>
+                    <a:p>
+                      <a:pPr marL="0" marR="0">
+                        <a:lnSpc>
+                          <a:spcPct val="107000"/>
+                        </a:lnSpc>
+                        <a:spcBef>
+                          <a:spcPts val="0"/>
+                        </a:spcBef>
+                        <a:spcAft>
+                          <a:spcPts val="0"/>
+                        </a:spcAft>
+                      </a:pPr>
+                      <a:r>
+                        <a:rPr lang="en-US" sz="1400" dirty="0">
+                          <a:effectLst/>
+                          <a:latin typeface="Calibri" panose="020F0502020204030204" pitchFamily="34" charset="0"/>
+                          <a:ea typeface="Calibri" panose="020F0502020204030204" pitchFamily="34" charset="0"/>
+                          <a:cs typeface="Times New Roman" panose="02020603050405020304" pitchFamily="18" charset="0"/>
+                        </a:rPr>
+                        <a:t>County Name</a:t>
+                      </a:r>
+                    </a:p>
+                  </a:txBody>
+                  <a:tcPr marL="86320" marR="86320" marT="0" marB="0"/>
+                </a:tc>
+                <a:tc>
+                  <a:txBody>
+                    <a:bodyPr/>
+                    <a:lstStyle/>
+                    <a:p>
+                      <a:pPr marL="0" marR="0" lvl="0" indent="0" algn="l" defTabSz="914400" rtl="0" eaLnBrk="1" fontAlgn="auto" latinLnBrk="0" hangingPunct="1">
+                        <a:lnSpc>
+                          <a:spcPct val="107000"/>
+                        </a:lnSpc>
+                        <a:spcBef>
+                          <a:spcPts val="0"/>
+                        </a:spcBef>
+                        <a:spcAft>
+                          <a:spcPts val="0"/>
+                        </a:spcAft>
+                        <a:buClrTx/>
+                        <a:buSzTx/>
+                        <a:buFontTx/>
+                        <a:buNone/>
+                        <a:tabLst/>
+                        <a:defRPr/>
+                      </a:pPr>
+                      <a:r>
+                        <a:rPr lang="en-US" sz="1400" dirty="0" err="1">
+                          <a:effectLst/>
+                        </a:rPr>
+                        <a:t>cnty</a:t>
+                      </a:r>
+                      <a:endParaRPr lang="en-US" sz="1400" dirty="0">
+                        <a:effectLst/>
+                        <a:latin typeface="Calibri" panose="020F0502020204030204" pitchFamily="34" charset="0"/>
+                        <a:ea typeface="Calibri" panose="020F0502020204030204" pitchFamily="34" charset="0"/>
+                        <a:cs typeface="Times New Roman" panose="02020603050405020304" pitchFamily="18" charset="0"/>
+                      </a:endParaRPr>
+                    </a:p>
+                  </a:txBody>
+                  <a:tcPr marL="86320" marR="86320" marT="0" marB="0"/>
+                </a:tc>
+                <a:extLst>
+                  <a:ext uri="{0D108BD9-81ED-4DB2-BD59-A6C34878D82A}">
+                    <a16:rowId xmlns:a16="http://schemas.microsoft.com/office/drawing/2014/main" val="2451799967"/>
+                  </a:ext>
+                </a:extLst>
+              </a:tr>
+              <a:tr h="281873">
+                <a:tc gridSpan="2">
+                  <a:txBody>
+                    <a:bodyPr/>
+                    <a:lstStyle/>
+                    <a:p>
+                      <a:pPr marL="0" marR="0" algn="ctr">
+                        <a:lnSpc>
+                          <a:spcPct val="107000"/>
+                        </a:lnSpc>
+                        <a:spcBef>
+                          <a:spcPts val="0"/>
+                        </a:spcBef>
+                        <a:spcAft>
+                          <a:spcPts val="0"/>
+                        </a:spcAft>
+                      </a:pPr>
+                      <a:r>
+                        <a:rPr lang="en-US" sz="1800" dirty="0">
+                          <a:effectLst/>
+                          <a:latin typeface="Calibri" panose="020F0502020204030204" pitchFamily="34" charset="0"/>
+                          <a:ea typeface="Calibri" panose="020F0502020204030204" pitchFamily="34" charset="0"/>
+                          <a:cs typeface="Times New Roman" panose="02020603050405020304" pitchFamily="18" charset="0"/>
+                        </a:rPr>
+                        <a:t>Socio Demographic/Economic Indicators</a:t>
+                      </a:r>
+                    </a:p>
+                  </a:txBody>
+                  <a:tcPr marL="86320" marR="86320" marT="0" marB="0"/>
+                </a:tc>
+                <a:tc hMerge="1">
+                  <a:txBody>
+                    <a:bodyPr/>
+                    <a:lstStyle/>
+                    <a:p>
+                      <a:endParaRPr lang="en-US"/>
+                    </a:p>
+                  </a:txBody>
+                  <a:tcPr/>
+                </a:tc>
+                <a:extLst>
+                  <a:ext uri="{0D108BD9-81ED-4DB2-BD59-A6C34878D82A}">
+                    <a16:rowId xmlns:a16="http://schemas.microsoft.com/office/drawing/2014/main" val="2633151730"/>
+                  </a:ext>
+                </a:extLst>
+              </a:tr>
+              <a:tr h="434261">
+                <a:tc>
+                  <a:txBody>
+                    <a:bodyPr/>
+                    <a:lstStyle/>
+                    <a:p>
+                      <a:pPr marL="0" marR="0">
+                        <a:lnSpc>
+                          <a:spcPct val="107000"/>
+                        </a:lnSpc>
+                        <a:spcBef>
+                          <a:spcPts val="0"/>
+                        </a:spcBef>
+                        <a:spcAft>
+                          <a:spcPts val="0"/>
+                        </a:spcAft>
+                      </a:pPr>
+                      <a:r>
+                        <a:rPr lang="en-US" sz="1400" dirty="0">
+                          <a:effectLst/>
+                          <a:latin typeface="Calibri" panose="020F0502020204030204" pitchFamily="34" charset="0"/>
+                          <a:ea typeface="Calibri" panose="020F0502020204030204" pitchFamily="34" charset="0"/>
+                          <a:cs typeface="Times New Roman" panose="02020603050405020304" pitchFamily="18" charset="0"/>
+                        </a:rPr>
+                        <a:t>% pop Hispanic</a:t>
+                      </a:r>
+                    </a:p>
+                  </a:txBody>
+                  <a:tcPr marL="86320" marR="86320" marT="0" marB="0"/>
+                </a:tc>
+                <a:tc>
+                  <a:txBody>
+                    <a:bodyPr/>
+                    <a:lstStyle/>
+                    <a:p>
+                      <a:pPr marL="0" marR="0" lvl="0" indent="0" algn="l" defTabSz="914400" rtl="0" eaLnBrk="1" fontAlgn="auto" latinLnBrk="0" hangingPunct="1">
+                        <a:lnSpc>
+                          <a:spcPct val="107000"/>
+                        </a:lnSpc>
+                        <a:spcBef>
+                          <a:spcPts val="0"/>
+                        </a:spcBef>
+                        <a:spcAft>
+                          <a:spcPts val="0"/>
+                        </a:spcAft>
+                        <a:buClrTx/>
+                        <a:buSzTx/>
+                        <a:buFontTx/>
+                        <a:buNone/>
+                        <a:tabLst/>
+                        <a:defRPr/>
+                      </a:pPr>
+                      <a:r>
+                        <a:rPr lang="en-US" sz="1400" dirty="0" err="1">
+                          <a:effectLst/>
+                        </a:rPr>
+                        <a:t>pcnt_hisp</a:t>
+                      </a:r>
+                      <a:endParaRPr lang="en-US" sz="1400" dirty="0">
+                        <a:effectLst/>
+                        <a:latin typeface="Calibri" panose="020F0502020204030204" pitchFamily="34" charset="0"/>
+                        <a:ea typeface="Calibri" panose="020F0502020204030204" pitchFamily="34" charset="0"/>
+                        <a:cs typeface="Times New Roman" panose="02020603050405020304" pitchFamily="18" charset="0"/>
+                      </a:endParaRPr>
+                    </a:p>
+                    <a:p>
+                      <a:pPr marL="0" marR="0">
+                        <a:lnSpc>
+                          <a:spcPct val="107000"/>
+                        </a:lnSpc>
+                        <a:spcBef>
+                          <a:spcPts val="0"/>
+                        </a:spcBef>
+                        <a:spcAft>
+                          <a:spcPts val="0"/>
+                        </a:spcAft>
+                      </a:pPr>
+                      <a:endParaRPr lang="en-US" sz="1400" dirty="0">
+                        <a:effectLst/>
+                        <a:latin typeface="Calibri" panose="020F0502020204030204" pitchFamily="34" charset="0"/>
+                        <a:ea typeface="Calibri" panose="020F0502020204030204" pitchFamily="34" charset="0"/>
+                        <a:cs typeface="Times New Roman" panose="02020603050405020304" pitchFamily="18" charset="0"/>
+                      </a:endParaRPr>
+                    </a:p>
+                  </a:txBody>
+                  <a:tcPr marL="86320" marR="86320" marT="0" marB="0"/>
+                </a:tc>
+                <a:extLst>
+                  <a:ext uri="{0D108BD9-81ED-4DB2-BD59-A6C34878D82A}">
+                    <a16:rowId xmlns:a16="http://schemas.microsoft.com/office/drawing/2014/main" val="717554520"/>
+                  </a:ext>
+                </a:extLst>
+              </a:tr>
+              <a:tr h="434261">
+                <a:tc>
+                  <a:txBody>
+                    <a:bodyPr/>
+                    <a:lstStyle/>
+                    <a:p>
+                      <a:pPr marL="0" marR="0">
+                        <a:lnSpc>
+                          <a:spcPct val="107000"/>
+                        </a:lnSpc>
+                        <a:spcBef>
+                          <a:spcPts val="0"/>
+                        </a:spcBef>
+                        <a:spcAft>
+                          <a:spcPts val="0"/>
+                        </a:spcAft>
+                      </a:pPr>
+                      <a:r>
+                        <a:rPr lang="en-US" sz="1400" dirty="0">
+                          <a:effectLst/>
+                          <a:latin typeface="Calibri" panose="020F0502020204030204" pitchFamily="34" charset="0"/>
+                          <a:ea typeface="Calibri" panose="020F0502020204030204" pitchFamily="34" charset="0"/>
+                          <a:cs typeface="Times New Roman" panose="02020603050405020304" pitchFamily="18" charset="0"/>
+                        </a:rPr>
+                        <a:t>% pop Black African American</a:t>
+                      </a:r>
+                    </a:p>
+                  </a:txBody>
+                  <a:tcPr marL="86320" marR="86320" marT="0" marB="0"/>
+                </a:tc>
+                <a:tc>
+                  <a:txBody>
+                    <a:bodyPr/>
+                    <a:lstStyle/>
+                    <a:p>
+                      <a:pPr marL="0" marR="0" lvl="0" indent="0" algn="l" defTabSz="914400" rtl="0" eaLnBrk="1" fontAlgn="auto" latinLnBrk="0" hangingPunct="1">
+                        <a:lnSpc>
+                          <a:spcPct val="107000"/>
+                        </a:lnSpc>
+                        <a:spcBef>
+                          <a:spcPts val="0"/>
+                        </a:spcBef>
+                        <a:spcAft>
+                          <a:spcPts val="0"/>
+                        </a:spcAft>
+                        <a:buClrTx/>
+                        <a:buSzTx/>
+                        <a:buFontTx/>
+                        <a:buNone/>
+                        <a:tabLst/>
+                        <a:defRPr/>
+                      </a:pPr>
+                      <a:r>
+                        <a:rPr lang="en-US" sz="1400" dirty="0" err="1">
+                          <a:effectLst/>
+                        </a:rPr>
+                        <a:t>pcnt_blk</a:t>
+                      </a:r>
+                      <a:endParaRPr lang="en-US" sz="1400" dirty="0">
+                        <a:effectLst/>
+                        <a:latin typeface="Calibri" panose="020F0502020204030204" pitchFamily="34" charset="0"/>
+                        <a:ea typeface="Calibri" panose="020F0502020204030204" pitchFamily="34" charset="0"/>
+                        <a:cs typeface="Times New Roman" panose="02020603050405020304" pitchFamily="18" charset="0"/>
+                      </a:endParaRPr>
+                    </a:p>
+                    <a:p>
+                      <a:pPr marL="0" marR="0">
+                        <a:lnSpc>
+                          <a:spcPct val="107000"/>
+                        </a:lnSpc>
+                        <a:spcBef>
+                          <a:spcPts val="0"/>
+                        </a:spcBef>
+                        <a:spcAft>
+                          <a:spcPts val="0"/>
+                        </a:spcAft>
+                      </a:pPr>
+                      <a:endParaRPr lang="en-US" sz="1400" dirty="0">
+                        <a:effectLst/>
+                        <a:latin typeface="Calibri" panose="020F0502020204030204" pitchFamily="34" charset="0"/>
+                        <a:ea typeface="Calibri" panose="020F0502020204030204" pitchFamily="34" charset="0"/>
+                        <a:cs typeface="Times New Roman" panose="02020603050405020304" pitchFamily="18" charset="0"/>
+                      </a:endParaRPr>
+                    </a:p>
+                  </a:txBody>
+                  <a:tcPr marL="86320" marR="86320" marT="0" marB="0"/>
+                </a:tc>
+                <a:extLst>
+                  <a:ext uri="{0D108BD9-81ED-4DB2-BD59-A6C34878D82A}">
+                    <a16:rowId xmlns:a16="http://schemas.microsoft.com/office/drawing/2014/main" val="4054004482"/>
+                  </a:ext>
+                </a:extLst>
+              </a:tr>
+              <a:tr h="261773">
+                <a:tc>
+                  <a:txBody>
+                    <a:bodyPr/>
+                    <a:lstStyle/>
+                    <a:p>
+                      <a:pPr marL="0" marR="0">
+                        <a:lnSpc>
+                          <a:spcPct val="107000"/>
+                        </a:lnSpc>
+                        <a:spcBef>
+                          <a:spcPts val="0"/>
+                        </a:spcBef>
+                        <a:spcAft>
+                          <a:spcPts val="0"/>
+                        </a:spcAft>
+                      </a:pPr>
+                      <a:r>
+                        <a:rPr lang="en-US" sz="1400" dirty="0">
+                          <a:effectLst/>
+                          <a:latin typeface="Calibri" panose="020F0502020204030204" pitchFamily="34" charset="0"/>
+                          <a:ea typeface="Calibri" panose="020F0502020204030204" pitchFamily="34" charset="0"/>
+                          <a:cs typeface="Times New Roman" panose="02020603050405020304" pitchFamily="18" charset="0"/>
+                        </a:rPr>
+                        <a:t>% Rural</a:t>
+                      </a:r>
+                    </a:p>
+                  </a:txBody>
+                  <a:tcPr marL="86320" marR="86320" marT="0" marB="0"/>
+                </a:tc>
+                <a:tc>
+                  <a:txBody>
+                    <a:bodyPr/>
+                    <a:lstStyle/>
+                    <a:p>
+                      <a:pPr marL="0" marR="0" lvl="0" indent="0" algn="l" defTabSz="914400" rtl="0" eaLnBrk="1" fontAlgn="auto" latinLnBrk="0" hangingPunct="1">
+                        <a:lnSpc>
+                          <a:spcPct val="107000"/>
+                        </a:lnSpc>
+                        <a:spcBef>
+                          <a:spcPts val="0"/>
+                        </a:spcBef>
+                        <a:spcAft>
+                          <a:spcPts val="0"/>
+                        </a:spcAft>
+                        <a:buClrTx/>
+                        <a:buSzTx/>
+                        <a:buFontTx/>
+                        <a:buNone/>
+                        <a:tabLst/>
+                        <a:defRPr/>
+                      </a:pPr>
+                      <a:r>
+                        <a:rPr lang="en-US" sz="1400" dirty="0" err="1">
+                          <a:effectLst/>
+                        </a:rPr>
+                        <a:t>pcnt_rural</a:t>
+                      </a:r>
+                      <a:endParaRPr lang="en-US" sz="1400" dirty="0">
+                        <a:effectLst/>
+                        <a:latin typeface="Calibri" panose="020F0502020204030204" pitchFamily="34" charset="0"/>
+                        <a:ea typeface="Calibri" panose="020F0502020204030204" pitchFamily="34" charset="0"/>
+                        <a:cs typeface="Times New Roman" panose="02020603050405020304" pitchFamily="18" charset="0"/>
+                      </a:endParaRPr>
+                    </a:p>
+                  </a:txBody>
+                  <a:tcPr marL="86320" marR="86320" marT="0" marB="0"/>
+                </a:tc>
+                <a:extLst>
+                  <a:ext uri="{0D108BD9-81ED-4DB2-BD59-A6C34878D82A}">
+                    <a16:rowId xmlns:a16="http://schemas.microsoft.com/office/drawing/2014/main" val="3562108884"/>
+                  </a:ext>
+                </a:extLst>
+              </a:tr>
+              <a:tr h="261773">
+                <a:tc>
+                  <a:txBody>
+                    <a:bodyPr/>
+                    <a:lstStyle/>
+                    <a:p>
+                      <a:pPr marL="0" marR="0">
+                        <a:lnSpc>
+                          <a:spcPct val="107000"/>
+                        </a:lnSpc>
+                        <a:spcBef>
+                          <a:spcPts val="0"/>
+                        </a:spcBef>
+                        <a:spcAft>
+                          <a:spcPts val="0"/>
+                        </a:spcAft>
+                      </a:pPr>
+                      <a:r>
+                        <a:rPr lang="en-US" sz="1400" dirty="0">
+                          <a:effectLst/>
+                          <a:latin typeface="Calibri" panose="020F0502020204030204" pitchFamily="34" charset="0"/>
+                          <a:ea typeface="Calibri" panose="020F0502020204030204" pitchFamily="34" charset="0"/>
+                          <a:cs typeface="Times New Roman" panose="02020603050405020304" pitchFamily="18" charset="0"/>
+                        </a:rPr>
+                        <a:t>% pop over 65 years old</a:t>
+                      </a:r>
+                    </a:p>
+                  </a:txBody>
+                  <a:tcPr marL="86320" marR="86320" marT="0" marB="0"/>
+                </a:tc>
+                <a:tc>
+                  <a:txBody>
+                    <a:bodyPr/>
+                    <a:lstStyle/>
+                    <a:p>
+                      <a:pPr marL="0" marR="0" lvl="0" indent="0" algn="l" defTabSz="914400" rtl="0" eaLnBrk="1" fontAlgn="auto" latinLnBrk="0" hangingPunct="1">
+                        <a:lnSpc>
+                          <a:spcPct val="107000"/>
+                        </a:lnSpc>
+                        <a:spcBef>
+                          <a:spcPts val="0"/>
+                        </a:spcBef>
+                        <a:spcAft>
+                          <a:spcPts val="0"/>
+                        </a:spcAft>
+                        <a:buClrTx/>
+                        <a:buSzTx/>
+                        <a:buFontTx/>
+                        <a:buNone/>
+                        <a:tabLst/>
+                        <a:defRPr/>
+                      </a:pPr>
+                      <a:r>
+                        <a:rPr lang="en-US" sz="1400" dirty="0" err="1">
+                          <a:effectLst/>
+                        </a:rPr>
+                        <a:t>pcnt_sr</a:t>
+                      </a:r>
+                      <a:endParaRPr lang="en-US" sz="1400" dirty="0">
+                        <a:effectLst/>
+                        <a:latin typeface="Calibri" panose="020F0502020204030204" pitchFamily="34" charset="0"/>
+                        <a:ea typeface="Calibri" panose="020F0502020204030204" pitchFamily="34" charset="0"/>
+                        <a:cs typeface="Times New Roman" panose="02020603050405020304" pitchFamily="18" charset="0"/>
+                      </a:endParaRPr>
+                    </a:p>
+                  </a:txBody>
+                  <a:tcPr marL="86320" marR="86320" marT="0" marB="0"/>
+                </a:tc>
+                <a:extLst>
+                  <a:ext uri="{0D108BD9-81ED-4DB2-BD59-A6C34878D82A}">
+                    <a16:rowId xmlns:a16="http://schemas.microsoft.com/office/drawing/2014/main" val="3076663579"/>
+                  </a:ext>
+                </a:extLst>
+              </a:tr>
+              <a:tr h="281873">
+                <a:tc gridSpan="2">
+                  <a:txBody>
+                    <a:bodyPr/>
+                    <a:lstStyle/>
+                    <a:p>
+                      <a:pPr marL="0" marR="0" algn="ctr">
+                        <a:lnSpc>
+                          <a:spcPct val="107000"/>
+                        </a:lnSpc>
+                        <a:spcBef>
+                          <a:spcPts val="0"/>
+                        </a:spcBef>
+                        <a:spcAft>
+                          <a:spcPts val="0"/>
+                        </a:spcAft>
+                      </a:pPr>
+                      <a:r>
+                        <a:rPr lang="en-US" sz="1800" dirty="0">
+                          <a:effectLst/>
+                          <a:latin typeface="Calibri" panose="020F0502020204030204" pitchFamily="34" charset="0"/>
+                          <a:ea typeface="Calibri" panose="020F0502020204030204" pitchFamily="34" charset="0"/>
+                          <a:cs typeface="Times New Roman" panose="02020603050405020304" pitchFamily="18" charset="0"/>
+                        </a:rPr>
+                        <a:t>Economic Indicators</a:t>
+                      </a:r>
+                    </a:p>
+                  </a:txBody>
+                  <a:tcPr marL="86320" marR="86320" marT="0" marB="0"/>
+                </a:tc>
+                <a:tc hMerge="1">
+                  <a:txBody>
+                    <a:bodyPr/>
+                    <a:lstStyle/>
+                    <a:p>
+                      <a:endParaRPr lang="en-US"/>
+                    </a:p>
+                  </a:txBody>
+                  <a:tcPr/>
+                </a:tc>
+                <a:extLst>
+                  <a:ext uri="{0D108BD9-81ED-4DB2-BD59-A6C34878D82A}">
+                    <a16:rowId xmlns:a16="http://schemas.microsoft.com/office/drawing/2014/main" val="321035522"/>
+                  </a:ext>
+                </a:extLst>
+              </a:tr>
+              <a:tr h="261773">
+                <a:tc>
+                  <a:txBody>
+                    <a:bodyPr/>
+                    <a:lstStyle/>
+                    <a:p>
+                      <a:pPr marL="0" marR="0">
+                        <a:lnSpc>
+                          <a:spcPct val="107000"/>
+                        </a:lnSpc>
+                        <a:spcBef>
+                          <a:spcPts val="0"/>
+                        </a:spcBef>
+                        <a:spcAft>
+                          <a:spcPts val="0"/>
+                        </a:spcAft>
+                      </a:pPr>
+                      <a:r>
+                        <a:rPr lang="en-US" sz="1400" dirty="0">
+                          <a:effectLst/>
+                          <a:latin typeface="Calibri" panose="020F0502020204030204" pitchFamily="34" charset="0"/>
+                          <a:ea typeface="Calibri" panose="020F0502020204030204" pitchFamily="34" charset="0"/>
+                          <a:cs typeface="Times New Roman" panose="02020603050405020304" pitchFamily="18" charset="0"/>
+                        </a:rPr>
+                        <a:t>Unemployment Rate</a:t>
+                      </a:r>
+                    </a:p>
+                  </a:txBody>
+                  <a:tcPr marL="86320" marR="86320" marT="0" marB="0"/>
+                </a:tc>
+                <a:tc>
+                  <a:txBody>
+                    <a:bodyPr/>
+                    <a:lstStyle/>
+                    <a:p>
+                      <a:pPr marL="0" marR="0" lvl="0" indent="0" algn="l" defTabSz="914400" rtl="0" eaLnBrk="1" fontAlgn="auto" latinLnBrk="0" hangingPunct="1">
+                        <a:lnSpc>
+                          <a:spcPct val="107000"/>
+                        </a:lnSpc>
+                        <a:spcBef>
+                          <a:spcPts val="0"/>
+                        </a:spcBef>
+                        <a:spcAft>
+                          <a:spcPts val="0"/>
+                        </a:spcAft>
+                        <a:buClrTx/>
+                        <a:buSzTx/>
+                        <a:buFontTx/>
+                        <a:buNone/>
+                        <a:tabLst/>
+                        <a:defRPr/>
+                      </a:pPr>
+                      <a:r>
+                        <a:rPr lang="en-US" sz="1400" dirty="0" err="1">
+                          <a:effectLst/>
+                        </a:rPr>
+                        <a:t>pcnt_unemp</a:t>
+                      </a:r>
+                      <a:endParaRPr lang="en-US" sz="1400" dirty="0">
+                        <a:effectLst/>
+                        <a:latin typeface="Calibri" panose="020F0502020204030204" pitchFamily="34" charset="0"/>
+                        <a:ea typeface="Calibri" panose="020F0502020204030204" pitchFamily="34" charset="0"/>
+                        <a:cs typeface="Times New Roman" panose="02020603050405020304" pitchFamily="18" charset="0"/>
+                      </a:endParaRPr>
+                    </a:p>
+                  </a:txBody>
+                  <a:tcPr marL="86320" marR="86320" marT="0" marB="0"/>
+                </a:tc>
+                <a:extLst>
+                  <a:ext uri="{0D108BD9-81ED-4DB2-BD59-A6C34878D82A}">
+                    <a16:rowId xmlns:a16="http://schemas.microsoft.com/office/drawing/2014/main" val="4174790263"/>
+                  </a:ext>
+                </a:extLst>
+              </a:tr>
+              <a:tr h="434261">
+                <a:tc>
+                  <a:txBody>
+                    <a:bodyPr/>
+                    <a:lstStyle/>
+                    <a:p>
+                      <a:pPr marL="0" marR="0">
+                        <a:lnSpc>
+                          <a:spcPct val="107000"/>
+                        </a:lnSpc>
+                        <a:spcBef>
+                          <a:spcPts val="0"/>
+                        </a:spcBef>
+                        <a:spcAft>
+                          <a:spcPts val="0"/>
+                        </a:spcAft>
+                      </a:pPr>
+                      <a:r>
+                        <a:rPr lang="en-US" sz="1400" dirty="0">
+                          <a:effectLst/>
+                          <a:latin typeface="Calibri" panose="020F0502020204030204" pitchFamily="34" charset="0"/>
+                          <a:ea typeface="Calibri" panose="020F0502020204030204" pitchFamily="34" charset="0"/>
+                          <a:cs typeface="Times New Roman" panose="02020603050405020304" pitchFamily="18" charset="0"/>
+                        </a:rPr>
+                        <a:t>% pop Under Poverty Line</a:t>
+                      </a:r>
+                    </a:p>
+                  </a:txBody>
+                  <a:tcPr marL="86320" marR="86320" marT="0" marB="0"/>
+                </a:tc>
+                <a:tc>
+                  <a:txBody>
+                    <a:bodyPr/>
+                    <a:lstStyle/>
+                    <a:p>
+                      <a:pPr marL="0" marR="0" lvl="0" indent="0" algn="l" defTabSz="914400" rtl="0" eaLnBrk="1" fontAlgn="auto" latinLnBrk="0" hangingPunct="1">
+                        <a:lnSpc>
+                          <a:spcPct val="107000"/>
+                        </a:lnSpc>
+                        <a:spcBef>
+                          <a:spcPts val="0"/>
+                        </a:spcBef>
+                        <a:spcAft>
+                          <a:spcPts val="0"/>
+                        </a:spcAft>
+                        <a:buClrTx/>
+                        <a:buSzTx/>
+                        <a:buFontTx/>
+                        <a:buNone/>
+                        <a:tabLst/>
+                        <a:defRPr/>
+                      </a:pPr>
+                      <a:r>
+                        <a:rPr lang="en-US" sz="1400" dirty="0" err="1">
+                          <a:effectLst/>
+                        </a:rPr>
+                        <a:t>pcnt_pov</a:t>
+                      </a:r>
+                      <a:endParaRPr lang="en-US" sz="1400" dirty="0">
+                        <a:effectLst/>
+                        <a:latin typeface="Calibri" panose="020F0502020204030204" pitchFamily="34" charset="0"/>
+                        <a:ea typeface="Calibri" panose="020F0502020204030204" pitchFamily="34" charset="0"/>
+                        <a:cs typeface="Times New Roman" panose="02020603050405020304" pitchFamily="18" charset="0"/>
+                      </a:endParaRPr>
+                    </a:p>
+                    <a:p>
+                      <a:pPr marL="0" marR="0">
+                        <a:lnSpc>
+                          <a:spcPct val="107000"/>
+                        </a:lnSpc>
+                        <a:spcBef>
+                          <a:spcPts val="0"/>
+                        </a:spcBef>
+                        <a:spcAft>
+                          <a:spcPts val="0"/>
+                        </a:spcAft>
+                      </a:pPr>
+                      <a:endParaRPr lang="en-US" sz="1400" dirty="0">
+                        <a:effectLst/>
+                        <a:latin typeface="Calibri" panose="020F0502020204030204" pitchFamily="34" charset="0"/>
+                        <a:ea typeface="Calibri" panose="020F0502020204030204" pitchFamily="34" charset="0"/>
+                        <a:cs typeface="Times New Roman" panose="02020603050405020304" pitchFamily="18" charset="0"/>
+                      </a:endParaRPr>
+                    </a:p>
+                  </a:txBody>
+                  <a:tcPr marL="86320" marR="86320" marT="0" marB="0"/>
+                </a:tc>
+                <a:extLst>
+                  <a:ext uri="{0D108BD9-81ED-4DB2-BD59-A6C34878D82A}">
+                    <a16:rowId xmlns:a16="http://schemas.microsoft.com/office/drawing/2014/main" val="3890784996"/>
+                  </a:ext>
+                </a:extLst>
+              </a:tr>
+              <a:tr h="434261">
+                <a:tc>
+                  <a:txBody>
+                    <a:bodyPr/>
+                    <a:lstStyle/>
+                    <a:p>
+                      <a:pPr marL="0" marR="0">
+                        <a:lnSpc>
+                          <a:spcPct val="107000"/>
+                        </a:lnSpc>
+                        <a:spcBef>
+                          <a:spcPts val="0"/>
+                        </a:spcBef>
+                        <a:spcAft>
+                          <a:spcPts val="0"/>
+                        </a:spcAft>
+                      </a:pPr>
+                      <a:r>
+                        <a:rPr lang="en-US" sz="1400" dirty="0">
+                          <a:effectLst/>
+                          <a:latin typeface="Calibri" panose="020F0502020204030204" pitchFamily="34" charset="0"/>
+                          <a:ea typeface="Calibri" panose="020F0502020204030204" pitchFamily="34" charset="0"/>
+                          <a:cs typeface="Times New Roman" panose="02020603050405020304" pitchFamily="18" charset="0"/>
+                        </a:rPr>
+                        <a:t>% of TX State Median Income</a:t>
+                      </a:r>
+                    </a:p>
+                  </a:txBody>
+                  <a:tcPr marL="86320" marR="86320" marT="0" marB="0"/>
+                </a:tc>
+                <a:tc>
+                  <a:txBody>
+                    <a:bodyPr/>
+                    <a:lstStyle/>
+                    <a:p>
+                      <a:pPr marL="0" marR="0" lvl="0" indent="0" algn="l" defTabSz="914400" rtl="0" eaLnBrk="1" fontAlgn="auto" latinLnBrk="0" hangingPunct="1">
+                        <a:lnSpc>
+                          <a:spcPct val="107000"/>
+                        </a:lnSpc>
+                        <a:spcBef>
+                          <a:spcPts val="0"/>
+                        </a:spcBef>
+                        <a:spcAft>
+                          <a:spcPts val="0"/>
+                        </a:spcAft>
+                        <a:buClrTx/>
+                        <a:buSzTx/>
+                        <a:buFontTx/>
+                        <a:buNone/>
+                        <a:tabLst/>
+                        <a:defRPr/>
+                      </a:pPr>
+                      <a:r>
+                        <a:rPr lang="en-US" sz="1400" dirty="0" err="1">
+                          <a:effectLst/>
+                        </a:rPr>
+                        <a:t>pcnt_income</a:t>
+                      </a:r>
+                      <a:endParaRPr lang="en-US" sz="1400" dirty="0">
+                        <a:effectLst/>
+                        <a:latin typeface="Calibri" panose="020F0502020204030204" pitchFamily="34" charset="0"/>
+                        <a:ea typeface="Calibri" panose="020F0502020204030204" pitchFamily="34" charset="0"/>
+                        <a:cs typeface="Times New Roman" panose="02020603050405020304" pitchFamily="18" charset="0"/>
+                      </a:endParaRPr>
+                    </a:p>
+                    <a:p>
+                      <a:pPr marL="0" marR="0">
+                        <a:lnSpc>
+                          <a:spcPct val="107000"/>
+                        </a:lnSpc>
+                        <a:spcBef>
+                          <a:spcPts val="0"/>
+                        </a:spcBef>
+                        <a:spcAft>
+                          <a:spcPts val="0"/>
+                        </a:spcAft>
+                      </a:pPr>
+                      <a:endParaRPr lang="en-US" sz="1400" dirty="0">
+                        <a:effectLst/>
+                        <a:latin typeface="Calibri" panose="020F0502020204030204" pitchFamily="34" charset="0"/>
+                        <a:ea typeface="Calibri" panose="020F0502020204030204" pitchFamily="34" charset="0"/>
+                        <a:cs typeface="Times New Roman" panose="02020603050405020304" pitchFamily="18" charset="0"/>
+                      </a:endParaRPr>
+                    </a:p>
+                  </a:txBody>
+                  <a:tcPr marL="86320" marR="86320" marT="0" marB="0"/>
+                </a:tc>
+                <a:extLst>
+                  <a:ext uri="{0D108BD9-81ED-4DB2-BD59-A6C34878D82A}">
+                    <a16:rowId xmlns:a16="http://schemas.microsoft.com/office/drawing/2014/main" val="566577819"/>
+                  </a:ext>
+                </a:extLst>
+              </a:tr>
+              <a:tr h="434261">
+                <a:tc>
+                  <a:txBody>
+                    <a:bodyPr/>
+                    <a:lstStyle/>
+                    <a:p>
+                      <a:pPr marL="0" marR="0">
+                        <a:lnSpc>
+                          <a:spcPct val="107000"/>
+                        </a:lnSpc>
+                        <a:spcBef>
+                          <a:spcPts val="0"/>
+                        </a:spcBef>
+                        <a:spcAft>
+                          <a:spcPts val="0"/>
+                        </a:spcAft>
+                      </a:pPr>
+                      <a:r>
+                        <a:rPr lang="en-US" sz="1400" dirty="0">
+                          <a:effectLst/>
+                          <a:latin typeface="Calibri" panose="020F0502020204030204" pitchFamily="34" charset="0"/>
+                          <a:ea typeface="Calibri" panose="020F0502020204030204" pitchFamily="34" charset="0"/>
+                          <a:cs typeface="Times New Roman" panose="02020603050405020304" pitchFamily="18" charset="0"/>
+                        </a:rPr>
+                        <a:t>% of Residential Units Owned</a:t>
+                      </a:r>
+                    </a:p>
+                  </a:txBody>
+                  <a:tcPr marL="86320" marR="86320" marT="0" marB="0"/>
+                </a:tc>
+                <a:tc>
+                  <a:txBody>
+                    <a:bodyPr/>
+                    <a:lstStyle/>
+                    <a:p>
+                      <a:pPr marL="0" marR="0" lvl="0" indent="0" algn="l" defTabSz="914400" rtl="0" eaLnBrk="1" fontAlgn="auto" latinLnBrk="0" hangingPunct="1">
+                        <a:lnSpc>
+                          <a:spcPct val="107000"/>
+                        </a:lnSpc>
+                        <a:spcBef>
+                          <a:spcPts val="0"/>
+                        </a:spcBef>
+                        <a:spcAft>
+                          <a:spcPts val="0"/>
+                        </a:spcAft>
+                        <a:buClrTx/>
+                        <a:buSzTx/>
+                        <a:buFontTx/>
+                        <a:buNone/>
+                        <a:tabLst/>
+                        <a:defRPr/>
+                      </a:pPr>
+                      <a:r>
+                        <a:rPr lang="en-US" sz="1400" dirty="0" err="1">
+                          <a:effectLst/>
+                        </a:rPr>
+                        <a:t>pcnt_own</a:t>
+                      </a:r>
+                      <a:endParaRPr lang="en-US" sz="1400" dirty="0">
+                        <a:effectLst/>
+                        <a:latin typeface="Calibri" panose="020F0502020204030204" pitchFamily="34" charset="0"/>
+                        <a:ea typeface="Calibri" panose="020F0502020204030204" pitchFamily="34" charset="0"/>
+                        <a:cs typeface="Times New Roman" panose="02020603050405020304" pitchFamily="18" charset="0"/>
+                      </a:endParaRPr>
+                    </a:p>
+                    <a:p>
+                      <a:pPr marL="0" marR="0">
+                        <a:lnSpc>
+                          <a:spcPct val="107000"/>
+                        </a:lnSpc>
+                        <a:spcBef>
+                          <a:spcPts val="0"/>
+                        </a:spcBef>
+                        <a:spcAft>
+                          <a:spcPts val="0"/>
+                        </a:spcAft>
+                      </a:pPr>
+                      <a:endParaRPr lang="en-US" sz="1400" dirty="0">
+                        <a:effectLst/>
+                        <a:latin typeface="Calibri" panose="020F0502020204030204" pitchFamily="34" charset="0"/>
+                        <a:ea typeface="Calibri" panose="020F0502020204030204" pitchFamily="34" charset="0"/>
+                        <a:cs typeface="Times New Roman" panose="02020603050405020304" pitchFamily="18" charset="0"/>
+                      </a:endParaRPr>
+                    </a:p>
+                  </a:txBody>
+                  <a:tcPr marL="86320" marR="86320" marT="0" marB="0"/>
+                </a:tc>
+                <a:extLst>
+                  <a:ext uri="{0D108BD9-81ED-4DB2-BD59-A6C34878D82A}">
+                    <a16:rowId xmlns:a16="http://schemas.microsoft.com/office/drawing/2014/main" val="1441619756"/>
+                  </a:ext>
+                </a:extLst>
+              </a:tr>
+              <a:tr h="272811">
+                <a:tc gridSpan="2">
+                  <a:txBody>
+                    <a:bodyPr/>
+                    <a:lstStyle/>
+                    <a:p>
+                      <a:pPr marL="0" marR="0" algn="ctr">
+                        <a:lnSpc>
+                          <a:spcPct val="107000"/>
+                        </a:lnSpc>
+                        <a:spcBef>
+                          <a:spcPts val="0"/>
+                        </a:spcBef>
+                        <a:spcAft>
+                          <a:spcPts val="0"/>
+                        </a:spcAft>
+                      </a:pPr>
+                      <a:r>
+                        <a:rPr lang="en-US" sz="1800" dirty="0">
+                          <a:effectLst/>
+                          <a:latin typeface="Calibri" panose="020F0502020204030204" pitchFamily="34" charset="0"/>
+                          <a:ea typeface="Calibri" panose="020F0502020204030204" pitchFamily="34" charset="0"/>
+                          <a:cs typeface="Times New Roman" panose="02020603050405020304" pitchFamily="18" charset="0"/>
+                        </a:rPr>
+                        <a:t>Food and Health</a:t>
+                      </a:r>
+                    </a:p>
+                  </a:txBody>
+                  <a:tcPr marL="86320" marR="86320" marT="0" marB="0"/>
+                </a:tc>
+                <a:tc hMerge="1">
+                  <a:txBody>
+                    <a:bodyPr/>
+                    <a:lstStyle/>
+                    <a:p>
+                      <a:endParaRPr lang="en-US"/>
+                    </a:p>
+                  </a:txBody>
+                  <a:tcPr/>
+                </a:tc>
+                <a:extLst>
+                  <a:ext uri="{0D108BD9-81ED-4DB2-BD59-A6C34878D82A}">
+                    <a16:rowId xmlns:a16="http://schemas.microsoft.com/office/drawing/2014/main" val="3979493383"/>
+                  </a:ext>
+                </a:extLst>
+              </a:tr>
+              <a:tr h="434261">
+                <a:tc>
+                  <a:txBody>
+                    <a:bodyPr/>
+                    <a:lstStyle/>
+                    <a:p>
+                      <a:pPr marL="0" marR="0">
+                        <a:lnSpc>
+                          <a:spcPct val="107000"/>
+                        </a:lnSpc>
+                        <a:spcBef>
+                          <a:spcPts val="0"/>
+                        </a:spcBef>
+                        <a:spcAft>
+                          <a:spcPts val="0"/>
+                        </a:spcAft>
+                      </a:pPr>
+                      <a:r>
+                        <a:rPr lang="en-US" sz="1400" dirty="0">
+                          <a:effectLst/>
+                          <a:latin typeface="Calibri" panose="020F0502020204030204" pitchFamily="34" charset="0"/>
+                          <a:ea typeface="Calibri" panose="020F0502020204030204" pitchFamily="34" charset="0"/>
+                          <a:cs typeface="Times New Roman" panose="02020603050405020304" pitchFamily="18" charset="0"/>
+                        </a:rPr>
+                        <a:t>% pop with Low Grocery Access</a:t>
+                      </a:r>
+                    </a:p>
+                  </a:txBody>
+                  <a:tcPr marL="86320" marR="86320" marT="0" marB="0"/>
+                </a:tc>
+                <a:tc>
+                  <a:txBody>
+                    <a:bodyPr/>
+                    <a:lstStyle/>
+                    <a:p>
+                      <a:pPr marL="0" marR="0">
+                        <a:lnSpc>
+                          <a:spcPct val="107000"/>
+                        </a:lnSpc>
+                        <a:spcBef>
+                          <a:spcPts val="0"/>
+                        </a:spcBef>
+                        <a:spcAft>
+                          <a:spcPts val="0"/>
+                        </a:spcAft>
+                      </a:pPr>
+                      <a:r>
+                        <a:rPr lang="en-US" sz="1400" dirty="0" err="1">
+                          <a:effectLst/>
+                        </a:rPr>
+                        <a:t>pcnt_lw_access</a:t>
+                      </a:r>
+                      <a:endParaRPr lang="en-US" sz="1400" dirty="0">
+                        <a:effectLst/>
+                        <a:latin typeface="Calibri" panose="020F0502020204030204" pitchFamily="34" charset="0"/>
+                        <a:ea typeface="Calibri" panose="020F0502020204030204" pitchFamily="34" charset="0"/>
+                        <a:cs typeface="Times New Roman" panose="02020603050405020304" pitchFamily="18" charset="0"/>
+                      </a:endParaRPr>
+                    </a:p>
+                  </a:txBody>
+                  <a:tcPr marL="86320" marR="86320" marT="0" marB="0"/>
+                </a:tc>
+                <a:extLst>
+                  <a:ext uri="{0D108BD9-81ED-4DB2-BD59-A6C34878D82A}">
+                    <a16:rowId xmlns:a16="http://schemas.microsoft.com/office/drawing/2014/main" val="2199309544"/>
+                  </a:ext>
+                </a:extLst>
+              </a:tr>
+              <a:tr h="261773">
+                <a:tc>
+                  <a:txBody>
+                    <a:bodyPr/>
+                    <a:lstStyle/>
+                    <a:p>
+                      <a:pPr marL="0" marR="0">
+                        <a:lnSpc>
+                          <a:spcPct val="107000"/>
+                        </a:lnSpc>
+                        <a:spcBef>
+                          <a:spcPts val="0"/>
+                        </a:spcBef>
+                        <a:spcAft>
+                          <a:spcPts val="0"/>
+                        </a:spcAft>
+                      </a:pPr>
+                      <a:r>
+                        <a:rPr lang="en-US" sz="1400" dirty="0">
+                          <a:effectLst/>
+                          <a:latin typeface="Calibri" panose="020F0502020204030204" pitchFamily="34" charset="0"/>
+                          <a:ea typeface="Calibri" panose="020F0502020204030204" pitchFamily="34" charset="0"/>
+                          <a:cs typeface="Times New Roman" panose="02020603050405020304" pitchFamily="18" charset="0"/>
+                        </a:rPr>
+                        <a:t>% pop Obese</a:t>
+                      </a:r>
+                    </a:p>
+                  </a:txBody>
+                  <a:tcPr marL="86320" marR="86320" marT="0" marB="0"/>
+                </a:tc>
+                <a:tc>
+                  <a:txBody>
+                    <a:bodyPr/>
+                    <a:lstStyle/>
+                    <a:p>
+                      <a:pPr marL="0" marR="0">
+                        <a:lnSpc>
+                          <a:spcPct val="107000"/>
+                        </a:lnSpc>
+                        <a:spcBef>
+                          <a:spcPts val="0"/>
+                        </a:spcBef>
+                        <a:spcAft>
+                          <a:spcPts val="0"/>
+                        </a:spcAft>
+                      </a:pPr>
+                      <a:r>
+                        <a:rPr lang="en-US" sz="1400" dirty="0" err="1">
+                          <a:effectLst/>
+                        </a:rPr>
+                        <a:t>pcnt_obese</a:t>
+                      </a:r>
+                      <a:endParaRPr lang="en-US" sz="1400" dirty="0">
+                        <a:effectLst/>
+                        <a:latin typeface="Calibri" panose="020F0502020204030204" pitchFamily="34" charset="0"/>
+                        <a:ea typeface="Calibri" panose="020F0502020204030204" pitchFamily="34" charset="0"/>
+                        <a:cs typeface="Times New Roman" panose="02020603050405020304" pitchFamily="18" charset="0"/>
+                      </a:endParaRPr>
+                    </a:p>
+                  </a:txBody>
+                  <a:tcPr marL="86320" marR="86320" marT="0" marB="0"/>
+                </a:tc>
+                <a:extLst>
+                  <a:ext uri="{0D108BD9-81ED-4DB2-BD59-A6C34878D82A}">
+                    <a16:rowId xmlns:a16="http://schemas.microsoft.com/office/drawing/2014/main" val="4266315575"/>
+                  </a:ext>
+                </a:extLst>
+              </a:tr>
+              <a:tr h="261773">
+                <a:tc>
+                  <a:txBody>
+                    <a:bodyPr/>
+                    <a:lstStyle/>
+                    <a:p>
+                      <a:pPr marL="0" marR="0">
+                        <a:lnSpc>
+                          <a:spcPct val="107000"/>
+                        </a:lnSpc>
+                        <a:spcBef>
+                          <a:spcPts val="0"/>
+                        </a:spcBef>
+                        <a:spcAft>
+                          <a:spcPts val="0"/>
+                        </a:spcAft>
+                      </a:pPr>
+                      <a:r>
+                        <a:rPr lang="en-US" sz="1400" dirty="0">
+                          <a:effectLst/>
+                          <a:latin typeface="Calibri" panose="020F0502020204030204" pitchFamily="34" charset="0"/>
+                          <a:ea typeface="Calibri" panose="020F0502020204030204" pitchFamily="34" charset="0"/>
+                          <a:cs typeface="Times New Roman" panose="02020603050405020304" pitchFamily="18" charset="0"/>
+                        </a:rPr>
+                        <a:t>% pop Food Insecure</a:t>
+                      </a:r>
+                    </a:p>
+                  </a:txBody>
+                  <a:tcPr marL="86320" marR="86320" marT="0" marB="0"/>
+                </a:tc>
+                <a:tc>
+                  <a:txBody>
+                    <a:bodyPr/>
+                    <a:lstStyle/>
+                    <a:p>
+                      <a:pPr marL="0" marR="0">
+                        <a:lnSpc>
+                          <a:spcPct val="107000"/>
+                        </a:lnSpc>
+                        <a:spcBef>
+                          <a:spcPts val="0"/>
+                        </a:spcBef>
+                        <a:spcAft>
+                          <a:spcPts val="0"/>
+                        </a:spcAft>
+                      </a:pPr>
+                      <a:r>
+                        <a:rPr lang="en-US" sz="1400" dirty="0" err="1">
+                          <a:effectLst/>
+                        </a:rPr>
+                        <a:t>food_insec</a:t>
+                      </a:r>
+                      <a:r>
+                        <a:rPr lang="en-US" sz="1400" dirty="0">
+                          <a:effectLst/>
+                        </a:rPr>
+                        <a:t> or </a:t>
+                      </a:r>
+                      <a:r>
+                        <a:rPr lang="en-US" sz="1400" dirty="0" err="1">
+                          <a:effectLst/>
+                        </a:rPr>
+                        <a:t>food_rank</a:t>
+                      </a:r>
+                      <a:endParaRPr lang="en-US" sz="1400" dirty="0">
+                        <a:effectLst/>
+                        <a:latin typeface="Calibri" panose="020F0502020204030204" pitchFamily="34" charset="0"/>
+                        <a:ea typeface="Calibri" panose="020F0502020204030204" pitchFamily="34" charset="0"/>
+                        <a:cs typeface="Times New Roman" panose="02020603050405020304" pitchFamily="18" charset="0"/>
+                      </a:endParaRPr>
+                    </a:p>
+                  </a:txBody>
+                  <a:tcPr marL="86320" marR="86320" marT="0" marB="0"/>
+                </a:tc>
+                <a:extLst>
+                  <a:ext uri="{0D108BD9-81ED-4DB2-BD59-A6C34878D82A}">
+                    <a16:rowId xmlns:a16="http://schemas.microsoft.com/office/drawing/2014/main" val="686802102"/>
+                  </a:ext>
+                </a:extLst>
+              </a:tr>
+              <a:tr h="261773">
+                <a:tc>
+                  <a:txBody>
+                    <a:bodyPr/>
+                    <a:lstStyle/>
+                    <a:p>
+                      <a:pPr marL="0" marR="0">
+                        <a:lnSpc>
+                          <a:spcPct val="107000"/>
+                        </a:lnSpc>
+                        <a:spcBef>
+                          <a:spcPts val="0"/>
+                        </a:spcBef>
+                        <a:spcAft>
+                          <a:spcPts val="0"/>
+                        </a:spcAft>
+                      </a:pPr>
+                      <a:r>
+                        <a:rPr lang="en-US" sz="1400" dirty="0">
+                          <a:effectLst/>
+                          <a:latin typeface="Calibri" panose="020F0502020204030204" pitchFamily="34" charset="0"/>
+                          <a:ea typeface="Calibri" panose="020F0502020204030204" pitchFamily="34" charset="0"/>
+                          <a:cs typeface="Times New Roman" panose="02020603050405020304" pitchFamily="18" charset="0"/>
+                        </a:rPr>
+                        <a:t>% pop Uninsured</a:t>
+                      </a:r>
+                    </a:p>
+                  </a:txBody>
+                  <a:tcPr marL="86320" marR="86320" marT="0" marB="0"/>
+                </a:tc>
+                <a:tc>
+                  <a:txBody>
+                    <a:bodyPr/>
+                    <a:lstStyle/>
+                    <a:p>
+                      <a:pPr marL="0" marR="0">
+                        <a:lnSpc>
+                          <a:spcPct val="107000"/>
+                        </a:lnSpc>
+                        <a:spcBef>
+                          <a:spcPts val="0"/>
+                        </a:spcBef>
+                        <a:spcAft>
+                          <a:spcPts val="0"/>
+                        </a:spcAft>
+                      </a:pPr>
+                      <a:r>
+                        <a:rPr lang="en-US" sz="1400" dirty="0" err="1">
+                          <a:effectLst/>
+                        </a:rPr>
+                        <a:t>pcnt_uninsured</a:t>
+                      </a:r>
+                      <a:endParaRPr lang="en-US" sz="1400" dirty="0">
+                        <a:effectLst/>
+                        <a:latin typeface="Calibri" panose="020F0502020204030204" pitchFamily="34" charset="0"/>
+                        <a:ea typeface="Calibri" panose="020F0502020204030204" pitchFamily="34" charset="0"/>
+                        <a:cs typeface="Times New Roman" panose="02020603050405020304" pitchFamily="18" charset="0"/>
+                      </a:endParaRPr>
+                    </a:p>
+                  </a:txBody>
+                  <a:tcPr marL="86320" marR="86320" marT="0" marB="0"/>
+                </a:tc>
+                <a:extLst>
+                  <a:ext uri="{0D108BD9-81ED-4DB2-BD59-A6C34878D82A}">
+                    <a16:rowId xmlns:a16="http://schemas.microsoft.com/office/drawing/2014/main" val="1176399650"/>
+                  </a:ext>
+                </a:extLst>
+              </a:tr>
+            </a:tbl>
+          </a:graphicData>
+        </a:graphic>
+      </p:graphicFrame>
+      <p:pic>
+        <p:nvPicPr>
+          <p:cNvPr id="33" name="Picture 32">
+            <a:extLst>
+              <a:ext uri="{FF2B5EF4-FFF2-40B4-BE49-F238E27FC236}">
+                <a16:creationId xmlns:a16="http://schemas.microsoft.com/office/drawing/2014/main" id="{57878C3A-5C08-4390-BE03-A8905BB16348}"/>
+              </a:ext>
+            </a:extLst>
+          </p:cNvPr>
+          <p:cNvPicPr>
+            <a:picLocks noChangeAspect="1"/>
+          </p:cNvPicPr>
+          <p:nvPr/>
+        </p:nvPicPr>
+        <p:blipFill rotWithShape="1">
+          <a:blip r:embed="rId2">
+            <a:extLst>
+              <a:ext uri="{837473B0-CC2E-450A-ABE3-18F120FF3D39}">
+                <a1611:picAttrSrcUrl xmlns:a1611="http://schemas.microsoft.com/office/drawing/2016/11/main" r:id="rId3"/>
+              </a:ext>
+            </a:extLst>
+          </a:blip>
+          <a:srcRect l="20739" t="16194" r="27636" b="23011"/>
+          <a:stretch/>
+        </p:blipFill>
+        <p:spPr>
+          <a:xfrm>
+            <a:off x="2012797" y="5291699"/>
+            <a:ext cx="1459563" cy="1449852"/>
+          </a:xfrm>
+          <a:prstGeom prst="ellipse">
+            <a:avLst/>
+          </a:prstGeom>
+          <a:ln w="63500" cap="rnd">
+            <a:solidFill>
+              <a:srgbClr val="333333"/>
+            </a:solidFill>
+          </a:ln>
+          <a:effectLst/>
+          <a:scene3d>
+            <a:camera prst="orthographicFront"/>
+            <a:lightRig rig="contrasting" dir="t">
+              <a:rot lat="0" lon="0" rev="3000000"/>
+            </a:lightRig>
+          </a:scene3d>
+          <a:sp3d contourW="7620">
+            <a:bevelT w="95250" h="31750"/>
+            <a:contourClr>
+              <a:srgbClr val="333333"/>
+            </a:contourClr>
+          </a:sp3d>
+        </p:spPr>
+      </p:pic>
+      <p:pic>
+        <p:nvPicPr>
+          <p:cNvPr id="34" name="Picture 2" descr="Image result for energy burden">
+            <a:extLst>
+              <a:ext uri="{FF2B5EF4-FFF2-40B4-BE49-F238E27FC236}">
+                <a16:creationId xmlns:a16="http://schemas.microsoft.com/office/drawing/2014/main" id="{95660E83-A053-49E6-8F61-B4FA8AFF8937}"/>
+              </a:ext>
+            </a:extLst>
+          </p:cNvPr>
+          <p:cNvPicPr>
+            <a:picLocks noChangeAspect="1" noChangeArrowheads="1"/>
+          </p:cNvPicPr>
+          <p:nvPr/>
+        </p:nvPicPr>
+        <p:blipFill>
+          <a:blip r:embed="rId4">
+            <a:extLst>
+              <a:ext uri="{28A0092B-C50C-407E-A947-70E740481C1C}">
+                <a14:useLocalDpi xmlns:a14="http://schemas.microsoft.com/office/drawing/2010/main" val="0"/>
+              </a:ext>
+            </a:extLst>
+          </a:blip>
+          <a:srcRect/>
+          <a:stretch>
+            <a:fillRect/>
+          </a:stretch>
+        </p:blipFill>
+        <p:spPr bwMode="auto">
+          <a:xfrm>
+            <a:off x="1856226" y="3635762"/>
+            <a:ext cx="1489842" cy="1325218"/>
+          </a:xfrm>
+          <a:prstGeom prst="ellipse">
+            <a:avLst/>
+          </a:prstGeom>
+          <a:ln w="63500" cap="rnd">
+            <a:solidFill>
+              <a:srgbClr val="333333"/>
+            </a:solidFill>
+          </a:ln>
+          <a:effectLst/>
+          <a:scene3d>
+            <a:camera prst="orthographicFront"/>
+            <a:lightRig rig="contrasting" dir="t">
+              <a:rot lat="0" lon="0" rev="3000000"/>
+            </a:lightRig>
+          </a:scene3d>
+          <a:sp3d contourW="7620">
+            <a:bevelT w="95250" h="31750"/>
+            <a:contourClr>
+              <a:srgbClr val="333333"/>
+            </a:contourClr>
+          </a:sp3d>
+          <a:extLst>
+            <a:ext uri="{909E8E84-426E-40DD-AFC4-6F175D3DCCD1}">
+              <a14:hiddenFill xmlns:a14="http://schemas.microsoft.com/office/drawing/2010/main">
+                <a:solidFill>
+                  <a:srgbClr val="FFFFFF"/>
+                </a:solidFill>
+              </a14:hiddenFill>
+            </a:ext>
+          </a:extLst>
+        </p:spPr>
+      </p:pic>
+      <p:pic>
+        <p:nvPicPr>
+          <p:cNvPr id="35" name="Picture 34">
+            <a:extLst>
+              <a:ext uri="{FF2B5EF4-FFF2-40B4-BE49-F238E27FC236}">
+                <a16:creationId xmlns:a16="http://schemas.microsoft.com/office/drawing/2014/main" id="{348D4E80-E7B1-4062-8A90-FE7C39C60D2B}"/>
+              </a:ext>
+            </a:extLst>
+          </p:cNvPr>
+          <p:cNvPicPr>
+            <a:picLocks noChangeAspect="1"/>
+          </p:cNvPicPr>
+          <p:nvPr/>
+        </p:nvPicPr>
+        <p:blipFill>
+          <a:blip r:embed="rId5">
+            <a:extLst>
+              <a:ext uri="{837473B0-CC2E-450A-ABE3-18F120FF3D39}">
+                <a1611:picAttrSrcUrl xmlns:a1611="http://schemas.microsoft.com/office/drawing/2016/11/main" r:id="rId6"/>
+              </a:ext>
+            </a:extLst>
+          </a:blip>
+          <a:stretch>
+            <a:fillRect/>
+          </a:stretch>
+        </p:blipFill>
+        <p:spPr>
+          <a:xfrm>
+            <a:off x="1886613" y="1791999"/>
+            <a:ext cx="1459563" cy="1416339"/>
+          </a:xfrm>
+          <a:prstGeom prst="ellipse">
+            <a:avLst/>
+          </a:prstGeom>
+          <a:ln w="63500" cap="rnd">
+            <a:solidFill>
+              <a:srgbClr val="333333"/>
+            </a:solidFill>
+          </a:ln>
+          <a:effectLst/>
+          <a:scene3d>
+            <a:camera prst="orthographicFront"/>
+            <a:lightRig rig="contrasting" dir="t">
+              <a:rot lat="0" lon="0" rev="3000000"/>
+            </a:lightRig>
+          </a:scene3d>
+          <a:sp3d contourW="7620">
+            <a:bevelT w="95250" h="31750"/>
+            <a:contourClr>
+              <a:srgbClr val="333333"/>
+            </a:contourClr>
+          </a:sp3d>
+        </p:spPr>
+      </p:pic>
       <p:sp>
         <p:nvSpPr>
-          <p:cNvPr id="3" name="Content Placeholder 2">
+          <p:cNvPr id="36" name="Content Placeholder 2">
             <a:extLst>
               <a:ext uri="{FF2B5EF4-FFF2-40B4-BE49-F238E27FC236}">
-                <a16:creationId xmlns:a16="http://schemas.microsoft.com/office/drawing/2014/main" id="{B79D18F3-3155-4504-8C66-1ACE9627A738}"/>
+                <a16:creationId xmlns:a16="http://schemas.microsoft.com/office/drawing/2014/main" id="{571B77CD-779F-4365-94B7-CC03B2EE9CA7}"/>
               </a:ext>
             </a:extLst>
           </p:cNvPr>
-          <p:cNvSpPr>
-            <a:spLocks noGrp="1"/>
+          <p:cNvSpPr txBox="1">
+            <a:spLocks/>
           </p:cNvSpPr>
-          <p:nvPr>
-            <p:ph idx="1"/>
-          </p:nvPr>
+          <p:nvPr/>
         </p:nvSpPr>
-        <p:spPr/>
+        <p:spPr>
+          <a:xfrm>
+            <a:off x="209257" y="179081"/>
+            <a:ext cx="3924886" cy="1337628"/>
+          </a:xfrm>
+          <a:prstGeom prst="rect">
+            <a:avLst/>
+          </a:prstGeom>
+        </p:spPr>
         <p:txBody>
-          <a:bodyPr/>
-          <a:lstStyle/>
+          <a:bodyPr vert="horz" lIns="91440" tIns="45720" rIns="91440" bIns="45720" rtlCol="0">
+            <a:normAutofit lnSpcReduction="10000"/>
+          </a:bodyPr>
+          <a:lstStyle>
+            <a:lvl1pPr marL="228600" indent="-228600" algn="l" defTabSz="914400" rtl="0" eaLnBrk="1" latinLnBrk="0" hangingPunct="1">
+              <a:lnSpc>
+                <a:spcPct val="90000"/>
+              </a:lnSpc>
+              <a:spcBef>
+                <a:spcPts val="1000"/>
+              </a:spcBef>
+              <a:buFont typeface="Arial" panose="020B0604020202020204" pitchFamily="34" charset="0"/>
+              <a:buChar char="•"/>
+              <a:defRPr sz="2800" kern="1200">
+                <a:solidFill>
+                  <a:schemeClr val="tx1"/>
+                </a:solidFill>
+                <a:latin typeface="+mn-lt"/>
+                <a:ea typeface="+mn-ea"/>
+                <a:cs typeface="+mn-cs"/>
+              </a:defRPr>
+            </a:lvl1pPr>
+            <a:lvl2pPr marL="685800" indent="-228600" algn="l" defTabSz="914400" rtl="0" eaLnBrk="1" latinLnBrk="0" hangingPunct="1">
+              <a:lnSpc>
+                <a:spcPct val="90000"/>
+              </a:lnSpc>
+              <a:spcBef>
+                <a:spcPts val="500"/>
+              </a:spcBef>
+              <a:buFont typeface="Arial" panose="020B0604020202020204" pitchFamily="34" charset="0"/>
+              <a:buChar char="•"/>
+              <a:defRPr sz="2400" kern="1200">
+                <a:solidFill>
+                  <a:schemeClr val="tx1"/>
+                </a:solidFill>
+                <a:latin typeface="+mn-lt"/>
+                <a:ea typeface="+mn-ea"/>
+                <a:cs typeface="+mn-cs"/>
+              </a:defRPr>
+            </a:lvl2pPr>
+            <a:lvl3pPr marL="1143000" indent="-228600" algn="l" defTabSz="914400" rtl="0" eaLnBrk="1" latinLnBrk="0" hangingPunct="1">
+              <a:lnSpc>
+                <a:spcPct val="90000"/>
+              </a:lnSpc>
+              <a:spcBef>
+                <a:spcPts val="500"/>
+              </a:spcBef>
+              <a:buFont typeface="Arial" panose="020B0604020202020204" pitchFamily="34" charset="0"/>
+              <a:buChar char="•"/>
+              <a:defRPr sz="2000" kern="1200">
+                <a:solidFill>
+                  <a:schemeClr val="tx1"/>
+                </a:solidFill>
+                <a:latin typeface="+mn-lt"/>
+                <a:ea typeface="+mn-ea"/>
+                <a:cs typeface="+mn-cs"/>
+              </a:defRPr>
+            </a:lvl3pPr>
+            <a:lvl4pPr marL="1600200" indent="-228600" algn="l" defTabSz="914400" rtl="0" eaLnBrk="1" latinLnBrk="0" hangingPunct="1">
+              <a:lnSpc>
+                <a:spcPct val="90000"/>
+              </a:lnSpc>
+              <a:spcBef>
+                <a:spcPts val="500"/>
+              </a:spcBef>
+              <a:buFont typeface="Arial" panose="020B0604020202020204" pitchFamily="34" charset="0"/>
+              <a:buChar char="•"/>
+              <a:defRPr sz="1800" kern="1200">
+                <a:solidFill>
+                  <a:schemeClr val="tx1"/>
+                </a:solidFill>
+                <a:latin typeface="+mn-lt"/>
+                <a:ea typeface="+mn-ea"/>
+                <a:cs typeface="+mn-cs"/>
+              </a:defRPr>
+            </a:lvl4pPr>
+            <a:lvl5pPr marL="2057400" indent="-228600" algn="l" defTabSz="914400" rtl="0" eaLnBrk="1" latinLnBrk="0" hangingPunct="1">
+              <a:lnSpc>
+                <a:spcPct val="90000"/>
+              </a:lnSpc>
+              <a:spcBef>
+                <a:spcPts val="500"/>
+              </a:spcBef>
+              <a:buFont typeface="Arial" panose="020B0604020202020204" pitchFamily="34" charset="0"/>
+              <a:buChar char="•"/>
+              <a:defRPr sz="1800" kern="1200">
+                <a:solidFill>
+                  <a:schemeClr val="tx1"/>
+                </a:solidFill>
+                <a:latin typeface="+mn-lt"/>
+                <a:ea typeface="+mn-ea"/>
+                <a:cs typeface="+mn-cs"/>
+              </a:defRPr>
+            </a:lvl5pPr>
+            <a:lvl6pPr marL="2514600" indent="-228600" algn="l" defTabSz="914400" rtl="0" eaLnBrk="1" latinLnBrk="0" hangingPunct="1">
+              <a:lnSpc>
+                <a:spcPct val="90000"/>
+              </a:lnSpc>
+              <a:spcBef>
+                <a:spcPts val="500"/>
+              </a:spcBef>
+              <a:buFont typeface="Arial" panose="020B0604020202020204" pitchFamily="34" charset="0"/>
+              <a:buChar char="•"/>
+              <a:defRPr sz="1800" kern="1200">
+                <a:solidFill>
+                  <a:schemeClr val="tx1"/>
+                </a:solidFill>
+                <a:latin typeface="+mn-lt"/>
+                <a:ea typeface="+mn-ea"/>
+                <a:cs typeface="+mn-cs"/>
+              </a:defRPr>
+            </a:lvl6pPr>
+            <a:lvl7pPr marL="2971800" indent="-228600" algn="l" defTabSz="914400" rtl="0" eaLnBrk="1" latinLnBrk="0" hangingPunct="1">
+              <a:lnSpc>
+                <a:spcPct val="90000"/>
+              </a:lnSpc>
+              <a:spcBef>
+                <a:spcPts val="500"/>
+              </a:spcBef>
+              <a:buFont typeface="Arial" panose="020B0604020202020204" pitchFamily="34" charset="0"/>
+              <a:buChar char="•"/>
+              <a:defRPr sz="1800" kern="1200">
+                <a:solidFill>
+                  <a:schemeClr val="tx1"/>
+                </a:solidFill>
+                <a:latin typeface="+mn-lt"/>
+                <a:ea typeface="+mn-ea"/>
+                <a:cs typeface="+mn-cs"/>
+              </a:defRPr>
+            </a:lvl7pPr>
+            <a:lvl8pPr marL="3429000" indent="-228600" algn="l" defTabSz="914400" rtl="0" eaLnBrk="1" latinLnBrk="0" hangingPunct="1">
+              <a:lnSpc>
+                <a:spcPct val="90000"/>
+              </a:lnSpc>
+              <a:spcBef>
+                <a:spcPts val="500"/>
+              </a:spcBef>
+              <a:buFont typeface="Arial" panose="020B0604020202020204" pitchFamily="34" charset="0"/>
+              <a:buChar char="•"/>
+              <a:defRPr sz="1800" kern="1200">
+                <a:solidFill>
+                  <a:schemeClr val="tx1"/>
+                </a:solidFill>
+                <a:latin typeface="+mn-lt"/>
+                <a:ea typeface="+mn-ea"/>
+                <a:cs typeface="+mn-cs"/>
+              </a:defRPr>
+            </a:lvl8pPr>
+            <a:lvl9pPr marL="3886200" indent="-228600" algn="l" defTabSz="914400" rtl="0" eaLnBrk="1" latinLnBrk="0" hangingPunct="1">
+              <a:lnSpc>
+                <a:spcPct val="90000"/>
+              </a:lnSpc>
+              <a:spcBef>
+                <a:spcPts val="500"/>
+              </a:spcBef>
+              <a:buFont typeface="Arial" panose="020B0604020202020204" pitchFamily="34" charset="0"/>
+              <a:buChar char="•"/>
+              <a:defRPr sz="1800" kern="1200">
+                <a:solidFill>
+                  <a:schemeClr val="tx1"/>
+                </a:solidFill>
+                <a:latin typeface="+mn-lt"/>
+                <a:ea typeface="+mn-ea"/>
+                <a:cs typeface="+mn-cs"/>
+              </a:defRPr>
+            </a:lvl9pPr>
+          </a:lstStyle>
           <a:p>
-            <a:endParaRPr lang="en-US"/>
+            <a:pPr marL="0" indent="0">
+              <a:buNone/>
+            </a:pPr>
+            <a:endParaRPr lang="en-US" dirty="0"/>
+          </a:p>
+          <a:p>
+            <a:pPr marL="0" indent="0">
+              <a:buNone/>
+            </a:pPr>
+            <a:r>
+              <a:rPr lang="en-US" dirty="0"/>
+              <a:t>Variables are named with sources</a:t>
+            </a:r>
+          </a:p>
+          <a:p>
+            <a:pPr marL="0" indent="0">
+              <a:buNone/>
+            </a:pPr>
+            <a:endParaRPr lang="en-US" dirty="0"/>
           </a:p>
         </p:txBody>
       </p:sp>
@@ -26647,6 +30625,14 @@
 <file path=ppt/slides/slide8.xml><?xml version="1.0" encoding="utf-8"?>
 <p:sld xmlns:a="http://schemas.openxmlformats.org/drawingml/2006/main" xmlns:r="http://schemas.openxmlformats.org/officeDocument/2006/relationships" xmlns:p="http://schemas.openxmlformats.org/presentationml/2006/main">
   <p:cSld>
+    <p:bg>
+      <p:bgPr>
+        <a:solidFill>
+          <a:schemeClr val="bg1"/>
+        </a:solidFill>
+        <a:effectLst/>
+      </p:bgPr>
+    </p:bg>
     <p:spTree>
       <p:nvGrpSpPr>
         <p:cNvPr id="1" name=""/>
@@ -26661,12 +30647,1503 @@
           <a:chExt cx="0" cy="0"/>
         </a:xfrm>
       </p:grpSpPr>
+      <p:sp useBgFill="1">
+        <p:nvSpPr>
+          <p:cNvPr id="8" name="Rectangle 7">
+            <a:extLst>
+              <a:ext uri="{FF2B5EF4-FFF2-40B4-BE49-F238E27FC236}">
+                <a16:creationId xmlns:a16="http://schemas.microsoft.com/office/drawing/2014/main" id="{10CE3618-1D7A-4256-B2AF-9DB692996C65}"/>
+              </a:ext>
+              <a:ext uri="{C183D7F6-B498-43B3-948B-1728B52AA6E4}">
+                <adec:decorative xmlns:adec="http://schemas.microsoft.com/office/drawing/2017/decorative" val="1"/>
+              </a:ext>
+            </a:extLst>
+          </p:cNvPr>
+          <p:cNvSpPr>
+            <a:spLocks noGrp="1" noRot="1" noChangeAspect="1" noMove="1" noResize="1" noEditPoints="1" noAdjustHandles="1" noChangeArrowheads="1" noChangeShapeType="1" noTextEdit="1"/>
+          </p:cNvSpPr>
+          <p:nvPr>
+            <p:extLst>
+              <p:ext uri="{386F3935-93C4-4BCD-93E2-E3B085C9AB24}">
+                <p16:designElem xmlns:p16="http://schemas.microsoft.com/office/powerpoint/2015/main" val="1"/>
+              </p:ext>
+            </p:extLst>
+          </p:nvPr>
+        </p:nvSpPr>
+        <p:spPr>
+          <a:xfrm>
+            <a:off x="0" y="0"/>
+            <a:ext cx="12192000" cy="6858001"/>
+          </a:xfrm>
+          <a:prstGeom prst="rect">
+            <a:avLst/>
+          </a:prstGeom>
+          <a:ln>
+            <a:noFill/>
+          </a:ln>
+        </p:spPr>
+        <p:style>
+          <a:lnRef idx="2">
+            <a:schemeClr val="accent1">
+              <a:shade val="50000"/>
+            </a:schemeClr>
+          </a:lnRef>
+          <a:fillRef idx="1">
+            <a:schemeClr val="accent1"/>
+          </a:fillRef>
+          <a:effectRef idx="0">
+            <a:schemeClr val="accent1"/>
+          </a:effectRef>
+          <a:fontRef idx="minor">
+            <a:schemeClr val="lt1"/>
+          </a:fontRef>
+        </p:style>
+        <p:txBody>
+          <a:bodyPr rtlCol="0" anchor="ctr"/>
+          <a:lstStyle/>
+          <a:p>
+            <a:pPr algn="ctr"/>
+            <a:endParaRPr lang="en-US"/>
+          </a:p>
+        </p:txBody>
+      </p:sp>
+      <p:grpSp>
+        <p:nvGrpSpPr>
+          <p:cNvPr id="10" name="Group 9">
+            <a:extLst>
+              <a:ext uri="{FF2B5EF4-FFF2-40B4-BE49-F238E27FC236}">
+                <a16:creationId xmlns:a16="http://schemas.microsoft.com/office/drawing/2014/main" id="{D91A9185-A7D5-460B-98BC-0BF2EBD3EEBE}"/>
+              </a:ext>
+              <a:ext uri="{C183D7F6-B498-43B3-948B-1728B52AA6E4}">
+                <adec:decorative xmlns:adec="http://schemas.microsoft.com/office/drawing/2017/decorative" val="1"/>
+              </a:ext>
+            </a:extLst>
+          </p:cNvPr>
+          <p:cNvGrpSpPr>
+            <a:grpSpLocks noGrp="1" noUngrp="1" noRot="1" noChangeAspect="1" noMove="1" noResize="1"/>
+          </p:cNvGrpSpPr>
+          <p:nvPr>
+            <p:extLst>
+              <p:ext uri="{386F3935-93C4-4BCD-93E2-E3B085C9AB24}">
+                <p16:designElem xmlns:p16="http://schemas.microsoft.com/office/powerpoint/2015/main" val="1"/>
+              </p:ext>
+            </p:extLst>
+          </p:nvPr>
+        </p:nvGrpSpPr>
+        <p:grpSpPr>
+          <a:xfrm>
+            <a:off x="-329674" y="-59376"/>
+            <a:ext cx="12515851" cy="6923798"/>
+            <a:chOff x="-329674" y="-51881"/>
+            <a:chExt cx="12515851" cy="6923798"/>
+          </a:xfrm>
+        </p:grpSpPr>
+        <p:sp>
+          <p:nvSpPr>
+            <p:cNvPr id="11" name="Freeform 5">
+              <a:extLst>
+                <a:ext uri="{FF2B5EF4-FFF2-40B4-BE49-F238E27FC236}">
+                  <a16:creationId xmlns:a16="http://schemas.microsoft.com/office/drawing/2014/main" id="{8AFC1764-6516-4F77-BF30-B8ADB3C9F499}"/>
+                </a:ext>
+                <a:ext uri="{C183D7F6-B498-43B3-948B-1728B52AA6E4}">
+                  <adec:decorative xmlns:adec="http://schemas.microsoft.com/office/drawing/2017/decorative" val="1"/>
+                </a:ext>
+              </a:extLst>
+            </p:cNvPr>
+            <p:cNvSpPr/>
+            <p:nvPr>
+              <p:extLst>
+                <p:ext uri="{386F3935-93C4-4BCD-93E2-E3B085C9AB24}">
+                  <p16:designElem xmlns:p16="http://schemas.microsoft.com/office/powerpoint/2015/main" val="1"/>
+                </p:ext>
+              </p:extLst>
+            </p:nvPr>
+          </p:nvSpPr>
+          <p:spPr bwMode="auto">
+            <a:xfrm>
+              <a:off x="-329674" y="1298404"/>
+              <a:ext cx="9702800" cy="5573512"/>
+            </a:xfrm>
+            <a:custGeom>
+              <a:avLst/>
+              <a:gdLst/>
+              <a:ahLst/>
+              <a:cxnLst/>
+              <a:rect l="0" t="0" r="r" b="b"/>
+              <a:pathLst>
+                <a:path w="2038" h="1169">
+                  <a:moveTo>
+                    <a:pt x="1752" y="1169"/>
+                  </a:moveTo>
+                  <a:cubicBezTo>
+                    <a:pt x="2038" y="928"/>
+                    <a:pt x="1673" y="513"/>
+                    <a:pt x="1487" y="334"/>
+                  </a:cubicBezTo>
+                  <a:cubicBezTo>
+                    <a:pt x="1316" y="170"/>
+                    <a:pt x="1099" y="43"/>
+                    <a:pt x="860" y="22"/>
+                  </a:cubicBezTo>
+                  <a:cubicBezTo>
+                    <a:pt x="621" y="0"/>
+                    <a:pt x="341" y="128"/>
+                    <a:pt x="199" y="318"/>
+                  </a:cubicBezTo>
+                  <a:cubicBezTo>
+                    <a:pt x="0" y="586"/>
+                    <a:pt x="184" y="965"/>
+                    <a:pt x="399" y="1165"/>
+                  </a:cubicBezTo>
+                </a:path>
+              </a:pathLst>
+            </a:custGeom>
+            <a:noFill/>
+            <a:ln w="9525" cap="flat">
+              <a:solidFill>
+                <a:schemeClr val="accent1">
+                  <a:alpha val="15000"/>
+                </a:schemeClr>
+              </a:solidFill>
+              <a:prstDash val="solid"/>
+              <a:miter lim="800000"/>
+              <a:headEnd/>
+              <a:tailEnd/>
+            </a:ln>
+            <a:extLst>
+              <a:ext uri="{909E8E84-426E-40DD-AFC4-6F175D3DCCD1}">
+                <a14:hiddenFill xmlns:a14="http://schemas.microsoft.com/office/drawing/2010/main">
+                  <a:solidFill>
+                    <a:srgbClr val="FFFFFF"/>
+                  </a:solidFill>
+                </a14:hiddenFill>
+              </a:ext>
+            </a:extLst>
+          </p:spPr>
+        </p:sp>
+        <p:sp>
+          <p:nvSpPr>
+            <p:cNvPr id="12" name="Freeform 6">
+              <a:extLst>
+                <a:ext uri="{FF2B5EF4-FFF2-40B4-BE49-F238E27FC236}">
+                  <a16:creationId xmlns:a16="http://schemas.microsoft.com/office/drawing/2014/main" id="{FCAFF9F9-F806-47EC-BCAC-9921E719FF2A}"/>
+                </a:ext>
+                <a:ext uri="{C183D7F6-B498-43B3-948B-1728B52AA6E4}">
+                  <adec:decorative xmlns:adec="http://schemas.microsoft.com/office/drawing/2017/decorative" val="1"/>
+                </a:ext>
+              </a:extLst>
+            </p:cNvPr>
+            <p:cNvSpPr/>
+            <p:nvPr>
+              <p:extLst>
+                <p:ext uri="{386F3935-93C4-4BCD-93E2-E3B085C9AB24}">
+                  <p16:designElem xmlns:p16="http://schemas.microsoft.com/office/powerpoint/2015/main" val="1"/>
+                </p:ext>
+              </p:extLst>
+            </p:nvPr>
+          </p:nvSpPr>
+          <p:spPr bwMode="auto">
+            <a:xfrm>
+              <a:off x="670451" y="2018236"/>
+              <a:ext cx="7373938" cy="4848892"/>
+            </a:xfrm>
+            <a:custGeom>
+              <a:avLst/>
+              <a:gdLst/>
+              <a:ahLst/>
+              <a:cxnLst/>
+              <a:rect l="0" t="0" r="r" b="b"/>
+              <a:pathLst>
+                <a:path w="1549" h="1017">
+                  <a:moveTo>
+                    <a:pt x="1025" y="1016"/>
+                  </a:moveTo>
+                  <a:cubicBezTo>
+                    <a:pt x="1223" y="971"/>
+                    <a:pt x="1549" y="857"/>
+                    <a:pt x="1443" y="592"/>
+                  </a:cubicBezTo>
+                  <a:cubicBezTo>
+                    <a:pt x="1344" y="344"/>
+                    <a:pt x="1041" y="111"/>
+                    <a:pt x="782" y="53"/>
+                  </a:cubicBezTo>
+                  <a:cubicBezTo>
+                    <a:pt x="545" y="0"/>
+                    <a:pt x="275" y="117"/>
+                    <a:pt x="150" y="329"/>
+                  </a:cubicBezTo>
+                  <a:cubicBezTo>
+                    <a:pt x="0" y="584"/>
+                    <a:pt x="243" y="911"/>
+                    <a:pt x="477" y="1017"/>
+                  </a:cubicBezTo>
+                </a:path>
+              </a:pathLst>
+            </a:custGeom>
+            <a:noFill/>
+            <a:ln w="9525" cap="flat">
+              <a:solidFill>
+                <a:schemeClr val="accent1">
+                  <a:alpha val="18000"/>
+                </a:schemeClr>
+              </a:solidFill>
+              <a:prstDash val="solid"/>
+              <a:miter lim="800000"/>
+              <a:headEnd/>
+              <a:tailEnd/>
+            </a:ln>
+            <a:extLst>
+              <a:ext uri="{909E8E84-426E-40DD-AFC4-6F175D3DCCD1}">
+                <a14:hiddenFill xmlns:a14="http://schemas.microsoft.com/office/drawing/2010/main">
+                  <a:solidFill>
+                    <a:srgbClr val="FFFFFF"/>
+                  </a:solidFill>
+                </a14:hiddenFill>
+              </a:ext>
+            </a:extLst>
+          </p:spPr>
+          <p:txBody>
+            <a:bodyPr/>
+            <a:lstStyle/>
+            <a:p>
+              <a:endParaRPr lang="en-US" dirty="0"/>
+            </a:p>
+          </p:txBody>
+        </p:sp>
+        <p:sp>
+          <p:nvSpPr>
+            <p:cNvPr id="13" name="Freeform 7">
+              <a:extLst>
+                <a:ext uri="{FF2B5EF4-FFF2-40B4-BE49-F238E27FC236}">
+                  <a16:creationId xmlns:a16="http://schemas.microsoft.com/office/drawing/2014/main" id="{09D92491-36BD-4861-BA54-DD88E608988E}"/>
+                </a:ext>
+                <a:ext uri="{C183D7F6-B498-43B3-948B-1728B52AA6E4}">
+                  <adec:decorative xmlns:adec="http://schemas.microsoft.com/office/drawing/2017/decorative" val="1"/>
+                </a:ext>
+              </a:extLst>
+            </p:cNvPr>
+            <p:cNvSpPr/>
+            <p:nvPr>
+              <p:extLst>
+                <p:ext uri="{386F3935-93C4-4BCD-93E2-E3B085C9AB24}">
+                  <p16:designElem xmlns:p16="http://schemas.microsoft.com/office/powerpoint/2015/main" val="1"/>
+                </p:ext>
+              </p:extLst>
+            </p:nvPr>
+          </p:nvSpPr>
+          <p:spPr bwMode="auto">
+            <a:xfrm>
+              <a:off x="251351" y="1788400"/>
+              <a:ext cx="8035925" cy="5083516"/>
+            </a:xfrm>
+            <a:custGeom>
+              <a:avLst/>
+              <a:gdLst/>
+              <a:ahLst/>
+              <a:cxnLst/>
+              <a:rect l="0" t="0" r="r" b="b"/>
+              <a:pathLst>
+                <a:path w="1688" h="1066">
+                  <a:moveTo>
+                    <a:pt x="1302" y="1066"/>
+                  </a:moveTo>
+                  <a:cubicBezTo>
+                    <a:pt x="1416" y="1024"/>
+                    <a:pt x="1551" y="962"/>
+                    <a:pt x="1613" y="850"/>
+                  </a:cubicBezTo>
+                  <a:cubicBezTo>
+                    <a:pt x="1688" y="715"/>
+                    <a:pt x="1606" y="575"/>
+                    <a:pt x="1517" y="471"/>
+                  </a:cubicBezTo>
+                  <a:cubicBezTo>
+                    <a:pt x="1336" y="258"/>
+                    <a:pt x="1084" y="62"/>
+                    <a:pt x="798" y="28"/>
+                  </a:cubicBezTo>
+                  <a:cubicBezTo>
+                    <a:pt x="559" y="0"/>
+                    <a:pt x="317" y="138"/>
+                    <a:pt x="181" y="333"/>
+                  </a:cubicBezTo>
+                  <a:cubicBezTo>
+                    <a:pt x="0" y="592"/>
+                    <a:pt x="191" y="907"/>
+                    <a:pt x="420" y="1066"/>
+                  </a:cubicBezTo>
+                </a:path>
+              </a:pathLst>
+            </a:custGeom>
+            <a:noFill/>
+            <a:ln w="9525" cap="flat">
+              <a:solidFill>
+                <a:schemeClr val="accent1">
+                  <a:alpha val="20000"/>
+                </a:schemeClr>
+              </a:solidFill>
+              <a:prstDash val="dash"/>
+              <a:miter lim="800000"/>
+              <a:headEnd/>
+              <a:tailEnd/>
+            </a:ln>
+            <a:extLst>
+              <a:ext uri="{909E8E84-426E-40DD-AFC4-6F175D3DCCD1}">
+                <a14:hiddenFill xmlns:a14="http://schemas.microsoft.com/office/drawing/2010/main">
+                  <a:solidFill>
+                    <a:srgbClr val="FFFFFF"/>
+                  </a:solidFill>
+                </a14:hiddenFill>
+              </a:ext>
+            </a:extLst>
+          </p:spPr>
+        </p:sp>
+        <p:sp>
+          <p:nvSpPr>
+            <p:cNvPr id="14" name="Freeform 8">
+              <a:extLst>
+                <a:ext uri="{FF2B5EF4-FFF2-40B4-BE49-F238E27FC236}">
+                  <a16:creationId xmlns:a16="http://schemas.microsoft.com/office/drawing/2014/main" id="{23740E15-AB86-4E5C-A137-07E0DDC03548}"/>
+                </a:ext>
+                <a:ext uri="{C183D7F6-B498-43B3-948B-1728B52AA6E4}">
+                  <adec:decorative xmlns:adec="http://schemas.microsoft.com/office/drawing/2017/decorative" val="1"/>
+                </a:ext>
+              </a:extLst>
+            </p:cNvPr>
+            <p:cNvSpPr/>
+            <p:nvPr>
+              <p:extLst>
+                <p:ext uri="{386F3935-93C4-4BCD-93E2-E3B085C9AB24}">
+                  <p16:designElem xmlns:p16="http://schemas.microsoft.com/office/powerpoint/2015/main" val="1"/>
+                </p:ext>
+              </p:extLst>
+            </p:nvPr>
+          </p:nvSpPr>
+          <p:spPr bwMode="auto">
+            <a:xfrm>
+              <a:off x="-1061" y="549842"/>
+              <a:ext cx="10334625" cy="6322075"/>
+            </a:xfrm>
+            <a:custGeom>
+              <a:avLst/>
+              <a:gdLst/>
+              <a:ahLst/>
+              <a:cxnLst/>
+              <a:rect l="0" t="0" r="r" b="b"/>
+              <a:pathLst>
+                <a:path w="2171" h="1326">
+                  <a:moveTo>
+                    <a:pt x="1873" y="1326"/>
+                  </a:moveTo>
+                  <a:cubicBezTo>
+                    <a:pt x="2171" y="1045"/>
+                    <a:pt x="1825" y="678"/>
+                    <a:pt x="1609" y="473"/>
+                  </a:cubicBezTo>
+                  <a:cubicBezTo>
+                    <a:pt x="1406" y="281"/>
+                    <a:pt x="1159" y="116"/>
+                    <a:pt x="880" y="63"/>
+                  </a:cubicBezTo>
+                  <a:cubicBezTo>
+                    <a:pt x="545" y="0"/>
+                    <a:pt x="214" y="161"/>
+                    <a:pt x="0" y="423"/>
+                  </a:cubicBezTo>
+                </a:path>
+              </a:pathLst>
+            </a:custGeom>
+            <a:noFill/>
+            <a:ln w="9525" cap="flat">
+              <a:solidFill>
+                <a:schemeClr val="accent1">
+                  <a:alpha val="11000"/>
+                </a:schemeClr>
+              </a:solidFill>
+              <a:prstDash val="solid"/>
+              <a:miter lim="800000"/>
+              <a:headEnd/>
+              <a:tailEnd/>
+            </a:ln>
+            <a:extLst>
+              <a:ext uri="{909E8E84-426E-40DD-AFC4-6F175D3DCCD1}">
+                <a14:hiddenFill xmlns:a14="http://schemas.microsoft.com/office/drawing/2010/main">
+                  <a:solidFill>
+                    <a:srgbClr val="FFFFFF"/>
+                  </a:solidFill>
+                </a14:hiddenFill>
+              </a:ext>
+            </a:extLst>
+          </p:spPr>
+        </p:sp>
+        <p:sp>
+          <p:nvSpPr>
+            <p:cNvPr id="15" name="Freeform 9">
+              <a:extLst>
+                <a:ext uri="{FF2B5EF4-FFF2-40B4-BE49-F238E27FC236}">
+                  <a16:creationId xmlns:a16="http://schemas.microsoft.com/office/drawing/2014/main" id="{BE097852-1F54-4EF0-A1BE-561272FCD6D7}"/>
+                </a:ext>
+                <a:ext uri="{C183D7F6-B498-43B3-948B-1728B52AA6E4}">
+                  <adec:decorative xmlns:adec="http://schemas.microsoft.com/office/drawing/2017/decorative" val="1"/>
+                </a:ext>
+              </a:extLst>
+            </p:cNvPr>
+            <p:cNvSpPr/>
+            <p:nvPr>
+              <p:extLst>
+                <p:ext uri="{386F3935-93C4-4BCD-93E2-E3B085C9AB24}">
+                  <p16:designElem xmlns:p16="http://schemas.microsoft.com/office/powerpoint/2015/main" val="1"/>
+                </p:ext>
+              </p:extLst>
+            </p:nvPr>
+          </p:nvSpPr>
+          <p:spPr bwMode="auto">
+            <a:xfrm>
+              <a:off x="3701" y="6186246"/>
+              <a:ext cx="504825" cy="681527"/>
+            </a:xfrm>
+            <a:custGeom>
+              <a:avLst/>
+              <a:gdLst/>
+              <a:ahLst/>
+              <a:cxnLst/>
+              <a:rect l="0" t="0" r="r" b="b"/>
+              <a:pathLst>
+                <a:path w="106" h="143">
+                  <a:moveTo>
+                    <a:pt x="0" y="0"/>
+                  </a:moveTo>
+                  <a:cubicBezTo>
+                    <a:pt x="35" y="54"/>
+                    <a:pt x="70" y="101"/>
+                    <a:pt x="106" y="143"/>
+                  </a:cubicBezTo>
+                </a:path>
+              </a:pathLst>
+            </a:custGeom>
+            <a:noFill/>
+            <a:ln w="4763" cap="flat">
+              <a:solidFill>
+                <a:schemeClr val="accent1">
+                  <a:alpha val="20000"/>
+                </a:schemeClr>
+              </a:solidFill>
+              <a:prstDash val="solid"/>
+              <a:miter lim="800000"/>
+              <a:headEnd/>
+              <a:tailEnd/>
+            </a:ln>
+            <a:extLst>
+              <a:ext uri="{909E8E84-426E-40DD-AFC4-6F175D3DCCD1}">
+                <a14:hiddenFill xmlns:a14="http://schemas.microsoft.com/office/drawing/2010/main">
+                  <a:solidFill>
+                    <a:srgbClr val="FFFFFF"/>
+                  </a:solidFill>
+                </a14:hiddenFill>
+              </a:ext>
+            </a:extLst>
+          </p:spPr>
+        </p:sp>
+        <p:sp>
+          <p:nvSpPr>
+            <p:cNvPr id="16" name="Freeform 10">
+              <a:extLst>
+                <a:ext uri="{FF2B5EF4-FFF2-40B4-BE49-F238E27FC236}">
+                  <a16:creationId xmlns:a16="http://schemas.microsoft.com/office/drawing/2014/main" id="{5C2DF1F9-21CC-430E-84C8-356C73C6FD38}"/>
+                </a:ext>
+                <a:ext uri="{C183D7F6-B498-43B3-948B-1728B52AA6E4}">
+                  <adec:decorative xmlns:adec="http://schemas.microsoft.com/office/drawing/2017/decorative" val="1"/>
+                </a:ext>
+              </a:extLst>
+            </p:cNvPr>
+            <p:cNvSpPr/>
+            <p:nvPr>
+              <p:extLst>
+                <p:ext uri="{386F3935-93C4-4BCD-93E2-E3B085C9AB24}">
+                  <p16:designElem xmlns:p16="http://schemas.microsoft.com/office/powerpoint/2015/main" val="1"/>
+                </p:ext>
+              </p:extLst>
+            </p:nvPr>
+          </p:nvSpPr>
+          <p:spPr bwMode="auto">
+            <a:xfrm>
+              <a:off x="-1061" y="-51881"/>
+              <a:ext cx="11091863" cy="6923796"/>
+            </a:xfrm>
+            <a:custGeom>
+              <a:avLst/>
+              <a:gdLst/>
+              <a:ahLst/>
+              <a:cxnLst/>
+              <a:rect l="0" t="0" r="r" b="b"/>
+              <a:pathLst>
+                <a:path w="2330" h="1452">
+                  <a:moveTo>
+                    <a:pt x="2046" y="1452"/>
+                  </a:moveTo>
+                  <a:cubicBezTo>
+                    <a:pt x="2330" y="1153"/>
+                    <a:pt x="2049" y="821"/>
+                    <a:pt x="1813" y="601"/>
+                  </a:cubicBezTo>
+                  <a:cubicBezTo>
+                    <a:pt x="1569" y="375"/>
+                    <a:pt x="1282" y="179"/>
+                    <a:pt x="956" y="97"/>
+                  </a:cubicBezTo>
+                  <a:cubicBezTo>
+                    <a:pt x="572" y="0"/>
+                    <a:pt x="292" y="101"/>
+                    <a:pt x="0" y="366"/>
+                  </a:cubicBezTo>
+                </a:path>
+              </a:pathLst>
+            </a:custGeom>
+            <a:noFill/>
+            <a:ln w="9525" cap="flat">
+              <a:solidFill>
+                <a:schemeClr val="accent1">
+                  <a:alpha val="8000"/>
+                </a:schemeClr>
+              </a:solidFill>
+              <a:prstDash val="solid"/>
+              <a:miter lim="800000"/>
+              <a:headEnd/>
+              <a:tailEnd/>
+            </a:ln>
+            <a:extLst>
+              <a:ext uri="{909E8E84-426E-40DD-AFC4-6F175D3DCCD1}">
+                <a14:hiddenFill xmlns:a14="http://schemas.microsoft.com/office/drawing/2010/main">
+                  <a:solidFill>
+                    <a:srgbClr val="FFFFFF"/>
+                  </a:solidFill>
+                </a14:hiddenFill>
+              </a:ext>
+            </a:extLst>
+          </p:spPr>
+        </p:sp>
+        <p:sp>
+          <p:nvSpPr>
+            <p:cNvPr id="17" name="Freeform 11">
+              <a:extLst>
+                <a:ext uri="{FF2B5EF4-FFF2-40B4-BE49-F238E27FC236}">
+                  <a16:creationId xmlns:a16="http://schemas.microsoft.com/office/drawing/2014/main" id="{7F11B45B-3EDE-4B6A-903B-0AE6E9DDF415}"/>
+                </a:ext>
+                <a:ext uri="{C183D7F6-B498-43B3-948B-1728B52AA6E4}">
+                  <adec:decorative xmlns:adec="http://schemas.microsoft.com/office/drawing/2017/decorative" val="1"/>
+                </a:ext>
+              </a:extLst>
+            </p:cNvPr>
+            <p:cNvSpPr/>
+            <p:nvPr>
+              <p:extLst>
+                <p:ext uri="{386F3935-93C4-4BCD-93E2-E3B085C9AB24}">
+                  <p16:designElem xmlns:p16="http://schemas.microsoft.com/office/powerpoint/2015/main" val="1"/>
+                </p:ext>
+              </p:extLst>
+            </p:nvPr>
+          </p:nvSpPr>
+          <p:spPr bwMode="auto">
+            <a:xfrm>
+              <a:off x="5426601" y="5579"/>
+              <a:ext cx="5788025" cy="6847184"/>
+            </a:xfrm>
+            <a:custGeom>
+              <a:avLst/>
+              <a:gdLst/>
+              <a:ahLst/>
+              <a:cxnLst/>
+              <a:rect l="0" t="0" r="r" b="b"/>
+              <a:pathLst>
+                <a:path w="1216" h="1436">
+                  <a:moveTo>
+                    <a:pt x="1094" y="1436"/>
+                  </a:moveTo>
+                  <a:cubicBezTo>
+                    <a:pt x="1216" y="1114"/>
+                    <a:pt x="904" y="770"/>
+                    <a:pt x="709" y="551"/>
+                  </a:cubicBezTo>
+                  <a:cubicBezTo>
+                    <a:pt x="509" y="327"/>
+                    <a:pt x="274" y="127"/>
+                    <a:pt x="0" y="0"/>
+                  </a:cubicBezTo>
+                </a:path>
+              </a:pathLst>
+            </a:custGeom>
+            <a:noFill/>
+            <a:ln w="9525" cap="flat">
+              <a:solidFill>
+                <a:schemeClr val="accent1">
+                  <a:alpha val="7000"/>
+                </a:schemeClr>
+              </a:solidFill>
+              <a:prstDash val="solid"/>
+              <a:miter lim="800000"/>
+              <a:headEnd/>
+              <a:tailEnd/>
+            </a:ln>
+            <a:extLst>
+              <a:ext uri="{909E8E84-426E-40DD-AFC4-6F175D3DCCD1}">
+                <a14:hiddenFill xmlns:a14="http://schemas.microsoft.com/office/drawing/2010/main">
+                  <a:solidFill>
+                    <a:srgbClr val="FFFFFF"/>
+                  </a:solidFill>
+                </a14:hiddenFill>
+              </a:ext>
+            </a:extLst>
+          </p:spPr>
+        </p:sp>
+        <p:sp>
+          <p:nvSpPr>
+            <p:cNvPr id="18" name="Freeform 12">
+              <a:extLst>
+                <a:ext uri="{FF2B5EF4-FFF2-40B4-BE49-F238E27FC236}">
+                  <a16:creationId xmlns:a16="http://schemas.microsoft.com/office/drawing/2014/main" id="{F77FDDC5-477E-420D-B98F-42ABA24772F8}"/>
+                </a:ext>
+                <a:ext uri="{C183D7F6-B498-43B3-948B-1728B52AA6E4}">
+                  <adec:decorative xmlns:adec="http://schemas.microsoft.com/office/drawing/2017/decorative" val="1"/>
+                </a:ext>
+              </a:extLst>
+            </p:cNvPr>
+            <p:cNvSpPr/>
+            <p:nvPr>
+              <p:extLst>
+                <p:ext uri="{386F3935-93C4-4BCD-93E2-E3B085C9AB24}">
+                  <p16:designElem xmlns:p16="http://schemas.microsoft.com/office/powerpoint/2015/main" val="1"/>
+                </p:ext>
+              </p:extLst>
+            </p:nvPr>
+          </p:nvSpPr>
+          <p:spPr bwMode="auto">
+            <a:xfrm>
+              <a:off x="-1061" y="5579"/>
+              <a:ext cx="1057275" cy="614491"/>
+            </a:xfrm>
+            <a:custGeom>
+              <a:avLst/>
+              <a:gdLst/>
+              <a:ahLst/>
+              <a:cxnLst/>
+              <a:rect l="0" t="0" r="r" b="b"/>
+              <a:pathLst>
+                <a:path w="222" h="129">
+                  <a:moveTo>
+                    <a:pt x="222" y="0"/>
+                  </a:moveTo>
+                  <a:cubicBezTo>
+                    <a:pt x="152" y="35"/>
+                    <a:pt x="76" y="78"/>
+                    <a:pt x="0" y="129"/>
+                  </a:cubicBezTo>
+                </a:path>
+              </a:pathLst>
+            </a:custGeom>
+            <a:noFill/>
+            <a:ln w="9525" cap="flat">
+              <a:solidFill>
+                <a:schemeClr val="accent1">
+                  <a:alpha val="8000"/>
+                </a:schemeClr>
+              </a:solidFill>
+              <a:prstDash val="solid"/>
+              <a:miter lim="800000"/>
+              <a:headEnd/>
+              <a:tailEnd/>
+            </a:ln>
+            <a:extLst>
+              <a:ext uri="{909E8E84-426E-40DD-AFC4-6F175D3DCCD1}">
+                <a14:hiddenFill xmlns:a14="http://schemas.microsoft.com/office/drawing/2010/main">
+                  <a:solidFill>
+                    <a:srgbClr val="FFFFFF"/>
+                  </a:solidFill>
+                </a14:hiddenFill>
+              </a:ext>
+            </a:extLst>
+          </p:spPr>
+        </p:sp>
+        <p:sp>
+          <p:nvSpPr>
+            <p:cNvPr id="19" name="Freeform 13">
+              <a:extLst>
+                <a:ext uri="{FF2B5EF4-FFF2-40B4-BE49-F238E27FC236}">
+                  <a16:creationId xmlns:a16="http://schemas.microsoft.com/office/drawing/2014/main" id="{A92C0474-B573-45C5-84C5-194CE1715FE2}"/>
+                </a:ext>
+                <a:ext uri="{C183D7F6-B498-43B3-948B-1728B52AA6E4}">
+                  <adec:decorative xmlns:adec="http://schemas.microsoft.com/office/drawing/2017/decorative" val="1"/>
+                </a:ext>
+              </a:extLst>
+            </p:cNvPr>
+            <p:cNvSpPr/>
+            <p:nvPr>
+              <p:extLst>
+                <p:ext uri="{386F3935-93C4-4BCD-93E2-E3B085C9AB24}">
+                  <p16:designElem xmlns:p16="http://schemas.microsoft.com/office/powerpoint/2015/main" val="1"/>
+                </p:ext>
+              </p:extLst>
+            </p:nvPr>
+          </p:nvSpPr>
+          <p:spPr bwMode="auto">
+            <a:xfrm>
+              <a:off x="5821889" y="5579"/>
+              <a:ext cx="5588000" cy="6866337"/>
+            </a:xfrm>
+            <a:custGeom>
+              <a:avLst/>
+              <a:gdLst/>
+              <a:ahLst/>
+              <a:cxnLst/>
+              <a:rect l="0" t="0" r="r" b="b"/>
+              <a:pathLst>
+                <a:path w="1174" h="1440">
+                  <a:moveTo>
+                    <a:pt x="1067" y="1440"/>
+                  </a:moveTo>
+                  <a:cubicBezTo>
+                    <a:pt x="1174" y="1124"/>
+                    <a:pt x="887" y="797"/>
+                    <a:pt x="698" y="577"/>
+                  </a:cubicBezTo>
+                  <a:cubicBezTo>
+                    <a:pt x="500" y="348"/>
+                    <a:pt x="270" y="141"/>
+                    <a:pt x="0" y="0"/>
+                  </a:cubicBezTo>
+                </a:path>
+              </a:pathLst>
+            </a:custGeom>
+            <a:noFill/>
+            <a:ln w="9525" cap="flat">
+              <a:solidFill>
+                <a:schemeClr val="accent1">
+                  <a:alpha val="6000"/>
+                </a:schemeClr>
+              </a:solidFill>
+              <a:prstDash val="dash"/>
+              <a:miter lim="800000"/>
+              <a:headEnd/>
+              <a:tailEnd/>
+            </a:ln>
+            <a:extLst>
+              <a:ext uri="{909E8E84-426E-40DD-AFC4-6F175D3DCCD1}">
+                <a14:hiddenFill xmlns:a14="http://schemas.microsoft.com/office/drawing/2010/main">
+                  <a:solidFill>
+                    <a:srgbClr val="FFFFFF"/>
+                  </a:solidFill>
+                </a14:hiddenFill>
+              </a:ext>
+            </a:extLst>
+          </p:spPr>
+        </p:sp>
+        <p:sp>
+          <p:nvSpPr>
+            <p:cNvPr id="20" name="Freeform 14">
+              <a:extLst>
+                <a:ext uri="{FF2B5EF4-FFF2-40B4-BE49-F238E27FC236}">
+                  <a16:creationId xmlns:a16="http://schemas.microsoft.com/office/drawing/2014/main" id="{2FBC62F8-64D0-4025-99AE-A04E291D90EA}"/>
+                </a:ext>
+                <a:ext uri="{C183D7F6-B498-43B3-948B-1728B52AA6E4}">
+                  <adec:decorative xmlns:adec="http://schemas.microsoft.com/office/drawing/2017/decorative" val="1"/>
+                </a:ext>
+              </a:extLst>
+            </p:cNvPr>
+            <p:cNvSpPr/>
+            <p:nvPr>
+              <p:extLst>
+                <p:ext uri="{386F3935-93C4-4BCD-93E2-E3B085C9AB24}">
+                  <p16:designElem xmlns:p16="http://schemas.microsoft.com/office/powerpoint/2015/main" val="1"/>
+                </p:ext>
+              </p:extLst>
+            </p:nvPr>
+          </p:nvSpPr>
+          <p:spPr bwMode="auto">
+            <a:xfrm>
+              <a:off x="3701" y="790"/>
+              <a:ext cx="595313" cy="352734"/>
+            </a:xfrm>
+            <a:custGeom>
+              <a:avLst/>
+              <a:gdLst/>
+              <a:ahLst/>
+              <a:cxnLst/>
+              <a:rect l="0" t="0" r="r" b="b"/>
+              <a:pathLst>
+                <a:path w="125" h="74">
+                  <a:moveTo>
+                    <a:pt x="125" y="0"/>
+                  </a:moveTo>
+                  <a:cubicBezTo>
+                    <a:pt x="85" y="22"/>
+                    <a:pt x="43" y="47"/>
+                    <a:pt x="0" y="74"/>
+                  </a:cubicBezTo>
+                </a:path>
+              </a:pathLst>
+            </a:custGeom>
+            <a:noFill/>
+            <a:ln w="9525" cap="flat">
+              <a:solidFill>
+                <a:schemeClr val="accent1">
+                  <a:alpha val="6000"/>
+                </a:schemeClr>
+              </a:solidFill>
+              <a:prstDash val="dash"/>
+              <a:miter lim="800000"/>
+              <a:headEnd/>
+              <a:tailEnd/>
+            </a:ln>
+            <a:extLst>
+              <a:ext uri="{909E8E84-426E-40DD-AFC4-6F175D3DCCD1}">
+                <a14:hiddenFill xmlns:a14="http://schemas.microsoft.com/office/drawing/2010/main">
+                  <a:solidFill>
+                    <a:srgbClr val="FFFFFF"/>
+                  </a:solidFill>
+                </a14:hiddenFill>
+              </a:ext>
+            </a:extLst>
+          </p:spPr>
+        </p:sp>
+        <p:sp>
+          <p:nvSpPr>
+            <p:cNvPr id="21" name="Freeform 15">
+              <a:extLst>
+                <a:ext uri="{FF2B5EF4-FFF2-40B4-BE49-F238E27FC236}">
+                  <a16:creationId xmlns:a16="http://schemas.microsoft.com/office/drawing/2014/main" id="{7632F945-80B5-4575-A538-29495BF8F258}"/>
+                </a:ext>
+                <a:ext uri="{C183D7F6-B498-43B3-948B-1728B52AA6E4}">
+                  <adec:decorative xmlns:adec="http://schemas.microsoft.com/office/drawing/2017/decorative" val="1"/>
+                </a:ext>
+              </a:extLst>
+            </p:cNvPr>
+            <p:cNvSpPr/>
+            <p:nvPr>
+              <p:extLst>
+                <p:ext uri="{386F3935-93C4-4BCD-93E2-E3B085C9AB24}">
+                  <p16:designElem xmlns:p16="http://schemas.microsoft.com/office/powerpoint/2015/main" val="1"/>
+                </p:ext>
+              </p:extLst>
+            </p:nvPr>
+          </p:nvSpPr>
+          <p:spPr bwMode="auto">
+            <a:xfrm>
+              <a:off x="6012389" y="5579"/>
+              <a:ext cx="5497513" cy="6866337"/>
+            </a:xfrm>
+            <a:custGeom>
+              <a:avLst/>
+              <a:gdLst/>
+              <a:ahLst/>
+              <a:cxnLst/>
+              <a:rect l="0" t="0" r="r" b="b"/>
+              <a:pathLst>
+                <a:path w="1155" h="1440">
+                  <a:moveTo>
+                    <a:pt x="1056" y="1440"/>
+                  </a:moveTo>
+                  <a:cubicBezTo>
+                    <a:pt x="1155" y="1123"/>
+                    <a:pt x="875" y="801"/>
+                    <a:pt x="686" y="580"/>
+                  </a:cubicBezTo>
+                  <a:cubicBezTo>
+                    <a:pt x="491" y="352"/>
+                    <a:pt x="264" y="145"/>
+                    <a:pt x="0" y="0"/>
+                  </a:cubicBezTo>
+                </a:path>
+              </a:pathLst>
+            </a:custGeom>
+            <a:noFill/>
+            <a:ln w="12700" cap="flat">
+              <a:solidFill>
+                <a:schemeClr val="accent1">
+                  <a:alpha val="5000"/>
+                </a:schemeClr>
+              </a:solidFill>
+              <a:prstDash val="dashDot"/>
+              <a:miter lim="800000"/>
+              <a:headEnd/>
+              <a:tailEnd/>
+            </a:ln>
+            <a:extLst>
+              <a:ext uri="{909E8E84-426E-40DD-AFC4-6F175D3DCCD1}">
+                <a14:hiddenFill xmlns:a14="http://schemas.microsoft.com/office/drawing/2010/main">
+                  <a:solidFill>
+                    <a:srgbClr val="FFFFFF"/>
+                  </a:solidFill>
+                </a14:hiddenFill>
+              </a:ext>
+            </a:extLst>
+          </p:spPr>
+        </p:sp>
+        <p:sp>
+          <p:nvSpPr>
+            <p:cNvPr id="22" name="Freeform 16">
+              <a:extLst>
+                <a:ext uri="{FF2B5EF4-FFF2-40B4-BE49-F238E27FC236}">
+                  <a16:creationId xmlns:a16="http://schemas.microsoft.com/office/drawing/2014/main" id="{5562CC17-43D4-4E57-AE08-83952EE59D5A}"/>
+                </a:ext>
+                <a:ext uri="{C183D7F6-B498-43B3-948B-1728B52AA6E4}">
+                  <adec:decorative xmlns:adec="http://schemas.microsoft.com/office/drawing/2017/decorative" val="1"/>
+                </a:ext>
+              </a:extLst>
+            </p:cNvPr>
+            <p:cNvSpPr/>
+            <p:nvPr>
+              <p:extLst>
+                <p:ext uri="{386F3935-93C4-4BCD-93E2-E3B085C9AB24}">
+                  <p16:designElem xmlns:p16="http://schemas.microsoft.com/office/powerpoint/2015/main" val="1"/>
+                </p:ext>
+              </p:extLst>
+            </p:nvPr>
+          </p:nvSpPr>
+          <p:spPr bwMode="auto">
+            <a:xfrm>
+              <a:off x="-1061" y="5579"/>
+              <a:ext cx="357188" cy="213875"/>
+            </a:xfrm>
+            <a:custGeom>
+              <a:avLst/>
+              <a:gdLst/>
+              <a:ahLst/>
+              <a:cxnLst/>
+              <a:rect l="0" t="0" r="r" b="b"/>
+              <a:pathLst>
+                <a:path w="75" h="45">
+                  <a:moveTo>
+                    <a:pt x="75" y="0"/>
+                  </a:moveTo>
+                  <a:cubicBezTo>
+                    <a:pt x="50" y="14"/>
+                    <a:pt x="25" y="29"/>
+                    <a:pt x="0" y="45"/>
+                  </a:cubicBezTo>
+                </a:path>
+              </a:pathLst>
+            </a:custGeom>
+            <a:noFill/>
+            <a:ln w="12700" cap="flat">
+              <a:solidFill>
+                <a:schemeClr val="accent1">
+                  <a:alpha val="5000"/>
+                </a:schemeClr>
+              </a:solidFill>
+              <a:prstDash val="dashDot"/>
+              <a:miter lim="800000"/>
+              <a:headEnd/>
+              <a:tailEnd/>
+            </a:ln>
+            <a:extLst>
+              <a:ext uri="{909E8E84-426E-40DD-AFC4-6F175D3DCCD1}">
+                <a14:hiddenFill xmlns:a14="http://schemas.microsoft.com/office/drawing/2010/main">
+                  <a:solidFill>
+                    <a:srgbClr val="FFFFFF"/>
+                  </a:solidFill>
+                </a14:hiddenFill>
+              </a:ext>
+            </a:extLst>
+          </p:spPr>
+        </p:sp>
+        <p:sp>
+          <p:nvSpPr>
+            <p:cNvPr id="23" name="Freeform 17">
+              <a:extLst>
+                <a:ext uri="{FF2B5EF4-FFF2-40B4-BE49-F238E27FC236}">
+                  <a16:creationId xmlns:a16="http://schemas.microsoft.com/office/drawing/2014/main" id="{E1D78CFE-04CA-4101-AFCF-196940B2D137}"/>
+                </a:ext>
+                <a:ext uri="{C183D7F6-B498-43B3-948B-1728B52AA6E4}">
+                  <adec:decorative xmlns:adec="http://schemas.microsoft.com/office/drawing/2017/decorative" val="1"/>
+                </a:ext>
+              </a:extLst>
+            </p:cNvPr>
+            <p:cNvSpPr/>
+            <p:nvPr>
+              <p:extLst>
+                <p:ext uri="{386F3935-93C4-4BCD-93E2-E3B085C9AB24}">
+                  <p16:designElem xmlns:p16="http://schemas.microsoft.com/office/powerpoint/2015/main" val="1"/>
+                </p:ext>
+              </p:extLst>
+            </p:nvPr>
+          </p:nvSpPr>
+          <p:spPr bwMode="auto">
+            <a:xfrm>
+              <a:off x="6210826" y="790"/>
+              <a:ext cx="5522913" cy="6871126"/>
+            </a:xfrm>
+            <a:custGeom>
+              <a:avLst/>
+              <a:gdLst/>
+              <a:ahLst/>
+              <a:cxnLst/>
+              <a:rect l="0" t="0" r="r" b="b"/>
+              <a:pathLst>
+                <a:path w="1160" h="1441">
+                  <a:moveTo>
+                    <a:pt x="1053" y="1441"/>
+                  </a:moveTo>
+                  <a:cubicBezTo>
+                    <a:pt x="1160" y="1129"/>
+                    <a:pt x="892" y="817"/>
+                    <a:pt x="705" y="599"/>
+                  </a:cubicBezTo>
+                  <a:cubicBezTo>
+                    <a:pt x="503" y="365"/>
+                    <a:pt x="270" y="152"/>
+                    <a:pt x="0" y="0"/>
+                  </a:cubicBezTo>
+                </a:path>
+              </a:pathLst>
+            </a:custGeom>
+            <a:noFill/>
+            <a:ln w="9525" cap="flat">
+              <a:solidFill>
+                <a:schemeClr val="accent1">
+                  <a:alpha val="4000"/>
+                </a:schemeClr>
+              </a:solidFill>
+              <a:prstDash val="solid"/>
+              <a:miter lim="800000"/>
+              <a:headEnd/>
+              <a:tailEnd/>
+            </a:ln>
+            <a:extLst>
+              <a:ext uri="{909E8E84-426E-40DD-AFC4-6F175D3DCCD1}">
+                <a14:hiddenFill xmlns:a14="http://schemas.microsoft.com/office/drawing/2010/main">
+                  <a:solidFill>
+                    <a:srgbClr val="FFFFFF"/>
+                  </a:solidFill>
+                </a14:hiddenFill>
+              </a:ext>
+            </a:extLst>
+          </p:spPr>
+        </p:sp>
+        <p:sp>
+          <p:nvSpPr>
+            <p:cNvPr id="24" name="Freeform 18">
+              <a:extLst>
+                <a:ext uri="{FF2B5EF4-FFF2-40B4-BE49-F238E27FC236}">
+                  <a16:creationId xmlns:a16="http://schemas.microsoft.com/office/drawing/2014/main" id="{41F2A149-A64E-4690-B049-18C156A8E206}"/>
+                </a:ext>
+                <a:ext uri="{C183D7F6-B498-43B3-948B-1728B52AA6E4}">
+                  <adec:decorative xmlns:adec="http://schemas.microsoft.com/office/drawing/2017/decorative" val="1"/>
+                </a:ext>
+              </a:extLst>
+            </p:cNvPr>
+            <p:cNvSpPr/>
+            <p:nvPr>
+              <p:extLst>
+                <p:ext uri="{386F3935-93C4-4BCD-93E2-E3B085C9AB24}">
+                  <p16:designElem xmlns:p16="http://schemas.microsoft.com/office/powerpoint/2015/main" val="1"/>
+                </p:ext>
+              </p:extLst>
+            </p:nvPr>
+          </p:nvSpPr>
+          <p:spPr bwMode="auto">
+            <a:xfrm>
+              <a:off x="6463239" y="5579"/>
+              <a:ext cx="5413375" cy="6866337"/>
+            </a:xfrm>
+            <a:custGeom>
+              <a:avLst/>
+              <a:gdLst/>
+              <a:ahLst/>
+              <a:cxnLst/>
+              <a:rect l="0" t="0" r="r" b="b"/>
+              <a:pathLst>
+                <a:path w="1137" h="1440">
+                  <a:moveTo>
+                    <a:pt x="1040" y="1440"/>
+                  </a:moveTo>
+                  <a:cubicBezTo>
+                    <a:pt x="1137" y="1131"/>
+                    <a:pt x="883" y="828"/>
+                    <a:pt x="698" y="611"/>
+                  </a:cubicBezTo>
+                  <a:cubicBezTo>
+                    <a:pt x="498" y="375"/>
+                    <a:pt x="268" y="159"/>
+                    <a:pt x="0" y="0"/>
+                  </a:cubicBezTo>
+                </a:path>
+              </a:pathLst>
+            </a:custGeom>
+            <a:noFill/>
+            <a:ln w="9525" cap="flat">
+              <a:solidFill>
+                <a:schemeClr val="accent1">
+                  <a:alpha val="3000"/>
+                </a:schemeClr>
+              </a:solidFill>
+              <a:prstDash val="solid"/>
+              <a:miter lim="800000"/>
+              <a:headEnd/>
+              <a:tailEnd/>
+            </a:ln>
+            <a:extLst>
+              <a:ext uri="{909E8E84-426E-40DD-AFC4-6F175D3DCCD1}">
+                <a14:hiddenFill xmlns:a14="http://schemas.microsoft.com/office/drawing/2010/main">
+                  <a:solidFill>
+                    <a:srgbClr val="FFFFFF"/>
+                  </a:solidFill>
+                </a14:hiddenFill>
+              </a:ext>
+            </a:extLst>
+          </p:spPr>
+        </p:sp>
+        <p:sp>
+          <p:nvSpPr>
+            <p:cNvPr id="25" name="Freeform 19">
+              <a:extLst>
+                <a:ext uri="{FF2B5EF4-FFF2-40B4-BE49-F238E27FC236}">
+                  <a16:creationId xmlns:a16="http://schemas.microsoft.com/office/drawing/2014/main" id="{D9313C72-D62D-4416-A6AE-7EB7D6B54A58}"/>
+                </a:ext>
+                <a:ext uri="{C183D7F6-B498-43B3-948B-1728B52AA6E4}">
+                  <adec:decorative xmlns:adec="http://schemas.microsoft.com/office/drawing/2017/decorative" val="1"/>
+                </a:ext>
+              </a:extLst>
+            </p:cNvPr>
+            <p:cNvSpPr/>
+            <p:nvPr>
+              <p:extLst>
+                <p:ext uri="{386F3935-93C4-4BCD-93E2-E3B085C9AB24}">
+                  <p16:designElem xmlns:p16="http://schemas.microsoft.com/office/powerpoint/2015/main" val="1"/>
+                </p:ext>
+              </p:extLst>
+            </p:nvPr>
+          </p:nvSpPr>
+          <p:spPr bwMode="auto">
+            <a:xfrm>
+              <a:off x="6877576" y="5579"/>
+              <a:ext cx="5037138" cy="6861550"/>
+            </a:xfrm>
+            <a:custGeom>
+              <a:avLst/>
+              <a:gdLst/>
+              <a:ahLst/>
+              <a:cxnLst/>
+              <a:rect l="0" t="0" r="r" b="b"/>
+              <a:pathLst>
+                <a:path w="1058" h="1439">
+                  <a:moveTo>
+                    <a:pt x="1011" y="1439"/>
+                  </a:moveTo>
+                  <a:cubicBezTo>
+                    <a:pt x="1058" y="1131"/>
+                    <a:pt x="825" y="841"/>
+                    <a:pt x="648" y="617"/>
+                  </a:cubicBezTo>
+                  <a:cubicBezTo>
+                    <a:pt x="462" y="383"/>
+                    <a:pt x="248" y="168"/>
+                    <a:pt x="0" y="0"/>
+                  </a:cubicBezTo>
+                </a:path>
+              </a:pathLst>
+            </a:custGeom>
+            <a:noFill/>
+            <a:ln w="9525" cap="flat">
+              <a:solidFill>
+                <a:schemeClr val="accent1">
+                  <a:alpha val="5000"/>
+                </a:schemeClr>
+              </a:solidFill>
+              <a:prstDash val="solid"/>
+              <a:miter lim="800000"/>
+              <a:headEnd/>
+              <a:tailEnd/>
+            </a:ln>
+            <a:extLst>
+              <a:ext uri="{909E8E84-426E-40DD-AFC4-6F175D3DCCD1}">
+                <a14:hiddenFill xmlns:a14="http://schemas.microsoft.com/office/drawing/2010/main">
+                  <a:solidFill>
+                    <a:srgbClr val="FFFFFF"/>
+                  </a:solidFill>
+                </a14:hiddenFill>
+              </a:ext>
+            </a:extLst>
+          </p:spPr>
+        </p:sp>
+        <p:sp>
+          <p:nvSpPr>
+            <p:cNvPr id="26" name="Freeform 20">
+              <a:extLst>
+                <a:ext uri="{FF2B5EF4-FFF2-40B4-BE49-F238E27FC236}">
+                  <a16:creationId xmlns:a16="http://schemas.microsoft.com/office/drawing/2014/main" id="{77B03BEA-76E5-4ECB-B9BB-D89D27509EFD}"/>
+                </a:ext>
+                <a:ext uri="{C183D7F6-B498-43B3-948B-1728B52AA6E4}">
+                  <adec:decorative xmlns:adec="http://schemas.microsoft.com/office/drawing/2017/decorative" val="1"/>
+                </a:ext>
+              </a:extLst>
+            </p:cNvPr>
+            <p:cNvSpPr/>
+            <p:nvPr>
+              <p:extLst>
+                <p:ext uri="{386F3935-93C4-4BCD-93E2-E3B085C9AB24}">
+                  <p16:designElem xmlns:p16="http://schemas.microsoft.com/office/powerpoint/2015/main" val="1"/>
+                </p:ext>
+              </p:extLst>
+            </p:nvPr>
+          </p:nvSpPr>
+          <p:spPr bwMode="auto">
+            <a:xfrm>
+              <a:off x="8768289" y="5579"/>
+              <a:ext cx="3417888" cy="2742066"/>
+            </a:xfrm>
+            <a:custGeom>
+              <a:avLst/>
+              <a:gdLst/>
+              <a:ahLst/>
+              <a:cxnLst/>
+              <a:rect l="0" t="0" r="r" b="b"/>
+              <a:pathLst>
+                <a:path w="718" h="575">
+                  <a:moveTo>
+                    <a:pt x="718" y="575"/>
+                  </a:moveTo>
+                  <a:cubicBezTo>
+                    <a:pt x="500" y="360"/>
+                    <a:pt x="260" y="163"/>
+                    <a:pt x="0" y="0"/>
+                  </a:cubicBezTo>
+                </a:path>
+              </a:pathLst>
+            </a:custGeom>
+            <a:noFill/>
+            <a:ln w="9525" cap="flat">
+              <a:solidFill>
+                <a:schemeClr val="accent1">
+                  <a:alpha val="4000"/>
+                </a:schemeClr>
+              </a:solidFill>
+              <a:prstDash val="solid"/>
+              <a:miter lim="800000"/>
+              <a:headEnd/>
+              <a:tailEnd/>
+            </a:ln>
+            <a:extLst>
+              <a:ext uri="{909E8E84-426E-40DD-AFC4-6F175D3DCCD1}">
+                <a14:hiddenFill xmlns:a14="http://schemas.microsoft.com/office/drawing/2010/main">
+                  <a:solidFill>
+                    <a:srgbClr val="FFFFFF"/>
+                  </a:solidFill>
+                </a14:hiddenFill>
+              </a:ext>
+            </a:extLst>
+          </p:spPr>
+        </p:sp>
+        <p:sp>
+          <p:nvSpPr>
+            <p:cNvPr id="27" name="Freeform 21">
+              <a:extLst>
+                <a:ext uri="{FF2B5EF4-FFF2-40B4-BE49-F238E27FC236}">
+                  <a16:creationId xmlns:a16="http://schemas.microsoft.com/office/drawing/2014/main" id="{6AF6BECE-416D-4C3A-AD6F-68B08F3CA751}"/>
+                </a:ext>
+                <a:ext uri="{C183D7F6-B498-43B3-948B-1728B52AA6E4}">
+                  <adec:decorative xmlns:adec="http://schemas.microsoft.com/office/drawing/2017/decorative" val="1"/>
+                </a:ext>
+              </a:extLst>
+            </p:cNvPr>
+            <p:cNvSpPr/>
+            <p:nvPr>
+              <p:extLst>
+                <p:ext uri="{386F3935-93C4-4BCD-93E2-E3B085C9AB24}">
+                  <p16:designElem xmlns:p16="http://schemas.microsoft.com/office/powerpoint/2015/main" val="1"/>
+                </p:ext>
+              </p:extLst>
+            </p:nvPr>
+          </p:nvSpPr>
+          <p:spPr bwMode="auto">
+            <a:xfrm>
+              <a:off x="9235014" y="10367"/>
+              <a:ext cx="2951163" cy="2555325"/>
+            </a:xfrm>
+            <a:custGeom>
+              <a:avLst/>
+              <a:gdLst/>
+              <a:ahLst/>
+              <a:cxnLst/>
+              <a:rect l="0" t="0" r="r" b="b"/>
+              <a:pathLst>
+                <a:path w="620" h="536">
+                  <a:moveTo>
+                    <a:pt x="620" y="536"/>
+                  </a:moveTo>
+                  <a:cubicBezTo>
+                    <a:pt x="404" y="314"/>
+                    <a:pt x="196" y="138"/>
+                    <a:pt x="0" y="0"/>
+                  </a:cubicBezTo>
+                </a:path>
+              </a:pathLst>
+            </a:custGeom>
+            <a:noFill/>
+            <a:ln w="9525" cap="flat">
+              <a:solidFill>
+                <a:schemeClr val="accent1">
+                  <a:alpha val="4000"/>
+                </a:schemeClr>
+              </a:solidFill>
+              <a:prstDash val="solid"/>
+              <a:miter lim="800000"/>
+              <a:headEnd/>
+              <a:tailEnd/>
+            </a:ln>
+            <a:extLst>
+              <a:ext uri="{909E8E84-426E-40DD-AFC4-6F175D3DCCD1}">
+                <a14:hiddenFill xmlns:a14="http://schemas.microsoft.com/office/drawing/2010/main">
+                  <a:solidFill>
+                    <a:srgbClr val="FFFFFF"/>
+                  </a:solidFill>
+                </a14:hiddenFill>
+              </a:ext>
+            </a:extLst>
+          </p:spPr>
+        </p:sp>
+        <p:sp>
+          <p:nvSpPr>
+            <p:cNvPr id="28" name="Freeform 22">
+              <a:extLst>
+                <a:ext uri="{FF2B5EF4-FFF2-40B4-BE49-F238E27FC236}">
+                  <a16:creationId xmlns:a16="http://schemas.microsoft.com/office/drawing/2014/main" id="{B9197E2A-A098-480D-A2A6-3F3B889EDAEE}"/>
+                </a:ext>
+                <a:ext uri="{C183D7F6-B498-43B3-948B-1728B52AA6E4}">
+                  <adec:decorative xmlns:adec="http://schemas.microsoft.com/office/drawing/2017/decorative" val="1"/>
+                </a:ext>
+              </a:extLst>
+            </p:cNvPr>
+            <p:cNvSpPr/>
+            <p:nvPr>
+              <p:extLst>
+                <p:ext uri="{386F3935-93C4-4BCD-93E2-E3B085C9AB24}">
+                  <p16:designElem xmlns:p16="http://schemas.microsoft.com/office/powerpoint/2015/main" val="1"/>
+                </p:ext>
+              </p:extLst>
+            </p:nvPr>
+          </p:nvSpPr>
+          <p:spPr bwMode="auto">
+            <a:xfrm>
+              <a:off x="10020826" y="5579"/>
+              <a:ext cx="2165350" cy="1358265"/>
+            </a:xfrm>
+            <a:custGeom>
+              <a:avLst/>
+              <a:gdLst/>
+              <a:ahLst/>
+              <a:cxnLst/>
+              <a:rect l="0" t="0" r="r" b="b"/>
+              <a:pathLst>
+                <a:path w="455" h="285">
+                  <a:moveTo>
+                    <a:pt x="0" y="0"/>
+                  </a:moveTo>
+                  <a:cubicBezTo>
+                    <a:pt x="153" y="85"/>
+                    <a:pt x="308" y="180"/>
+                    <a:pt x="455" y="285"/>
+                  </a:cubicBezTo>
+                </a:path>
+              </a:pathLst>
+            </a:custGeom>
+            <a:noFill/>
+            <a:ln w="9525" cap="flat">
+              <a:solidFill>
+                <a:schemeClr val="accent1">
+                  <a:alpha val="4000"/>
+                </a:schemeClr>
+              </a:solidFill>
+              <a:prstDash val="dash"/>
+              <a:miter lim="800000"/>
+              <a:headEnd/>
+              <a:tailEnd/>
+            </a:ln>
+            <a:extLst>
+              <a:ext uri="{909E8E84-426E-40DD-AFC4-6F175D3DCCD1}">
+                <a14:hiddenFill xmlns:a14="http://schemas.microsoft.com/office/drawing/2010/main">
+                  <a:solidFill>
+                    <a:srgbClr val="FFFFFF"/>
+                  </a:solidFill>
+                </a14:hiddenFill>
+              </a:ext>
+            </a:extLst>
+          </p:spPr>
+        </p:sp>
+        <p:sp>
+          <p:nvSpPr>
+            <p:cNvPr id="29" name="Freeform 23">
+              <a:extLst>
+                <a:ext uri="{FF2B5EF4-FFF2-40B4-BE49-F238E27FC236}">
+                  <a16:creationId xmlns:a16="http://schemas.microsoft.com/office/drawing/2014/main" id="{5A493EDB-6C9E-483F-86A6-0F473E5908D5}"/>
+                </a:ext>
+                <a:ext uri="{C183D7F6-B498-43B3-948B-1728B52AA6E4}">
+                  <adec:decorative xmlns:adec="http://schemas.microsoft.com/office/drawing/2017/decorative" val="1"/>
+                </a:ext>
+              </a:extLst>
+            </p:cNvPr>
+            <p:cNvSpPr/>
+            <p:nvPr>
+              <p:extLst>
+                <p:ext uri="{386F3935-93C4-4BCD-93E2-E3B085C9AB24}">
+                  <p16:designElem xmlns:p16="http://schemas.microsoft.com/office/powerpoint/2015/main" val="1"/>
+                </p:ext>
+              </p:extLst>
+            </p:nvPr>
+          </p:nvSpPr>
+          <p:spPr bwMode="auto">
+            <a:xfrm>
+              <a:off x="11290826" y="5579"/>
+              <a:ext cx="895350" cy="534687"/>
+            </a:xfrm>
+            <a:custGeom>
+              <a:avLst/>
+              <a:gdLst/>
+              <a:ahLst/>
+              <a:cxnLst/>
+              <a:rect l="0" t="0" r="r" b="b"/>
+              <a:pathLst>
+                <a:path w="188" h="112">
+                  <a:moveTo>
+                    <a:pt x="0" y="0"/>
+                  </a:moveTo>
+                  <a:cubicBezTo>
+                    <a:pt x="63" y="36"/>
+                    <a:pt x="126" y="73"/>
+                    <a:pt x="188" y="112"/>
+                  </a:cubicBezTo>
+                </a:path>
+              </a:pathLst>
+            </a:custGeom>
+            <a:noFill/>
+            <a:ln w="9525" cap="flat">
+              <a:solidFill>
+                <a:schemeClr val="accent1">
+                  <a:alpha val="3000"/>
+                </a:schemeClr>
+              </a:solidFill>
+              <a:prstDash val="solid"/>
+              <a:miter lim="800000"/>
+              <a:headEnd/>
+              <a:tailEnd/>
+            </a:ln>
+            <a:extLst>
+              <a:ext uri="{909E8E84-426E-40DD-AFC4-6F175D3DCCD1}">
+                <a14:hiddenFill xmlns:a14="http://schemas.microsoft.com/office/drawing/2010/main">
+                  <a:solidFill>
+                    <a:srgbClr val="FFFFFF"/>
+                  </a:solidFill>
+                </a14:hiddenFill>
+              </a:ext>
+            </a:extLst>
+          </p:spPr>
+        </p:sp>
+      </p:grpSp>
       <p:sp>
         <p:nvSpPr>
           <p:cNvPr id="2" name="Title 1">
             <a:extLst>
               <a:ext uri="{FF2B5EF4-FFF2-40B4-BE49-F238E27FC236}">
-                <a16:creationId xmlns:a16="http://schemas.microsoft.com/office/drawing/2014/main" id="{ADB784F9-6136-4D34-97A4-B192909D9FD5}"/>
+                <a16:creationId xmlns:a16="http://schemas.microsoft.com/office/drawing/2014/main" id="{165AB785-7966-4B7A-B9FD-AE50F4A706D5}"/>
               </a:ext>
             </a:extLst>
           </p:cNvPr>
@@ -26674,29 +32151,39 @@
             <a:spLocks noGrp="1"/>
           </p:cNvSpPr>
           <p:nvPr>
-            <p:ph type="title"/>
+            <p:ph type="ctrTitle"/>
           </p:nvPr>
         </p:nvSpPr>
-        <p:spPr/>
+        <p:spPr>
+          <a:xfrm>
+            <a:off x="8547148" y="2894593"/>
+            <a:ext cx="3412810" cy="742692"/>
+          </a:xfrm>
+        </p:spPr>
         <p:txBody>
           <a:bodyPr>
             <a:normAutofit/>
           </a:bodyPr>
           <a:lstStyle/>
           <a:p>
+            <a:pPr algn="l"/>
             <a:r>
-              <a:rPr lang="en-US" sz="3200" dirty="0"/>
-              <a:t>Workflow</a:t>
+              <a:rPr lang="en-US" sz="3200" dirty="0">
+                <a:solidFill>
+                  <a:schemeClr val="accent1"/>
+                </a:solidFill>
+              </a:rPr>
+              <a:t>Validation</a:t>
             </a:r>
           </a:p>
         </p:txBody>
       </p:sp>
       <p:sp>
         <p:nvSpPr>
-          <p:cNvPr id="3" name="Content Placeholder 2">
+          <p:cNvPr id="3" name="Subtitle 2">
             <a:extLst>
               <a:ext uri="{FF2B5EF4-FFF2-40B4-BE49-F238E27FC236}">
-                <a16:creationId xmlns:a16="http://schemas.microsoft.com/office/drawing/2014/main" id="{656A293A-45D9-4C01-9F06-F4A6A19B1314}"/>
+                <a16:creationId xmlns:a16="http://schemas.microsoft.com/office/drawing/2014/main" id="{84A4FF40-7D0F-47D2-974B-374F00A0AD89}"/>
               </a:ext>
             </a:extLst>
           </p:cNvPr>
@@ -26704,22 +32191,1825 @@
             <a:spLocks noGrp="1"/>
           </p:cNvSpPr>
           <p:nvPr>
-            <p:ph idx="1"/>
+            <p:ph type="subTitle" idx="1"/>
           </p:nvPr>
         </p:nvSpPr>
-        <p:spPr/>
+        <p:spPr>
+          <a:xfrm>
+            <a:off x="2037374" y="4560432"/>
+            <a:ext cx="8300202" cy="1228171"/>
+          </a:xfrm>
+        </p:spPr>
+        <p:txBody>
+          <a:bodyPr>
+            <a:normAutofit/>
+          </a:bodyPr>
+          <a:lstStyle/>
+          <a:p>
+            <a:pPr algn="l"/>
+            <a:endParaRPr lang="en-US" sz="2400" dirty="0">
+              <a:solidFill>
+                <a:schemeClr val="tx1"/>
+              </a:solidFill>
+            </a:endParaRPr>
+          </a:p>
+        </p:txBody>
+      </p:sp>
+      <p:sp>
+        <p:nvSpPr>
+          <p:cNvPr id="31" name="Isosceles Triangle 30">
+            <a:extLst>
+              <a:ext uri="{FF2B5EF4-FFF2-40B4-BE49-F238E27FC236}">
+                <a16:creationId xmlns:a16="http://schemas.microsoft.com/office/drawing/2014/main" id="{3F39476B-1A6D-47CB-AC7A-FB87EF003323}"/>
+              </a:ext>
+              <a:ext uri="{C183D7F6-B498-43B3-948B-1728B52AA6E4}">
+                <adec:decorative xmlns:adec="http://schemas.microsoft.com/office/drawing/2017/decorative" val="1"/>
+              </a:ext>
+            </a:extLst>
+          </p:cNvPr>
+          <p:cNvSpPr>
+            <a:spLocks noGrp="1" noRot="1" noChangeAspect="1" noMove="1" noResize="1" noEditPoints="1" noAdjustHandles="1" noChangeArrowheads="1" noChangeShapeType="1" noTextEdit="1"/>
+          </p:cNvSpPr>
+          <p:nvPr>
+            <p:extLst>
+              <p:ext uri="{386F3935-93C4-4BCD-93E2-E3B085C9AB24}">
+                <p16:designElem xmlns:p16="http://schemas.microsoft.com/office/powerpoint/2015/main" val="1"/>
+              </p:ext>
+            </p:extLst>
+          </p:nvPr>
+        </p:nvSpPr>
+        <p:spPr>
+          <a:xfrm rot="10800000">
+            <a:off x="1490253" y="3276595"/>
+            <a:ext cx="300774" cy="259288"/>
+          </a:xfrm>
+          <a:prstGeom prst="triangle">
+            <a:avLst/>
+          </a:prstGeom>
+          <a:solidFill>
+            <a:schemeClr val="accent1"/>
+          </a:solidFill>
+          <a:ln>
+            <a:noFill/>
+          </a:ln>
+        </p:spPr>
+        <p:style>
+          <a:lnRef idx="2">
+            <a:schemeClr val="accent1">
+              <a:shade val="50000"/>
+            </a:schemeClr>
+          </a:lnRef>
+          <a:fillRef idx="1">
+            <a:schemeClr val="accent1"/>
+          </a:fillRef>
+          <a:effectRef idx="0">
+            <a:schemeClr val="accent1"/>
+          </a:effectRef>
+          <a:fontRef idx="minor">
+            <a:schemeClr val="lt1"/>
+          </a:fontRef>
+        </p:style>
         <p:txBody>
           <a:bodyPr/>
           <a:lstStyle/>
           <a:p>
-            <a:endParaRPr lang="en-US"/>
+            <a:endParaRPr lang="en-US" dirty="0"/>
           </a:p>
         </p:txBody>
       </p:sp>
+      <p:graphicFrame>
+        <p:nvGraphicFramePr>
+          <p:cNvPr id="30" name="Table 29">
+            <a:extLst>
+              <a:ext uri="{FF2B5EF4-FFF2-40B4-BE49-F238E27FC236}">
+                <a16:creationId xmlns:a16="http://schemas.microsoft.com/office/drawing/2014/main" id="{C0B09A1D-6BCE-4C8C-978D-60246A228E3D}"/>
+              </a:ext>
+            </a:extLst>
+          </p:cNvPr>
+          <p:cNvGraphicFramePr>
+            <a:graphicFrameLocks noGrp="1"/>
+          </p:cNvGraphicFramePr>
+          <p:nvPr>
+            <p:extLst>
+              <p:ext uri="{D42A27DB-BD31-4B8C-83A1-F6EECF244321}">
+                <p14:modId xmlns:p14="http://schemas.microsoft.com/office/powerpoint/2010/main" val="3478636025"/>
+              </p:ext>
+            </p:extLst>
+          </p:nvPr>
+        </p:nvGraphicFramePr>
+        <p:xfrm>
+          <a:off x="975251" y="491530"/>
+          <a:ext cx="7531621" cy="6291510"/>
+        </p:xfrm>
+        <a:graphic>
+          <a:graphicData uri="http://schemas.openxmlformats.org/drawingml/2006/table">
+            <a:tbl>
+              <a:tblPr firstRow="1" firstCol="1" bandRow="1">
+                <a:tableStyleId>{5C22544A-7EE6-4342-B048-85BDC9FD1C3A}</a:tableStyleId>
+              </a:tblPr>
+              <a:tblGrid>
+                <a:gridCol w="2677102">
+                  <a:extLst>
+                    <a:ext uri="{9D8B030D-6E8A-4147-A177-3AD203B41FA5}">
+                      <a16:colId xmlns:a16="http://schemas.microsoft.com/office/drawing/2014/main" val="3099312768"/>
+                    </a:ext>
+                  </a:extLst>
+                </a:gridCol>
+                <a:gridCol w="2343978">
+                  <a:extLst>
+                    <a:ext uri="{9D8B030D-6E8A-4147-A177-3AD203B41FA5}">
+                      <a16:colId xmlns:a16="http://schemas.microsoft.com/office/drawing/2014/main" val="462369711"/>
+                    </a:ext>
+                  </a:extLst>
+                </a:gridCol>
+                <a:gridCol w="2510541">
+                  <a:extLst>
+                    <a:ext uri="{9D8B030D-6E8A-4147-A177-3AD203B41FA5}">
+                      <a16:colId xmlns:a16="http://schemas.microsoft.com/office/drawing/2014/main" val="3995369174"/>
+                    </a:ext>
+                  </a:extLst>
+                </a:gridCol>
+              </a:tblGrid>
+              <a:tr h="458986">
+                <a:tc>
+                  <a:txBody>
+                    <a:bodyPr/>
+                    <a:lstStyle/>
+                    <a:p>
+                      <a:pPr marL="0" marR="0">
+                        <a:lnSpc>
+                          <a:spcPct val="107000"/>
+                        </a:lnSpc>
+                        <a:spcBef>
+                          <a:spcPts val="0"/>
+                        </a:spcBef>
+                        <a:spcAft>
+                          <a:spcPts val="0"/>
+                        </a:spcAft>
+                      </a:pPr>
+                      <a:r>
+                        <a:rPr lang="en-US" sz="1800" dirty="0">
+                          <a:effectLst/>
+                          <a:latin typeface="Calibri" panose="020F0502020204030204" pitchFamily="34" charset="0"/>
+                          <a:ea typeface="Calibri" panose="020F0502020204030204" pitchFamily="34" charset="0"/>
+                          <a:cs typeface="Times New Roman" panose="02020603050405020304" pitchFamily="18" charset="0"/>
+                        </a:rPr>
+                        <a:t>Description</a:t>
+                      </a:r>
+                    </a:p>
+                  </a:txBody>
+                  <a:tcPr marL="86320" marR="86320" marT="0" marB="0"/>
+                </a:tc>
+                <a:tc>
+                  <a:txBody>
+                    <a:bodyPr/>
+                    <a:lstStyle/>
+                    <a:p>
+                      <a:pPr marL="0" marR="0">
+                        <a:lnSpc>
+                          <a:spcPct val="107000"/>
+                        </a:lnSpc>
+                        <a:spcBef>
+                          <a:spcPts val="0"/>
+                        </a:spcBef>
+                        <a:spcAft>
+                          <a:spcPts val="0"/>
+                        </a:spcAft>
+                      </a:pPr>
+                      <a:r>
+                        <a:rPr lang="en-US" sz="1800">
+                          <a:effectLst/>
+                          <a:latin typeface="Calibri" panose="020F0502020204030204" pitchFamily="34" charset="0"/>
+                          <a:ea typeface="Calibri" panose="020F0502020204030204" pitchFamily="34" charset="0"/>
+                          <a:cs typeface="Times New Roman" panose="02020603050405020304" pitchFamily="18" charset="0"/>
+                        </a:rPr>
+                        <a:t>Validation Source</a:t>
+                      </a:r>
+                      <a:endParaRPr lang="en-US" sz="1800" dirty="0">
+                        <a:effectLst/>
+                        <a:latin typeface="Calibri" panose="020F0502020204030204" pitchFamily="34" charset="0"/>
+                        <a:ea typeface="Calibri" panose="020F0502020204030204" pitchFamily="34" charset="0"/>
+                        <a:cs typeface="Times New Roman" panose="02020603050405020304" pitchFamily="18" charset="0"/>
+                      </a:endParaRPr>
+                    </a:p>
+                  </a:txBody>
+                  <a:tcPr marL="86320" marR="86320" marT="0" marB="0"/>
+                </a:tc>
+                <a:tc>
+                  <a:txBody>
+                    <a:bodyPr/>
+                    <a:lstStyle/>
+                    <a:p>
+                      <a:pPr marL="0" marR="0">
+                        <a:lnSpc>
+                          <a:spcPct val="107000"/>
+                        </a:lnSpc>
+                        <a:spcBef>
+                          <a:spcPts val="0"/>
+                        </a:spcBef>
+                        <a:spcAft>
+                          <a:spcPts val="0"/>
+                        </a:spcAft>
+                      </a:pPr>
+                      <a:r>
+                        <a:rPr lang="en-US" sz="1800" dirty="0">
+                          <a:effectLst/>
+                          <a:latin typeface="Calibri" panose="020F0502020204030204" pitchFamily="34" charset="0"/>
+                          <a:ea typeface="Calibri" panose="020F0502020204030204" pitchFamily="34" charset="0"/>
+                          <a:cs typeface="Times New Roman" panose="02020603050405020304" pitchFamily="18" charset="0"/>
+                        </a:rPr>
+                        <a:t>Analysis Variable Source</a:t>
+                      </a:r>
+                    </a:p>
+                  </a:txBody>
+                  <a:tcPr marL="86320" marR="86320" marT="0" marB="0"/>
+                </a:tc>
+                <a:extLst>
+                  <a:ext uri="{0D108BD9-81ED-4DB2-BD59-A6C34878D82A}">
+                    <a16:rowId xmlns:a16="http://schemas.microsoft.com/office/drawing/2014/main" val="1618084370"/>
+                  </a:ext>
+                </a:extLst>
+              </a:tr>
+              <a:tr h="357023">
+                <a:tc>
+                  <a:txBody>
+                    <a:bodyPr/>
+                    <a:lstStyle/>
+                    <a:p>
+                      <a:pPr marL="0" marR="0">
+                        <a:lnSpc>
+                          <a:spcPct val="107000"/>
+                        </a:lnSpc>
+                        <a:spcBef>
+                          <a:spcPts val="0"/>
+                        </a:spcBef>
+                        <a:spcAft>
+                          <a:spcPts val="0"/>
+                        </a:spcAft>
+                      </a:pPr>
+                      <a:r>
+                        <a:rPr lang="en-US" sz="1400" dirty="0">
+                          <a:effectLst/>
+                          <a:latin typeface="Calibri" panose="020F0502020204030204" pitchFamily="34" charset="0"/>
+                          <a:ea typeface="Calibri" panose="020F0502020204030204" pitchFamily="34" charset="0"/>
+                          <a:cs typeface="Times New Roman" panose="02020603050405020304" pitchFamily="18" charset="0"/>
+                        </a:rPr>
+                        <a:t>Energy Burden (energy expenditures as %of LMI) </a:t>
+                      </a:r>
+                    </a:p>
+                  </a:txBody>
+                  <a:tcPr marL="86320" marR="86320" marT="0" marB="0"/>
+                </a:tc>
+                <a:tc>
+                  <a:txBody>
+                    <a:bodyPr/>
+                    <a:lstStyle/>
+                    <a:p>
+                      <a:pPr marL="0" marR="0">
+                        <a:lnSpc>
+                          <a:spcPct val="107000"/>
+                        </a:lnSpc>
+                        <a:spcBef>
+                          <a:spcPts val="0"/>
+                        </a:spcBef>
+                        <a:spcAft>
+                          <a:spcPts val="0"/>
+                        </a:spcAft>
+                      </a:pPr>
+                      <a:endParaRPr lang="en-US" sz="1400" dirty="0">
+                        <a:effectLst/>
+                        <a:latin typeface="Calibri" panose="020F0502020204030204" pitchFamily="34" charset="0"/>
+                        <a:ea typeface="Calibri" panose="020F0502020204030204" pitchFamily="34" charset="0"/>
+                        <a:cs typeface="Times New Roman" panose="02020603050405020304" pitchFamily="18" charset="0"/>
+                      </a:endParaRPr>
+                    </a:p>
+                  </a:txBody>
+                  <a:tcPr marL="86320" marR="86320" marT="0" marB="0"/>
+                </a:tc>
+                <a:tc>
+                  <a:txBody>
+                    <a:bodyPr/>
+                    <a:lstStyle/>
+                    <a:p>
+                      <a:pPr marL="0" marR="0">
+                        <a:lnSpc>
+                          <a:spcPct val="107000"/>
+                        </a:lnSpc>
+                        <a:spcBef>
+                          <a:spcPts val="0"/>
+                        </a:spcBef>
+                        <a:spcAft>
+                          <a:spcPts val="0"/>
+                        </a:spcAft>
+                      </a:pPr>
+                      <a:endParaRPr lang="en-US" sz="1400" dirty="0">
+                        <a:effectLst/>
+                        <a:latin typeface="Calibri" panose="020F0502020204030204" pitchFamily="34" charset="0"/>
+                        <a:ea typeface="Calibri" panose="020F0502020204030204" pitchFamily="34" charset="0"/>
+                        <a:cs typeface="Times New Roman" panose="02020603050405020304" pitchFamily="18" charset="0"/>
+                      </a:endParaRPr>
+                    </a:p>
+                  </a:txBody>
+                  <a:tcPr marL="86320" marR="86320" marT="0" marB="0"/>
+                </a:tc>
+                <a:extLst>
+                  <a:ext uri="{0D108BD9-81ED-4DB2-BD59-A6C34878D82A}">
+                    <a16:rowId xmlns:a16="http://schemas.microsoft.com/office/drawing/2014/main" val="3449509464"/>
+                  </a:ext>
+                </a:extLst>
+              </a:tr>
+              <a:tr h="305306">
+                <a:tc>
+                  <a:txBody>
+                    <a:bodyPr/>
+                    <a:lstStyle/>
+                    <a:p>
+                      <a:pPr marL="0" marR="0">
+                        <a:lnSpc>
+                          <a:spcPct val="107000"/>
+                        </a:lnSpc>
+                        <a:spcBef>
+                          <a:spcPts val="0"/>
+                        </a:spcBef>
+                        <a:spcAft>
+                          <a:spcPts val="0"/>
+                        </a:spcAft>
+                      </a:pPr>
+                      <a:r>
+                        <a:rPr lang="en-US" sz="1400" dirty="0">
+                          <a:effectLst/>
+                          <a:latin typeface="Calibri" panose="020F0502020204030204" pitchFamily="34" charset="0"/>
+                          <a:ea typeface="Calibri" panose="020F0502020204030204" pitchFamily="34" charset="0"/>
+                          <a:cs typeface="Times New Roman" panose="02020603050405020304" pitchFamily="18" charset="0"/>
+                        </a:rPr>
+                        <a:t>Federal Identification</a:t>
+                      </a:r>
+                    </a:p>
+                  </a:txBody>
+                  <a:tcPr marL="86320" marR="86320" marT="0" marB="0"/>
+                </a:tc>
+                <a:tc>
+                  <a:txBody>
+                    <a:bodyPr/>
+                    <a:lstStyle/>
+                    <a:p>
+                      <a:pPr marL="0" marR="0">
+                        <a:lnSpc>
+                          <a:spcPct val="107000"/>
+                        </a:lnSpc>
+                        <a:spcBef>
+                          <a:spcPts val="0"/>
+                        </a:spcBef>
+                        <a:spcAft>
+                          <a:spcPts val="0"/>
+                        </a:spcAft>
+                      </a:pPr>
+                      <a:endParaRPr lang="en-US" sz="1400" dirty="0">
+                        <a:effectLst/>
+                        <a:latin typeface="Calibri" panose="020F0502020204030204" pitchFamily="34" charset="0"/>
+                        <a:ea typeface="Calibri" panose="020F0502020204030204" pitchFamily="34" charset="0"/>
+                        <a:cs typeface="Times New Roman" panose="02020603050405020304" pitchFamily="18" charset="0"/>
+                      </a:endParaRPr>
+                    </a:p>
+                  </a:txBody>
+                  <a:tcPr marL="86320" marR="86320" marT="0" marB="0"/>
+                </a:tc>
+                <a:tc>
+                  <a:txBody>
+                    <a:bodyPr/>
+                    <a:lstStyle/>
+                    <a:p>
+                      <a:pPr marL="0" marR="0">
+                        <a:lnSpc>
+                          <a:spcPct val="107000"/>
+                        </a:lnSpc>
+                        <a:spcBef>
+                          <a:spcPts val="0"/>
+                        </a:spcBef>
+                        <a:spcAft>
+                          <a:spcPts val="0"/>
+                        </a:spcAft>
+                      </a:pPr>
+                      <a:endParaRPr lang="en-US" sz="1400" dirty="0">
+                        <a:effectLst/>
+                        <a:latin typeface="Calibri" panose="020F0502020204030204" pitchFamily="34" charset="0"/>
+                        <a:ea typeface="Calibri" panose="020F0502020204030204" pitchFamily="34" charset="0"/>
+                        <a:cs typeface="Times New Roman" panose="02020603050405020304" pitchFamily="18" charset="0"/>
+                      </a:endParaRPr>
+                    </a:p>
+                  </a:txBody>
+                  <a:tcPr marL="86320" marR="86320" marT="0" marB="0"/>
+                </a:tc>
+                <a:extLst>
+                  <a:ext uri="{0D108BD9-81ED-4DB2-BD59-A6C34878D82A}">
+                    <a16:rowId xmlns:a16="http://schemas.microsoft.com/office/drawing/2014/main" val="2791823250"/>
+                  </a:ext>
+                </a:extLst>
+              </a:tr>
+              <a:tr h="188040">
+                <a:tc>
+                  <a:txBody>
+                    <a:bodyPr/>
+                    <a:lstStyle/>
+                    <a:p>
+                      <a:pPr marL="0" marR="0">
+                        <a:lnSpc>
+                          <a:spcPct val="107000"/>
+                        </a:lnSpc>
+                        <a:spcBef>
+                          <a:spcPts val="0"/>
+                        </a:spcBef>
+                        <a:spcAft>
+                          <a:spcPts val="0"/>
+                        </a:spcAft>
+                      </a:pPr>
+                      <a:r>
+                        <a:rPr lang="en-US" sz="1400" dirty="0">
+                          <a:effectLst/>
+                          <a:latin typeface="Calibri" panose="020F0502020204030204" pitchFamily="34" charset="0"/>
+                          <a:ea typeface="Calibri" panose="020F0502020204030204" pitchFamily="34" charset="0"/>
+                          <a:cs typeface="Times New Roman" panose="02020603050405020304" pitchFamily="18" charset="0"/>
+                        </a:rPr>
+                        <a:t>County Name</a:t>
+                      </a:r>
+                    </a:p>
+                  </a:txBody>
+                  <a:tcPr marL="86320" marR="86320" marT="0" marB="0"/>
+                </a:tc>
+                <a:tc>
+                  <a:txBody>
+                    <a:bodyPr/>
+                    <a:lstStyle/>
+                    <a:p>
+                      <a:pPr marL="0" marR="0">
+                        <a:lnSpc>
+                          <a:spcPct val="107000"/>
+                        </a:lnSpc>
+                        <a:spcBef>
+                          <a:spcPts val="0"/>
+                        </a:spcBef>
+                        <a:spcAft>
+                          <a:spcPts val="0"/>
+                        </a:spcAft>
+                      </a:pPr>
+                      <a:endParaRPr lang="en-US" sz="1400" dirty="0">
+                        <a:effectLst/>
+                        <a:latin typeface="Calibri" panose="020F0502020204030204" pitchFamily="34" charset="0"/>
+                        <a:ea typeface="Calibri" panose="020F0502020204030204" pitchFamily="34" charset="0"/>
+                        <a:cs typeface="Times New Roman" panose="02020603050405020304" pitchFamily="18" charset="0"/>
+                      </a:endParaRPr>
+                    </a:p>
+                  </a:txBody>
+                  <a:tcPr marL="86320" marR="86320" marT="0" marB="0"/>
+                </a:tc>
+                <a:tc>
+                  <a:txBody>
+                    <a:bodyPr/>
+                    <a:lstStyle/>
+                    <a:p>
+                      <a:pPr marL="0" marR="0">
+                        <a:lnSpc>
+                          <a:spcPct val="107000"/>
+                        </a:lnSpc>
+                        <a:spcBef>
+                          <a:spcPts val="0"/>
+                        </a:spcBef>
+                        <a:spcAft>
+                          <a:spcPts val="0"/>
+                        </a:spcAft>
+                      </a:pPr>
+                      <a:endParaRPr lang="en-US" sz="1400" dirty="0">
+                        <a:effectLst/>
+                        <a:latin typeface="Calibri" panose="020F0502020204030204" pitchFamily="34" charset="0"/>
+                        <a:ea typeface="Calibri" panose="020F0502020204030204" pitchFamily="34" charset="0"/>
+                        <a:cs typeface="Times New Roman" panose="02020603050405020304" pitchFamily="18" charset="0"/>
+                      </a:endParaRPr>
+                    </a:p>
+                  </a:txBody>
+                  <a:tcPr marL="86320" marR="86320" marT="0" marB="0"/>
+                </a:tc>
+                <a:extLst>
+                  <a:ext uri="{0D108BD9-81ED-4DB2-BD59-A6C34878D82A}">
+                    <a16:rowId xmlns:a16="http://schemas.microsoft.com/office/drawing/2014/main" val="895668977"/>
+                  </a:ext>
+                </a:extLst>
+              </a:tr>
+              <a:tr h="292483">
+                <a:tc gridSpan="3">
+                  <a:txBody>
+                    <a:bodyPr/>
+                    <a:lstStyle/>
+                    <a:p>
+                      <a:pPr marL="0" marR="0" lvl="0" indent="0" algn="l" defTabSz="914400" rtl="0" eaLnBrk="1" fontAlgn="auto" latinLnBrk="0" hangingPunct="1">
+                        <a:lnSpc>
+                          <a:spcPct val="100000"/>
+                        </a:lnSpc>
+                        <a:spcBef>
+                          <a:spcPts val="0"/>
+                        </a:spcBef>
+                        <a:spcAft>
+                          <a:spcPts val="0"/>
+                        </a:spcAft>
+                        <a:buClrTx/>
+                        <a:buSzTx/>
+                        <a:buFontTx/>
+                        <a:buNone/>
+                        <a:tabLst/>
+                        <a:defRPr/>
+                      </a:pPr>
+                      <a:r>
+                        <a:rPr lang="en-US" sz="1800" dirty="0">
+                          <a:effectLst/>
+                          <a:latin typeface="Calibri" panose="020F0502020204030204" pitchFamily="34" charset="0"/>
+                          <a:ea typeface="Calibri" panose="020F0502020204030204" pitchFamily="34" charset="0"/>
+                          <a:cs typeface="Times New Roman" panose="02020603050405020304" pitchFamily="18" charset="0"/>
+                        </a:rPr>
+                        <a:t>Socio Demographic/Economic Indicators</a:t>
+                      </a:r>
+                    </a:p>
+                  </a:txBody>
+                  <a:tcPr/>
+                </a:tc>
+                <a:tc hMerge="1">
+                  <a:txBody>
+                    <a:bodyPr/>
+                    <a:lstStyle/>
+                    <a:p>
+                      <a:endParaRPr lang="en-US"/>
+                    </a:p>
+                  </a:txBody>
+                  <a:tcPr/>
+                </a:tc>
+                <a:tc hMerge="1">
+                  <a:txBody>
+                    <a:bodyPr/>
+                    <a:lstStyle/>
+                    <a:p>
+                      <a:pPr marL="0" marR="0" lvl="0" indent="0" algn="l" defTabSz="914400" rtl="0" eaLnBrk="1" fontAlgn="auto" latinLnBrk="0" hangingPunct="1">
+                        <a:lnSpc>
+                          <a:spcPct val="100000"/>
+                        </a:lnSpc>
+                        <a:spcBef>
+                          <a:spcPts val="0"/>
+                        </a:spcBef>
+                        <a:spcAft>
+                          <a:spcPts val="0"/>
+                        </a:spcAft>
+                        <a:buClrTx/>
+                        <a:buSzTx/>
+                        <a:buFontTx/>
+                        <a:buNone/>
+                        <a:tabLst/>
+                        <a:defRPr/>
+                      </a:pPr>
+                      <a:endParaRPr lang="en-US" sz="1800" dirty="0">
+                        <a:effectLst/>
+                        <a:latin typeface="Calibri" panose="020F0502020204030204" pitchFamily="34" charset="0"/>
+                        <a:ea typeface="Calibri" panose="020F0502020204030204" pitchFamily="34" charset="0"/>
+                        <a:cs typeface="Times New Roman" panose="02020603050405020304" pitchFamily="18" charset="0"/>
+                      </a:endParaRPr>
+                    </a:p>
+                  </a:txBody>
+                  <a:tcPr/>
+                </a:tc>
+                <a:extLst>
+                  <a:ext uri="{0D108BD9-81ED-4DB2-BD59-A6C34878D82A}">
+                    <a16:rowId xmlns:a16="http://schemas.microsoft.com/office/drawing/2014/main" val="440360407"/>
+                  </a:ext>
+                </a:extLst>
+              </a:tr>
+              <a:tr h="188040">
+                <a:tc>
+                  <a:txBody>
+                    <a:bodyPr/>
+                    <a:lstStyle/>
+                    <a:p>
+                      <a:pPr marL="0" marR="0">
+                        <a:lnSpc>
+                          <a:spcPct val="107000"/>
+                        </a:lnSpc>
+                        <a:spcBef>
+                          <a:spcPts val="0"/>
+                        </a:spcBef>
+                        <a:spcAft>
+                          <a:spcPts val="0"/>
+                        </a:spcAft>
+                      </a:pPr>
+                      <a:r>
+                        <a:rPr lang="en-US" sz="1400" dirty="0">
+                          <a:effectLst/>
+                          <a:latin typeface="Calibri" panose="020F0502020204030204" pitchFamily="34" charset="0"/>
+                          <a:ea typeface="Calibri" panose="020F0502020204030204" pitchFamily="34" charset="0"/>
+                          <a:cs typeface="Times New Roman" panose="02020603050405020304" pitchFamily="18" charset="0"/>
+                        </a:rPr>
+                        <a:t>% pop Hispanic</a:t>
+                      </a:r>
+                    </a:p>
+                  </a:txBody>
+                  <a:tcPr marL="86320" marR="86320" marT="0" marB="0"/>
+                </a:tc>
+                <a:tc>
+                  <a:txBody>
+                    <a:bodyPr/>
+                    <a:lstStyle/>
+                    <a:p>
+                      <a:pPr marL="0" marR="0">
+                        <a:lnSpc>
+                          <a:spcPct val="107000"/>
+                        </a:lnSpc>
+                        <a:spcBef>
+                          <a:spcPts val="0"/>
+                        </a:spcBef>
+                        <a:spcAft>
+                          <a:spcPts val="0"/>
+                        </a:spcAft>
+                      </a:pPr>
+                      <a:endParaRPr lang="en-US" sz="1400" dirty="0">
+                        <a:effectLst/>
+                        <a:latin typeface="Calibri" panose="020F0502020204030204" pitchFamily="34" charset="0"/>
+                        <a:ea typeface="Calibri" panose="020F0502020204030204" pitchFamily="34" charset="0"/>
+                        <a:cs typeface="Times New Roman" panose="02020603050405020304" pitchFamily="18" charset="0"/>
+                      </a:endParaRPr>
+                    </a:p>
+                  </a:txBody>
+                  <a:tcPr marL="86320" marR="86320" marT="0" marB="0"/>
+                </a:tc>
+                <a:tc>
+                  <a:txBody>
+                    <a:bodyPr/>
+                    <a:lstStyle/>
+                    <a:p>
+                      <a:pPr marL="0" marR="0">
+                        <a:lnSpc>
+                          <a:spcPct val="107000"/>
+                        </a:lnSpc>
+                        <a:spcBef>
+                          <a:spcPts val="0"/>
+                        </a:spcBef>
+                        <a:spcAft>
+                          <a:spcPts val="0"/>
+                        </a:spcAft>
+                      </a:pPr>
+                      <a:endParaRPr lang="en-US" sz="1400" dirty="0">
+                        <a:effectLst/>
+                        <a:latin typeface="Calibri" panose="020F0502020204030204" pitchFamily="34" charset="0"/>
+                        <a:ea typeface="Calibri" panose="020F0502020204030204" pitchFamily="34" charset="0"/>
+                        <a:cs typeface="Times New Roman" panose="02020603050405020304" pitchFamily="18" charset="0"/>
+                      </a:endParaRPr>
+                    </a:p>
+                  </a:txBody>
+                  <a:tcPr marL="86320" marR="86320" marT="0" marB="0"/>
+                </a:tc>
+                <a:extLst>
+                  <a:ext uri="{0D108BD9-81ED-4DB2-BD59-A6C34878D82A}">
+                    <a16:rowId xmlns:a16="http://schemas.microsoft.com/office/drawing/2014/main" val="3904386903"/>
+                  </a:ext>
+                </a:extLst>
+              </a:tr>
+              <a:tr h="461409">
+                <a:tc>
+                  <a:txBody>
+                    <a:bodyPr/>
+                    <a:lstStyle/>
+                    <a:p>
+                      <a:pPr marL="0" marR="0">
+                        <a:lnSpc>
+                          <a:spcPct val="107000"/>
+                        </a:lnSpc>
+                        <a:spcBef>
+                          <a:spcPts val="0"/>
+                        </a:spcBef>
+                        <a:spcAft>
+                          <a:spcPts val="0"/>
+                        </a:spcAft>
+                      </a:pPr>
+                      <a:r>
+                        <a:rPr lang="en-US" sz="1400" dirty="0">
+                          <a:effectLst/>
+                          <a:latin typeface="Calibri" panose="020F0502020204030204" pitchFamily="34" charset="0"/>
+                          <a:ea typeface="Calibri" panose="020F0502020204030204" pitchFamily="34" charset="0"/>
+                          <a:cs typeface="Times New Roman" panose="02020603050405020304" pitchFamily="18" charset="0"/>
+                        </a:rPr>
+                        <a:t>% pop Black African American</a:t>
+                      </a:r>
+                    </a:p>
+                  </a:txBody>
+                  <a:tcPr marL="86320" marR="86320" marT="0" marB="0"/>
+                </a:tc>
+                <a:tc>
+                  <a:txBody>
+                    <a:bodyPr/>
+                    <a:lstStyle/>
+                    <a:p>
+                      <a:pPr marL="0" marR="0">
+                        <a:lnSpc>
+                          <a:spcPct val="107000"/>
+                        </a:lnSpc>
+                        <a:spcBef>
+                          <a:spcPts val="0"/>
+                        </a:spcBef>
+                        <a:spcAft>
+                          <a:spcPts val="0"/>
+                        </a:spcAft>
+                      </a:pPr>
+                      <a:endParaRPr lang="en-US" sz="1400" dirty="0">
+                        <a:effectLst/>
+                        <a:latin typeface="Calibri" panose="020F0502020204030204" pitchFamily="34" charset="0"/>
+                        <a:ea typeface="Calibri" panose="020F0502020204030204" pitchFamily="34" charset="0"/>
+                        <a:cs typeface="Times New Roman" panose="02020603050405020304" pitchFamily="18" charset="0"/>
+                      </a:endParaRPr>
+                    </a:p>
+                  </a:txBody>
+                  <a:tcPr marL="86320" marR="86320" marT="0" marB="0"/>
+                </a:tc>
+                <a:tc>
+                  <a:txBody>
+                    <a:bodyPr/>
+                    <a:lstStyle/>
+                    <a:p>
+                      <a:pPr marL="0" marR="0">
+                        <a:lnSpc>
+                          <a:spcPct val="107000"/>
+                        </a:lnSpc>
+                        <a:spcBef>
+                          <a:spcPts val="0"/>
+                        </a:spcBef>
+                        <a:spcAft>
+                          <a:spcPts val="0"/>
+                        </a:spcAft>
+                      </a:pPr>
+                      <a:endParaRPr lang="en-US" sz="1400" dirty="0">
+                        <a:effectLst/>
+                        <a:latin typeface="Calibri" panose="020F0502020204030204" pitchFamily="34" charset="0"/>
+                        <a:ea typeface="Calibri" panose="020F0502020204030204" pitchFamily="34" charset="0"/>
+                        <a:cs typeface="Times New Roman" panose="02020603050405020304" pitchFamily="18" charset="0"/>
+                      </a:endParaRPr>
+                    </a:p>
+                  </a:txBody>
+                  <a:tcPr marL="86320" marR="86320" marT="0" marB="0"/>
+                </a:tc>
+                <a:extLst>
+                  <a:ext uri="{0D108BD9-81ED-4DB2-BD59-A6C34878D82A}">
+                    <a16:rowId xmlns:a16="http://schemas.microsoft.com/office/drawing/2014/main" val="2728370865"/>
+                  </a:ext>
+                </a:extLst>
+              </a:tr>
+              <a:tr h="188040">
+                <a:tc>
+                  <a:txBody>
+                    <a:bodyPr/>
+                    <a:lstStyle/>
+                    <a:p>
+                      <a:pPr marL="0" marR="0">
+                        <a:lnSpc>
+                          <a:spcPct val="107000"/>
+                        </a:lnSpc>
+                        <a:spcBef>
+                          <a:spcPts val="0"/>
+                        </a:spcBef>
+                        <a:spcAft>
+                          <a:spcPts val="0"/>
+                        </a:spcAft>
+                      </a:pPr>
+                      <a:r>
+                        <a:rPr lang="en-US" sz="1400" dirty="0">
+                          <a:effectLst/>
+                          <a:latin typeface="Calibri" panose="020F0502020204030204" pitchFamily="34" charset="0"/>
+                          <a:ea typeface="Calibri" panose="020F0502020204030204" pitchFamily="34" charset="0"/>
+                          <a:cs typeface="Times New Roman" panose="02020603050405020304" pitchFamily="18" charset="0"/>
+                        </a:rPr>
+                        <a:t>% Rural</a:t>
+                      </a:r>
+                    </a:p>
+                  </a:txBody>
+                  <a:tcPr marL="86320" marR="86320" marT="0" marB="0"/>
+                </a:tc>
+                <a:tc>
+                  <a:txBody>
+                    <a:bodyPr/>
+                    <a:lstStyle/>
+                    <a:p>
+                      <a:pPr marL="0" marR="0">
+                        <a:lnSpc>
+                          <a:spcPct val="107000"/>
+                        </a:lnSpc>
+                        <a:spcBef>
+                          <a:spcPts val="0"/>
+                        </a:spcBef>
+                        <a:spcAft>
+                          <a:spcPts val="0"/>
+                        </a:spcAft>
+                      </a:pPr>
+                      <a:endParaRPr lang="en-US" sz="1400" dirty="0">
+                        <a:effectLst/>
+                        <a:latin typeface="Calibri" panose="020F0502020204030204" pitchFamily="34" charset="0"/>
+                        <a:ea typeface="Calibri" panose="020F0502020204030204" pitchFamily="34" charset="0"/>
+                        <a:cs typeface="Times New Roman" panose="02020603050405020304" pitchFamily="18" charset="0"/>
+                      </a:endParaRPr>
+                    </a:p>
+                  </a:txBody>
+                  <a:tcPr marL="86320" marR="86320" marT="0" marB="0"/>
+                </a:tc>
+                <a:tc>
+                  <a:txBody>
+                    <a:bodyPr/>
+                    <a:lstStyle/>
+                    <a:p>
+                      <a:pPr marL="0" marR="0">
+                        <a:lnSpc>
+                          <a:spcPct val="107000"/>
+                        </a:lnSpc>
+                        <a:spcBef>
+                          <a:spcPts val="0"/>
+                        </a:spcBef>
+                        <a:spcAft>
+                          <a:spcPts val="0"/>
+                        </a:spcAft>
+                      </a:pPr>
+                      <a:endParaRPr lang="en-US" sz="1400" dirty="0">
+                        <a:effectLst/>
+                        <a:latin typeface="Calibri" panose="020F0502020204030204" pitchFamily="34" charset="0"/>
+                        <a:ea typeface="Calibri" panose="020F0502020204030204" pitchFamily="34" charset="0"/>
+                        <a:cs typeface="Times New Roman" panose="02020603050405020304" pitchFamily="18" charset="0"/>
+                      </a:endParaRPr>
+                    </a:p>
+                  </a:txBody>
+                  <a:tcPr marL="86320" marR="86320" marT="0" marB="0"/>
+                </a:tc>
+                <a:extLst>
+                  <a:ext uri="{0D108BD9-81ED-4DB2-BD59-A6C34878D82A}">
+                    <a16:rowId xmlns:a16="http://schemas.microsoft.com/office/drawing/2014/main" val="1433925968"/>
+                  </a:ext>
+                </a:extLst>
+              </a:tr>
+              <a:tr h="305306">
+                <a:tc>
+                  <a:txBody>
+                    <a:bodyPr/>
+                    <a:lstStyle/>
+                    <a:p>
+                      <a:pPr marL="0" marR="0">
+                        <a:lnSpc>
+                          <a:spcPct val="107000"/>
+                        </a:lnSpc>
+                        <a:spcBef>
+                          <a:spcPts val="0"/>
+                        </a:spcBef>
+                        <a:spcAft>
+                          <a:spcPts val="0"/>
+                        </a:spcAft>
+                      </a:pPr>
+                      <a:r>
+                        <a:rPr lang="en-US" sz="1400" dirty="0">
+                          <a:effectLst/>
+                          <a:latin typeface="Calibri" panose="020F0502020204030204" pitchFamily="34" charset="0"/>
+                          <a:ea typeface="Calibri" panose="020F0502020204030204" pitchFamily="34" charset="0"/>
+                          <a:cs typeface="Times New Roman" panose="02020603050405020304" pitchFamily="18" charset="0"/>
+                        </a:rPr>
+                        <a:t>% pop over 65 years old</a:t>
+                      </a:r>
+                    </a:p>
+                  </a:txBody>
+                  <a:tcPr marL="86320" marR="86320" marT="0" marB="0"/>
+                </a:tc>
+                <a:tc>
+                  <a:txBody>
+                    <a:bodyPr/>
+                    <a:lstStyle/>
+                    <a:p>
+                      <a:pPr marL="0" marR="0">
+                        <a:lnSpc>
+                          <a:spcPct val="107000"/>
+                        </a:lnSpc>
+                        <a:spcBef>
+                          <a:spcPts val="0"/>
+                        </a:spcBef>
+                        <a:spcAft>
+                          <a:spcPts val="0"/>
+                        </a:spcAft>
+                      </a:pPr>
+                      <a:endParaRPr lang="en-US" sz="1400" dirty="0">
+                        <a:effectLst/>
+                        <a:latin typeface="Calibri" panose="020F0502020204030204" pitchFamily="34" charset="0"/>
+                        <a:ea typeface="Calibri" panose="020F0502020204030204" pitchFamily="34" charset="0"/>
+                        <a:cs typeface="Times New Roman" panose="02020603050405020304" pitchFamily="18" charset="0"/>
+                      </a:endParaRPr>
+                    </a:p>
+                  </a:txBody>
+                  <a:tcPr marL="86320" marR="86320" marT="0" marB="0"/>
+                </a:tc>
+                <a:tc>
+                  <a:txBody>
+                    <a:bodyPr/>
+                    <a:lstStyle/>
+                    <a:p>
+                      <a:pPr marL="0" marR="0">
+                        <a:lnSpc>
+                          <a:spcPct val="107000"/>
+                        </a:lnSpc>
+                        <a:spcBef>
+                          <a:spcPts val="0"/>
+                        </a:spcBef>
+                        <a:spcAft>
+                          <a:spcPts val="0"/>
+                        </a:spcAft>
+                      </a:pPr>
+                      <a:endParaRPr lang="en-US" sz="1400" dirty="0">
+                        <a:effectLst/>
+                        <a:latin typeface="Calibri" panose="020F0502020204030204" pitchFamily="34" charset="0"/>
+                        <a:ea typeface="Calibri" panose="020F0502020204030204" pitchFamily="34" charset="0"/>
+                        <a:cs typeface="Times New Roman" panose="02020603050405020304" pitchFamily="18" charset="0"/>
+                      </a:endParaRPr>
+                    </a:p>
+                  </a:txBody>
+                  <a:tcPr marL="86320" marR="86320" marT="0" marB="0"/>
+                </a:tc>
+                <a:extLst>
+                  <a:ext uri="{0D108BD9-81ED-4DB2-BD59-A6C34878D82A}">
+                    <a16:rowId xmlns:a16="http://schemas.microsoft.com/office/drawing/2014/main" val="1076349893"/>
+                  </a:ext>
+                </a:extLst>
+              </a:tr>
+              <a:tr h="292483">
+                <a:tc gridSpan="3">
+                  <a:txBody>
+                    <a:bodyPr/>
+                    <a:lstStyle/>
+                    <a:p>
+                      <a:pPr marL="0" marR="0" lvl="0" indent="0" algn="l" defTabSz="914400" rtl="0" eaLnBrk="1" fontAlgn="auto" latinLnBrk="0" hangingPunct="1">
+                        <a:lnSpc>
+                          <a:spcPct val="100000"/>
+                        </a:lnSpc>
+                        <a:spcBef>
+                          <a:spcPts val="0"/>
+                        </a:spcBef>
+                        <a:spcAft>
+                          <a:spcPts val="0"/>
+                        </a:spcAft>
+                        <a:buClrTx/>
+                        <a:buSzTx/>
+                        <a:buFontTx/>
+                        <a:buNone/>
+                        <a:tabLst/>
+                        <a:defRPr/>
+                      </a:pPr>
+                      <a:r>
+                        <a:rPr lang="en-US" sz="1800" dirty="0">
+                          <a:effectLst/>
+                          <a:latin typeface="Calibri" panose="020F0502020204030204" pitchFamily="34" charset="0"/>
+                          <a:ea typeface="Calibri" panose="020F0502020204030204" pitchFamily="34" charset="0"/>
+                          <a:cs typeface="Times New Roman" panose="02020603050405020304" pitchFamily="18" charset="0"/>
+                        </a:rPr>
+                        <a:t>Economic Indicators</a:t>
+                      </a:r>
+                    </a:p>
+                  </a:txBody>
+                  <a:tcPr/>
+                </a:tc>
+                <a:tc hMerge="1">
+                  <a:txBody>
+                    <a:bodyPr/>
+                    <a:lstStyle/>
+                    <a:p>
+                      <a:endParaRPr lang="en-US"/>
+                    </a:p>
+                  </a:txBody>
+                  <a:tcPr/>
+                </a:tc>
+                <a:tc hMerge="1">
+                  <a:txBody>
+                    <a:bodyPr/>
+                    <a:lstStyle/>
+                    <a:p>
+                      <a:pPr marL="0" marR="0" lvl="0" indent="0" algn="l" defTabSz="914400" rtl="0" eaLnBrk="1" fontAlgn="auto" latinLnBrk="0" hangingPunct="1">
+                        <a:lnSpc>
+                          <a:spcPct val="100000"/>
+                        </a:lnSpc>
+                        <a:spcBef>
+                          <a:spcPts val="0"/>
+                        </a:spcBef>
+                        <a:spcAft>
+                          <a:spcPts val="0"/>
+                        </a:spcAft>
+                        <a:buClrTx/>
+                        <a:buSzTx/>
+                        <a:buFontTx/>
+                        <a:buNone/>
+                        <a:tabLst/>
+                        <a:defRPr/>
+                      </a:pPr>
+                      <a:endParaRPr lang="en-US" sz="1800" dirty="0">
+                        <a:effectLst/>
+                        <a:latin typeface="Calibri" panose="020F0502020204030204" pitchFamily="34" charset="0"/>
+                        <a:ea typeface="Calibri" panose="020F0502020204030204" pitchFamily="34" charset="0"/>
+                        <a:cs typeface="Times New Roman" panose="02020603050405020304" pitchFamily="18" charset="0"/>
+                      </a:endParaRPr>
+                    </a:p>
+                  </a:txBody>
+                  <a:tcPr/>
+                </a:tc>
+                <a:extLst>
+                  <a:ext uri="{0D108BD9-81ED-4DB2-BD59-A6C34878D82A}">
+                    <a16:rowId xmlns:a16="http://schemas.microsoft.com/office/drawing/2014/main" val="3940194641"/>
+                  </a:ext>
+                </a:extLst>
+              </a:tr>
+              <a:tr h="305306">
+                <a:tc>
+                  <a:txBody>
+                    <a:bodyPr/>
+                    <a:lstStyle/>
+                    <a:p>
+                      <a:pPr marL="0" marR="0">
+                        <a:lnSpc>
+                          <a:spcPct val="107000"/>
+                        </a:lnSpc>
+                        <a:spcBef>
+                          <a:spcPts val="0"/>
+                        </a:spcBef>
+                        <a:spcAft>
+                          <a:spcPts val="0"/>
+                        </a:spcAft>
+                      </a:pPr>
+                      <a:r>
+                        <a:rPr lang="en-US" sz="1400" dirty="0">
+                          <a:effectLst/>
+                          <a:latin typeface="Calibri" panose="020F0502020204030204" pitchFamily="34" charset="0"/>
+                          <a:ea typeface="Calibri" panose="020F0502020204030204" pitchFamily="34" charset="0"/>
+                          <a:cs typeface="Times New Roman" panose="02020603050405020304" pitchFamily="18" charset="0"/>
+                        </a:rPr>
+                        <a:t>Unemployment Rate</a:t>
+                      </a:r>
+                    </a:p>
+                  </a:txBody>
+                  <a:tcPr marL="86320" marR="86320" marT="0" marB="0"/>
+                </a:tc>
+                <a:tc>
+                  <a:txBody>
+                    <a:bodyPr/>
+                    <a:lstStyle/>
+                    <a:p>
+                      <a:pPr marL="0" marR="0">
+                        <a:lnSpc>
+                          <a:spcPct val="107000"/>
+                        </a:lnSpc>
+                        <a:spcBef>
+                          <a:spcPts val="0"/>
+                        </a:spcBef>
+                        <a:spcAft>
+                          <a:spcPts val="0"/>
+                        </a:spcAft>
+                      </a:pPr>
+                      <a:endParaRPr lang="en-US" sz="1400" dirty="0">
+                        <a:effectLst/>
+                        <a:latin typeface="Calibri" panose="020F0502020204030204" pitchFamily="34" charset="0"/>
+                        <a:ea typeface="Calibri" panose="020F0502020204030204" pitchFamily="34" charset="0"/>
+                        <a:cs typeface="Times New Roman" panose="02020603050405020304" pitchFamily="18" charset="0"/>
+                      </a:endParaRPr>
+                    </a:p>
+                  </a:txBody>
+                  <a:tcPr marL="86320" marR="86320" marT="0" marB="0"/>
+                </a:tc>
+                <a:tc>
+                  <a:txBody>
+                    <a:bodyPr/>
+                    <a:lstStyle/>
+                    <a:p>
+                      <a:pPr marL="0" marR="0">
+                        <a:lnSpc>
+                          <a:spcPct val="107000"/>
+                        </a:lnSpc>
+                        <a:spcBef>
+                          <a:spcPts val="0"/>
+                        </a:spcBef>
+                        <a:spcAft>
+                          <a:spcPts val="0"/>
+                        </a:spcAft>
+                      </a:pPr>
+                      <a:endParaRPr lang="en-US" sz="1400" dirty="0">
+                        <a:effectLst/>
+                        <a:latin typeface="Calibri" panose="020F0502020204030204" pitchFamily="34" charset="0"/>
+                        <a:ea typeface="Calibri" panose="020F0502020204030204" pitchFamily="34" charset="0"/>
+                        <a:cs typeface="Times New Roman" panose="02020603050405020304" pitchFamily="18" charset="0"/>
+                      </a:endParaRPr>
+                    </a:p>
+                  </a:txBody>
+                  <a:tcPr marL="86320" marR="86320" marT="0" marB="0"/>
+                </a:tc>
+                <a:extLst>
+                  <a:ext uri="{0D108BD9-81ED-4DB2-BD59-A6C34878D82A}">
+                    <a16:rowId xmlns:a16="http://schemas.microsoft.com/office/drawing/2014/main" val="2446763737"/>
+                  </a:ext>
+                </a:extLst>
+              </a:tr>
+              <a:tr h="357023">
+                <a:tc>
+                  <a:txBody>
+                    <a:bodyPr/>
+                    <a:lstStyle/>
+                    <a:p>
+                      <a:pPr marL="0" marR="0">
+                        <a:lnSpc>
+                          <a:spcPct val="107000"/>
+                        </a:lnSpc>
+                        <a:spcBef>
+                          <a:spcPts val="0"/>
+                        </a:spcBef>
+                        <a:spcAft>
+                          <a:spcPts val="0"/>
+                        </a:spcAft>
+                      </a:pPr>
+                      <a:r>
+                        <a:rPr lang="en-US" sz="1400" dirty="0">
+                          <a:effectLst/>
+                          <a:latin typeface="Calibri" panose="020F0502020204030204" pitchFamily="34" charset="0"/>
+                          <a:ea typeface="Calibri" panose="020F0502020204030204" pitchFamily="34" charset="0"/>
+                          <a:cs typeface="Times New Roman" panose="02020603050405020304" pitchFamily="18" charset="0"/>
+                        </a:rPr>
+                        <a:t>% pop Under Poverty Line</a:t>
+                      </a:r>
+                    </a:p>
+                  </a:txBody>
+                  <a:tcPr marL="86320" marR="86320" marT="0" marB="0"/>
+                </a:tc>
+                <a:tc>
+                  <a:txBody>
+                    <a:bodyPr/>
+                    <a:lstStyle/>
+                    <a:p>
+                      <a:pPr marL="0" marR="0">
+                        <a:lnSpc>
+                          <a:spcPct val="107000"/>
+                        </a:lnSpc>
+                        <a:spcBef>
+                          <a:spcPts val="0"/>
+                        </a:spcBef>
+                        <a:spcAft>
+                          <a:spcPts val="0"/>
+                        </a:spcAft>
+                      </a:pPr>
+                      <a:endParaRPr lang="en-US" sz="1400" dirty="0">
+                        <a:effectLst/>
+                        <a:latin typeface="Calibri" panose="020F0502020204030204" pitchFamily="34" charset="0"/>
+                        <a:ea typeface="Calibri" panose="020F0502020204030204" pitchFamily="34" charset="0"/>
+                        <a:cs typeface="Times New Roman" panose="02020603050405020304" pitchFamily="18" charset="0"/>
+                      </a:endParaRPr>
+                    </a:p>
+                  </a:txBody>
+                  <a:tcPr marL="86320" marR="86320" marT="0" marB="0"/>
+                </a:tc>
+                <a:tc>
+                  <a:txBody>
+                    <a:bodyPr/>
+                    <a:lstStyle/>
+                    <a:p>
+                      <a:pPr marL="0" marR="0">
+                        <a:lnSpc>
+                          <a:spcPct val="107000"/>
+                        </a:lnSpc>
+                        <a:spcBef>
+                          <a:spcPts val="0"/>
+                        </a:spcBef>
+                        <a:spcAft>
+                          <a:spcPts val="0"/>
+                        </a:spcAft>
+                      </a:pPr>
+                      <a:endParaRPr lang="en-US" sz="1400" dirty="0">
+                        <a:effectLst/>
+                        <a:latin typeface="Calibri" panose="020F0502020204030204" pitchFamily="34" charset="0"/>
+                        <a:ea typeface="Calibri" panose="020F0502020204030204" pitchFamily="34" charset="0"/>
+                        <a:cs typeface="Times New Roman" panose="02020603050405020304" pitchFamily="18" charset="0"/>
+                      </a:endParaRPr>
+                    </a:p>
+                  </a:txBody>
+                  <a:tcPr marL="86320" marR="86320" marT="0" marB="0"/>
+                </a:tc>
+                <a:extLst>
+                  <a:ext uri="{0D108BD9-81ED-4DB2-BD59-A6C34878D82A}">
+                    <a16:rowId xmlns:a16="http://schemas.microsoft.com/office/drawing/2014/main" val="1263291839"/>
+                  </a:ext>
+                </a:extLst>
+              </a:tr>
+              <a:tr h="357023">
+                <a:tc>
+                  <a:txBody>
+                    <a:bodyPr/>
+                    <a:lstStyle/>
+                    <a:p>
+                      <a:pPr marL="0" marR="0">
+                        <a:lnSpc>
+                          <a:spcPct val="107000"/>
+                        </a:lnSpc>
+                        <a:spcBef>
+                          <a:spcPts val="0"/>
+                        </a:spcBef>
+                        <a:spcAft>
+                          <a:spcPts val="0"/>
+                        </a:spcAft>
+                      </a:pPr>
+                      <a:r>
+                        <a:rPr lang="en-US" sz="1400" dirty="0">
+                          <a:effectLst/>
+                          <a:latin typeface="Calibri" panose="020F0502020204030204" pitchFamily="34" charset="0"/>
+                          <a:ea typeface="Calibri" panose="020F0502020204030204" pitchFamily="34" charset="0"/>
+                          <a:cs typeface="Times New Roman" panose="02020603050405020304" pitchFamily="18" charset="0"/>
+                        </a:rPr>
+                        <a:t>% of TX State Median Income</a:t>
+                      </a:r>
+                    </a:p>
+                  </a:txBody>
+                  <a:tcPr marL="86320" marR="86320" marT="0" marB="0"/>
+                </a:tc>
+                <a:tc>
+                  <a:txBody>
+                    <a:bodyPr/>
+                    <a:lstStyle/>
+                    <a:p>
+                      <a:pPr marL="0" marR="0">
+                        <a:lnSpc>
+                          <a:spcPct val="107000"/>
+                        </a:lnSpc>
+                        <a:spcBef>
+                          <a:spcPts val="0"/>
+                        </a:spcBef>
+                        <a:spcAft>
+                          <a:spcPts val="0"/>
+                        </a:spcAft>
+                      </a:pPr>
+                      <a:endParaRPr lang="en-US" sz="1400" dirty="0">
+                        <a:effectLst/>
+                        <a:latin typeface="Calibri" panose="020F0502020204030204" pitchFamily="34" charset="0"/>
+                        <a:ea typeface="Calibri" panose="020F0502020204030204" pitchFamily="34" charset="0"/>
+                        <a:cs typeface="Times New Roman" panose="02020603050405020304" pitchFamily="18" charset="0"/>
+                      </a:endParaRPr>
+                    </a:p>
+                  </a:txBody>
+                  <a:tcPr marL="86320" marR="86320" marT="0" marB="0"/>
+                </a:tc>
+                <a:tc>
+                  <a:txBody>
+                    <a:bodyPr/>
+                    <a:lstStyle/>
+                    <a:p>
+                      <a:pPr marL="0" marR="0">
+                        <a:lnSpc>
+                          <a:spcPct val="107000"/>
+                        </a:lnSpc>
+                        <a:spcBef>
+                          <a:spcPts val="0"/>
+                        </a:spcBef>
+                        <a:spcAft>
+                          <a:spcPts val="0"/>
+                        </a:spcAft>
+                      </a:pPr>
+                      <a:endParaRPr lang="en-US" sz="1400" dirty="0">
+                        <a:effectLst/>
+                        <a:latin typeface="Calibri" panose="020F0502020204030204" pitchFamily="34" charset="0"/>
+                        <a:ea typeface="Calibri" panose="020F0502020204030204" pitchFamily="34" charset="0"/>
+                        <a:cs typeface="Times New Roman" panose="02020603050405020304" pitchFamily="18" charset="0"/>
+                      </a:endParaRPr>
+                    </a:p>
+                  </a:txBody>
+                  <a:tcPr marL="86320" marR="86320" marT="0" marB="0"/>
+                </a:tc>
+                <a:extLst>
+                  <a:ext uri="{0D108BD9-81ED-4DB2-BD59-A6C34878D82A}">
+                    <a16:rowId xmlns:a16="http://schemas.microsoft.com/office/drawing/2014/main" val="1123948438"/>
+                  </a:ext>
+                </a:extLst>
+              </a:tr>
+              <a:tr h="357023">
+                <a:tc>
+                  <a:txBody>
+                    <a:bodyPr/>
+                    <a:lstStyle/>
+                    <a:p>
+                      <a:pPr marL="0" marR="0">
+                        <a:lnSpc>
+                          <a:spcPct val="107000"/>
+                        </a:lnSpc>
+                        <a:spcBef>
+                          <a:spcPts val="0"/>
+                        </a:spcBef>
+                        <a:spcAft>
+                          <a:spcPts val="0"/>
+                        </a:spcAft>
+                      </a:pPr>
+                      <a:r>
+                        <a:rPr lang="en-US" sz="1400" dirty="0">
+                          <a:effectLst/>
+                          <a:latin typeface="Calibri" panose="020F0502020204030204" pitchFamily="34" charset="0"/>
+                          <a:ea typeface="Calibri" panose="020F0502020204030204" pitchFamily="34" charset="0"/>
+                          <a:cs typeface="Times New Roman" panose="02020603050405020304" pitchFamily="18" charset="0"/>
+                        </a:rPr>
+                        <a:t>% of Residential Units Owned</a:t>
+                      </a:r>
+                    </a:p>
+                  </a:txBody>
+                  <a:tcPr marL="86320" marR="86320" marT="0" marB="0"/>
+                </a:tc>
+                <a:tc>
+                  <a:txBody>
+                    <a:bodyPr/>
+                    <a:lstStyle/>
+                    <a:p>
+                      <a:pPr marL="0" marR="0">
+                        <a:lnSpc>
+                          <a:spcPct val="107000"/>
+                        </a:lnSpc>
+                        <a:spcBef>
+                          <a:spcPts val="0"/>
+                        </a:spcBef>
+                        <a:spcAft>
+                          <a:spcPts val="0"/>
+                        </a:spcAft>
+                      </a:pPr>
+                      <a:endParaRPr lang="en-US" sz="1400" dirty="0">
+                        <a:effectLst/>
+                        <a:latin typeface="Calibri" panose="020F0502020204030204" pitchFamily="34" charset="0"/>
+                        <a:ea typeface="Calibri" panose="020F0502020204030204" pitchFamily="34" charset="0"/>
+                        <a:cs typeface="Times New Roman" panose="02020603050405020304" pitchFamily="18" charset="0"/>
+                      </a:endParaRPr>
+                    </a:p>
+                  </a:txBody>
+                  <a:tcPr marL="86320" marR="86320" marT="0" marB="0"/>
+                </a:tc>
+                <a:tc>
+                  <a:txBody>
+                    <a:bodyPr/>
+                    <a:lstStyle/>
+                    <a:p>
+                      <a:pPr marL="0" marR="0">
+                        <a:lnSpc>
+                          <a:spcPct val="107000"/>
+                        </a:lnSpc>
+                        <a:spcBef>
+                          <a:spcPts val="0"/>
+                        </a:spcBef>
+                        <a:spcAft>
+                          <a:spcPts val="0"/>
+                        </a:spcAft>
+                      </a:pPr>
+                      <a:endParaRPr lang="en-US" sz="1400" dirty="0">
+                        <a:effectLst/>
+                        <a:latin typeface="Calibri" panose="020F0502020204030204" pitchFamily="34" charset="0"/>
+                        <a:ea typeface="Calibri" panose="020F0502020204030204" pitchFamily="34" charset="0"/>
+                        <a:cs typeface="Times New Roman" panose="02020603050405020304" pitchFamily="18" charset="0"/>
+                      </a:endParaRPr>
+                    </a:p>
+                  </a:txBody>
+                  <a:tcPr marL="86320" marR="86320" marT="0" marB="0"/>
+                </a:tc>
+                <a:extLst>
+                  <a:ext uri="{0D108BD9-81ED-4DB2-BD59-A6C34878D82A}">
+                    <a16:rowId xmlns:a16="http://schemas.microsoft.com/office/drawing/2014/main" val="2688870689"/>
+                  </a:ext>
+                </a:extLst>
+              </a:tr>
+              <a:tr h="292483">
+                <a:tc gridSpan="3">
+                  <a:txBody>
+                    <a:bodyPr/>
+                    <a:lstStyle/>
+                    <a:p>
+                      <a:pPr marL="0" marR="0" lvl="0" indent="0" algn="l" defTabSz="914400" rtl="0" eaLnBrk="1" fontAlgn="auto" latinLnBrk="0" hangingPunct="1">
+                        <a:lnSpc>
+                          <a:spcPct val="100000"/>
+                        </a:lnSpc>
+                        <a:spcBef>
+                          <a:spcPts val="0"/>
+                        </a:spcBef>
+                        <a:spcAft>
+                          <a:spcPts val="0"/>
+                        </a:spcAft>
+                        <a:buClrTx/>
+                        <a:buSzTx/>
+                        <a:buFontTx/>
+                        <a:buNone/>
+                        <a:tabLst/>
+                        <a:defRPr/>
+                      </a:pPr>
+                      <a:r>
+                        <a:rPr lang="en-US" sz="1800" dirty="0">
+                          <a:effectLst/>
+                          <a:latin typeface="Calibri" panose="020F0502020204030204" pitchFamily="34" charset="0"/>
+                          <a:ea typeface="Calibri" panose="020F0502020204030204" pitchFamily="34" charset="0"/>
+                          <a:cs typeface="Times New Roman" panose="02020603050405020304" pitchFamily="18" charset="0"/>
+                        </a:rPr>
+                        <a:t>Food and Health</a:t>
+                      </a:r>
+                    </a:p>
+                  </a:txBody>
+                  <a:tcPr/>
+                </a:tc>
+                <a:tc hMerge="1">
+                  <a:txBody>
+                    <a:bodyPr/>
+                    <a:lstStyle/>
+                    <a:p>
+                      <a:endParaRPr lang="en-US"/>
+                    </a:p>
+                  </a:txBody>
+                  <a:tcPr/>
+                </a:tc>
+                <a:tc hMerge="1">
+                  <a:txBody>
+                    <a:bodyPr/>
+                    <a:lstStyle/>
+                    <a:p>
+                      <a:pPr marL="0" marR="0" lvl="0" indent="0" algn="l" defTabSz="914400" rtl="0" eaLnBrk="1" fontAlgn="auto" latinLnBrk="0" hangingPunct="1">
+                        <a:lnSpc>
+                          <a:spcPct val="100000"/>
+                        </a:lnSpc>
+                        <a:spcBef>
+                          <a:spcPts val="0"/>
+                        </a:spcBef>
+                        <a:spcAft>
+                          <a:spcPts val="0"/>
+                        </a:spcAft>
+                        <a:buClrTx/>
+                        <a:buSzTx/>
+                        <a:buFontTx/>
+                        <a:buNone/>
+                        <a:tabLst/>
+                        <a:defRPr/>
+                      </a:pPr>
+                      <a:endParaRPr lang="en-US" sz="1800" dirty="0">
+                        <a:effectLst/>
+                        <a:latin typeface="Calibri" panose="020F0502020204030204" pitchFamily="34" charset="0"/>
+                        <a:ea typeface="Calibri" panose="020F0502020204030204" pitchFamily="34" charset="0"/>
+                        <a:cs typeface="Times New Roman" panose="02020603050405020304" pitchFamily="18" charset="0"/>
+                      </a:endParaRPr>
+                    </a:p>
+                  </a:txBody>
+                  <a:tcPr/>
+                </a:tc>
+                <a:extLst>
+                  <a:ext uri="{0D108BD9-81ED-4DB2-BD59-A6C34878D82A}">
+                    <a16:rowId xmlns:a16="http://schemas.microsoft.com/office/drawing/2014/main" val="2287254844"/>
+                  </a:ext>
+                </a:extLst>
+              </a:tr>
+              <a:tr h="357023">
+                <a:tc>
+                  <a:txBody>
+                    <a:bodyPr/>
+                    <a:lstStyle/>
+                    <a:p>
+                      <a:pPr marL="0" marR="0">
+                        <a:lnSpc>
+                          <a:spcPct val="107000"/>
+                        </a:lnSpc>
+                        <a:spcBef>
+                          <a:spcPts val="0"/>
+                        </a:spcBef>
+                        <a:spcAft>
+                          <a:spcPts val="0"/>
+                        </a:spcAft>
+                      </a:pPr>
+                      <a:r>
+                        <a:rPr lang="en-US" sz="1400" dirty="0">
+                          <a:effectLst/>
+                          <a:latin typeface="Calibri" panose="020F0502020204030204" pitchFamily="34" charset="0"/>
+                          <a:ea typeface="Calibri" panose="020F0502020204030204" pitchFamily="34" charset="0"/>
+                          <a:cs typeface="Times New Roman" panose="02020603050405020304" pitchFamily="18" charset="0"/>
+                        </a:rPr>
+                        <a:t>% pop with Low Grocery Access</a:t>
+                      </a:r>
+                    </a:p>
+                  </a:txBody>
+                  <a:tcPr marL="86320" marR="86320" marT="0" marB="0"/>
+                </a:tc>
+                <a:tc>
+                  <a:txBody>
+                    <a:bodyPr/>
+                    <a:lstStyle/>
+                    <a:p>
+                      <a:pPr marL="0" marR="0">
+                        <a:lnSpc>
+                          <a:spcPct val="107000"/>
+                        </a:lnSpc>
+                        <a:spcBef>
+                          <a:spcPts val="0"/>
+                        </a:spcBef>
+                        <a:spcAft>
+                          <a:spcPts val="0"/>
+                        </a:spcAft>
+                      </a:pPr>
+                      <a:endParaRPr lang="en-US" sz="1400" dirty="0">
+                        <a:effectLst/>
+                        <a:latin typeface="Calibri" panose="020F0502020204030204" pitchFamily="34" charset="0"/>
+                        <a:ea typeface="Calibri" panose="020F0502020204030204" pitchFamily="34" charset="0"/>
+                        <a:cs typeface="Times New Roman" panose="02020603050405020304" pitchFamily="18" charset="0"/>
+                      </a:endParaRPr>
+                    </a:p>
+                  </a:txBody>
+                  <a:tcPr marL="86320" marR="86320" marT="0" marB="0"/>
+                </a:tc>
+                <a:tc>
+                  <a:txBody>
+                    <a:bodyPr/>
+                    <a:lstStyle/>
+                    <a:p>
+                      <a:pPr marL="0" marR="0">
+                        <a:lnSpc>
+                          <a:spcPct val="107000"/>
+                        </a:lnSpc>
+                        <a:spcBef>
+                          <a:spcPts val="0"/>
+                        </a:spcBef>
+                        <a:spcAft>
+                          <a:spcPts val="0"/>
+                        </a:spcAft>
+                      </a:pPr>
+                      <a:endParaRPr lang="en-US" sz="1400" dirty="0">
+                        <a:effectLst/>
+                        <a:latin typeface="Calibri" panose="020F0502020204030204" pitchFamily="34" charset="0"/>
+                        <a:ea typeface="Calibri" panose="020F0502020204030204" pitchFamily="34" charset="0"/>
+                        <a:cs typeface="Times New Roman" panose="02020603050405020304" pitchFamily="18" charset="0"/>
+                      </a:endParaRPr>
+                    </a:p>
+                  </a:txBody>
+                  <a:tcPr marL="86320" marR="86320" marT="0" marB="0"/>
+                </a:tc>
+                <a:extLst>
+                  <a:ext uri="{0D108BD9-81ED-4DB2-BD59-A6C34878D82A}">
+                    <a16:rowId xmlns:a16="http://schemas.microsoft.com/office/drawing/2014/main" val="4178014203"/>
+                  </a:ext>
+                </a:extLst>
+              </a:tr>
+              <a:tr h="188040">
+                <a:tc>
+                  <a:txBody>
+                    <a:bodyPr/>
+                    <a:lstStyle/>
+                    <a:p>
+                      <a:pPr marL="0" marR="0">
+                        <a:lnSpc>
+                          <a:spcPct val="107000"/>
+                        </a:lnSpc>
+                        <a:spcBef>
+                          <a:spcPts val="0"/>
+                        </a:spcBef>
+                        <a:spcAft>
+                          <a:spcPts val="0"/>
+                        </a:spcAft>
+                      </a:pPr>
+                      <a:r>
+                        <a:rPr lang="en-US" sz="1400" dirty="0">
+                          <a:effectLst/>
+                          <a:latin typeface="Calibri" panose="020F0502020204030204" pitchFamily="34" charset="0"/>
+                          <a:ea typeface="Calibri" panose="020F0502020204030204" pitchFamily="34" charset="0"/>
+                          <a:cs typeface="Times New Roman" panose="02020603050405020304" pitchFamily="18" charset="0"/>
+                        </a:rPr>
+                        <a:t>% pop Obese</a:t>
+                      </a:r>
+                    </a:p>
+                  </a:txBody>
+                  <a:tcPr marL="86320" marR="86320" marT="0" marB="0"/>
+                </a:tc>
+                <a:tc>
+                  <a:txBody>
+                    <a:bodyPr/>
+                    <a:lstStyle/>
+                    <a:p>
+                      <a:pPr marL="0" marR="0">
+                        <a:lnSpc>
+                          <a:spcPct val="107000"/>
+                        </a:lnSpc>
+                        <a:spcBef>
+                          <a:spcPts val="0"/>
+                        </a:spcBef>
+                        <a:spcAft>
+                          <a:spcPts val="0"/>
+                        </a:spcAft>
+                      </a:pPr>
+                      <a:endParaRPr lang="en-US" sz="1400" dirty="0">
+                        <a:effectLst/>
+                        <a:latin typeface="Calibri" panose="020F0502020204030204" pitchFamily="34" charset="0"/>
+                        <a:ea typeface="Calibri" panose="020F0502020204030204" pitchFamily="34" charset="0"/>
+                        <a:cs typeface="Times New Roman" panose="02020603050405020304" pitchFamily="18" charset="0"/>
+                      </a:endParaRPr>
+                    </a:p>
+                  </a:txBody>
+                  <a:tcPr marL="86320" marR="86320" marT="0" marB="0"/>
+                </a:tc>
+                <a:tc>
+                  <a:txBody>
+                    <a:bodyPr/>
+                    <a:lstStyle/>
+                    <a:p>
+                      <a:pPr marL="0" marR="0">
+                        <a:lnSpc>
+                          <a:spcPct val="107000"/>
+                        </a:lnSpc>
+                        <a:spcBef>
+                          <a:spcPts val="0"/>
+                        </a:spcBef>
+                        <a:spcAft>
+                          <a:spcPts val="0"/>
+                        </a:spcAft>
+                      </a:pPr>
+                      <a:endParaRPr lang="en-US" sz="1400" dirty="0">
+                        <a:effectLst/>
+                        <a:latin typeface="Calibri" panose="020F0502020204030204" pitchFamily="34" charset="0"/>
+                        <a:ea typeface="Calibri" panose="020F0502020204030204" pitchFamily="34" charset="0"/>
+                        <a:cs typeface="Times New Roman" panose="02020603050405020304" pitchFamily="18" charset="0"/>
+                      </a:endParaRPr>
+                    </a:p>
+                  </a:txBody>
+                  <a:tcPr marL="86320" marR="86320" marT="0" marB="0"/>
+                </a:tc>
+                <a:extLst>
+                  <a:ext uri="{0D108BD9-81ED-4DB2-BD59-A6C34878D82A}">
+                    <a16:rowId xmlns:a16="http://schemas.microsoft.com/office/drawing/2014/main" val="1897011737"/>
+                  </a:ext>
+                </a:extLst>
+              </a:tr>
+              <a:tr h="305306">
+                <a:tc>
+                  <a:txBody>
+                    <a:bodyPr/>
+                    <a:lstStyle/>
+                    <a:p>
+                      <a:pPr marL="0" marR="0">
+                        <a:lnSpc>
+                          <a:spcPct val="107000"/>
+                        </a:lnSpc>
+                        <a:spcBef>
+                          <a:spcPts val="0"/>
+                        </a:spcBef>
+                        <a:spcAft>
+                          <a:spcPts val="0"/>
+                        </a:spcAft>
+                      </a:pPr>
+                      <a:r>
+                        <a:rPr lang="en-US" sz="1400" dirty="0">
+                          <a:effectLst/>
+                          <a:latin typeface="Calibri" panose="020F0502020204030204" pitchFamily="34" charset="0"/>
+                          <a:ea typeface="Calibri" panose="020F0502020204030204" pitchFamily="34" charset="0"/>
+                          <a:cs typeface="Times New Roman" panose="02020603050405020304" pitchFamily="18" charset="0"/>
+                        </a:rPr>
+                        <a:t>% pop Food Insecure</a:t>
+                      </a:r>
+                    </a:p>
+                  </a:txBody>
+                  <a:tcPr marL="86320" marR="86320" marT="0" marB="0"/>
+                </a:tc>
+                <a:tc>
+                  <a:txBody>
+                    <a:bodyPr/>
+                    <a:lstStyle/>
+                    <a:p>
+                      <a:pPr marL="0" marR="0">
+                        <a:lnSpc>
+                          <a:spcPct val="107000"/>
+                        </a:lnSpc>
+                        <a:spcBef>
+                          <a:spcPts val="0"/>
+                        </a:spcBef>
+                        <a:spcAft>
+                          <a:spcPts val="0"/>
+                        </a:spcAft>
+                      </a:pPr>
+                      <a:endParaRPr lang="en-US" sz="1400" dirty="0">
+                        <a:effectLst/>
+                        <a:latin typeface="Calibri" panose="020F0502020204030204" pitchFamily="34" charset="0"/>
+                        <a:ea typeface="Calibri" panose="020F0502020204030204" pitchFamily="34" charset="0"/>
+                        <a:cs typeface="Times New Roman" panose="02020603050405020304" pitchFamily="18" charset="0"/>
+                      </a:endParaRPr>
+                    </a:p>
+                  </a:txBody>
+                  <a:tcPr marL="86320" marR="86320" marT="0" marB="0"/>
+                </a:tc>
+                <a:tc>
+                  <a:txBody>
+                    <a:bodyPr/>
+                    <a:lstStyle/>
+                    <a:p>
+                      <a:pPr marL="0" marR="0">
+                        <a:lnSpc>
+                          <a:spcPct val="107000"/>
+                        </a:lnSpc>
+                        <a:spcBef>
+                          <a:spcPts val="0"/>
+                        </a:spcBef>
+                        <a:spcAft>
+                          <a:spcPts val="0"/>
+                        </a:spcAft>
+                      </a:pPr>
+                      <a:endParaRPr lang="en-US" sz="1400" dirty="0">
+                        <a:effectLst/>
+                        <a:latin typeface="Calibri" panose="020F0502020204030204" pitchFamily="34" charset="0"/>
+                        <a:ea typeface="Calibri" panose="020F0502020204030204" pitchFamily="34" charset="0"/>
+                        <a:cs typeface="Times New Roman" panose="02020603050405020304" pitchFamily="18" charset="0"/>
+                      </a:endParaRPr>
+                    </a:p>
+                  </a:txBody>
+                  <a:tcPr marL="86320" marR="86320" marT="0" marB="0"/>
+                </a:tc>
+                <a:extLst>
+                  <a:ext uri="{0D108BD9-81ED-4DB2-BD59-A6C34878D82A}">
+                    <a16:rowId xmlns:a16="http://schemas.microsoft.com/office/drawing/2014/main" val="541454398"/>
+                  </a:ext>
+                </a:extLst>
+              </a:tr>
+              <a:tr h="305306">
+                <a:tc>
+                  <a:txBody>
+                    <a:bodyPr/>
+                    <a:lstStyle/>
+                    <a:p>
+                      <a:pPr marL="0" marR="0">
+                        <a:lnSpc>
+                          <a:spcPct val="107000"/>
+                        </a:lnSpc>
+                        <a:spcBef>
+                          <a:spcPts val="0"/>
+                        </a:spcBef>
+                        <a:spcAft>
+                          <a:spcPts val="0"/>
+                        </a:spcAft>
+                      </a:pPr>
+                      <a:r>
+                        <a:rPr lang="en-US" sz="1400" dirty="0">
+                          <a:effectLst/>
+                          <a:latin typeface="Calibri" panose="020F0502020204030204" pitchFamily="34" charset="0"/>
+                          <a:ea typeface="Calibri" panose="020F0502020204030204" pitchFamily="34" charset="0"/>
+                          <a:cs typeface="Times New Roman" panose="02020603050405020304" pitchFamily="18" charset="0"/>
+                        </a:rPr>
+                        <a:t>% pop Uninsured</a:t>
+                      </a:r>
+                    </a:p>
+                  </a:txBody>
+                  <a:tcPr marL="86320" marR="86320" marT="0" marB="0"/>
+                </a:tc>
+                <a:tc>
+                  <a:txBody>
+                    <a:bodyPr/>
+                    <a:lstStyle/>
+                    <a:p>
+                      <a:pPr marL="0" marR="0">
+                        <a:lnSpc>
+                          <a:spcPct val="107000"/>
+                        </a:lnSpc>
+                        <a:spcBef>
+                          <a:spcPts val="0"/>
+                        </a:spcBef>
+                        <a:spcAft>
+                          <a:spcPts val="0"/>
+                        </a:spcAft>
+                      </a:pPr>
+                      <a:endParaRPr lang="en-US" sz="1400" dirty="0">
+                        <a:effectLst/>
+                        <a:latin typeface="Calibri" panose="020F0502020204030204" pitchFamily="34" charset="0"/>
+                        <a:ea typeface="Calibri" panose="020F0502020204030204" pitchFamily="34" charset="0"/>
+                        <a:cs typeface="Times New Roman" panose="02020603050405020304" pitchFamily="18" charset="0"/>
+                      </a:endParaRPr>
+                    </a:p>
+                  </a:txBody>
+                  <a:tcPr marL="86320" marR="86320" marT="0" marB="0"/>
+                </a:tc>
+                <a:tc>
+                  <a:txBody>
+                    <a:bodyPr/>
+                    <a:lstStyle/>
+                    <a:p>
+                      <a:pPr marL="0" marR="0">
+                        <a:lnSpc>
+                          <a:spcPct val="107000"/>
+                        </a:lnSpc>
+                        <a:spcBef>
+                          <a:spcPts val="0"/>
+                        </a:spcBef>
+                        <a:spcAft>
+                          <a:spcPts val="0"/>
+                        </a:spcAft>
+                      </a:pPr>
+                      <a:endParaRPr lang="en-US" sz="1400" dirty="0">
+                        <a:effectLst/>
+                        <a:latin typeface="Calibri" panose="020F0502020204030204" pitchFamily="34" charset="0"/>
+                        <a:ea typeface="Calibri" panose="020F0502020204030204" pitchFamily="34" charset="0"/>
+                        <a:cs typeface="Times New Roman" panose="02020603050405020304" pitchFamily="18" charset="0"/>
+                      </a:endParaRPr>
+                    </a:p>
+                  </a:txBody>
+                  <a:tcPr marL="86320" marR="86320" marT="0" marB="0"/>
+                </a:tc>
+                <a:extLst>
+                  <a:ext uri="{0D108BD9-81ED-4DB2-BD59-A6C34878D82A}">
+                    <a16:rowId xmlns:a16="http://schemas.microsoft.com/office/drawing/2014/main" val="734955762"/>
+                  </a:ext>
+                </a:extLst>
+              </a:tr>
+            </a:tbl>
+          </a:graphicData>
+        </a:graphic>
+      </p:graphicFrame>
     </p:spTree>
     <p:extLst>
       <p:ext uri="{BB962C8B-B14F-4D97-AF65-F5344CB8AC3E}">
-        <p14:creationId xmlns:p14="http://schemas.microsoft.com/office/powerpoint/2010/main" val="3531939137"/>
+        <p14:creationId xmlns:p14="http://schemas.microsoft.com/office/powerpoint/2010/main" val="1785544335"/>
       </p:ext>
     </p:extLst>
   </p:cSld>
@@ -26751,7 +34041,7 @@
           <p:cNvPr id="2" name="Title 1">
             <a:extLst>
               <a:ext uri="{FF2B5EF4-FFF2-40B4-BE49-F238E27FC236}">
-                <a16:creationId xmlns:a16="http://schemas.microsoft.com/office/drawing/2014/main" id="{048647C1-ADCF-4E76-92D7-D77233FEE3E7}"/>
+                <a16:creationId xmlns:a16="http://schemas.microsoft.com/office/drawing/2014/main" id="{ADB784F9-6136-4D34-97A4-B192909D9FD5}"/>
               </a:ext>
             </a:extLst>
           </p:cNvPr>
@@ -26771,7 +34061,7 @@
           <a:p>
             <a:r>
               <a:rPr lang="en-US" sz="3200" dirty="0"/>
-              <a:t>Regression</a:t>
+              <a:t>Workflow</a:t>
             </a:r>
           </a:p>
         </p:txBody>
@@ -26781,7 +34071,7 @@
           <p:cNvPr id="3" name="Content Placeholder 2">
             <a:extLst>
               <a:ext uri="{FF2B5EF4-FFF2-40B4-BE49-F238E27FC236}">
-                <a16:creationId xmlns:a16="http://schemas.microsoft.com/office/drawing/2014/main" id="{94438CBB-60E1-4CAD-9280-ECE03D3D0073}"/>
+                <a16:creationId xmlns:a16="http://schemas.microsoft.com/office/drawing/2014/main" id="{656A293A-45D9-4C01-9F06-F4A6A19B1314}"/>
               </a:ext>
             </a:extLst>
           </p:cNvPr>
@@ -26804,7 +34094,7 @@
     </p:spTree>
     <p:extLst>
       <p:ext uri="{BB962C8B-B14F-4D97-AF65-F5344CB8AC3E}">
-        <p14:creationId xmlns:p14="http://schemas.microsoft.com/office/powerpoint/2010/main" val="3753252171"/>
+        <p14:creationId xmlns:p14="http://schemas.microsoft.com/office/powerpoint/2010/main" val="3531939137"/>
       </p:ext>
     </p:extLst>
   </p:cSld>

--- a/writing_literature_present/final_presentation.pptx
+++ b/writing_literature_present/final_presentation.pptx
@@ -4,16 +4,19 @@
   <p:sldMasterIdLst>
     <p:sldMasterId id="2147483677" r:id="rId1"/>
   </p:sldMasterIdLst>
+  <p:notesMasterIdLst>
+    <p:notesMasterId r:id="rId20"/>
+  </p:notesMasterIdLst>
   <p:sldIdLst>
     <p:sldId id="256" r:id="rId2"/>
     <p:sldId id="257" r:id="rId3"/>
     <p:sldId id="258" r:id="rId4"/>
     <p:sldId id="259" r:id="rId5"/>
     <p:sldId id="260" r:id="rId6"/>
-    <p:sldId id="261" r:id="rId7"/>
-    <p:sldId id="263" r:id="rId8"/>
-    <p:sldId id="272" r:id="rId9"/>
-    <p:sldId id="262" r:id="rId10"/>
+    <p:sldId id="262" r:id="rId7"/>
+    <p:sldId id="261" r:id="rId8"/>
+    <p:sldId id="263" r:id="rId9"/>
+    <p:sldId id="272" r:id="rId10"/>
     <p:sldId id="264" r:id="rId11"/>
     <p:sldId id="265" r:id="rId12"/>
     <p:sldId id="268" r:id="rId13"/>
@@ -127,6 +130,451 @@
     </p:ext>
   </p:extLst>
 </p:presentation>
+</file>
+
+<file path=ppt/notesMasters/notesMaster1.xml><?xml version="1.0" encoding="utf-8"?>
+<p:notesMaster xmlns:a="http://schemas.openxmlformats.org/drawingml/2006/main" xmlns:r="http://schemas.openxmlformats.org/officeDocument/2006/relationships" xmlns:p="http://schemas.openxmlformats.org/presentationml/2006/main">
+  <p:cSld>
+    <p:bg>
+      <p:bgRef idx="1001">
+        <a:schemeClr val="bg1"/>
+      </p:bgRef>
+    </p:bg>
+    <p:spTree>
+      <p:nvGrpSpPr>
+        <p:cNvPr id="1" name=""/>
+        <p:cNvGrpSpPr/>
+        <p:nvPr/>
+      </p:nvGrpSpPr>
+      <p:grpSpPr>
+        <a:xfrm>
+          <a:off x="0" y="0"/>
+          <a:ext cx="0" cy="0"/>
+          <a:chOff x="0" y="0"/>
+          <a:chExt cx="0" cy="0"/>
+        </a:xfrm>
+      </p:grpSpPr>
+      <p:sp>
+        <p:nvSpPr>
+          <p:cNvPr id="2" name="Header Placeholder 1"/>
+          <p:cNvSpPr>
+            <a:spLocks noGrp="1"/>
+          </p:cNvSpPr>
+          <p:nvPr>
+            <p:ph type="hdr" sz="quarter"/>
+          </p:nvPr>
+        </p:nvSpPr>
+        <p:spPr>
+          <a:xfrm>
+            <a:off x="0" y="0"/>
+            <a:ext cx="2971800" cy="458788"/>
+          </a:xfrm>
+          <a:prstGeom prst="rect">
+            <a:avLst/>
+          </a:prstGeom>
+        </p:spPr>
+        <p:txBody>
+          <a:bodyPr vert="horz" lIns="91440" tIns="45720" rIns="91440" bIns="45720" rtlCol="0"/>
+          <a:lstStyle>
+            <a:lvl1pPr algn="l">
+              <a:defRPr sz="1200"/>
+            </a:lvl1pPr>
+          </a:lstStyle>
+          <a:p>
+            <a:endParaRPr lang="en-US"/>
+          </a:p>
+        </p:txBody>
+      </p:sp>
+      <p:sp>
+        <p:nvSpPr>
+          <p:cNvPr id="3" name="Date Placeholder 2"/>
+          <p:cNvSpPr>
+            <a:spLocks noGrp="1"/>
+          </p:cNvSpPr>
+          <p:nvPr>
+            <p:ph type="dt" idx="1"/>
+          </p:nvPr>
+        </p:nvSpPr>
+        <p:spPr>
+          <a:xfrm>
+            <a:off x="3884613" y="0"/>
+            <a:ext cx="2971800" cy="458788"/>
+          </a:xfrm>
+          <a:prstGeom prst="rect">
+            <a:avLst/>
+          </a:prstGeom>
+        </p:spPr>
+        <p:txBody>
+          <a:bodyPr vert="horz" lIns="91440" tIns="45720" rIns="91440" bIns="45720" rtlCol="0"/>
+          <a:lstStyle>
+            <a:lvl1pPr algn="r">
+              <a:defRPr sz="1200"/>
+            </a:lvl1pPr>
+          </a:lstStyle>
+          <a:p>
+            <a:fld id="{92F7578D-5DD6-45D0-A00C-236E4CA75183}" type="datetimeFigureOut">
+              <a:rPr lang="en-US" smtClean="0"/>
+              <a:t>4/24/2019</a:t>
+            </a:fld>
+            <a:endParaRPr lang="en-US"/>
+          </a:p>
+        </p:txBody>
+      </p:sp>
+      <p:sp>
+        <p:nvSpPr>
+          <p:cNvPr id="4" name="Slide Image Placeholder 3"/>
+          <p:cNvSpPr>
+            <a:spLocks noGrp="1" noRot="1" noChangeAspect="1"/>
+          </p:cNvSpPr>
+          <p:nvPr>
+            <p:ph type="sldImg" idx="2"/>
+          </p:nvPr>
+        </p:nvSpPr>
+        <p:spPr>
+          <a:xfrm>
+            <a:off x="685800" y="1143000"/>
+            <a:ext cx="5486400" cy="3086100"/>
+          </a:xfrm>
+          <a:prstGeom prst="rect">
+            <a:avLst/>
+          </a:prstGeom>
+          <a:noFill/>
+          <a:ln w="12700">
+            <a:solidFill>
+              <a:prstClr val="black"/>
+            </a:solidFill>
+          </a:ln>
+        </p:spPr>
+        <p:txBody>
+          <a:bodyPr vert="horz" lIns="91440" tIns="45720" rIns="91440" bIns="45720" rtlCol="0" anchor="ctr"/>
+          <a:lstStyle/>
+          <a:p>
+            <a:endParaRPr lang="en-US"/>
+          </a:p>
+        </p:txBody>
+      </p:sp>
+      <p:sp>
+        <p:nvSpPr>
+          <p:cNvPr id="5" name="Notes Placeholder 4"/>
+          <p:cNvSpPr>
+            <a:spLocks noGrp="1"/>
+          </p:cNvSpPr>
+          <p:nvPr>
+            <p:ph type="body" sz="quarter" idx="3"/>
+          </p:nvPr>
+        </p:nvSpPr>
+        <p:spPr>
+          <a:xfrm>
+            <a:off x="685800" y="4400550"/>
+            <a:ext cx="5486400" cy="3600450"/>
+          </a:xfrm>
+          <a:prstGeom prst="rect">
+            <a:avLst/>
+          </a:prstGeom>
+        </p:spPr>
+        <p:txBody>
+          <a:bodyPr vert="horz" lIns="91440" tIns="45720" rIns="91440" bIns="45720" rtlCol="0"/>
+          <a:lstStyle/>
+          <a:p>
+            <a:pPr lvl="0"/>
+            <a:r>
+              <a:rPr lang="en-US"/>
+              <a:t>Click to edit Master text styles</a:t>
+            </a:r>
+          </a:p>
+          <a:p>
+            <a:pPr lvl="1"/>
+            <a:r>
+              <a:rPr lang="en-US"/>
+              <a:t>Second level</a:t>
+            </a:r>
+          </a:p>
+          <a:p>
+            <a:pPr lvl="2"/>
+            <a:r>
+              <a:rPr lang="en-US"/>
+              <a:t>Third level</a:t>
+            </a:r>
+          </a:p>
+          <a:p>
+            <a:pPr lvl="3"/>
+            <a:r>
+              <a:rPr lang="en-US"/>
+              <a:t>Fourth level</a:t>
+            </a:r>
+          </a:p>
+          <a:p>
+            <a:pPr lvl="4"/>
+            <a:r>
+              <a:rPr lang="en-US"/>
+              <a:t>Fifth level</a:t>
+            </a:r>
+          </a:p>
+        </p:txBody>
+      </p:sp>
+      <p:sp>
+        <p:nvSpPr>
+          <p:cNvPr id="6" name="Footer Placeholder 5"/>
+          <p:cNvSpPr>
+            <a:spLocks noGrp="1"/>
+          </p:cNvSpPr>
+          <p:nvPr>
+            <p:ph type="ftr" sz="quarter" idx="4"/>
+          </p:nvPr>
+        </p:nvSpPr>
+        <p:spPr>
+          <a:xfrm>
+            <a:off x="0" y="8685213"/>
+            <a:ext cx="2971800" cy="458787"/>
+          </a:xfrm>
+          <a:prstGeom prst="rect">
+            <a:avLst/>
+          </a:prstGeom>
+        </p:spPr>
+        <p:txBody>
+          <a:bodyPr vert="horz" lIns="91440" tIns="45720" rIns="91440" bIns="45720" rtlCol="0" anchor="b"/>
+          <a:lstStyle>
+            <a:lvl1pPr algn="l">
+              <a:defRPr sz="1200"/>
+            </a:lvl1pPr>
+          </a:lstStyle>
+          <a:p>
+            <a:endParaRPr lang="en-US"/>
+          </a:p>
+        </p:txBody>
+      </p:sp>
+      <p:sp>
+        <p:nvSpPr>
+          <p:cNvPr id="7" name="Slide Number Placeholder 6"/>
+          <p:cNvSpPr>
+            <a:spLocks noGrp="1"/>
+          </p:cNvSpPr>
+          <p:nvPr>
+            <p:ph type="sldNum" sz="quarter" idx="5"/>
+          </p:nvPr>
+        </p:nvSpPr>
+        <p:spPr>
+          <a:xfrm>
+            <a:off x="3884613" y="8685213"/>
+            <a:ext cx="2971800" cy="458787"/>
+          </a:xfrm>
+          <a:prstGeom prst="rect">
+            <a:avLst/>
+          </a:prstGeom>
+        </p:spPr>
+        <p:txBody>
+          <a:bodyPr vert="horz" lIns="91440" tIns="45720" rIns="91440" bIns="45720" rtlCol="0" anchor="b"/>
+          <a:lstStyle>
+            <a:lvl1pPr algn="r">
+              <a:defRPr sz="1200"/>
+            </a:lvl1pPr>
+          </a:lstStyle>
+          <a:p>
+            <a:fld id="{38932BC2-6844-4C9C-BE5D-4A09F7DBD0CB}" type="slidenum">
+              <a:rPr lang="en-US" smtClean="0"/>
+              <a:t>‹#›</a:t>
+            </a:fld>
+            <a:endParaRPr lang="en-US"/>
+          </a:p>
+        </p:txBody>
+      </p:sp>
+    </p:spTree>
+    <p:extLst>
+      <p:ext uri="{BB962C8B-B14F-4D97-AF65-F5344CB8AC3E}">
+        <p14:creationId xmlns:p14="http://schemas.microsoft.com/office/powerpoint/2010/main" val="2637945467"/>
+      </p:ext>
+    </p:extLst>
+  </p:cSld>
+  <p:clrMap bg1="lt1" tx1="dk1" bg2="lt2" tx2="dk2" accent1="accent1" accent2="accent2" accent3="accent3" accent4="accent4" accent5="accent5" accent6="accent6" hlink="hlink" folHlink="folHlink"/>
+  <p:notesStyle>
+    <a:lvl1pPr marL="0" algn="l" defTabSz="914400" rtl="0" eaLnBrk="1" latinLnBrk="0" hangingPunct="1">
+      <a:defRPr sz="1200" kern="1200">
+        <a:solidFill>
+          <a:schemeClr val="tx1"/>
+        </a:solidFill>
+        <a:latin typeface="+mn-lt"/>
+        <a:ea typeface="+mn-ea"/>
+        <a:cs typeface="+mn-cs"/>
+      </a:defRPr>
+    </a:lvl1pPr>
+    <a:lvl2pPr marL="457200" algn="l" defTabSz="914400" rtl="0" eaLnBrk="1" latinLnBrk="0" hangingPunct="1">
+      <a:defRPr sz="1200" kern="1200">
+        <a:solidFill>
+          <a:schemeClr val="tx1"/>
+        </a:solidFill>
+        <a:latin typeface="+mn-lt"/>
+        <a:ea typeface="+mn-ea"/>
+        <a:cs typeface="+mn-cs"/>
+      </a:defRPr>
+    </a:lvl2pPr>
+    <a:lvl3pPr marL="914400" algn="l" defTabSz="914400" rtl="0" eaLnBrk="1" latinLnBrk="0" hangingPunct="1">
+      <a:defRPr sz="1200" kern="1200">
+        <a:solidFill>
+          <a:schemeClr val="tx1"/>
+        </a:solidFill>
+        <a:latin typeface="+mn-lt"/>
+        <a:ea typeface="+mn-ea"/>
+        <a:cs typeface="+mn-cs"/>
+      </a:defRPr>
+    </a:lvl3pPr>
+    <a:lvl4pPr marL="1371600" algn="l" defTabSz="914400" rtl="0" eaLnBrk="1" latinLnBrk="0" hangingPunct="1">
+      <a:defRPr sz="1200" kern="1200">
+        <a:solidFill>
+          <a:schemeClr val="tx1"/>
+        </a:solidFill>
+        <a:latin typeface="+mn-lt"/>
+        <a:ea typeface="+mn-ea"/>
+        <a:cs typeface="+mn-cs"/>
+      </a:defRPr>
+    </a:lvl4pPr>
+    <a:lvl5pPr marL="1828800" algn="l" defTabSz="914400" rtl="0" eaLnBrk="1" latinLnBrk="0" hangingPunct="1">
+      <a:defRPr sz="1200" kern="1200">
+        <a:solidFill>
+          <a:schemeClr val="tx1"/>
+        </a:solidFill>
+        <a:latin typeface="+mn-lt"/>
+        <a:ea typeface="+mn-ea"/>
+        <a:cs typeface="+mn-cs"/>
+      </a:defRPr>
+    </a:lvl5pPr>
+    <a:lvl6pPr marL="2286000" algn="l" defTabSz="914400" rtl="0" eaLnBrk="1" latinLnBrk="0" hangingPunct="1">
+      <a:defRPr sz="1200" kern="1200">
+        <a:solidFill>
+          <a:schemeClr val="tx1"/>
+        </a:solidFill>
+        <a:latin typeface="+mn-lt"/>
+        <a:ea typeface="+mn-ea"/>
+        <a:cs typeface="+mn-cs"/>
+      </a:defRPr>
+    </a:lvl6pPr>
+    <a:lvl7pPr marL="2743200" algn="l" defTabSz="914400" rtl="0" eaLnBrk="1" latinLnBrk="0" hangingPunct="1">
+      <a:defRPr sz="1200" kern="1200">
+        <a:solidFill>
+          <a:schemeClr val="tx1"/>
+        </a:solidFill>
+        <a:latin typeface="+mn-lt"/>
+        <a:ea typeface="+mn-ea"/>
+        <a:cs typeface="+mn-cs"/>
+      </a:defRPr>
+    </a:lvl7pPr>
+    <a:lvl8pPr marL="3200400" algn="l" defTabSz="914400" rtl="0" eaLnBrk="1" latinLnBrk="0" hangingPunct="1">
+      <a:defRPr sz="1200" kern="1200">
+        <a:solidFill>
+          <a:schemeClr val="tx1"/>
+        </a:solidFill>
+        <a:latin typeface="+mn-lt"/>
+        <a:ea typeface="+mn-ea"/>
+        <a:cs typeface="+mn-cs"/>
+      </a:defRPr>
+    </a:lvl8pPr>
+    <a:lvl9pPr marL="3657600" algn="l" defTabSz="914400" rtl="0" eaLnBrk="1" latinLnBrk="0" hangingPunct="1">
+      <a:defRPr sz="1200" kern="1200">
+        <a:solidFill>
+          <a:schemeClr val="tx1"/>
+        </a:solidFill>
+        <a:latin typeface="+mn-lt"/>
+        <a:ea typeface="+mn-ea"/>
+        <a:cs typeface="+mn-cs"/>
+      </a:defRPr>
+    </a:lvl9pPr>
+  </p:notesStyle>
+</p:notesMaster>
+</file>
+
+<file path=ppt/notesSlides/notesSlide1.xml><?xml version="1.0" encoding="utf-8"?>
+<p:notes xmlns:a="http://schemas.openxmlformats.org/drawingml/2006/main" xmlns:r="http://schemas.openxmlformats.org/officeDocument/2006/relationships" xmlns:p="http://schemas.openxmlformats.org/presentationml/2006/main">
+  <p:cSld>
+    <p:spTree>
+      <p:nvGrpSpPr>
+        <p:cNvPr id="1" name=""/>
+        <p:cNvGrpSpPr/>
+        <p:nvPr/>
+      </p:nvGrpSpPr>
+      <p:grpSpPr>
+        <a:xfrm>
+          <a:off x="0" y="0"/>
+          <a:ext cx="0" cy="0"/>
+          <a:chOff x="0" y="0"/>
+          <a:chExt cx="0" cy="0"/>
+        </a:xfrm>
+      </p:grpSpPr>
+      <p:sp>
+        <p:nvSpPr>
+          <p:cNvPr id="2" name="Slide Image Placeholder 1"/>
+          <p:cNvSpPr>
+            <a:spLocks noGrp="1" noRot="1" noChangeAspect="1"/>
+          </p:cNvSpPr>
+          <p:nvPr>
+            <p:ph type="sldImg"/>
+          </p:nvPr>
+        </p:nvSpPr>
+        <p:spPr/>
+      </p:sp>
+      <p:sp>
+        <p:nvSpPr>
+          <p:cNvPr id="3" name="Notes Placeholder 2"/>
+          <p:cNvSpPr>
+            <a:spLocks noGrp="1"/>
+          </p:cNvSpPr>
+          <p:nvPr>
+            <p:ph type="body" idx="1"/>
+          </p:nvPr>
+        </p:nvSpPr>
+        <p:spPr/>
+        <p:txBody>
+          <a:bodyPr/>
+          <a:lstStyle/>
+          <a:p>
+            <a:r>
+              <a:rPr lang="en-US" dirty="0"/>
+              <a:t>Data structure----types of data and how you link them. Also talk about type like continuous or cat. Don’t need to discuss but make </a:t>
+            </a:r>
+            <a:r>
+              <a:rPr lang="en-US" dirty="0" err="1"/>
+              <a:t>usre</a:t>
+            </a:r>
+            <a:r>
+              <a:rPr lang="en-US"/>
+              <a:t> present</a:t>
+            </a:r>
+            <a:endParaRPr lang="en-US" dirty="0"/>
+          </a:p>
+        </p:txBody>
+      </p:sp>
+      <p:sp>
+        <p:nvSpPr>
+          <p:cNvPr id="4" name="Slide Number Placeholder 3"/>
+          <p:cNvSpPr>
+            <a:spLocks noGrp="1"/>
+          </p:cNvSpPr>
+          <p:nvPr>
+            <p:ph type="sldNum" sz="quarter" idx="5"/>
+          </p:nvPr>
+        </p:nvSpPr>
+        <p:spPr/>
+        <p:txBody>
+          <a:bodyPr/>
+          <a:lstStyle/>
+          <a:p>
+            <a:fld id="{38932BC2-6844-4C9C-BE5D-4A09F7DBD0CB}" type="slidenum">
+              <a:rPr lang="en-US" smtClean="0"/>
+              <a:t>7</a:t>
+            </a:fld>
+            <a:endParaRPr lang="en-US"/>
+          </a:p>
+        </p:txBody>
+      </p:sp>
+    </p:spTree>
+    <p:extLst>
+      <p:ext uri="{BB962C8B-B14F-4D97-AF65-F5344CB8AC3E}">
+        <p14:creationId xmlns:p14="http://schemas.microsoft.com/office/powerpoint/2010/main" val="3542093781"/>
+      </p:ext>
+    </p:extLst>
+  </p:cSld>
+  <p:clrMapOvr>
+    <a:masterClrMapping/>
+  </p:clrMapOvr>
+</p:notes>
 </file>
 
 <file path=ppt/slideLayouts/slideLayout1.xml><?xml version="1.0" encoding="utf-8"?>
@@ -23951,6 +24399,91 @@
 <file path=ppt/slides/slide6.xml><?xml version="1.0" encoding="utf-8"?>
 <p:sld xmlns:a="http://schemas.openxmlformats.org/drawingml/2006/main" xmlns:r="http://schemas.openxmlformats.org/officeDocument/2006/relationships" xmlns:p="http://schemas.openxmlformats.org/presentationml/2006/main">
   <p:cSld>
+    <p:spTree>
+      <p:nvGrpSpPr>
+        <p:cNvPr id="1" name=""/>
+        <p:cNvGrpSpPr/>
+        <p:nvPr/>
+      </p:nvGrpSpPr>
+      <p:grpSpPr>
+        <a:xfrm>
+          <a:off x="0" y="0"/>
+          <a:ext cx="0" cy="0"/>
+          <a:chOff x="0" y="0"/>
+          <a:chExt cx="0" cy="0"/>
+        </a:xfrm>
+      </p:grpSpPr>
+      <p:sp>
+        <p:nvSpPr>
+          <p:cNvPr id="2" name="Title 1">
+            <a:extLst>
+              <a:ext uri="{FF2B5EF4-FFF2-40B4-BE49-F238E27FC236}">
+                <a16:creationId xmlns:a16="http://schemas.microsoft.com/office/drawing/2014/main" id="{ADB784F9-6136-4D34-97A4-B192909D9FD5}"/>
+              </a:ext>
+            </a:extLst>
+          </p:cNvPr>
+          <p:cNvSpPr>
+            <a:spLocks noGrp="1"/>
+          </p:cNvSpPr>
+          <p:nvPr>
+            <p:ph type="title"/>
+          </p:nvPr>
+        </p:nvSpPr>
+        <p:spPr/>
+        <p:txBody>
+          <a:bodyPr>
+            <a:normAutofit/>
+          </a:bodyPr>
+          <a:lstStyle/>
+          <a:p>
+            <a:r>
+              <a:rPr lang="en-US" sz="3200" dirty="0"/>
+              <a:t>Workflow</a:t>
+            </a:r>
+          </a:p>
+        </p:txBody>
+      </p:sp>
+      <p:sp>
+        <p:nvSpPr>
+          <p:cNvPr id="3" name="Content Placeholder 2">
+            <a:extLst>
+              <a:ext uri="{FF2B5EF4-FFF2-40B4-BE49-F238E27FC236}">
+                <a16:creationId xmlns:a16="http://schemas.microsoft.com/office/drawing/2014/main" id="{656A293A-45D9-4C01-9F06-F4A6A19B1314}"/>
+              </a:ext>
+            </a:extLst>
+          </p:cNvPr>
+          <p:cNvSpPr>
+            <a:spLocks noGrp="1"/>
+          </p:cNvSpPr>
+          <p:nvPr>
+            <p:ph idx="1"/>
+          </p:nvPr>
+        </p:nvSpPr>
+        <p:spPr/>
+        <p:txBody>
+          <a:bodyPr/>
+          <a:lstStyle/>
+          <a:p>
+            <a:endParaRPr lang="en-US"/>
+          </a:p>
+        </p:txBody>
+      </p:sp>
+    </p:spTree>
+    <p:extLst>
+      <p:ext uri="{BB962C8B-B14F-4D97-AF65-F5344CB8AC3E}">
+        <p14:creationId xmlns:p14="http://schemas.microsoft.com/office/powerpoint/2010/main" val="3531939137"/>
+      </p:ext>
+    </p:extLst>
+  </p:cSld>
+  <p:clrMapOvr>
+    <a:masterClrMapping/>
+  </p:clrMapOvr>
+</p:sld>
+</file>
+
+<file path=ppt/slides/slide7.xml><?xml version="1.0" encoding="utf-8"?>
+<p:sld xmlns:a="http://schemas.openxmlformats.org/drawingml/2006/main" xmlns:r="http://schemas.openxmlformats.org/officeDocument/2006/relationships" xmlns:p="http://schemas.openxmlformats.org/presentationml/2006/main">
+  <p:cSld>
     <p:bg>
       <p:bgPr>
         <a:solidFill>
@@ -26259,7 +26792,7 @@
           <p:nvPr/>
         </p:nvPicPr>
         <p:blipFill rotWithShape="1">
-          <a:blip r:embed="rId2">
+          <a:blip r:embed="rId3">
             <a:extLst>
               <a:ext uri="{28A0092B-C50C-407E-A947-70E740481C1C}">
                 <a14:useLocalDpi xmlns:a14="http://schemas.microsoft.com/office/drawing/2010/main" val="0"/>
@@ -26307,7 +26840,7 @@
           <p:nvPr/>
         </p:nvPicPr>
         <p:blipFill rotWithShape="1">
-          <a:blip r:embed="rId3">
+          <a:blip r:embed="rId4">
             <a:extLst>
               <a:ext uri="{28A0092B-C50C-407E-A947-70E740481C1C}">
                 <a14:useLocalDpi xmlns:a14="http://schemas.microsoft.com/office/drawing/2010/main" val="0"/>
@@ -26552,7 +27085,7 @@
           <p:nvPr/>
         </p:nvPicPr>
         <p:blipFill rotWithShape="1">
-          <a:blip r:embed="rId4">
+          <a:blip r:embed="rId5">
             <a:extLst>
               <a:ext uri="{28A0092B-C50C-407E-A947-70E740481C1C}">
                 <a14:useLocalDpi xmlns:a14="http://schemas.microsoft.com/office/drawing/2010/main" val="0"/>
@@ -26600,7 +27133,7 @@
           <p:nvPr/>
         </p:nvPicPr>
         <p:blipFill>
-          <a:blip r:embed="rId5">
+          <a:blip r:embed="rId6">
             <a:extLst>
               <a:ext uri="{28A0092B-C50C-407E-A947-70E740481C1C}">
                 <a14:useLocalDpi xmlns:a14="http://schemas.microsoft.com/office/drawing/2010/main" val="0"/>
@@ -26647,7 +27180,7 @@
 </p:sld>
 </file>
 
-<file path=ppt/slides/slide7.xml><?xml version="1.0" encoding="utf-8"?>
+<file path=ppt/slides/slide8.xml><?xml version="1.0" encoding="utf-8"?>
 <p:sld xmlns:a="http://schemas.openxmlformats.org/drawingml/2006/main" xmlns:r="http://schemas.openxmlformats.org/officeDocument/2006/relationships" xmlns:p="http://schemas.openxmlformats.org/presentationml/2006/main">
   <p:cSld>
     <p:bg>
@@ -30622,7 +31155,7 @@
 </p:sld>
 </file>
 
-<file path=ppt/slides/slide8.xml><?xml version="1.0" encoding="utf-8"?>
+<file path=ppt/slides/slide9.xml><?xml version="1.0" encoding="utf-8"?>
 <p:sld xmlns:a="http://schemas.openxmlformats.org/drawingml/2006/main" xmlns:r="http://schemas.openxmlformats.org/officeDocument/2006/relationships" xmlns:p="http://schemas.openxmlformats.org/presentationml/2006/main">
   <p:cSld>
     <p:bg>
@@ -34019,91 +34552,6 @@
 </p:sld>
 </file>
 
-<file path=ppt/slides/slide9.xml><?xml version="1.0" encoding="utf-8"?>
-<p:sld xmlns:a="http://schemas.openxmlformats.org/drawingml/2006/main" xmlns:r="http://schemas.openxmlformats.org/officeDocument/2006/relationships" xmlns:p="http://schemas.openxmlformats.org/presentationml/2006/main">
-  <p:cSld>
-    <p:spTree>
-      <p:nvGrpSpPr>
-        <p:cNvPr id="1" name=""/>
-        <p:cNvGrpSpPr/>
-        <p:nvPr/>
-      </p:nvGrpSpPr>
-      <p:grpSpPr>
-        <a:xfrm>
-          <a:off x="0" y="0"/>
-          <a:ext cx="0" cy="0"/>
-          <a:chOff x="0" y="0"/>
-          <a:chExt cx="0" cy="0"/>
-        </a:xfrm>
-      </p:grpSpPr>
-      <p:sp>
-        <p:nvSpPr>
-          <p:cNvPr id="2" name="Title 1">
-            <a:extLst>
-              <a:ext uri="{FF2B5EF4-FFF2-40B4-BE49-F238E27FC236}">
-                <a16:creationId xmlns:a16="http://schemas.microsoft.com/office/drawing/2014/main" id="{ADB784F9-6136-4D34-97A4-B192909D9FD5}"/>
-              </a:ext>
-            </a:extLst>
-          </p:cNvPr>
-          <p:cNvSpPr>
-            <a:spLocks noGrp="1"/>
-          </p:cNvSpPr>
-          <p:nvPr>
-            <p:ph type="title"/>
-          </p:nvPr>
-        </p:nvSpPr>
-        <p:spPr/>
-        <p:txBody>
-          <a:bodyPr>
-            <a:normAutofit/>
-          </a:bodyPr>
-          <a:lstStyle/>
-          <a:p>
-            <a:r>
-              <a:rPr lang="en-US" sz="3200" dirty="0"/>
-              <a:t>Workflow</a:t>
-            </a:r>
-          </a:p>
-        </p:txBody>
-      </p:sp>
-      <p:sp>
-        <p:nvSpPr>
-          <p:cNvPr id="3" name="Content Placeholder 2">
-            <a:extLst>
-              <a:ext uri="{FF2B5EF4-FFF2-40B4-BE49-F238E27FC236}">
-                <a16:creationId xmlns:a16="http://schemas.microsoft.com/office/drawing/2014/main" id="{656A293A-45D9-4C01-9F06-F4A6A19B1314}"/>
-              </a:ext>
-            </a:extLst>
-          </p:cNvPr>
-          <p:cNvSpPr>
-            <a:spLocks noGrp="1"/>
-          </p:cNvSpPr>
-          <p:nvPr>
-            <p:ph idx="1"/>
-          </p:nvPr>
-        </p:nvSpPr>
-        <p:spPr/>
-        <p:txBody>
-          <a:bodyPr/>
-          <a:lstStyle/>
-          <a:p>
-            <a:endParaRPr lang="en-US"/>
-          </a:p>
-        </p:txBody>
-      </p:sp>
-    </p:spTree>
-    <p:extLst>
-      <p:ext uri="{BB962C8B-B14F-4D97-AF65-F5344CB8AC3E}">
-        <p14:creationId xmlns:p14="http://schemas.microsoft.com/office/powerpoint/2010/main" val="3531939137"/>
-      </p:ext>
-    </p:extLst>
-  </p:cSld>
-  <p:clrMapOvr>
-    <a:masterClrMapping/>
-  </p:clrMapOvr>
-</p:sld>
-</file>
-
 <file path=ppt/theme/theme1.xml><?xml version="1.0" encoding="utf-8"?>
 <a:theme xmlns:a="http://schemas.openxmlformats.org/drawingml/2006/main" name="Atlas">
   <a:themeElements>
@@ -34359,4 +34807,299 @@
     </a:ext>
   </a:extLst>
 </a:theme>
+</file>
+
+<file path=ppt/theme/theme2.xml><?xml version="1.0" encoding="utf-8"?>
+<a:theme xmlns:a="http://schemas.openxmlformats.org/drawingml/2006/main" name="Office Theme">
+  <a:themeElements>
+    <a:clrScheme name="Office">
+      <a:dk1>
+        <a:sysClr val="windowText" lastClr="000000"/>
+      </a:dk1>
+      <a:lt1>
+        <a:sysClr val="window" lastClr="FFFFFF"/>
+      </a:lt1>
+      <a:dk2>
+        <a:srgbClr val="44546A"/>
+      </a:dk2>
+      <a:lt2>
+        <a:srgbClr val="E7E6E6"/>
+      </a:lt2>
+      <a:accent1>
+        <a:srgbClr val="4472C4"/>
+      </a:accent1>
+      <a:accent2>
+        <a:srgbClr val="ED7D31"/>
+      </a:accent2>
+      <a:accent3>
+        <a:srgbClr val="A5A5A5"/>
+      </a:accent3>
+      <a:accent4>
+        <a:srgbClr val="FFC000"/>
+      </a:accent4>
+      <a:accent5>
+        <a:srgbClr val="5B9BD5"/>
+      </a:accent5>
+      <a:accent6>
+        <a:srgbClr val="70AD47"/>
+      </a:accent6>
+      <a:hlink>
+        <a:srgbClr val="0563C1"/>
+      </a:hlink>
+      <a:folHlink>
+        <a:srgbClr val="954F72"/>
+      </a:folHlink>
+    </a:clrScheme>
+    <a:fontScheme name="Office">
+      <a:majorFont>
+        <a:latin typeface="Calibri Light" panose="020F0302020204030204"/>
+        <a:ea typeface=""/>
+        <a:cs typeface=""/>
+        <a:font script="Jpan" typeface="游ゴシック Light"/>
+        <a:font script="Hang" typeface="맑은 고딕"/>
+        <a:font script="Hans" typeface="等线 Light"/>
+        <a:font script="Hant" typeface="新細明體"/>
+        <a:font script="Arab" typeface="Times New Roman"/>
+        <a:font script="Hebr" typeface="Times New Roman"/>
+        <a:font script="Thai" typeface="Angsana New"/>
+        <a:font script="Ethi" typeface="Nyala"/>
+        <a:font script="Beng" typeface="Vrinda"/>
+        <a:font script="Gujr" typeface="Shruti"/>
+        <a:font script="Khmr" typeface="MoolBoran"/>
+        <a:font script="Knda" typeface="Tunga"/>
+        <a:font script="Guru" typeface="Raavi"/>
+        <a:font script="Cans" typeface="Euphemia"/>
+        <a:font script="Cher" typeface="Plantagenet Cherokee"/>
+        <a:font script="Yiii" typeface="Microsoft Yi Baiti"/>
+        <a:font script="Tibt" typeface="Microsoft Himalaya"/>
+        <a:font script="Thaa" typeface="MV Boli"/>
+        <a:font script="Deva" typeface="Mangal"/>
+        <a:font script="Telu" typeface="Gautami"/>
+        <a:font script="Taml" typeface="Latha"/>
+        <a:font script="Syrc" typeface="Estrangelo Edessa"/>
+        <a:font script="Orya" typeface="Kalinga"/>
+        <a:font script="Mlym" typeface="Kartika"/>
+        <a:font script="Laoo" typeface="DokChampa"/>
+        <a:font script="Sinh" typeface="Iskoola Pota"/>
+        <a:font script="Mong" typeface="Mongolian Baiti"/>
+        <a:font script="Viet" typeface="Times New Roman"/>
+        <a:font script="Uigh" typeface="Microsoft Uighur"/>
+        <a:font script="Geor" typeface="Sylfaen"/>
+        <a:font script="Armn" typeface="Arial"/>
+        <a:font script="Bugi" typeface="Leelawadee UI"/>
+        <a:font script="Bopo" typeface="Microsoft JhengHei"/>
+        <a:font script="Java" typeface="Javanese Text"/>
+        <a:font script="Lisu" typeface="Segoe UI"/>
+        <a:font script="Mymr" typeface="Myanmar Text"/>
+        <a:font script="Nkoo" typeface="Ebrima"/>
+        <a:font script="Olck" typeface="Nirmala UI"/>
+        <a:font script="Osma" typeface="Ebrima"/>
+        <a:font script="Phag" typeface="Phagspa"/>
+        <a:font script="Syrn" typeface="Estrangelo Edessa"/>
+        <a:font script="Syrj" typeface="Estrangelo Edessa"/>
+        <a:font script="Syre" typeface="Estrangelo Edessa"/>
+        <a:font script="Sora" typeface="Nirmala UI"/>
+        <a:font script="Tale" typeface="Microsoft Tai Le"/>
+        <a:font script="Talu" typeface="Microsoft New Tai Lue"/>
+        <a:font script="Tfng" typeface="Ebrima"/>
+      </a:majorFont>
+      <a:minorFont>
+        <a:latin typeface="Calibri" panose="020F0502020204030204"/>
+        <a:ea typeface=""/>
+        <a:cs typeface=""/>
+        <a:font script="Jpan" typeface="游ゴシック"/>
+        <a:font script="Hang" typeface="맑은 고딕"/>
+        <a:font script="Hans" typeface="等线"/>
+        <a:font script="Hant" typeface="新細明體"/>
+        <a:font script="Arab" typeface="Arial"/>
+        <a:font script="Hebr" typeface="Arial"/>
+        <a:font script="Thai" typeface="Cordia New"/>
+        <a:font script="Ethi" typeface="Nyala"/>
+        <a:font script="Beng" typeface="Vrinda"/>
+        <a:font script="Gujr" typeface="Shruti"/>
+        <a:font script="Khmr" typeface="DaunPenh"/>
+        <a:font script="Knda" typeface="Tunga"/>
+        <a:font script="Guru" typeface="Raavi"/>
+        <a:font script="Cans" typeface="Euphemia"/>
+        <a:font script="Cher" typeface="Plantagenet Cherokee"/>
+        <a:font script="Yiii" typeface="Microsoft Yi Baiti"/>
+        <a:font script="Tibt" typeface="Microsoft Himalaya"/>
+        <a:font script="Thaa" typeface="MV Boli"/>
+        <a:font script="Deva" typeface="Mangal"/>
+        <a:font script="Telu" typeface="Gautami"/>
+        <a:font script="Taml" typeface="Latha"/>
+        <a:font script="Syrc" typeface="Estrangelo Edessa"/>
+        <a:font script="Orya" typeface="Kalinga"/>
+        <a:font script="Mlym" typeface="Kartika"/>
+        <a:font script="Laoo" typeface="DokChampa"/>
+        <a:font script="Sinh" typeface="Iskoola Pota"/>
+        <a:font script="Mong" typeface="Mongolian Baiti"/>
+        <a:font script="Viet" typeface="Arial"/>
+        <a:font script="Uigh" typeface="Microsoft Uighur"/>
+        <a:font script="Geor" typeface="Sylfaen"/>
+        <a:font script="Armn" typeface="Arial"/>
+        <a:font script="Bugi" typeface="Leelawadee UI"/>
+        <a:font script="Bopo" typeface="Microsoft JhengHei"/>
+        <a:font script="Java" typeface="Javanese Text"/>
+        <a:font script="Lisu" typeface="Segoe UI"/>
+        <a:font script="Mymr" typeface="Myanmar Text"/>
+        <a:font script="Nkoo" typeface="Ebrima"/>
+        <a:font script="Olck" typeface="Nirmala UI"/>
+        <a:font script="Osma" typeface="Ebrima"/>
+        <a:font script="Phag" typeface="Phagspa"/>
+        <a:font script="Syrn" typeface="Estrangelo Edessa"/>
+        <a:font script="Syrj" typeface="Estrangelo Edessa"/>
+        <a:font script="Syre" typeface="Estrangelo Edessa"/>
+        <a:font script="Sora" typeface="Nirmala UI"/>
+        <a:font script="Tale" typeface="Microsoft Tai Le"/>
+        <a:font script="Talu" typeface="Microsoft New Tai Lue"/>
+        <a:font script="Tfng" typeface="Ebrima"/>
+      </a:minorFont>
+    </a:fontScheme>
+    <a:fmtScheme name="Office">
+      <a:fillStyleLst>
+        <a:solidFill>
+          <a:schemeClr val="phClr"/>
+        </a:solidFill>
+        <a:gradFill rotWithShape="1">
+          <a:gsLst>
+            <a:gs pos="0">
+              <a:schemeClr val="phClr">
+                <a:lumMod val="110000"/>
+                <a:satMod val="105000"/>
+                <a:tint val="67000"/>
+              </a:schemeClr>
+            </a:gs>
+            <a:gs pos="50000">
+              <a:schemeClr val="phClr">
+                <a:lumMod val="105000"/>
+                <a:satMod val="103000"/>
+                <a:tint val="73000"/>
+              </a:schemeClr>
+            </a:gs>
+            <a:gs pos="100000">
+              <a:schemeClr val="phClr">
+                <a:lumMod val="105000"/>
+                <a:satMod val="109000"/>
+                <a:tint val="81000"/>
+              </a:schemeClr>
+            </a:gs>
+          </a:gsLst>
+          <a:lin ang="5400000" scaled="0"/>
+        </a:gradFill>
+        <a:gradFill rotWithShape="1">
+          <a:gsLst>
+            <a:gs pos="0">
+              <a:schemeClr val="phClr">
+                <a:satMod val="103000"/>
+                <a:lumMod val="102000"/>
+                <a:tint val="94000"/>
+              </a:schemeClr>
+            </a:gs>
+            <a:gs pos="50000">
+              <a:schemeClr val="phClr">
+                <a:satMod val="110000"/>
+                <a:lumMod val="100000"/>
+                <a:shade val="100000"/>
+              </a:schemeClr>
+            </a:gs>
+            <a:gs pos="100000">
+              <a:schemeClr val="phClr">
+                <a:lumMod val="99000"/>
+                <a:satMod val="120000"/>
+                <a:shade val="78000"/>
+              </a:schemeClr>
+            </a:gs>
+          </a:gsLst>
+          <a:lin ang="5400000" scaled="0"/>
+        </a:gradFill>
+      </a:fillStyleLst>
+      <a:lnStyleLst>
+        <a:ln w="6350" cap="flat" cmpd="sng" algn="ctr">
+          <a:solidFill>
+            <a:schemeClr val="phClr"/>
+          </a:solidFill>
+          <a:prstDash val="solid"/>
+          <a:miter lim="800000"/>
+        </a:ln>
+        <a:ln w="12700" cap="flat" cmpd="sng" algn="ctr">
+          <a:solidFill>
+            <a:schemeClr val="phClr"/>
+          </a:solidFill>
+          <a:prstDash val="solid"/>
+          <a:miter lim="800000"/>
+        </a:ln>
+        <a:ln w="19050" cap="flat" cmpd="sng" algn="ctr">
+          <a:solidFill>
+            <a:schemeClr val="phClr"/>
+          </a:solidFill>
+          <a:prstDash val="solid"/>
+          <a:miter lim="800000"/>
+        </a:ln>
+      </a:lnStyleLst>
+      <a:effectStyleLst>
+        <a:effectStyle>
+          <a:effectLst/>
+        </a:effectStyle>
+        <a:effectStyle>
+          <a:effectLst/>
+        </a:effectStyle>
+        <a:effectStyle>
+          <a:effectLst>
+            <a:outerShdw blurRad="57150" dist="19050" dir="5400000" algn="ctr" rotWithShape="0">
+              <a:srgbClr val="000000">
+                <a:alpha val="63000"/>
+              </a:srgbClr>
+            </a:outerShdw>
+          </a:effectLst>
+        </a:effectStyle>
+      </a:effectStyleLst>
+      <a:bgFillStyleLst>
+        <a:solidFill>
+          <a:schemeClr val="phClr"/>
+        </a:solidFill>
+        <a:solidFill>
+          <a:schemeClr val="phClr">
+            <a:tint val="95000"/>
+            <a:satMod val="170000"/>
+          </a:schemeClr>
+        </a:solidFill>
+        <a:gradFill rotWithShape="1">
+          <a:gsLst>
+            <a:gs pos="0">
+              <a:schemeClr val="phClr">
+                <a:tint val="93000"/>
+                <a:satMod val="150000"/>
+                <a:shade val="98000"/>
+                <a:lumMod val="102000"/>
+              </a:schemeClr>
+            </a:gs>
+            <a:gs pos="50000">
+              <a:schemeClr val="phClr">
+                <a:tint val="98000"/>
+                <a:satMod val="130000"/>
+                <a:shade val="90000"/>
+                <a:lumMod val="103000"/>
+              </a:schemeClr>
+            </a:gs>
+            <a:gs pos="100000">
+              <a:schemeClr val="phClr">
+                <a:shade val="63000"/>
+                <a:satMod val="120000"/>
+              </a:schemeClr>
+            </a:gs>
+          </a:gsLst>
+          <a:lin ang="5400000" scaled="0"/>
+        </a:gradFill>
+      </a:bgFillStyleLst>
+    </a:fmtScheme>
+  </a:themeElements>
+  <a:objectDefaults/>
+  <a:extraClrSchemeLst/>
+  <a:extLst>
+    <a:ext uri="{05A4C25C-085E-4340-85A3-A5531E510DB2}">
+      <thm15:themeFamily xmlns:thm15="http://schemas.microsoft.com/office/thememl/2012/main" name="Office Theme" id="{62F939B6-93AF-4DB8-9C6B-D6C7DFDC589F}" vid="{4A3C46E8-61CC-4603-A589-7422A47A8E4A}"/>
+    </a:ext>
+  </a:extLst>
+</a:theme>
 </file>
--- a/writing_literature_present/final_presentation.pptx
+++ b/writing_literature_present/final_presentation.pptx
@@ -214,7 +214,7 @@
           <a:p>
             <a:fld id="{92F7578D-5DD6-45D0-A00C-236E4CA75183}" type="datetimeFigureOut">
               <a:rPr lang="en-US" smtClean="0"/>
-              <a:t>4/24/2019</a:t>
+              <a:t>4/25/2019</a:t>
             </a:fld>
             <a:endParaRPr lang="en-US"/>
           </a:p>
@@ -1986,7 +1986,7 @@
           <a:p>
             <a:fld id="{B8D8D1CD-5272-4450-BCFC-C7D00825A9E1}" type="datetimeFigureOut">
               <a:rPr lang="en-US" smtClean="0"/>
-              <a:t>4/24/2019</a:t>
+              <a:t>4/25/2019</a:t>
             </a:fld>
             <a:endParaRPr lang="en-US"/>
           </a:p>
@@ -3445,7 +3445,7 @@
           <a:p>
             <a:fld id="{B8D8D1CD-5272-4450-BCFC-C7D00825A9E1}" type="datetimeFigureOut">
               <a:rPr lang="en-US" smtClean="0"/>
-              <a:t>4/24/2019</a:t>
+              <a:t>4/25/2019</a:t>
             </a:fld>
             <a:endParaRPr lang="en-US"/>
           </a:p>
@@ -4898,7 +4898,7 @@
           <a:p>
             <a:fld id="{B8D8D1CD-5272-4450-BCFC-C7D00825A9E1}" type="datetimeFigureOut">
               <a:rPr lang="en-US" smtClean="0"/>
-              <a:t>4/24/2019</a:t>
+              <a:t>4/25/2019</a:t>
             </a:fld>
             <a:endParaRPr lang="en-US"/>
           </a:p>
@@ -6353,7 +6353,7 @@
           <a:p>
             <a:fld id="{B8D8D1CD-5272-4450-BCFC-C7D00825A9E1}" type="datetimeFigureOut">
               <a:rPr lang="en-US" smtClean="0"/>
-              <a:t>4/24/2019</a:t>
+              <a:t>4/25/2019</a:t>
             </a:fld>
             <a:endParaRPr lang="en-US"/>
           </a:p>
@@ -7861,7 +7861,7 @@
           <a:p>
             <a:fld id="{B8D8D1CD-5272-4450-BCFC-C7D00825A9E1}" type="datetimeFigureOut">
               <a:rPr lang="en-US" smtClean="0"/>
-              <a:t>4/24/2019</a:t>
+              <a:t>4/25/2019</a:t>
             </a:fld>
             <a:endParaRPr lang="en-US"/>
           </a:p>
@@ -9382,7 +9382,7 @@
           <a:p>
             <a:fld id="{B8D8D1CD-5272-4450-BCFC-C7D00825A9E1}" type="datetimeFigureOut">
               <a:rPr lang="en-US" smtClean="0"/>
-              <a:t>4/24/2019</a:t>
+              <a:t>4/25/2019</a:t>
             </a:fld>
             <a:endParaRPr lang="en-US"/>
           </a:p>
@@ -11047,7 +11047,7 @@
           <a:p>
             <a:fld id="{B8D8D1CD-5272-4450-BCFC-C7D00825A9E1}" type="datetimeFigureOut">
               <a:rPr lang="en-US" smtClean="0"/>
-              <a:t>4/24/2019</a:t>
+              <a:t>4/25/2019</a:t>
             </a:fld>
             <a:endParaRPr lang="en-US"/>
           </a:p>
@@ -12445,7 +12445,7 @@
           <a:p>
             <a:fld id="{B8D8D1CD-5272-4450-BCFC-C7D00825A9E1}" type="datetimeFigureOut">
               <a:rPr lang="en-US" smtClean="0"/>
-              <a:t>4/24/2019</a:t>
+              <a:t>4/25/2019</a:t>
             </a:fld>
             <a:endParaRPr lang="en-US"/>
           </a:p>
@@ -12545,7 +12545,7 @@
           <a:p>
             <a:fld id="{B8D8D1CD-5272-4450-BCFC-C7D00825A9E1}" type="datetimeFigureOut">
               <a:rPr lang="en-US" smtClean="0"/>
-              <a:t>4/24/2019</a:t>
+              <a:t>4/25/2019</a:t>
             </a:fld>
             <a:endParaRPr lang="en-US"/>
           </a:p>
@@ -14071,7 +14071,7 @@
           <a:p>
             <a:fld id="{B8D8D1CD-5272-4450-BCFC-C7D00825A9E1}" type="datetimeFigureOut">
               <a:rPr lang="en-US" smtClean="0"/>
-              <a:t>4/24/2019</a:t>
+              <a:t>4/25/2019</a:t>
             </a:fld>
             <a:endParaRPr lang="en-US"/>
           </a:p>
@@ -15607,7 +15607,7 @@
           <a:p>
             <a:fld id="{B8D8D1CD-5272-4450-BCFC-C7D00825A9E1}" type="datetimeFigureOut">
               <a:rPr lang="en-US" smtClean="0"/>
-              <a:t>4/24/2019</a:t>
+              <a:t>4/25/2019</a:t>
             </a:fld>
             <a:endParaRPr lang="en-US"/>
           </a:p>
@@ -15830,7 +15830,7 @@
           <a:p>
             <a:fld id="{B8D8D1CD-5272-4450-BCFC-C7D00825A9E1}" type="datetimeFigureOut">
               <a:rPr lang="en-US" smtClean="0"/>
-              <a:t>4/24/2019</a:t>
+              <a:t>4/25/2019</a:t>
             </a:fld>
             <a:endParaRPr lang="en-US"/>
           </a:p>
@@ -18111,36 +18111,273 @@
           <a:p>
             <a:r>
               <a:rPr lang="en-US" sz="3200" dirty="0"/>
-              <a:t>Regression</a:t>
+              <a:t>Method:</a:t>
+            </a:r>
+            <a:br>
+              <a:rPr lang="en-US" sz="3200" dirty="0"/>
+            </a:br>
+            <a:r>
+              <a:rPr lang="en-US" sz="3200" dirty="0"/>
+              <a:t>Linear Regression</a:t>
             </a:r>
           </a:p>
         </p:txBody>
       </p:sp>
-      <p:sp>
-        <p:nvSpPr>
-          <p:cNvPr id="3" name="Content Placeholder 2">
-            <a:extLst>
-              <a:ext uri="{FF2B5EF4-FFF2-40B4-BE49-F238E27FC236}">
-                <a16:creationId xmlns:a16="http://schemas.microsoft.com/office/drawing/2014/main" id="{94438CBB-60E1-4CAD-9280-ECE03D3D0073}"/>
-              </a:ext>
-            </a:extLst>
-          </p:cNvPr>
-          <p:cNvSpPr>
-            <a:spLocks noGrp="1"/>
-          </p:cNvSpPr>
-          <p:nvPr>
-            <p:ph idx="1"/>
-          </p:nvPr>
-        </p:nvSpPr>
-        <p:spPr/>
-        <p:txBody>
-          <a:bodyPr/>
-          <a:lstStyle/>
-          <a:p>
-            <a:endParaRPr lang="en-US"/>
-          </a:p>
-        </p:txBody>
-      </p:sp>
+      <mc:AlternateContent xmlns:mc="http://schemas.openxmlformats.org/markup-compatibility/2006">
+        <mc:Choice xmlns:a14="http://schemas.microsoft.com/office/drawing/2010/main" Requires="a14">
+          <p:sp>
+            <p:nvSpPr>
+              <p:cNvPr id="3" name="Content Placeholder 2">
+                <a:extLst>
+                  <a:ext uri="{FF2B5EF4-FFF2-40B4-BE49-F238E27FC236}">
+                    <a16:creationId xmlns:a16="http://schemas.microsoft.com/office/drawing/2014/main" id="{94438CBB-60E1-4CAD-9280-ECE03D3D0073}"/>
+                  </a:ext>
+                </a:extLst>
+              </p:cNvPr>
+              <p:cNvSpPr>
+                <a:spLocks noGrp="1"/>
+              </p:cNvSpPr>
+              <p:nvPr>
+                <p:ph idx="1"/>
+              </p:nvPr>
+            </p:nvSpPr>
+            <p:spPr/>
+            <p:txBody>
+              <a:bodyPr>
+                <a:normAutofit/>
+              </a:bodyPr>
+              <a:lstStyle/>
+              <a:p>
+                <a:pPr marL="0" indent="0">
+                  <a:buNone/>
+                </a:pPr>
+                <a:r>
+                  <a:rPr lang="en-US" sz="2800" b="0" i="1" dirty="0">
+                    <a:latin typeface="Cambria Math" panose="02040503050406030204" pitchFamily="18" charset="0"/>
+                  </a:rPr>
+                  <a:t> </a:t>
+                </a:r>
+              </a:p>
+              <a:p>
+                <a:pPr marL="0" indent="0">
+                  <a:buNone/>
+                </a:pPr>
+                <a14:m>
+                  <m:oMath xmlns:m="http://schemas.openxmlformats.org/officeDocument/2006/math">
+                    <m:r>
+                      <a:rPr lang="en-US" sz="2800" b="0" i="1" smtClean="0">
+                        <a:latin typeface="Cambria Math" panose="02040503050406030204" pitchFamily="18" charset="0"/>
+                      </a:rPr>
+                      <m:t>𝑌</m:t>
+                    </m:r>
+                    <m:r>
+                      <a:rPr lang="en-US" sz="2800" b="0" i="1" smtClean="0">
+                        <a:latin typeface="Cambria Math" panose="02040503050406030204" pitchFamily="18" charset="0"/>
+                      </a:rPr>
+                      <m:t>=</m:t>
+                    </m:r>
+                    <m:r>
+                      <a:rPr lang="en-US" sz="2800" b="0" i="1" smtClean="0">
+                        <a:latin typeface="Cambria Math" panose="02040503050406030204" pitchFamily="18" charset="0"/>
+                        <a:ea typeface="Cambria Math" panose="02040503050406030204" pitchFamily="18" charset="0"/>
+                      </a:rPr>
+                      <m:t>𝛽</m:t>
+                    </m:r>
+                    <m:r>
+                      <a:rPr lang="en-US" sz="2800" b="0" i="1" smtClean="0">
+                        <a:latin typeface="Cambria Math" panose="02040503050406030204" pitchFamily="18" charset="0"/>
+                        <a:ea typeface="Cambria Math" panose="02040503050406030204" pitchFamily="18" charset="0"/>
+                      </a:rPr>
+                      <m:t>+</m:t>
+                    </m:r>
+                    <m:sSub>
+                      <m:sSubPr>
+                        <m:ctrlPr>
+                          <a:rPr lang="en-US" sz="2800" b="0" i="1" smtClean="0">
+                            <a:latin typeface="Cambria Math" panose="02040503050406030204" pitchFamily="18" charset="0"/>
+                            <a:ea typeface="Cambria Math" panose="02040503050406030204" pitchFamily="18" charset="0"/>
+                          </a:rPr>
+                        </m:ctrlPr>
+                      </m:sSubPr>
+                      <m:e>
+                        <m:r>
+                          <a:rPr lang="en-US" sz="2800" b="0" i="1" smtClean="0">
+                            <a:latin typeface="Cambria Math" panose="02040503050406030204" pitchFamily="18" charset="0"/>
+                            <a:ea typeface="Cambria Math" panose="02040503050406030204" pitchFamily="18" charset="0"/>
+                          </a:rPr>
+                          <m:t>𝛽</m:t>
+                        </m:r>
+                      </m:e>
+                      <m:sub>
+                        <m:r>
+                          <a:rPr lang="en-US" sz="2800" b="0" i="1" smtClean="0">
+                            <a:latin typeface="Cambria Math" panose="02040503050406030204" pitchFamily="18" charset="0"/>
+                            <a:ea typeface="Cambria Math" panose="02040503050406030204" pitchFamily="18" charset="0"/>
+                          </a:rPr>
+                          <m:t>1</m:t>
+                        </m:r>
+                      </m:sub>
+                    </m:sSub>
+                    <m:sSub>
+                      <m:sSubPr>
+                        <m:ctrlPr>
+                          <a:rPr lang="en-US" sz="2800" i="1">
+                            <a:latin typeface="Cambria Math" panose="02040503050406030204" pitchFamily="18" charset="0"/>
+                            <a:ea typeface="Cambria Math" panose="02040503050406030204" pitchFamily="18" charset="0"/>
+                          </a:rPr>
+                        </m:ctrlPr>
+                      </m:sSubPr>
+                      <m:e>
+                        <m:r>
+                          <a:rPr lang="en-US" sz="2800" b="0" i="1" smtClean="0">
+                            <a:latin typeface="Cambria Math" panose="02040503050406030204" pitchFamily="18" charset="0"/>
+                            <a:ea typeface="Cambria Math" panose="02040503050406030204" pitchFamily="18" charset="0"/>
+                          </a:rPr>
+                          <m:t>𝑋</m:t>
+                        </m:r>
+                      </m:e>
+                      <m:sub>
+                        <m:r>
+                          <a:rPr lang="en-US" sz="2800" i="1">
+                            <a:latin typeface="Cambria Math" panose="02040503050406030204" pitchFamily="18" charset="0"/>
+                            <a:ea typeface="Cambria Math" panose="02040503050406030204" pitchFamily="18" charset="0"/>
+                          </a:rPr>
+                          <m:t>1</m:t>
+                        </m:r>
+                      </m:sub>
+                    </m:sSub>
+                    <m:r>
+                      <a:rPr lang="en-US" sz="2800" b="0" i="1" smtClean="0">
+                        <a:latin typeface="Cambria Math" panose="02040503050406030204" pitchFamily="18" charset="0"/>
+                        <a:ea typeface="Cambria Math" panose="02040503050406030204" pitchFamily="18" charset="0"/>
+                      </a:rPr>
+                      <m:t>+…+</m:t>
+                    </m:r>
+                    <m:sSub>
+                      <m:sSubPr>
+                        <m:ctrlPr>
+                          <a:rPr lang="en-US" sz="2800" i="1">
+                            <a:latin typeface="Cambria Math" panose="02040503050406030204" pitchFamily="18" charset="0"/>
+                            <a:ea typeface="Cambria Math" panose="02040503050406030204" pitchFamily="18" charset="0"/>
+                          </a:rPr>
+                        </m:ctrlPr>
+                      </m:sSubPr>
+                      <m:e>
+                        <m:r>
+                          <a:rPr lang="en-US" sz="2800" i="1">
+                            <a:latin typeface="Cambria Math" panose="02040503050406030204" pitchFamily="18" charset="0"/>
+                            <a:ea typeface="Cambria Math" panose="02040503050406030204" pitchFamily="18" charset="0"/>
+                          </a:rPr>
+                          <m:t>𝛽</m:t>
+                        </m:r>
+                      </m:e>
+                      <m:sub>
+                        <m:r>
+                          <a:rPr lang="en-US" sz="2800" b="0" i="1" smtClean="0">
+                            <a:latin typeface="Cambria Math" panose="02040503050406030204" pitchFamily="18" charset="0"/>
+                            <a:ea typeface="Cambria Math" panose="02040503050406030204" pitchFamily="18" charset="0"/>
+                          </a:rPr>
+                          <m:t>𝑝</m:t>
+                        </m:r>
+                      </m:sub>
+                    </m:sSub>
+                  </m:oMath>
+                </a14:m>
+                <a:r>
+                  <a:rPr lang="en-US" sz="2800" dirty="0">
+                    <a:ea typeface="Cambria Math" panose="02040503050406030204" pitchFamily="18" charset="0"/>
+                  </a:rPr>
+                  <a:t> </a:t>
+                </a:r>
+                <a14:m>
+                  <m:oMath xmlns:m="http://schemas.openxmlformats.org/officeDocument/2006/math">
+                    <m:sSub>
+                      <m:sSubPr>
+                        <m:ctrlPr>
+                          <a:rPr lang="en-US" sz="2800" i="1">
+                            <a:latin typeface="Cambria Math" panose="02040503050406030204" pitchFamily="18" charset="0"/>
+                            <a:ea typeface="Cambria Math" panose="02040503050406030204" pitchFamily="18" charset="0"/>
+                          </a:rPr>
+                        </m:ctrlPr>
+                      </m:sSubPr>
+                      <m:e>
+                        <m:r>
+                          <a:rPr lang="en-US" sz="2800" b="0" i="1" smtClean="0">
+                            <a:latin typeface="Cambria Math" panose="02040503050406030204" pitchFamily="18" charset="0"/>
+                            <a:ea typeface="Cambria Math" panose="02040503050406030204" pitchFamily="18" charset="0"/>
+                          </a:rPr>
+                          <m:t>𝑋</m:t>
+                        </m:r>
+                      </m:e>
+                      <m:sub>
+                        <m:r>
+                          <a:rPr lang="en-US" sz="2800" i="1">
+                            <a:latin typeface="Cambria Math" panose="02040503050406030204" pitchFamily="18" charset="0"/>
+                            <a:ea typeface="Cambria Math" panose="02040503050406030204" pitchFamily="18" charset="0"/>
+                          </a:rPr>
+                          <m:t>𝑝</m:t>
+                        </m:r>
+                      </m:sub>
+                    </m:sSub>
+                  </m:oMath>
+                </a14:m>
+                <a:endParaRPr lang="en-US" sz="2800" dirty="0"/>
+              </a:p>
+              <a:p>
+                <a:pPr marL="0" indent="0">
+                  <a:buNone/>
+                </a:pPr>
+                <a:r>
+                  <a:rPr lang="en-US" sz="2800" dirty="0">
+                    <a:latin typeface="Calibri" panose="020F0502020204030204" pitchFamily="34" charset="0"/>
+                    <a:cs typeface="Calibri" panose="020F0502020204030204" pitchFamily="34" charset="0"/>
+                  </a:rPr>
+                  <a:t>Where Y=% of income spent on energy (i.e. energy burden)</a:t>
+                </a:r>
+              </a:p>
+            </p:txBody>
+          </p:sp>
+        </mc:Choice>
+        <mc:Fallback>
+          <p:sp>
+            <p:nvSpPr>
+              <p:cNvPr id="3" name="Content Placeholder 2">
+                <a:extLst>
+                  <a:ext uri="{FF2B5EF4-FFF2-40B4-BE49-F238E27FC236}">
+                    <a16:creationId xmlns:a16="http://schemas.microsoft.com/office/drawing/2014/main" id="{94438CBB-60E1-4CAD-9280-ECE03D3D0073}"/>
+                  </a:ext>
+                </a:extLst>
+              </p:cNvPr>
+              <p:cNvSpPr>
+                <a:spLocks noGrp="1" noRot="1" noChangeAspect="1" noMove="1" noResize="1" noEditPoints="1" noAdjustHandles="1" noChangeArrowheads="1" noChangeShapeType="1" noTextEdit="1"/>
+              </p:cNvSpPr>
+              <p:nvPr>
+                <p:ph idx="1"/>
+              </p:nvPr>
+            </p:nvSpPr>
+            <p:spPr>
+              <a:blipFill>
+                <a:blip r:embed="rId2"/>
+                <a:stretch>
+                  <a:fillRect l="-2039"/>
+                </a:stretch>
+              </a:blipFill>
+            </p:spPr>
+            <p:txBody>
+              <a:bodyPr/>
+              <a:lstStyle/>
+              <a:p>
+                <a:r>
+                  <a:rPr lang="en-US">
+                    <a:noFill/>
+                  </a:rPr>
+                  <a:t> </a:t>
+                </a:r>
+              </a:p>
+            </p:txBody>
+          </p:sp>
+        </mc:Fallback>
+      </mc:AlternateContent>
     </p:spTree>
     <p:extLst>
       <p:ext uri="{BB962C8B-B14F-4D97-AF65-F5344CB8AC3E}">
@@ -18395,13 +18632,13 @@
               </a:ext>
             </a:extLst>
           </a:blip>
-          <a:srcRect l="8744" t="17426" r="8464" b="6334"/>
+          <a:srcRect l="8744" t="20342" r="8464" b="6334"/>
           <a:stretch/>
         </p:blipFill>
         <p:spPr>
           <a:xfrm>
-            <a:off x="5512479" y="571176"/>
-            <a:ext cx="5046445" cy="6013939"/>
+            <a:off x="362964" y="102180"/>
+            <a:ext cx="5733036" cy="6570841"/>
           </a:xfrm>
           <a:ln>
             <a:solidFill>
@@ -18410,6 +18647,86 @@
           </a:ln>
         </p:spPr>
       </p:pic>
+      <p:pic>
+        <p:nvPicPr>
+          <p:cNvPr id="4" name="Picture 3">
+            <a:extLst>
+              <a:ext uri="{FF2B5EF4-FFF2-40B4-BE49-F238E27FC236}">
+                <a16:creationId xmlns:a16="http://schemas.microsoft.com/office/drawing/2014/main" id="{D7110506-3DA2-438C-A1BF-A5C3E17DBEE2}"/>
+              </a:ext>
+            </a:extLst>
+          </p:cNvPr>
+          <p:cNvPicPr>
+            <a:picLocks noChangeAspect="1"/>
+          </p:cNvPicPr>
+          <p:nvPr/>
+        </p:nvPicPr>
+        <p:blipFill>
+          <a:blip r:embed="rId3">
+            <a:extLst>
+              <a:ext uri="{28A0092B-C50C-407E-A947-70E740481C1C}">
+                <a14:useLocalDpi xmlns:a14="http://schemas.microsoft.com/office/drawing/2010/main" val="0"/>
+              </a:ext>
+            </a:extLst>
+          </a:blip>
+          <a:stretch>
+            <a:fillRect/>
+          </a:stretch>
+        </p:blipFill>
+        <p:spPr>
+          <a:xfrm>
+            <a:off x="6149937" y="1615369"/>
+            <a:ext cx="5647662" cy="3925553"/>
+          </a:xfrm>
+          <a:prstGeom prst="rect">
+            <a:avLst/>
+          </a:prstGeom>
+          <a:ln w="19050">
+            <a:solidFill>
+              <a:schemeClr val="tx1"/>
+            </a:solidFill>
+          </a:ln>
+        </p:spPr>
+      </p:pic>
+      <p:cxnSp>
+        <p:nvCxnSpPr>
+          <p:cNvPr id="7" name="Straight Connector 6">
+            <a:extLst>
+              <a:ext uri="{FF2B5EF4-FFF2-40B4-BE49-F238E27FC236}">
+                <a16:creationId xmlns:a16="http://schemas.microsoft.com/office/drawing/2014/main" id="{09104039-CD0A-41FC-B4F9-AD39007BD082}"/>
+              </a:ext>
+            </a:extLst>
+          </p:cNvPr>
+          <p:cNvCxnSpPr>
+            <a:cxnSpLocks/>
+          </p:cNvCxnSpPr>
+          <p:nvPr/>
+        </p:nvCxnSpPr>
+        <p:spPr>
+          <a:xfrm>
+            <a:off x="8534400" y="1886703"/>
+            <a:ext cx="0" cy="3182602"/>
+          </a:xfrm>
+          <a:prstGeom prst="line">
+            <a:avLst/>
+          </a:prstGeom>
+          <a:ln w="38100"/>
+        </p:spPr>
+        <p:style>
+          <a:lnRef idx="1">
+            <a:schemeClr val="accent1"/>
+          </a:lnRef>
+          <a:fillRef idx="0">
+            <a:schemeClr val="accent1"/>
+          </a:fillRef>
+          <a:effectRef idx="0">
+            <a:schemeClr val="accent1"/>
+          </a:effectRef>
+          <a:fontRef idx="minor">
+            <a:schemeClr val="tx1"/>
+          </a:fontRef>
+        </p:style>
+      </p:cxnSp>
     </p:spTree>
     <p:extLst>
       <p:ext uri="{BB962C8B-B14F-4D97-AF65-F5344CB8AC3E}">
@@ -23206,6 +23523,7 @@
                 <a:solidFill>
                   <a:schemeClr val="bg1"/>
                 </a:solidFill>
+                <a:latin typeface="+mj-lt"/>
               </a:rPr>
               <a:t>Causes of energy poverty beginning to be studied</a:t>
             </a:r>
@@ -23216,6 +23534,7 @@
                 <a:solidFill>
                   <a:schemeClr val="bg1"/>
                 </a:solidFill>
+                <a:latin typeface="+mj-lt"/>
               </a:rPr>
               <a:t>Still no geographic component</a:t>
             </a:r>
@@ -23226,6 +23545,7 @@
                 <a:solidFill>
                   <a:schemeClr val="bg1"/>
                 </a:solidFill>
+                <a:latin typeface="+mj-lt"/>
               </a:rPr>
               <a:t>Eventhough</a:t>
             </a:r>
@@ -23234,6 +23554,7 @@
                 <a:solidFill>
                   <a:schemeClr val="bg1"/>
                 </a:solidFill>
+                <a:latin typeface="+mj-lt"/>
               </a:rPr>
               <a:t> speculated in studies</a:t>
             </a:r>
@@ -26804,7 +27125,7 @@
         </p:blipFill>
         <p:spPr bwMode="auto">
           <a:xfrm>
-            <a:off x="6414257" y="1026171"/>
+            <a:off x="5931601" y="424775"/>
             <a:ext cx="2566432" cy="1536060"/>
           </a:xfrm>
           <a:prstGeom prst="rect">
@@ -26852,8 +27173,8 @@
         </p:blipFill>
         <p:spPr bwMode="auto">
           <a:xfrm>
-            <a:off x="9299162" y="1370910"/>
-            <a:ext cx="2571538" cy="849522"/>
+            <a:off x="8719503" y="917821"/>
+            <a:ext cx="3024359" cy="999114"/>
           </a:xfrm>
           <a:prstGeom prst="rect">
             <a:avLst/>
@@ -26999,77 +27320,6 @@
           </a:p>
         </p:txBody>
       </p:sp>
-      <p:sp>
-        <p:nvSpPr>
-          <p:cNvPr id="2" name="Title 1">
-            <a:extLst>
-              <a:ext uri="{FF2B5EF4-FFF2-40B4-BE49-F238E27FC236}">
-                <a16:creationId xmlns:a16="http://schemas.microsoft.com/office/drawing/2014/main" id="{3CB9A196-05E3-426E-9F99-0D87CB04EFC8}"/>
-              </a:ext>
-            </a:extLst>
-          </p:cNvPr>
-          <p:cNvSpPr>
-            <a:spLocks noGrp="1"/>
-          </p:cNvSpPr>
-          <p:nvPr>
-            <p:ph type="title"/>
-          </p:nvPr>
-        </p:nvSpPr>
-        <p:spPr>
-          <a:xfrm>
-            <a:off x="873978" y="1718735"/>
-            <a:ext cx="4318879" cy="1072378"/>
-          </a:xfrm>
-        </p:spPr>
-        <p:txBody>
-          <a:bodyPr anchor="ctr">
-            <a:normAutofit/>
-          </a:bodyPr>
-          <a:lstStyle/>
-          <a:p>
-            <a:r>
-              <a:rPr lang="en-US" sz="2300"/>
-              <a:t>4 Data sources used to create 2 data sets: analysis and validation</a:t>
-            </a:r>
-          </a:p>
-        </p:txBody>
-      </p:sp>
-      <p:sp>
-        <p:nvSpPr>
-          <p:cNvPr id="3" name="Content Placeholder 2">
-            <a:extLst>
-              <a:ext uri="{FF2B5EF4-FFF2-40B4-BE49-F238E27FC236}">
-                <a16:creationId xmlns:a16="http://schemas.microsoft.com/office/drawing/2014/main" id="{DC827852-5CCA-4F80-885A-45A26DA182DF}"/>
-              </a:ext>
-            </a:extLst>
-          </p:cNvPr>
-          <p:cNvSpPr>
-            <a:spLocks noGrp="1"/>
-          </p:cNvSpPr>
-          <p:nvPr>
-            <p:ph idx="1"/>
-          </p:nvPr>
-        </p:nvSpPr>
-        <p:spPr>
-          <a:xfrm>
-            <a:off x="873102" y="2789239"/>
-            <a:ext cx="4319535" cy="2683606"/>
-          </a:xfrm>
-        </p:spPr>
-        <p:txBody>
-          <a:bodyPr>
-            <a:normAutofit/>
-          </a:bodyPr>
-          <a:lstStyle/>
-          <a:p>
-            <a:endParaRPr lang="en-US" sz="1600" dirty="0">
-              <a:solidFill>
-                <a:srgbClr val="FFFFFE"/>
-              </a:solidFill>
-            </a:endParaRPr>
-          </a:p>
-        </p:txBody>
-      </p:sp>
       <p:pic>
         <p:nvPicPr>
           <p:cNvPr id="1028" name="Picture 4" descr="Image result for us census bureau">
@@ -27097,8 +27347,8 @@
         </p:blipFill>
         <p:spPr bwMode="auto">
           <a:xfrm>
-            <a:off x="6414136" y="4482977"/>
-            <a:ext cx="2565464" cy="1165798"/>
+            <a:off x="5981953" y="4474832"/>
+            <a:ext cx="2940505" cy="1336224"/>
           </a:xfrm>
           <a:prstGeom prst="rect">
             <a:avLst/>
@@ -27146,8 +27396,8 @@
         </p:blipFill>
         <p:spPr bwMode="auto">
           <a:xfrm>
-            <a:off x="9296195" y="4689609"/>
-            <a:ext cx="2575766" cy="749201"/>
+            <a:off x="8922458" y="4819154"/>
+            <a:ext cx="3238719" cy="942031"/>
           </a:xfrm>
           <a:prstGeom prst="rect">
             <a:avLst/>
@@ -27156,6 +27406,175 @@
           <a:ln w="9525">
             <a:noFill/>
           </a:ln>
+          <a:extLst>
+            <a:ext uri="{909E8E84-426E-40DD-AFC4-6F175D3DCCD1}">
+              <a14:hiddenFill xmlns:a14="http://schemas.microsoft.com/office/drawing/2010/main">
+                <a:solidFill>
+                  <a:srgbClr val="FFFFFF"/>
+                </a:solidFill>
+              </a14:hiddenFill>
+            </a:ext>
+          </a:extLst>
+        </p:spPr>
+      </p:pic>
+      <p:sp>
+        <p:nvSpPr>
+          <p:cNvPr id="4" name="TextBox 3">
+            <a:extLst>
+              <a:ext uri="{FF2B5EF4-FFF2-40B4-BE49-F238E27FC236}">
+                <a16:creationId xmlns:a16="http://schemas.microsoft.com/office/drawing/2014/main" id="{2D630404-2755-4633-9675-092C88683459}"/>
+              </a:ext>
+            </a:extLst>
+          </p:cNvPr>
+          <p:cNvSpPr txBox="1"/>
+          <p:nvPr/>
+        </p:nvSpPr>
+        <p:spPr>
+          <a:xfrm>
+            <a:off x="900113" y="1634393"/>
+            <a:ext cx="4265001" cy="3416320"/>
+          </a:xfrm>
+          <a:prstGeom prst="rect">
+            <a:avLst/>
+          </a:prstGeom>
+          <a:noFill/>
+        </p:spPr>
+        <p:txBody>
+          <a:bodyPr wrap="square" rtlCol="0">
+            <a:spAutoFit/>
+          </a:bodyPr>
+          <a:lstStyle/>
+          <a:p>
+            <a:pPr marL="285750" indent="-285750">
+              <a:buFont typeface="Arial" panose="020B0604020202020204" pitchFamily="34" charset="0"/>
+              <a:buChar char="•"/>
+            </a:pPr>
+            <a:r>
+              <a:rPr lang="en-US" sz="2400" dirty="0">
+                <a:solidFill>
+                  <a:schemeClr val="bg1"/>
+                </a:solidFill>
+                <a:latin typeface="Calibri" panose="020F0502020204030204" pitchFamily="34" charset="0"/>
+                <a:cs typeface="Calibri" panose="020F0502020204030204" pitchFamily="34" charset="0"/>
+              </a:rPr>
+              <a:t>5 data sources used to create 2 datasets</a:t>
+            </a:r>
+          </a:p>
+          <a:p>
+            <a:pPr marL="742950" lvl="1" indent="-285750">
+              <a:buFont typeface="Arial" panose="020B0604020202020204" pitchFamily="34" charset="0"/>
+              <a:buChar char="•"/>
+            </a:pPr>
+            <a:r>
+              <a:rPr lang="en-US" sz="2400" dirty="0">
+                <a:solidFill>
+                  <a:schemeClr val="bg1"/>
+                </a:solidFill>
+                <a:latin typeface="Calibri" panose="020F0502020204030204" pitchFamily="34" charset="0"/>
+                <a:cs typeface="Calibri" panose="020F0502020204030204" pitchFamily="34" charset="0"/>
+              </a:rPr>
+              <a:t>1) Analysis </a:t>
+            </a:r>
+          </a:p>
+          <a:p>
+            <a:pPr marL="742950" lvl="1" indent="-285750">
+              <a:buFont typeface="Arial" panose="020B0604020202020204" pitchFamily="34" charset="0"/>
+              <a:buChar char="•"/>
+            </a:pPr>
+            <a:r>
+              <a:rPr lang="en-US" sz="2400" dirty="0">
+                <a:solidFill>
+                  <a:schemeClr val="bg1"/>
+                </a:solidFill>
+                <a:latin typeface="Calibri" panose="020F0502020204030204" pitchFamily="34" charset="0"/>
+                <a:cs typeface="Calibri" panose="020F0502020204030204" pitchFamily="34" charset="0"/>
+              </a:rPr>
+              <a:t>2) Validation</a:t>
+            </a:r>
+          </a:p>
+          <a:p>
+            <a:pPr marL="285750" indent="-285750">
+              <a:buFont typeface="Arial" panose="020B0604020202020204" pitchFamily="34" charset="0"/>
+              <a:buChar char="•"/>
+            </a:pPr>
+            <a:r>
+              <a:rPr lang="en-US" sz="2400" dirty="0">
+                <a:solidFill>
+                  <a:schemeClr val="bg1"/>
+                </a:solidFill>
+                <a:latin typeface="Calibri" panose="020F0502020204030204" pitchFamily="34" charset="0"/>
+                <a:cs typeface="Calibri" panose="020F0502020204030204" pitchFamily="34" charset="0"/>
+              </a:rPr>
+              <a:t>Unique key: County</a:t>
+            </a:r>
+          </a:p>
+          <a:p>
+            <a:pPr marL="285750" indent="-285750">
+              <a:buFont typeface="Arial" panose="020B0604020202020204" pitchFamily="34" charset="0"/>
+              <a:buChar char="•"/>
+            </a:pPr>
+            <a:r>
+              <a:rPr lang="en-US" sz="2400" dirty="0">
+                <a:solidFill>
+                  <a:schemeClr val="bg1"/>
+                </a:solidFill>
+                <a:latin typeface="Calibri" panose="020F0502020204030204" pitchFamily="34" charset="0"/>
+                <a:cs typeface="Calibri" panose="020F0502020204030204" pitchFamily="34" charset="0"/>
+              </a:rPr>
+              <a:t> Unique county Federal Information Processing ID ( FIP) in each data source</a:t>
+            </a:r>
+          </a:p>
+          <a:p>
+            <a:pPr marL="285750" indent="-285750">
+              <a:buFont typeface="Arial" panose="020B0604020202020204" pitchFamily="34" charset="0"/>
+              <a:buChar char="•"/>
+            </a:pPr>
+            <a:endParaRPr lang="en-US" sz="2400" dirty="0">
+              <a:solidFill>
+                <a:schemeClr val="bg1"/>
+              </a:solidFill>
+              <a:latin typeface="Calibri" panose="020F0502020204030204" pitchFamily="34" charset="0"/>
+              <a:cs typeface="Calibri" panose="020F0502020204030204" pitchFamily="34" charset="0"/>
+            </a:endParaRPr>
+          </a:p>
+        </p:txBody>
+      </p:sp>
+      <p:pic>
+        <p:nvPicPr>
+          <p:cNvPr id="7" name="Picture 2" descr="Related image">
+            <a:extLst>
+              <a:ext uri="{FF2B5EF4-FFF2-40B4-BE49-F238E27FC236}">
+                <a16:creationId xmlns:a16="http://schemas.microsoft.com/office/drawing/2014/main" id="{88AD87DA-ABC1-494C-BA17-ED503734A354}"/>
+              </a:ext>
+            </a:extLst>
+          </p:cNvPr>
+          <p:cNvPicPr>
+            <a:picLocks noChangeAspect="1" noChangeArrowheads="1"/>
+          </p:cNvPicPr>
+          <p:nvPr/>
+        </p:nvPicPr>
+        <p:blipFill>
+          <a:blip r:embed="rId7">
+            <a:extLst>
+              <a:ext uri="{28A0092B-C50C-407E-A947-70E740481C1C}">
+                <a14:useLocalDpi xmlns:a14="http://schemas.microsoft.com/office/drawing/2010/main" val="0"/>
+              </a:ext>
+            </a:extLst>
+          </a:blip>
+          <a:srcRect/>
+          <a:stretch>
+            <a:fillRect/>
+          </a:stretch>
+        </p:blipFill>
+        <p:spPr bwMode="auto">
+          <a:xfrm>
+            <a:off x="8119634" y="2066592"/>
+            <a:ext cx="2874786" cy="2074587"/>
+          </a:xfrm>
+          <a:prstGeom prst="rect">
+            <a:avLst/>
+          </a:prstGeom>
+          <a:noFill/>
           <a:extLst>
             <a:ext uri="{909E8E84-426E-40DD-AFC4-6F175D3DCCD1}">
               <a14:hiddenFill xmlns:a14="http://schemas.microsoft.com/office/drawing/2010/main">
@@ -29250,45 +29669,6 @@
           </p:txBody>
         </p:sp>
       </p:grpSp>
-      <p:sp>
-        <p:nvSpPr>
-          <p:cNvPr id="2" name="Title 1">
-            <a:extLst>
-              <a:ext uri="{FF2B5EF4-FFF2-40B4-BE49-F238E27FC236}">
-                <a16:creationId xmlns:a16="http://schemas.microsoft.com/office/drawing/2014/main" id="{A6F4A470-30AE-4470-96F8-668E6BEF688A}"/>
-              </a:ext>
-            </a:extLst>
-          </p:cNvPr>
-          <p:cNvSpPr>
-            <a:spLocks noGrp="1"/>
-          </p:cNvSpPr>
-          <p:nvPr>
-            <p:ph type="title"/>
-          </p:nvPr>
-        </p:nvSpPr>
-        <p:spPr>
-          <a:xfrm>
-            <a:off x="1407198" y="238381"/>
-            <a:ext cx="8673427" cy="1048945"/>
-          </a:xfrm>
-        </p:spPr>
-        <p:txBody>
-          <a:bodyPr>
-            <a:normAutofit/>
-          </a:bodyPr>
-          <a:lstStyle/>
-          <a:p>
-            <a:r>
-              <a:rPr lang="en-US" sz="3200" dirty="0">
-                <a:solidFill>
-                  <a:schemeClr val="tx1"/>
-                </a:solidFill>
-              </a:rPr>
-              <a:t>Variables </a:t>
-            </a:r>
-          </a:p>
-        </p:txBody>
-      </p:sp>
       <p:graphicFrame>
         <p:nvGraphicFramePr>
           <p:cNvPr id="4" name="Content Placeholder 3">
@@ -29305,14 +29685,14 @@
             <p:ph idx="1"/>
             <p:extLst>
               <p:ext uri="{D42A27DB-BD31-4B8C-83A1-F6EECF244321}">
-                <p14:modId xmlns:p14="http://schemas.microsoft.com/office/powerpoint/2010/main" val="2342583827"/>
+                <p14:modId xmlns:p14="http://schemas.microsoft.com/office/powerpoint/2010/main" val="2455396141"/>
               </p:ext>
             </p:extLst>
           </p:nvPr>
         </p:nvGraphicFramePr>
         <p:xfrm>
-          <a:off x="3520800" y="376238"/>
-          <a:ext cx="5093625" cy="6344173"/>
+          <a:off x="4889178" y="107499"/>
+          <a:ext cx="5977261" cy="6552935"/>
         </p:xfrm>
         <a:graphic>
           <a:graphicData uri="http://schemas.openxmlformats.org/drawingml/2006/table">
@@ -29321,22 +29701,29 @@
                 <a:tableStyleId>{5C22544A-7EE6-4342-B048-85BDC9FD1C3A}</a:tableStyleId>
               </a:tblPr>
               <a:tblGrid>
-                <a:gridCol w="2325523">
+                <a:gridCol w="2209016">
                   <a:extLst>
                     <a:ext uri="{9D8B030D-6E8A-4147-A177-3AD203B41FA5}">
                       <a16:colId xmlns:a16="http://schemas.microsoft.com/office/drawing/2014/main" val="3411579560"/>
                     </a:ext>
                   </a:extLst>
                 </a:gridCol>
-                <a:gridCol w="2768102">
+                <a:gridCol w="1603551">
                   <a:extLst>
                     <a:ext uri="{9D8B030D-6E8A-4147-A177-3AD203B41FA5}">
-                      <a16:colId xmlns:a16="http://schemas.microsoft.com/office/drawing/2014/main" val="288273637"/>
+                      <a16:colId xmlns:a16="http://schemas.microsoft.com/office/drawing/2014/main" val="758078980"/>
+                    </a:ext>
+                  </a:extLst>
+                </a:gridCol>
+                <a:gridCol w="2164694">
+                  <a:extLst>
+                    <a:ext uri="{9D8B030D-6E8A-4147-A177-3AD203B41FA5}">
+                      <a16:colId xmlns:a16="http://schemas.microsoft.com/office/drawing/2014/main" val="3098581652"/>
                     </a:ext>
                   </a:extLst>
                 </a:gridCol>
               </a:tblGrid>
-              <a:tr h="272811">
+              <a:tr h="527440">
                 <a:tc>
                   <a:txBody>
                     <a:bodyPr/>
@@ -29377,35 +29764,28 @@
                     <a:bodyPr/>
                     <a:lstStyle/>
                     <a:p>
-                      <a:pPr marL="0" marR="0" lvl="0" indent="0" algn="l" defTabSz="914400" rtl="0" eaLnBrk="1" fontAlgn="auto" latinLnBrk="0" hangingPunct="1">
-                        <a:lnSpc>
-                          <a:spcPct val="107000"/>
-                        </a:lnSpc>
-                        <a:spcBef>
-                          <a:spcPts val="0"/>
-                        </a:spcBef>
-                        <a:spcAft>
-                          <a:spcPts val="0"/>
-                        </a:spcAft>
-                        <a:buClrTx/>
-                        <a:buSzTx/>
-                        <a:buFontTx/>
-                        <a:buNone/>
-                        <a:tabLst/>
-                        <a:defRPr/>
-                      </a:pPr>
                       <a:r>
-                        <a:rPr lang="en-US" sz="1800" dirty="0">
+                        <a:rPr lang="en-US" sz="1800">
                           <a:effectLst/>
                         </a:rPr>
                         <a:t>Variable Prefix</a:t>
                       </a:r>
-                      <a:endParaRPr lang="en-US" sz="1800" dirty="0">
-                        <a:effectLst/>
-                        <a:latin typeface="Calibri" panose="020F0502020204030204" pitchFamily="34" charset="0"/>
-                        <a:ea typeface="Calibri" panose="020F0502020204030204" pitchFamily="34" charset="0"/>
-                        <a:cs typeface="Times New Roman" panose="02020603050405020304" pitchFamily="18" charset="0"/>
-                      </a:endParaRPr>
+                      <a:endParaRPr lang="en-US" dirty="0"/>
+                    </a:p>
+                  </a:txBody>
+                  <a:tcPr marL="86320" marR="86320" marT="0" marB="0"/>
+                </a:tc>
+                <a:tc>
+                  <a:txBody>
+                    <a:bodyPr/>
+                    <a:lstStyle/>
+                    <a:p>
+                      <a:r>
+                        <a:rPr lang="en-US" sz="1800" dirty="0">
+                          <a:latin typeface="+mn-lt"/>
+                        </a:rPr>
+                        <a:t>Data Type</a:t>
+                      </a:r>
                     </a:p>
                   </a:txBody>
                   <a:tcPr marL="86320" marR="86320" marT="0" marB="0"/>
@@ -29416,7 +29796,7 @@
                   </a:ext>
                 </a:extLst>
               </a:tr>
-              <a:tr h="434261">
+              <a:tr h="429217">
                 <a:tc>
                   <a:txBody>
                     <a:bodyPr/>
@@ -29457,7 +29837,23 @@
                     <a:bodyPr/>
                     <a:lstStyle/>
                     <a:p>
-                      <a:pPr marL="0" marR="0" lvl="0" indent="0" algn="l" defTabSz="914400" rtl="0" eaLnBrk="1" fontAlgn="auto" latinLnBrk="0" hangingPunct="1">
+                      <a:r>
+                        <a:rPr lang="en-US" sz="1400">
+                          <a:effectLst/>
+                        </a:rPr>
+                        <a:t>En_burden</a:t>
+                      </a:r>
+                      <a:endParaRPr lang="en-US"/>
+                    </a:p>
+                  </a:txBody>
+                  <a:tcPr marL="86320" marR="86320" marT="0" marB="0"/>
+                </a:tc>
+                <a:tc>
+                  <a:txBody>
+                    <a:bodyPr/>
+                    <a:lstStyle/>
+                    <a:p>
+                      <a:pPr marL="0" marR="0">
                         <a:lnSpc>
                           <a:spcPct val="107000"/>
                         </a:lnSpc>
@@ -29467,28 +29863,19 @@
                         <a:spcAft>
                           <a:spcPts val="0"/>
                         </a:spcAft>
-                        <a:buClrTx/>
-                        <a:buSzTx/>
-                        <a:buFontTx/>
-                        <a:buNone/>
-                        <a:tabLst/>
-                        <a:defRPr/>
                       </a:pPr>
                       <a:r>
-                        <a:rPr lang="en-US" sz="1400" dirty="0" err="1">
+                        <a:rPr lang="en-US" sz="1400" dirty="0">
                           <a:effectLst/>
+                          <a:latin typeface="+mn-lt"/>
+                          <a:ea typeface="Calibri" panose="020F0502020204030204" pitchFamily="34" charset="0"/>
+                          <a:cs typeface="Times New Roman" panose="02020603050405020304" pitchFamily="18" charset="0"/>
                         </a:rPr>
-                        <a:t>En_burden</a:t>
+                        <a:t>Continuous, nominal</a:t>
                       </a:r>
-                      <a:endParaRPr lang="en-US" sz="1400" dirty="0">
-                        <a:effectLst/>
-                        <a:latin typeface="Calibri" panose="020F0502020204030204" pitchFamily="34" charset="0"/>
-                        <a:ea typeface="Calibri" panose="020F0502020204030204" pitchFamily="34" charset="0"/>
-                        <a:cs typeface="Times New Roman" panose="02020603050405020304" pitchFamily="18" charset="0"/>
-                      </a:endParaRPr>
                     </a:p>
                   </a:txBody>
-                  <a:tcPr marL="86320" marR="86320" marT="0" marB="0"/>
+                  <a:tcPr marL="68580" marR="68580" marT="0" marB="0"/>
                 </a:tc>
                 <a:extLst>
                   <a:ext uri="{0D108BD9-81ED-4DB2-BD59-A6C34878D82A}">
@@ -29496,7 +29883,7 @@
                   </a:ext>
                 </a:extLst>
               </a:tr>
-              <a:tr h="261773">
+              <a:tr h="251658">
                 <a:tc>
                   <a:txBody>
                     <a:bodyPr/>
@@ -29520,7 +29907,7 @@
                           <a:ea typeface="Calibri" panose="020F0502020204030204" pitchFamily="34" charset="0"/>
                           <a:cs typeface="Times New Roman" panose="02020603050405020304" pitchFamily="18" charset="0"/>
                         </a:rPr>
-                        <a:t>Federal Identification</a:t>
+                        <a:t>Federal Identification #</a:t>
                       </a:r>
                     </a:p>
                   </a:txBody>
@@ -29531,7 +29918,23 @@
                     <a:bodyPr/>
                     <a:lstStyle/>
                     <a:p>
-                      <a:pPr marL="0" marR="0" lvl="0" indent="0" algn="l" defTabSz="914400" rtl="0" eaLnBrk="1" fontAlgn="auto" latinLnBrk="0" hangingPunct="1">
+                      <a:r>
+                        <a:rPr lang="en-US" sz="1400">
+                          <a:effectLst/>
+                        </a:rPr>
+                        <a:t>fip</a:t>
+                      </a:r>
+                      <a:endParaRPr lang="en-US" dirty="0"/>
+                    </a:p>
+                  </a:txBody>
+                  <a:tcPr marL="86320" marR="86320" marT="0" marB="0"/>
+                </a:tc>
+                <a:tc>
+                  <a:txBody>
+                    <a:bodyPr/>
+                    <a:lstStyle/>
+                    <a:p>
+                      <a:pPr marL="0" marR="0">
                         <a:lnSpc>
                           <a:spcPct val="107000"/>
                         </a:lnSpc>
@@ -29541,28 +29944,19 @@
                         <a:spcAft>
                           <a:spcPts val="0"/>
                         </a:spcAft>
-                        <a:buClrTx/>
-                        <a:buSzTx/>
-                        <a:buFontTx/>
-                        <a:buNone/>
-                        <a:tabLst/>
-                        <a:defRPr/>
                       </a:pPr>
                       <a:r>
-                        <a:rPr lang="en-US" sz="1400" dirty="0" err="1">
+                        <a:rPr lang="en-US" sz="1400">
                           <a:effectLst/>
+                          <a:latin typeface="+mn-lt"/>
+                          <a:ea typeface="Calibri" panose="020F0502020204030204" pitchFamily="34" charset="0"/>
+                          <a:cs typeface="Times New Roman" panose="02020603050405020304" pitchFamily="18" charset="0"/>
                         </a:rPr>
-                        <a:t>fip</a:t>
+                        <a:t>Nominal, integer</a:t>
                       </a:r>
-                      <a:endParaRPr lang="en-US" sz="1400" dirty="0">
-                        <a:effectLst/>
-                        <a:latin typeface="Calibri" panose="020F0502020204030204" pitchFamily="34" charset="0"/>
-                        <a:ea typeface="Calibri" panose="020F0502020204030204" pitchFamily="34" charset="0"/>
-                        <a:cs typeface="Times New Roman" panose="02020603050405020304" pitchFamily="18" charset="0"/>
-                      </a:endParaRPr>
                     </a:p>
                   </a:txBody>
-                  <a:tcPr marL="86320" marR="86320" marT="0" marB="0"/>
+                  <a:tcPr marL="68580" marR="68580" marT="0" marB="0"/>
                 </a:tc>
                 <a:extLst>
                   <a:ext uri="{0D108BD9-81ED-4DB2-BD59-A6C34878D82A}">
@@ -29570,7 +29964,7 @@
                   </a:ext>
                 </a:extLst>
               </a:tr>
-              <a:tr h="261773">
+              <a:tr h="251658">
                 <a:tc>
                   <a:txBody>
                     <a:bodyPr/>
@@ -29605,7 +29999,23 @@
                     <a:bodyPr/>
                     <a:lstStyle/>
                     <a:p>
-                      <a:pPr marL="0" marR="0" lvl="0" indent="0" algn="l" defTabSz="914400" rtl="0" eaLnBrk="1" fontAlgn="auto" latinLnBrk="0" hangingPunct="1">
+                      <a:r>
+                        <a:rPr lang="en-US" sz="1400" dirty="0" err="1">
+                          <a:effectLst/>
+                        </a:rPr>
+                        <a:t>cnty</a:t>
+                      </a:r>
+                      <a:endParaRPr lang="en-US" dirty="0"/>
+                    </a:p>
+                  </a:txBody>
+                  <a:tcPr marL="86320" marR="86320" marT="0" marB="0"/>
+                </a:tc>
+                <a:tc>
+                  <a:txBody>
+                    <a:bodyPr/>
+                    <a:lstStyle/>
+                    <a:p>
+                      <a:pPr marL="0" marR="0">
                         <a:lnSpc>
                           <a:spcPct val="107000"/>
                         </a:lnSpc>
@@ -29615,28 +30025,19 @@
                         <a:spcAft>
                           <a:spcPts val="0"/>
                         </a:spcAft>
-                        <a:buClrTx/>
-                        <a:buSzTx/>
-                        <a:buFontTx/>
-                        <a:buNone/>
-                        <a:tabLst/>
-                        <a:defRPr/>
                       </a:pPr>
                       <a:r>
-                        <a:rPr lang="en-US" sz="1400" dirty="0" err="1">
+                        <a:rPr lang="en-US" sz="1400" dirty="0">
                           <a:effectLst/>
+                          <a:latin typeface="+mn-lt"/>
+                          <a:ea typeface="Calibri" panose="020F0502020204030204" pitchFamily="34" charset="0"/>
+                          <a:cs typeface="Times New Roman" panose="02020603050405020304" pitchFamily="18" charset="0"/>
                         </a:rPr>
-                        <a:t>cnty</a:t>
+                        <a:t>Nominal, integer</a:t>
                       </a:r>
-                      <a:endParaRPr lang="en-US" sz="1400" dirty="0">
-                        <a:effectLst/>
-                        <a:latin typeface="Calibri" panose="020F0502020204030204" pitchFamily="34" charset="0"/>
-                        <a:ea typeface="Calibri" panose="020F0502020204030204" pitchFamily="34" charset="0"/>
-                        <a:cs typeface="Times New Roman" panose="02020603050405020304" pitchFamily="18" charset="0"/>
-                      </a:endParaRPr>
                     </a:p>
                   </a:txBody>
-                  <a:tcPr marL="86320" marR="86320" marT="0" marB="0"/>
+                  <a:tcPr marL="68580" marR="68580" marT="0" marB="0"/>
                 </a:tc>
                 <a:extLst>
                   <a:ext uri="{0D108BD9-81ED-4DB2-BD59-A6C34878D82A}">
@@ -29644,8 +30045,8 @@
                   </a:ext>
                 </a:extLst>
               </a:tr>
-              <a:tr h="281873">
-                <a:tc gridSpan="2">
+              <a:tr h="270981">
+                <a:tc gridSpan="3">
                   <a:txBody>
                     <a:bodyPr/>
                     <a:lstStyle/>
@@ -29684,13 +30085,39 @@
                   </a:txBody>
                   <a:tcPr/>
                 </a:tc>
+                <a:tc hMerge="1">
+                  <a:txBody>
+                    <a:bodyPr/>
+                    <a:lstStyle/>
+                    <a:p>
+                      <a:pPr marL="0" marR="0" algn="ctr">
+                        <a:lnSpc>
+                          <a:spcPct val="107000"/>
+                        </a:lnSpc>
+                        <a:spcBef>
+                          <a:spcPts val="0"/>
+                        </a:spcBef>
+                        <a:spcAft>
+                          <a:spcPts val="0"/>
+                        </a:spcAft>
+                      </a:pPr>
+                      <a:endParaRPr lang="en-US" sz="1800" dirty="0">
+                        <a:effectLst/>
+                        <a:latin typeface="Calibri" panose="020F0502020204030204" pitchFamily="34" charset="0"/>
+                        <a:ea typeface="Calibri" panose="020F0502020204030204" pitchFamily="34" charset="0"/>
+                        <a:cs typeface="Times New Roman" panose="02020603050405020304" pitchFamily="18" charset="0"/>
+                      </a:endParaRPr>
+                    </a:p>
+                  </a:txBody>
+                  <a:tcPr marL="86320" marR="86320" marT="0" marB="0"/>
+                </a:tc>
                 <a:extLst>
                   <a:ext uri="{0D108BD9-81ED-4DB2-BD59-A6C34878D82A}">
                     <a16:rowId xmlns:a16="http://schemas.microsoft.com/office/drawing/2014/main" val="2633151730"/>
                   </a:ext>
                 </a:extLst>
               </a:tr>
-              <a:tr h="434261">
+              <a:tr h="306097">
                 <a:tc>
                   <a:txBody>
                     <a:bodyPr/>
@@ -29725,36 +30152,21 @@
                     <a:bodyPr/>
                     <a:lstStyle/>
                     <a:p>
-                      <a:pPr marL="0" marR="0" lvl="0" indent="0" algn="l" defTabSz="914400" rtl="0" eaLnBrk="1" fontAlgn="auto" latinLnBrk="0" hangingPunct="1">
-                        <a:lnSpc>
-                          <a:spcPct val="107000"/>
-                        </a:lnSpc>
-                        <a:spcBef>
-                          <a:spcPts val="0"/>
-                        </a:spcBef>
-                        <a:spcAft>
-                          <a:spcPts val="0"/>
-                        </a:spcAft>
-                        <a:buClrTx/>
-                        <a:buSzTx/>
-                        <a:buFontTx/>
-                        <a:buNone/>
-                        <a:tabLst/>
-                        <a:defRPr/>
-                      </a:pPr>
                       <a:r>
-                        <a:rPr lang="en-US" sz="1400" dirty="0" err="1">
+                        <a:rPr lang="en-US" sz="1400">
                           <a:effectLst/>
                         </a:rPr>
                         <a:t>pcnt_hisp</a:t>
                       </a:r>
-                      <a:endParaRPr lang="en-US" sz="1400" dirty="0">
-                        <a:effectLst/>
-                        <a:latin typeface="Calibri" panose="020F0502020204030204" pitchFamily="34" charset="0"/>
-                        <a:ea typeface="Calibri" panose="020F0502020204030204" pitchFamily="34" charset="0"/>
-                        <a:cs typeface="Times New Roman" panose="02020603050405020304" pitchFamily="18" charset="0"/>
-                      </a:endParaRPr>
+                      <a:endParaRPr lang="en-US"/>
                     </a:p>
+                  </a:txBody>
+                  <a:tcPr marL="86320" marR="86320" marT="0" marB="0"/>
+                </a:tc>
+                <a:tc>
+                  <a:txBody>
+                    <a:bodyPr/>
+                    <a:lstStyle/>
                     <a:p>
                       <a:pPr marL="0" marR="0">
                         <a:lnSpc>
@@ -29767,15 +30179,18 @@
                           <a:spcPts val="0"/>
                         </a:spcAft>
                       </a:pPr>
-                      <a:endParaRPr lang="en-US" sz="1400" dirty="0">
-                        <a:effectLst/>
-                        <a:latin typeface="Calibri" panose="020F0502020204030204" pitchFamily="34" charset="0"/>
-                        <a:ea typeface="Calibri" panose="020F0502020204030204" pitchFamily="34" charset="0"/>
-                        <a:cs typeface="Times New Roman" panose="02020603050405020304" pitchFamily="18" charset="0"/>
-                      </a:endParaRPr>
+                      <a:r>
+                        <a:rPr lang="en-US" sz="1400">
+                          <a:effectLst/>
+                          <a:latin typeface="+mn-lt"/>
+                          <a:ea typeface="Calibri" panose="020F0502020204030204" pitchFamily="34" charset="0"/>
+                          <a:cs typeface="Times New Roman" panose="02020603050405020304" pitchFamily="18" charset="0"/>
+                        </a:rPr>
+                        <a:t>Continuous, numerical</a:t>
+                      </a:r>
                     </a:p>
                   </a:txBody>
-                  <a:tcPr marL="86320" marR="86320" marT="0" marB="0"/>
+                  <a:tcPr marL="68580" marR="68580" marT="0" marB="0"/>
                 </a:tc>
                 <a:extLst>
                   <a:ext uri="{0D108BD9-81ED-4DB2-BD59-A6C34878D82A}">
@@ -29783,7 +30198,7 @@
                   </a:ext>
                 </a:extLst>
               </a:tr>
-              <a:tr h="434261">
+              <a:tr h="429217">
                 <a:tc>
                   <a:txBody>
                     <a:bodyPr/>
@@ -29818,36 +30233,21 @@
                     <a:bodyPr/>
                     <a:lstStyle/>
                     <a:p>
-                      <a:pPr marL="0" marR="0" lvl="0" indent="0" algn="l" defTabSz="914400" rtl="0" eaLnBrk="1" fontAlgn="auto" latinLnBrk="0" hangingPunct="1">
-                        <a:lnSpc>
-                          <a:spcPct val="107000"/>
-                        </a:lnSpc>
-                        <a:spcBef>
-                          <a:spcPts val="0"/>
-                        </a:spcBef>
-                        <a:spcAft>
-                          <a:spcPts val="0"/>
-                        </a:spcAft>
-                        <a:buClrTx/>
-                        <a:buSzTx/>
-                        <a:buFontTx/>
-                        <a:buNone/>
-                        <a:tabLst/>
-                        <a:defRPr/>
-                      </a:pPr>
                       <a:r>
-                        <a:rPr lang="en-US" sz="1400" dirty="0" err="1">
+                        <a:rPr lang="en-US" sz="1400">
                           <a:effectLst/>
                         </a:rPr>
                         <a:t>pcnt_blk</a:t>
                       </a:r>
-                      <a:endParaRPr lang="en-US" sz="1400" dirty="0">
-                        <a:effectLst/>
-                        <a:latin typeface="Calibri" panose="020F0502020204030204" pitchFamily="34" charset="0"/>
-                        <a:ea typeface="Calibri" panose="020F0502020204030204" pitchFamily="34" charset="0"/>
-                        <a:cs typeface="Times New Roman" panose="02020603050405020304" pitchFamily="18" charset="0"/>
-                      </a:endParaRPr>
+                      <a:endParaRPr lang="en-US" dirty="0"/>
                     </a:p>
+                  </a:txBody>
+                  <a:tcPr marL="86320" marR="86320" marT="0" marB="0"/>
+                </a:tc>
+                <a:tc>
+                  <a:txBody>
+                    <a:bodyPr/>
+                    <a:lstStyle/>
                     <a:p>
                       <a:pPr marL="0" marR="0">
                         <a:lnSpc>
@@ -29860,15 +30260,18 @@
                           <a:spcPts val="0"/>
                         </a:spcAft>
                       </a:pPr>
-                      <a:endParaRPr lang="en-US" sz="1400" dirty="0">
-                        <a:effectLst/>
-                        <a:latin typeface="Calibri" panose="020F0502020204030204" pitchFamily="34" charset="0"/>
-                        <a:ea typeface="Calibri" panose="020F0502020204030204" pitchFamily="34" charset="0"/>
-                        <a:cs typeface="Times New Roman" panose="02020603050405020304" pitchFamily="18" charset="0"/>
-                      </a:endParaRPr>
+                      <a:r>
+                        <a:rPr lang="en-US" sz="1400" dirty="0">
+                          <a:effectLst/>
+                          <a:latin typeface="+mn-lt"/>
+                          <a:ea typeface="Calibri" panose="020F0502020204030204" pitchFamily="34" charset="0"/>
+                          <a:cs typeface="Times New Roman" panose="02020603050405020304" pitchFamily="18" charset="0"/>
+                        </a:rPr>
+                        <a:t>Continuous, numerical</a:t>
+                      </a:r>
                     </a:p>
                   </a:txBody>
-                  <a:tcPr marL="86320" marR="86320" marT="0" marB="0"/>
+                  <a:tcPr marL="68580" marR="68580" marT="0" marB="0"/>
                 </a:tc>
                 <a:extLst>
                   <a:ext uri="{0D108BD9-81ED-4DB2-BD59-A6C34878D82A}">
@@ -29876,7 +30279,7 @@
                   </a:ext>
                 </a:extLst>
               </a:tr>
-              <a:tr h="261773">
+              <a:tr h="251658">
                 <a:tc>
                   <a:txBody>
                     <a:bodyPr/>
@@ -29911,7 +30314,23 @@
                     <a:bodyPr/>
                     <a:lstStyle/>
                     <a:p>
-                      <a:pPr marL="0" marR="0" lvl="0" indent="0" algn="l" defTabSz="914400" rtl="0" eaLnBrk="1" fontAlgn="auto" latinLnBrk="0" hangingPunct="1">
+                      <a:r>
+                        <a:rPr lang="en-US" sz="1400">
+                          <a:effectLst/>
+                        </a:rPr>
+                        <a:t>pcnt_rural</a:t>
+                      </a:r>
+                      <a:endParaRPr lang="en-US" dirty="0"/>
+                    </a:p>
+                  </a:txBody>
+                  <a:tcPr marL="86320" marR="86320" marT="0" marB="0"/>
+                </a:tc>
+                <a:tc>
+                  <a:txBody>
+                    <a:bodyPr/>
+                    <a:lstStyle/>
+                    <a:p>
+                      <a:pPr marL="0" marR="0">
                         <a:lnSpc>
                           <a:spcPct val="107000"/>
                         </a:lnSpc>
@@ -29921,28 +30340,19 @@
                         <a:spcAft>
                           <a:spcPts val="0"/>
                         </a:spcAft>
-                        <a:buClrTx/>
-                        <a:buSzTx/>
-                        <a:buFontTx/>
-                        <a:buNone/>
-                        <a:tabLst/>
-                        <a:defRPr/>
                       </a:pPr>
                       <a:r>
-                        <a:rPr lang="en-US" sz="1400" dirty="0" err="1">
+                        <a:rPr lang="en-US" sz="1400">
                           <a:effectLst/>
+                          <a:latin typeface="+mn-lt"/>
+                          <a:ea typeface="Calibri" panose="020F0502020204030204" pitchFamily="34" charset="0"/>
+                          <a:cs typeface="Times New Roman" panose="02020603050405020304" pitchFamily="18" charset="0"/>
                         </a:rPr>
-                        <a:t>pcnt_rural</a:t>
+                        <a:t>Continuous, numerical</a:t>
                       </a:r>
-                      <a:endParaRPr lang="en-US" sz="1400" dirty="0">
-                        <a:effectLst/>
-                        <a:latin typeface="Calibri" panose="020F0502020204030204" pitchFamily="34" charset="0"/>
-                        <a:ea typeface="Calibri" panose="020F0502020204030204" pitchFamily="34" charset="0"/>
-                        <a:cs typeface="Times New Roman" panose="02020603050405020304" pitchFamily="18" charset="0"/>
-                      </a:endParaRPr>
                     </a:p>
                   </a:txBody>
-                  <a:tcPr marL="86320" marR="86320" marT="0" marB="0"/>
+                  <a:tcPr marL="68580" marR="68580" marT="0" marB="0"/>
                 </a:tc>
                 <a:extLst>
                   <a:ext uri="{0D108BD9-81ED-4DB2-BD59-A6C34878D82A}">
@@ -29950,7 +30360,7 @@
                   </a:ext>
                 </a:extLst>
               </a:tr>
-              <a:tr h="261773">
+              <a:tr h="251658">
                 <a:tc>
                   <a:txBody>
                     <a:bodyPr/>
@@ -29985,7 +30395,23 @@
                     <a:bodyPr/>
                     <a:lstStyle/>
                     <a:p>
-                      <a:pPr marL="0" marR="0" lvl="0" indent="0" algn="l" defTabSz="914400" rtl="0" eaLnBrk="1" fontAlgn="auto" latinLnBrk="0" hangingPunct="1">
+                      <a:r>
+                        <a:rPr lang="en-US" sz="1400" dirty="0" err="1">
+                          <a:effectLst/>
+                        </a:rPr>
+                        <a:t>pcnt_sr</a:t>
+                      </a:r>
+                      <a:endParaRPr lang="en-US" dirty="0"/>
+                    </a:p>
+                  </a:txBody>
+                  <a:tcPr marL="86320" marR="86320" marT="0" marB="0"/>
+                </a:tc>
+                <a:tc>
+                  <a:txBody>
+                    <a:bodyPr/>
+                    <a:lstStyle/>
+                    <a:p>
+                      <a:pPr marL="0" marR="0">
                         <a:lnSpc>
                           <a:spcPct val="107000"/>
                         </a:lnSpc>
@@ -29995,28 +30421,19 @@
                         <a:spcAft>
                           <a:spcPts val="0"/>
                         </a:spcAft>
-                        <a:buClrTx/>
-                        <a:buSzTx/>
-                        <a:buFontTx/>
-                        <a:buNone/>
-                        <a:tabLst/>
-                        <a:defRPr/>
                       </a:pPr>
                       <a:r>
-                        <a:rPr lang="en-US" sz="1400" dirty="0" err="1">
+                        <a:rPr lang="en-US" sz="1400" dirty="0">
                           <a:effectLst/>
+                          <a:latin typeface="+mn-lt"/>
+                          <a:ea typeface="Calibri" panose="020F0502020204030204" pitchFamily="34" charset="0"/>
+                          <a:cs typeface="Times New Roman" panose="02020603050405020304" pitchFamily="18" charset="0"/>
                         </a:rPr>
-                        <a:t>pcnt_sr</a:t>
+                        <a:t>Continuous, numerical</a:t>
                       </a:r>
-                      <a:endParaRPr lang="en-US" sz="1400" dirty="0">
-                        <a:effectLst/>
-                        <a:latin typeface="Calibri" panose="020F0502020204030204" pitchFamily="34" charset="0"/>
-                        <a:ea typeface="Calibri" panose="020F0502020204030204" pitchFamily="34" charset="0"/>
-                        <a:cs typeface="Times New Roman" panose="02020603050405020304" pitchFamily="18" charset="0"/>
-                      </a:endParaRPr>
                     </a:p>
                   </a:txBody>
-                  <a:tcPr marL="86320" marR="86320" marT="0" marB="0"/>
+                  <a:tcPr marL="68580" marR="68580" marT="0" marB="0"/>
                 </a:tc>
                 <a:extLst>
                   <a:ext uri="{0D108BD9-81ED-4DB2-BD59-A6C34878D82A}">
@@ -30024,8 +30441,8 @@
                   </a:ext>
                 </a:extLst>
               </a:tr>
-              <a:tr h="281873">
-                <a:tc gridSpan="2">
+              <a:tr h="270981">
+                <a:tc gridSpan="3">
                   <a:txBody>
                     <a:bodyPr/>
                     <a:lstStyle/>
@@ -30064,13 +30481,39 @@
                   </a:txBody>
                   <a:tcPr/>
                 </a:tc>
+                <a:tc hMerge="1">
+                  <a:txBody>
+                    <a:bodyPr/>
+                    <a:lstStyle/>
+                    <a:p>
+                      <a:pPr marL="0" marR="0" algn="ctr">
+                        <a:lnSpc>
+                          <a:spcPct val="107000"/>
+                        </a:lnSpc>
+                        <a:spcBef>
+                          <a:spcPts val="0"/>
+                        </a:spcBef>
+                        <a:spcAft>
+                          <a:spcPts val="0"/>
+                        </a:spcAft>
+                      </a:pPr>
+                      <a:endParaRPr lang="en-US" sz="1800" dirty="0">
+                        <a:effectLst/>
+                        <a:latin typeface="Calibri" panose="020F0502020204030204" pitchFamily="34" charset="0"/>
+                        <a:ea typeface="Calibri" panose="020F0502020204030204" pitchFamily="34" charset="0"/>
+                        <a:cs typeface="Times New Roman" panose="02020603050405020304" pitchFamily="18" charset="0"/>
+                      </a:endParaRPr>
+                    </a:p>
+                  </a:txBody>
+                  <a:tcPr marL="86320" marR="86320" marT="0" marB="0"/>
+                </a:tc>
                 <a:extLst>
                   <a:ext uri="{0D108BD9-81ED-4DB2-BD59-A6C34878D82A}">
                     <a16:rowId xmlns:a16="http://schemas.microsoft.com/office/drawing/2014/main" val="321035522"/>
                   </a:ext>
                 </a:extLst>
               </a:tr>
-              <a:tr h="261773">
+              <a:tr h="251658">
                 <a:tc>
                   <a:txBody>
                     <a:bodyPr/>
@@ -30105,7 +30548,23 @@
                     <a:bodyPr/>
                     <a:lstStyle/>
                     <a:p>
-                      <a:pPr marL="0" marR="0" lvl="0" indent="0" algn="l" defTabSz="914400" rtl="0" eaLnBrk="1" fontAlgn="auto" latinLnBrk="0" hangingPunct="1">
+                      <a:r>
+                        <a:rPr lang="en-US" sz="1400">
+                          <a:effectLst/>
+                        </a:rPr>
+                        <a:t>pcnt_unemp</a:t>
+                      </a:r>
+                      <a:endParaRPr lang="en-US"/>
+                    </a:p>
+                  </a:txBody>
+                  <a:tcPr marL="86320" marR="86320" marT="0" marB="0"/>
+                </a:tc>
+                <a:tc>
+                  <a:txBody>
+                    <a:bodyPr/>
+                    <a:lstStyle/>
+                    <a:p>
+                      <a:pPr marL="0" marR="0">
                         <a:lnSpc>
                           <a:spcPct val="107000"/>
                         </a:lnSpc>
@@ -30115,28 +30574,19 @@
                         <a:spcAft>
                           <a:spcPts val="0"/>
                         </a:spcAft>
-                        <a:buClrTx/>
-                        <a:buSzTx/>
-                        <a:buFontTx/>
-                        <a:buNone/>
-                        <a:tabLst/>
-                        <a:defRPr/>
                       </a:pPr>
                       <a:r>
-                        <a:rPr lang="en-US" sz="1400" dirty="0" err="1">
+                        <a:rPr lang="en-US" sz="1400">
                           <a:effectLst/>
+                          <a:latin typeface="+mn-lt"/>
+                          <a:ea typeface="Calibri" panose="020F0502020204030204" pitchFamily="34" charset="0"/>
+                          <a:cs typeface="Times New Roman" panose="02020603050405020304" pitchFamily="18" charset="0"/>
                         </a:rPr>
-                        <a:t>pcnt_unemp</a:t>
+                        <a:t>Continuous, numerical</a:t>
                       </a:r>
-                      <a:endParaRPr lang="en-US" sz="1400" dirty="0">
-                        <a:effectLst/>
-                        <a:latin typeface="Calibri" panose="020F0502020204030204" pitchFamily="34" charset="0"/>
-                        <a:ea typeface="Calibri" panose="020F0502020204030204" pitchFamily="34" charset="0"/>
-                        <a:cs typeface="Times New Roman" panose="02020603050405020304" pitchFamily="18" charset="0"/>
-                      </a:endParaRPr>
                     </a:p>
                   </a:txBody>
-                  <a:tcPr marL="86320" marR="86320" marT="0" marB="0"/>
+                  <a:tcPr marL="68580" marR="68580" marT="0" marB="0"/>
                 </a:tc>
                 <a:extLst>
                   <a:ext uri="{0D108BD9-81ED-4DB2-BD59-A6C34878D82A}">
@@ -30144,7 +30594,7 @@
                   </a:ext>
                 </a:extLst>
               </a:tr>
-              <a:tr h="434261">
+              <a:tr h="417481">
                 <a:tc>
                   <a:txBody>
                     <a:bodyPr/>
@@ -30179,36 +30629,21 @@
                     <a:bodyPr/>
                     <a:lstStyle/>
                     <a:p>
-                      <a:pPr marL="0" marR="0" lvl="0" indent="0" algn="l" defTabSz="914400" rtl="0" eaLnBrk="1" fontAlgn="auto" latinLnBrk="0" hangingPunct="1">
-                        <a:lnSpc>
-                          <a:spcPct val="107000"/>
-                        </a:lnSpc>
-                        <a:spcBef>
-                          <a:spcPts val="0"/>
-                        </a:spcBef>
-                        <a:spcAft>
-                          <a:spcPts val="0"/>
-                        </a:spcAft>
-                        <a:buClrTx/>
-                        <a:buSzTx/>
-                        <a:buFontTx/>
-                        <a:buNone/>
-                        <a:tabLst/>
-                        <a:defRPr/>
-                      </a:pPr>
                       <a:r>
-                        <a:rPr lang="en-US" sz="1400" dirty="0" err="1">
+                        <a:rPr lang="en-US" sz="1400">
                           <a:effectLst/>
                         </a:rPr>
                         <a:t>pcnt_pov</a:t>
                       </a:r>
-                      <a:endParaRPr lang="en-US" sz="1400" dirty="0">
-                        <a:effectLst/>
-                        <a:latin typeface="Calibri" panose="020F0502020204030204" pitchFamily="34" charset="0"/>
-                        <a:ea typeface="Calibri" panose="020F0502020204030204" pitchFamily="34" charset="0"/>
-                        <a:cs typeface="Times New Roman" panose="02020603050405020304" pitchFamily="18" charset="0"/>
-                      </a:endParaRPr>
+                      <a:endParaRPr lang="en-US" dirty="0"/>
                     </a:p>
+                  </a:txBody>
+                  <a:tcPr marL="86320" marR="86320" marT="0" marB="0"/>
+                </a:tc>
+                <a:tc>
+                  <a:txBody>
+                    <a:bodyPr/>
+                    <a:lstStyle/>
                     <a:p>
                       <a:pPr marL="0" marR="0">
                         <a:lnSpc>
@@ -30221,15 +30656,18 @@
                           <a:spcPts val="0"/>
                         </a:spcAft>
                       </a:pPr>
-                      <a:endParaRPr lang="en-US" sz="1400" dirty="0">
-                        <a:effectLst/>
-                        <a:latin typeface="Calibri" panose="020F0502020204030204" pitchFamily="34" charset="0"/>
-                        <a:ea typeface="Calibri" panose="020F0502020204030204" pitchFamily="34" charset="0"/>
-                        <a:cs typeface="Times New Roman" panose="02020603050405020304" pitchFamily="18" charset="0"/>
-                      </a:endParaRPr>
+                      <a:r>
+                        <a:rPr lang="en-US" sz="1400">
+                          <a:effectLst/>
+                          <a:latin typeface="+mn-lt"/>
+                          <a:ea typeface="Calibri" panose="020F0502020204030204" pitchFamily="34" charset="0"/>
+                          <a:cs typeface="Times New Roman" panose="02020603050405020304" pitchFamily="18" charset="0"/>
+                        </a:rPr>
+                        <a:t>Continuous, numerical</a:t>
+                      </a:r>
                     </a:p>
                   </a:txBody>
-                  <a:tcPr marL="86320" marR="86320" marT="0" marB="0"/>
+                  <a:tcPr marL="68580" marR="68580" marT="0" marB="0"/>
                 </a:tc>
                 <a:extLst>
                   <a:ext uri="{0D108BD9-81ED-4DB2-BD59-A6C34878D82A}">
@@ -30237,7 +30675,7 @@
                   </a:ext>
                 </a:extLst>
               </a:tr>
-              <a:tr h="434261">
+              <a:tr h="429217">
                 <a:tc>
                   <a:txBody>
                     <a:bodyPr/>
@@ -30272,36 +30710,21 @@
                     <a:bodyPr/>
                     <a:lstStyle/>
                     <a:p>
-                      <a:pPr marL="0" marR="0" lvl="0" indent="0" algn="l" defTabSz="914400" rtl="0" eaLnBrk="1" fontAlgn="auto" latinLnBrk="0" hangingPunct="1">
-                        <a:lnSpc>
-                          <a:spcPct val="107000"/>
-                        </a:lnSpc>
-                        <a:spcBef>
-                          <a:spcPts val="0"/>
-                        </a:spcBef>
-                        <a:spcAft>
-                          <a:spcPts val="0"/>
-                        </a:spcAft>
-                        <a:buClrTx/>
-                        <a:buSzTx/>
-                        <a:buFontTx/>
-                        <a:buNone/>
-                        <a:tabLst/>
-                        <a:defRPr/>
-                      </a:pPr>
                       <a:r>
-                        <a:rPr lang="en-US" sz="1400" dirty="0" err="1">
+                        <a:rPr lang="en-US" sz="1400">
                           <a:effectLst/>
                         </a:rPr>
                         <a:t>pcnt_income</a:t>
                       </a:r>
-                      <a:endParaRPr lang="en-US" sz="1400" dirty="0">
-                        <a:effectLst/>
-                        <a:latin typeface="Calibri" panose="020F0502020204030204" pitchFamily="34" charset="0"/>
-                        <a:ea typeface="Calibri" panose="020F0502020204030204" pitchFamily="34" charset="0"/>
-                        <a:cs typeface="Times New Roman" panose="02020603050405020304" pitchFamily="18" charset="0"/>
-                      </a:endParaRPr>
+                      <a:endParaRPr lang="en-US" dirty="0"/>
                     </a:p>
+                  </a:txBody>
+                  <a:tcPr marL="86320" marR="86320" marT="0" marB="0"/>
+                </a:tc>
+                <a:tc>
+                  <a:txBody>
+                    <a:bodyPr/>
+                    <a:lstStyle/>
                     <a:p>
                       <a:pPr marL="0" marR="0">
                         <a:lnSpc>
@@ -30314,15 +30737,18 @@
                           <a:spcPts val="0"/>
                         </a:spcAft>
                       </a:pPr>
-                      <a:endParaRPr lang="en-US" sz="1400" dirty="0">
-                        <a:effectLst/>
-                        <a:latin typeface="Calibri" panose="020F0502020204030204" pitchFamily="34" charset="0"/>
-                        <a:ea typeface="Calibri" panose="020F0502020204030204" pitchFamily="34" charset="0"/>
-                        <a:cs typeface="Times New Roman" panose="02020603050405020304" pitchFamily="18" charset="0"/>
-                      </a:endParaRPr>
+                      <a:r>
+                        <a:rPr lang="en-US" sz="1400">
+                          <a:effectLst/>
+                          <a:latin typeface="+mn-lt"/>
+                          <a:ea typeface="Calibri" panose="020F0502020204030204" pitchFamily="34" charset="0"/>
+                          <a:cs typeface="Times New Roman" panose="02020603050405020304" pitchFamily="18" charset="0"/>
+                        </a:rPr>
+                        <a:t>Continuous, numerical</a:t>
+                      </a:r>
                     </a:p>
                   </a:txBody>
-                  <a:tcPr marL="86320" marR="86320" marT="0" marB="0"/>
+                  <a:tcPr marL="68580" marR="68580" marT="0" marB="0"/>
                 </a:tc>
                 <a:extLst>
                   <a:ext uri="{0D108BD9-81ED-4DB2-BD59-A6C34878D82A}">
@@ -30330,7 +30756,7 @@
                   </a:ext>
                 </a:extLst>
               </a:tr>
-              <a:tr h="434261">
+              <a:tr h="429217">
                 <a:tc>
                   <a:txBody>
                     <a:bodyPr/>
@@ -30365,36 +30791,21 @@
                     <a:bodyPr/>
                     <a:lstStyle/>
                     <a:p>
-                      <a:pPr marL="0" marR="0" lvl="0" indent="0" algn="l" defTabSz="914400" rtl="0" eaLnBrk="1" fontAlgn="auto" latinLnBrk="0" hangingPunct="1">
-                        <a:lnSpc>
-                          <a:spcPct val="107000"/>
-                        </a:lnSpc>
-                        <a:spcBef>
-                          <a:spcPts val="0"/>
-                        </a:spcBef>
-                        <a:spcAft>
-                          <a:spcPts val="0"/>
-                        </a:spcAft>
-                        <a:buClrTx/>
-                        <a:buSzTx/>
-                        <a:buFontTx/>
-                        <a:buNone/>
-                        <a:tabLst/>
-                        <a:defRPr/>
-                      </a:pPr>
                       <a:r>
                         <a:rPr lang="en-US" sz="1400" dirty="0" err="1">
                           <a:effectLst/>
                         </a:rPr>
                         <a:t>pcnt_own</a:t>
                       </a:r>
-                      <a:endParaRPr lang="en-US" sz="1400" dirty="0">
-                        <a:effectLst/>
-                        <a:latin typeface="Calibri" panose="020F0502020204030204" pitchFamily="34" charset="0"/>
-                        <a:ea typeface="Calibri" panose="020F0502020204030204" pitchFamily="34" charset="0"/>
-                        <a:cs typeface="Times New Roman" panose="02020603050405020304" pitchFamily="18" charset="0"/>
-                      </a:endParaRPr>
+                      <a:endParaRPr lang="en-US" dirty="0"/>
                     </a:p>
+                  </a:txBody>
+                  <a:tcPr marL="86320" marR="86320" marT="0" marB="0"/>
+                </a:tc>
+                <a:tc>
+                  <a:txBody>
+                    <a:bodyPr/>
+                    <a:lstStyle/>
                     <a:p>
                       <a:pPr marL="0" marR="0">
                         <a:lnSpc>
@@ -30407,15 +30818,18 @@
                           <a:spcPts val="0"/>
                         </a:spcAft>
                       </a:pPr>
-                      <a:endParaRPr lang="en-US" sz="1400" dirty="0">
-                        <a:effectLst/>
-                        <a:latin typeface="Calibri" panose="020F0502020204030204" pitchFamily="34" charset="0"/>
-                        <a:ea typeface="Calibri" panose="020F0502020204030204" pitchFamily="34" charset="0"/>
-                        <a:cs typeface="Times New Roman" panose="02020603050405020304" pitchFamily="18" charset="0"/>
-                      </a:endParaRPr>
+                      <a:r>
+                        <a:rPr lang="en-US" sz="1400" dirty="0">
+                          <a:effectLst/>
+                          <a:latin typeface="+mn-lt"/>
+                          <a:ea typeface="Calibri" panose="020F0502020204030204" pitchFamily="34" charset="0"/>
+                          <a:cs typeface="Times New Roman" panose="02020603050405020304" pitchFamily="18" charset="0"/>
+                        </a:rPr>
+                        <a:t>Continuous, numerical</a:t>
+                      </a:r>
                     </a:p>
                   </a:txBody>
-                  <a:tcPr marL="86320" marR="86320" marT="0" marB="0"/>
+                  <a:tcPr marL="68580" marR="68580" marT="0" marB="0"/>
                 </a:tc>
                 <a:extLst>
                   <a:ext uri="{0D108BD9-81ED-4DB2-BD59-A6C34878D82A}">
@@ -30423,8 +30837,8 @@
                   </a:ext>
                 </a:extLst>
               </a:tr>
-              <a:tr h="272811">
-                <a:tc gridSpan="2">
+              <a:tr h="269642">
+                <a:tc gridSpan="3">
                   <a:txBody>
                     <a:bodyPr/>
                     <a:lstStyle/>
@@ -30463,13 +30877,39 @@
                   </a:txBody>
                   <a:tcPr/>
                 </a:tc>
+                <a:tc hMerge="1">
+                  <a:txBody>
+                    <a:bodyPr/>
+                    <a:lstStyle/>
+                    <a:p>
+                      <a:pPr marL="0" marR="0" algn="ctr">
+                        <a:lnSpc>
+                          <a:spcPct val="107000"/>
+                        </a:lnSpc>
+                        <a:spcBef>
+                          <a:spcPts val="0"/>
+                        </a:spcBef>
+                        <a:spcAft>
+                          <a:spcPts val="0"/>
+                        </a:spcAft>
+                      </a:pPr>
+                      <a:endParaRPr lang="en-US" sz="1800" dirty="0">
+                        <a:effectLst/>
+                        <a:latin typeface="Calibri" panose="020F0502020204030204" pitchFamily="34" charset="0"/>
+                        <a:ea typeface="Calibri" panose="020F0502020204030204" pitchFamily="34" charset="0"/>
+                        <a:cs typeface="Times New Roman" panose="02020603050405020304" pitchFamily="18" charset="0"/>
+                      </a:endParaRPr>
+                    </a:p>
+                  </a:txBody>
+                  <a:tcPr marL="86320" marR="86320" marT="0" marB="0"/>
+                </a:tc>
                 <a:extLst>
                   <a:ext uri="{0D108BD9-81ED-4DB2-BD59-A6C34878D82A}">
                     <a16:rowId xmlns:a16="http://schemas.microsoft.com/office/drawing/2014/main" val="3979493383"/>
                   </a:ext>
                 </a:extLst>
               </a:tr>
-              <a:tr h="434261">
+              <a:tr h="429217">
                 <a:tc>
                   <a:txBody>
                     <a:bodyPr/>
@@ -30516,7 +30956,7 @@
                         </a:spcAft>
                       </a:pPr>
                       <a:r>
-                        <a:rPr lang="en-US" sz="1400" dirty="0" err="1">
+                        <a:rPr lang="en-US" sz="1400">
                           <a:effectLst/>
                         </a:rPr>
                         <a:t>pcnt_lw_access</a:t>
@@ -30531,13 +30971,42 @@
                   </a:txBody>
                   <a:tcPr marL="86320" marR="86320" marT="0" marB="0"/>
                 </a:tc>
+                <a:tc>
+                  <a:txBody>
+                    <a:bodyPr/>
+                    <a:lstStyle/>
+                    <a:p>
+                      <a:pPr marL="0" marR="0">
+                        <a:lnSpc>
+                          <a:spcPct val="107000"/>
+                        </a:lnSpc>
+                        <a:spcBef>
+                          <a:spcPts val="0"/>
+                        </a:spcBef>
+                        <a:spcAft>
+                          <a:spcPts val="0"/>
+                        </a:spcAft>
+                      </a:pPr>
+                      <a:r>
+                        <a:rPr lang="en-US" sz="1400">
+                          <a:effectLst/>
+                          <a:latin typeface="+mn-lt"/>
+                          <a:ea typeface="Calibri" panose="020F0502020204030204" pitchFamily="34" charset="0"/>
+                          <a:cs typeface="Times New Roman" panose="02020603050405020304" pitchFamily="18" charset="0"/>
+                        </a:rPr>
+                        <a:t>Continuous, numerical</a:t>
+                      </a:r>
+                    </a:p>
+                  </a:txBody>
+                  <a:tcPr marL="68580" marR="68580" marT="0" marB="0"/>
+                </a:tc>
                 <a:extLst>
                   <a:ext uri="{0D108BD9-81ED-4DB2-BD59-A6C34878D82A}">
                     <a16:rowId xmlns:a16="http://schemas.microsoft.com/office/drawing/2014/main" val="2199309544"/>
                   </a:ext>
                 </a:extLst>
               </a:tr>
-              <a:tr h="261773">
+              <a:tr h="251658">
                 <a:tc>
                   <a:txBody>
                     <a:bodyPr/>
@@ -30584,7 +31053,7 @@
                         </a:spcAft>
                       </a:pPr>
                       <a:r>
-                        <a:rPr lang="en-US" sz="1400" dirty="0" err="1">
+                        <a:rPr lang="en-US" sz="1400">
                           <a:effectLst/>
                         </a:rPr>
                         <a:t>pcnt_obese</a:t>
@@ -30599,13 +31068,42 @@
                   </a:txBody>
                   <a:tcPr marL="86320" marR="86320" marT="0" marB="0"/>
                 </a:tc>
+                <a:tc>
+                  <a:txBody>
+                    <a:bodyPr/>
+                    <a:lstStyle/>
+                    <a:p>
+                      <a:pPr marL="0" marR="0">
+                        <a:lnSpc>
+                          <a:spcPct val="107000"/>
+                        </a:lnSpc>
+                        <a:spcBef>
+                          <a:spcPts val="0"/>
+                        </a:spcBef>
+                        <a:spcAft>
+                          <a:spcPts val="0"/>
+                        </a:spcAft>
+                      </a:pPr>
+                      <a:r>
+                        <a:rPr lang="en-US" sz="1400">
+                          <a:effectLst/>
+                          <a:latin typeface="+mn-lt"/>
+                          <a:ea typeface="Calibri" panose="020F0502020204030204" pitchFamily="34" charset="0"/>
+                          <a:cs typeface="Times New Roman" panose="02020603050405020304" pitchFamily="18" charset="0"/>
+                        </a:rPr>
+                        <a:t>Continuous, numerical</a:t>
+                      </a:r>
+                    </a:p>
+                  </a:txBody>
+                  <a:tcPr marL="68580" marR="68580" marT="0" marB="0"/>
+                </a:tc>
                 <a:extLst>
                   <a:ext uri="{0D108BD9-81ED-4DB2-BD59-A6C34878D82A}">
                     <a16:rowId xmlns:a16="http://schemas.microsoft.com/office/drawing/2014/main" val="4266315575"/>
                   </a:ext>
                 </a:extLst>
               </a:tr>
-              <a:tr h="261773">
+              <a:tr h="428118">
                 <a:tc>
                   <a:txBody>
                     <a:bodyPr/>
@@ -30652,22 +31150,10 @@
                         </a:spcAft>
                       </a:pPr>
                       <a:r>
-                        <a:rPr lang="en-US" sz="1400" dirty="0" err="1">
+                        <a:rPr lang="en-US" sz="1400">
                           <a:effectLst/>
                         </a:rPr>
-                        <a:t>food_insec</a:t>
-                      </a:r>
-                      <a:r>
-                        <a:rPr lang="en-US" sz="1400" dirty="0">
-                          <a:effectLst/>
-                        </a:rPr>
-                        <a:t> or </a:t>
-                      </a:r>
-                      <a:r>
-                        <a:rPr lang="en-US" sz="1400" dirty="0" err="1">
-                          <a:effectLst/>
-                        </a:rPr>
-                        <a:t>food_rank</a:t>
+                        <a:t>food_insec or food_rank</a:t>
                       </a:r>
                       <a:endParaRPr lang="en-US" sz="1400" dirty="0">
                         <a:effectLst/>
@@ -30679,13 +31165,42 @@
                   </a:txBody>
                   <a:tcPr marL="86320" marR="86320" marT="0" marB="0"/>
                 </a:tc>
+                <a:tc>
+                  <a:txBody>
+                    <a:bodyPr/>
+                    <a:lstStyle/>
+                    <a:p>
+                      <a:pPr marL="0" marR="0">
+                        <a:lnSpc>
+                          <a:spcPct val="107000"/>
+                        </a:lnSpc>
+                        <a:spcBef>
+                          <a:spcPts val="0"/>
+                        </a:spcBef>
+                        <a:spcAft>
+                          <a:spcPts val="0"/>
+                        </a:spcAft>
+                      </a:pPr>
+                      <a:r>
+                        <a:rPr lang="en-US" sz="1400">
+                          <a:effectLst/>
+                          <a:latin typeface="+mn-lt"/>
+                          <a:ea typeface="Calibri" panose="020F0502020204030204" pitchFamily="34" charset="0"/>
+                          <a:cs typeface="Times New Roman" panose="02020603050405020304" pitchFamily="18" charset="0"/>
+                        </a:rPr>
+                        <a:t>Continuous, numerical</a:t>
+                      </a:r>
+                    </a:p>
+                  </a:txBody>
+                  <a:tcPr marL="68580" marR="68580" marT="0" marB="0"/>
+                </a:tc>
                 <a:extLst>
                   <a:ext uri="{0D108BD9-81ED-4DB2-BD59-A6C34878D82A}">
                     <a16:rowId xmlns:a16="http://schemas.microsoft.com/office/drawing/2014/main" val="686802102"/>
                   </a:ext>
                 </a:extLst>
               </a:tr>
-              <a:tr h="261773">
+              <a:tr h="251658">
                 <a:tc>
                   <a:txBody>
                     <a:bodyPr/>
@@ -30747,6 +31262,35 @@
                   </a:txBody>
                   <a:tcPr marL="86320" marR="86320" marT="0" marB="0"/>
                 </a:tc>
+                <a:tc>
+                  <a:txBody>
+                    <a:bodyPr/>
+                    <a:lstStyle/>
+                    <a:p>
+                      <a:pPr marL="0" marR="0">
+                        <a:lnSpc>
+                          <a:spcPct val="107000"/>
+                        </a:lnSpc>
+                        <a:spcBef>
+                          <a:spcPts val="0"/>
+                        </a:spcBef>
+                        <a:spcAft>
+                          <a:spcPts val="0"/>
+                        </a:spcAft>
+                      </a:pPr>
+                      <a:r>
+                        <a:rPr lang="en-US" sz="1400" dirty="0">
+                          <a:effectLst/>
+                          <a:latin typeface="+mn-lt"/>
+                          <a:ea typeface="Calibri" panose="020F0502020204030204" pitchFamily="34" charset="0"/>
+                          <a:cs typeface="Times New Roman" panose="02020603050405020304" pitchFamily="18" charset="0"/>
+                        </a:rPr>
+                        <a:t>Continuous, numerical</a:t>
+                      </a:r>
+                    </a:p>
+                  </a:txBody>
+                  <a:tcPr marL="68580" marR="68580" marT="0" marB="0"/>
+                </a:tc>
                 <a:extLst>
                   <a:ext uri="{0D108BD9-81ED-4DB2-BD59-A6C34878D82A}">
                     <a16:rowId xmlns:a16="http://schemas.microsoft.com/office/drawing/2014/main" val="1176399650"/>
@@ -30757,391 +31301,531 @@
           </a:graphicData>
         </a:graphic>
       </p:graphicFrame>
-      <p:pic>
-        <p:nvPicPr>
-          <p:cNvPr id="33" name="Picture 32">
-            <a:extLst>
-              <a:ext uri="{FF2B5EF4-FFF2-40B4-BE49-F238E27FC236}">
-                <a16:creationId xmlns:a16="http://schemas.microsoft.com/office/drawing/2014/main" id="{57878C3A-5C08-4390-BE03-A8905BB16348}"/>
-              </a:ext>
-            </a:extLst>
-          </p:cNvPr>
-          <p:cNvPicPr>
-            <a:picLocks noChangeAspect="1"/>
-          </p:cNvPicPr>
-          <p:nvPr/>
-        </p:nvPicPr>
-        <p:blipFill rotWithShape="1">
-          <a:blip r:embed="rId2">
-            <a:extLst>
-              <a:ext uri="{837473B0-CC2E-450A-ABE3-18F120FF3D39}">
-                <a1611:picAttrSrcUrl xmlns:a1611="http://schemas.microsoft.com/office/drawing/2016/11/main" r:id="rId3"/>
-              </a:ext>
-            </a:extLst>
-          </a:blip>
-          <a:srcRect l="20739" t="16194" r="27636" b="23011"/>
-          <a:stretch/>
-        </p:blipFill>
-        <p:spPr>
-          <a:xfrm>
-            <a:off x="2012797" y="5291699"/>
-            <a:ext cx="1459563" cy="1449852"/>
-          </a:xfrm>
-          <a:prstGeom prst="ellipse">
-            <a:avLst/>
-          </a:prstGeom>
-          <a:ln w="63500" cap="rnd">
-            <a:solidFill>
-              <a:srgbClr val="333333"/>
-            </a:solidFill>
-          </a:ln>
-          <a:effectLst/>
-          <a:scene3d>
-            <a:camera prst="orthographicFront"/>
-            <a:lightRig rig="contrasting" dir="t">
-              <a:rot lat="0" lon="0" rev="3000000"/>
-            </a:lightRig>
-          </a:scene3d>
-          <a:sp3d contourW="7620">
-            <a:bevelT w="95250" h="31750"/>
-            <a:contourClr>
-              <a:srgbClr val="333333"/>
-            </a:contourClr>
-          </a:sp3d>
-        </p:spPr>
-      </p:pic>
-      <p:pic>
-        <p:nvPicPr>
-          <p:cNvPr id="34" name="Picture 2" descr="Image result for energy burden">
-            <a:extLst>
-              <a:ext uri="{FF2B5EF4-FFF2-40B4-BE49-F238E27FC236}">
-                <a16:creationId xmlns:a16="http://schemas.microsoft.com/office/drawing/2014/main" id="{95660E83-A053-49E6-8F61-B4FA8AFF8937}"/>
-              </a:ext>
-            </a:extLst>
-          </p:cNvPr>
-          <p:cNvPicPr>
-            <a:picLocks noChangeAspect="1" noChangeArrowheads="1"/>
-          </p:cNvPicPr>
-          <p:nvPr/>
-        </p:nvPicPr>
-        <p:blipFill>
-          <a:blip r:embed="rId4">
-            <a:extLst>
-              <a:ext uri="{28A0092B-C50C-407E-A947-70E740481C1C}">
-                <a14:useLocalDpi xmlns:a14="http://schemas.microsoft.com/office/drawing/2010/main" val="0"/>
-              </a:ext>
-            </a:extLst>
-          </a:blip>
-          <a:srcRect/>
-          <a:stretch>
-            <a:fillRect/>
-          </a:stretch>
-        </p:blipFill>
-        <p:spPr bwMode="auto">
-          <a:xfrm>
-            <a:off x="1856226" y="3635762"/>
-            <a:ext cx="1489842" cy="1325218"/>
-          </a:xfrm>
-          <a:prstGeom prst="ellipse">
-            <a:avLst/>
-          </a:prstGeom>
-          <a:ln w="63500" cap="rnd">
-            <a:solidFill>
-              <a:srgbClr val="333333"/>
-            </a:solidFill>
-          </a:ln>
-          <a:effectLst/>
-          <a:scene3d>
-            <a:camera prst="orthographicFront"/>
-            <a:lightRig rig="contrasting" dir="t">
-              <a:rot lat="0" lon="0" rev="3000000"/>
-            </a:lightRig>
-          </a:scene3d>
-          <a:sp3d contourW="7620">
-            <a:bevelT w="95250" h="31750"/>
-            <a:contourClr>
-              <a:srgbClr val="333333"/>
-            </a:contourClr>
-          </a:sp3d>
-          <a:extLst>
-            <a:ext uri="{909E8E84-426E-40DD-AFC4-6F175D3DCCD1}">
-              <a14:hiddenFill xmlns:a14="http://schemas.microsoft.com/office/drawing/2010/main">
-                <a:solidFill>
-                  <a:srgbClr val="FFFFFF"/>
-                </a:solidFill>
-              </a14:hiddenFill>
-            </a:ext>
-          </a:extLst>
-        </p:spPr>
-      </p:pic>
-      <p:pic>
-        <p:nvPicPr>
-          <p:cNvPr id="35" name="Picture 34">
-            <a:extLst>
-              <a:ext uri="{FF2B5EF4-FFF2-40B4-BE49-F238E27FC236}">
-                <a16:creationId xmlns:a16="http://schemas.microsoft.com/office/drawing/2014/main" id="{348D4E80-E7B1-4062-8A90-FE7C39C60D2B}"/>
-              </a:ext>
-            </a:extLst>
-          </p:cNvPr>
-          <p:cNvPicPr>
-            <a:picLocks noChangeAspect="1"/>
-          </p:cNvPicPr>
-          <p:nvPr/>
-        </p:nvPicPr>
-        <p:blipFill>
-          <a:blip r:embed="rId5">
-            <a:extLst>
-              <a:ext uri="{837473B0-CC2E-450A-ABE3-18F120FF3D39}">
-                <a1611:picAttrSrcUrl xmlns:a1611="http://schemas.microsoft.com/office/drawing/2016/11/main" r:id="rId6"/>
-              </a:ext>
-            </a:extLst>
-          </a:blip>
-          <a:stretch>
-            <a:fillRect/>
-          </a:stretch>
-        </p:blipFill>
-        <p:spPr>
-          <a:xfrm>
-            <a:off x="1886613" y="1791999"/>
-            <a:ext cx="1459563" cy="1416339"/>
-          </a:xfrm>
-          <a:prstGeom prst="ellipse">
-            <a:avLst/>
-          </a:prstGeom>
-          <a:ln w="63500" cap="rnd">
-            <a:solidFill>
-              <a:srgbClr val="333333"/>
-            </a:solidFill>
-          </a:ln>
-          <a:effectLst/>
-          <a:scene3d>
-            <a:camera prst="orthographicFront"/>
-            <a:lightRig rig="contrasting" dir="t">
-              <a:rot lat="0" lon="0" rev="3000000"/>
-            </a:lightRig>
-          </a:scene3d>
-          <a:sp3d contourW="7620">
-            <a:bevelT w="95250" h="31750"/>
-            <a:contourClr>
-              <a:srgbClr val="333333"/>
-            </a:contourClr>
-          </a:sp3d>
-        </p:spPr>
-      </p:pic>
       <p:sp>
         <p:nvSpPr>
-          <p:cNvPr id="36" name="Content Placeholder 2">
+          <p:cNvPr id="5" name="TextBox 4">
             <a:extLst>
               <a:ext uri="{FF2B5EF4-FFF2-40B4-BE49-F238E27FC236}">
-                <a16:creationId xmlns:a16="http://schemas.microsoft.com/office/drawing/2014/main" id="{571B77CD-779F-4365-94B7-CC03B2EE9CA7}"/>
+                <a16:creationId xmlns:a16="http://schemas.microsoft.com/office/drawing/2014/main" id="{82C8BEC1-D2E1-4D7A-8C2E-6ED53B7BB518}"/>
               </a:ext>
             </a:extLst>
           </p:cNvPr>
-          <p:cNvSpPr txBox="1">
-            <a:spLocks/>
-          </p:cNvSpPr>
+          <p:cNvSpPr txBox="1"/>
           <p:nvPr/>
         </p:nvSpPr>
         <p:spPr>
           <a:xfrm>
-            <a:off x="209257" y="179081"/>
-            <a:ext cx="3924886" cy="1337628"/>
+            <a:off x="269876" y="2994442"/>
+            <a:ext cx="1394207" cy="646331"/>
           </a:xfrm>
           <a:prstGeom prst="rect">
             <a:avLst/>
           </a:prstGeom>
+          <a:noFill/>
+          <a:ln w="28575">
+            <a:solidFill>
+              <a:schemeClr val="tx1"/>
+            </a:solidFill>
+          </a:ln>
         </p:spPr>
         <p:txBody>
-          <a:bodyPr vert="horz" lIns="91440" tIns="45720" rIns="91440" bIns="45720" rtlCol="0">
-            <a:normAutofit lnSpcReduction="10000"/>
+          <a:bodyPr wrap="square" rtlCol="0">
+            <a:spAutoFit/>
           </a:bodyPr>
-          <a:lstStyle>
-            <a:lvl1pPr marL="228600" indent="-228600" algn="l" defTabSz="914400" rtl="0" eaLnBrk="1" latinLnBrk="0" hangingPunct="1">
-              <a:lnSpc>
-                <a:spcPct val="90000"/>
-              </a:lnSpc>
-              <a:spcBef>
-                <a:spcPts val="1000"/>
-              </a:spcBef>
-              <a:buFont typeface="Arial" panose="020B0604020202020204" pitchFamily="34" charset="0"/>
-              <a:buChar char="•"/>
-              <a:defRPr sz="2800" kern="1200">
-                <a:solidFill>
-                  <a:schemeClr val="tx1"/>
-                </a:solidFill>
-                <a:latin typeface="+mn-lt"/>
-                <a:ea typeface="+mn-ea"/>
-                <a:cs typeface="+mn-cs"/>
-              </a:defRPr>
-            </a:lvl1pPr>
-            <a:lvl2pPr marL="685800" indent="-228600" algn="l" defTabSz="914400" rtl="0" eaLnBrk="1" latinLnBrk="0" hangingPunct="1">
-              <a:lnSpc>
-                <a:spcPct val="90000"/>
-              </a:lnSpc>
-              <a:spcBef>
-                <a:spcPts val="500"/>
-              </a:spcBef>
-              <a:buFont typeface="Arial" panose="020B0604020202020204" pitchFamily="34" charset="0"/>
-              <a:buChar char="•"/>
-              <a:defRPr sz="2400" kern="1200">
-                <a:solidFill>
-                  <a:schemeClr val="tx1"/>
-                </a:solidFill>
-                <a:latin typeface="+mn-lt"/>
-                <a:ea typeface="+mn-ea"/>
-                <a:cs typeface="+mn-cs"/>
-              </a:defRPr>
-            </a:lvl2pPr>
-            <a:lvl3pPr marL="1143000" indent="-228600" algn="l" defTabSz="914400" rtl="0" eaLnBrk="1" latinLnBrk="0" hangingPunct="1">
-              <a:lnSpc>
-                <a:spcPct val="90000"/>
-              </a:lnSpc>
-              <a:spcBef>
-                <a:spcPts val="500"/>
-              </a:spcBef>
-              <a:buFont typeface="Arial" panose="020B0604020202020204" pitchFamily="34" charset="0"/>
-              <a:buChar char="•"/>
-              <a:defRPr sz="2000" kern="1200">
-                <a:solidFill>
-                  <a:schemeClr val="tx1"/>
-                </a:solidFill>
-                <a:latin typeface="+mn-lt"/>
-                <a:ea typeface="+mn-ea"/>
-                <a:cs typeface="+mn-cs"/>
-              </a:defRPr>
-            </a:lvl3pPr>
-            <a:lvl4pPr marL="1600200" indent="-228600" algn="l" defTabSz="914400" rtl="0" eaLnBrk="1" latinLnBrk="0" hangingPunct="1">
-              <a:lnSpc>
-                <a:spcPct val="90000"/>
-              </a:lnSpc>
-              <a:spcBef>
-                <a:spcPts val="500"/>
-              </a:spcBef>
-              <a:buFont typeface="Arial" panose="020B0604020202020204" pitchFamily="34" charset="0"/>
-              <a:buChar char="•"/>
-              <a:defRPr sz="1800" kern="1200">
-                <a:solidFill>
-                  <a:schemeClr val="tx1"/>
-                </a:solidFill>
-                <a:latin typeface="+mn-lt"/>
-                <a:ea typeface="+mn-ea"/>
-                <a:cs typeface="+mn-cs"/>
-              </a:defRPr>
-            </a:lvl4pPr>
-            <a:lvl5pPr marL="2057400" indent="-228600" algn="l" defTabSz="914400" rtl="0" eaLnBrk="1" latinLnBrk="0" hangingPunct="1">
-              <a:lnSpc>
-                <a:spcPct val="90000"/>
-              </a:lnSpc>
-              <a:spcBef>
-                <a:spcPts val="500"/>
-              </a:spcBef>
-              <a:buFont typeface="Arial" panose="020B0604020202020204" pitchFamily="34" charset="0"/>
-              <a:buChar char="•"/>
-              <a:defRPr sz="1800" kern="1200">
-                <a:solidFill>
-                  <a:schemeClr val="tx1"/>
-                </a:solidFill>
-                <a:latin typeface="+mn-lt"/>
-                <a:ea typeface="+mn-ea"/>
-                <a:cs typeface="+mn-cs"/>
-              </a:defRPr>
-            </a:lvl5pPr>
-            <a:lvl6pPr marL="2514600" indent="-228600" algn="l" defTabSz="914400" rtl="0" eaLnBrk="1" latinLnBrk="0" hangingPunct="1">
-              <a:lnSpc>
-                <a:spcPct val="90000"/>
-              </a:lnSpc>
-              <a:spcBef>
-                <a:spcPts val="500"/>
-              </a:spcBef>
-              <a:buFont typeface="Arial" panose="020B0604020202020204" pitchFamily="34" charset="0"/>
-              <a:buChar char="•"/>
-              <a:defRPr sz="1800" kern="1200">
-                <a:solidFill>
-                  <a:schemeClr val="tx1"/>
-                </a:solidFill>
-                <a:latin typeface="+mn-lt"/>
-                <a:ea typeface="+mn-ea"/>
-                <a:cs typeface="+mn-cs"/>
-              </a:defRPr>
-            </a:lvl6pPr>
-            <a:lvl7pPr marL="2971800" indent="-228600" algn="l" defTabSz="914400" rtl="0" eaLnBrk="1" latinLnBrk="0" hangingPunct="1">
-              <a:lnSpc>
-                <a:spcPct val="90000"/>
-              </a:lnSpc>
-              <a:spcBef>
-                <a:spcPts val="500"/>
-              </a:spcBef>
-              <a:buFont typeface="Arial" panose="020B0604020202020204" pitchFamily="34" charset="0"/>
-              <a:buChar char="•"/>
-              <a:defRPr sz="1800" kern="1200">
-                <a:solidFill>
-                  <a:schemeClr val="tx1"/>
-                </a:solidFill>
-                <a:latin typeface="+mn-lt"/>
-                <a:ea typeface="+mn-ea"/>
-                <a:cs typeface="+mn-cs"/>
-              </a:defRPr>
-            </a:lvl7pPr>
-            <a:lvl8pPr marL="3429000" indent="-228600" algn="l" defTabSz="914400" rtl="0" eaLnBrk="1" latinLnBrk="0" hangingPunct="1">
-              <a:lnSpc>
-                <a:spcPct val="90000"/>
-              </a:lnSpc>
-              <a:spcBef>
-                <a:spcPts val="500"/>
-              </a:spcBef>
-              <a:buFont typeface="Arial" panose="020B0604020202020204" pitchFamily="34" charset="0"/>
-              <a:buChar char="•"/>
-              <a:defRPr sz="1800" kern="1200">
-                <a:solidFill>
-                  <a:schemeClr val="tx1"/>
-                </a:solidFill>
-                <a:latin typeface="+mn-lt"/>
-                <a:ea typeface="+mn-ea"/>
-                <a:cs typeface="+mn-cs"/>
-              </a:defRPr>
-            </a:lvl8pPr>
-            <a:lvl9pPr marL="3886200" indent="-228600" algn="l" defTabSz="914400" rtl="0" eaLnBrk="1" latinLnBrk="0" hangingPunct="1">
-              <a:lnSpc>
-                <a:spcPct val="90000"/>
-              </a:lnSpc>
-              <a:spcBef>
-                <a:spcPts val="500"/>
-              </a:spcBef>
-              <a:buFont typeface="Arial" panose="020B0604020202020204" pitchFamily="34" charset="0"/>
-              <a:buChar char="•"/>
-              <a:defRPr sz="1800" kern="1200">
-                <a:solidFill>
-                  <a:schemeClr val="tx1"/>
-                </a:solidFill>
-                <a:latin typeface="+mn-lt"/>
-                <a:ea typeface="+mn-ea"/>
-                <a:cs typeface="+mn-cs"/>
-              </a:defRPr>
-            </a:lvl9pPr>
-          </a:lstStyle>
+          <a:lstStyle/>
           <a:p>
-            <a:pPr marL="0" indent="0">
-              <a:buNone/>
-            </a:pPr>
-            <a:endParaRPr lang="en-US" dirty="0"/>
-          </a:p>
-          <a:p>
-            <a:pPr marL="0" indent="0">
-              <a:buNone/>
-            </a:pPr>
             <a:r>
-              <a:rPr lang="en-US" dirty="0"/>
-              <a:t>Variables are named with sources</a:t>
+              <a:rPr lang="en-US" dirty="0">
+                <a:ln w="0"/>
+                <a:effectLst>
+                  <a:outerShdw blurRad="38100" dist="19050" dir="2700000" algn="tl" rotWithShape="0">
+                    <a:schemeClr val="dk1">
+                      <a:alpha val="40000"/>
+                    </a:schemeClr>
+                  </a:outerShdw>
+                </a:effectLst>
+              </a:rPr>
+              <a:t>Dependent Variables</a:t>
             </a:r>
-          </a:p>
-          <a:p>
-            <a:pPr marL="0" indent="0">
-              <a:buNone/>
-            </a:pPr>
-            <a:endParaRPr lang="en-US" dirty="0"/>
           </a:p>
         </p:txBody>
       </p:sp>
+      <p:grpSp>
+        <p:nvGrpSpPr>
+          <p:cNvPr id="10" name="Group 9">
+            <a:extLst>
+              <a:ext uri="{FF2B5EF4-FFF2-40B4-BE49-F238E27FC236}">
+                <a16:creationId xmlns:a16="http://schemas.microsoft.com/office/drawing/2014/main" id="{506FB661-FE6A-4424-A78F-42A6070E9FDC}"/>
+              </a:ext>
+            </a:extLst>
+          </p:cNvPr>
+          <p:cNvGrpSpPr/>
+          <p:nvPr/>
+        </p:nvGrpSpPr>
+        <p:grpSpPr>
+          <a:xfrm>
+            <a:off x="1769253" y="1665779"/>
+            <a:ext cx="2888767" cy="4915240"/>
+            <a:chOff x="2427468" y="1698286"/>
+            <a:chExt cx="2888767" cy="4915240"/>
+          </a:xfrm>
+        </p:grpSpPr>
+        <p:pic>
+          <p:nvPicPr>
+            <p:cNvPr id="33" name="Picture 32">
+              <a:extLst>
+                <a:ext uri="{FF2B5EF4-FFF2-40B4-BE49-F238E27FC236}">
+                  <a16:creationId xmlns:a16="http://schemas.microsoft.com/office/drawing/2014/main" id="{57878C3A-5C08-4390-BE03-A8905BB16348}"/>
+                </a:ext>
+              </a:extLst>
+            </p:cNvPr>
+            <p:cNvPicPr>
+              <a:picLocks noChangeAspect="1"/>
+            </p:cNvPicPr>
+            <p:nvPr/>
+          </p:nvPicPr>
+          <p:blipFill rotWithShape="1">
+            <a:blip r:embed="rId2">
+              <a:extLst>
+                <a:ext uri="{837473B0-CC2E-450A-ABE3-18F120FF3D39}">
+                  <a1611:picAttrSrcUrl xmlns:a1611="http://schemas.microsoft.com/office/drawing/2016/11/main" r:id="rId3"/>
+                </a:ext>
+              </a:extLst>
+            </a:blip>
+            <a:srcRect l="20739" t="16194" r="27636" b="23011"/>
+            <a:stretch/>
+          </p:blipFill>
+          <p:spPr>
+            <a:xfrm>
+              <a:off x="2454714" y="5163674"/>
+              <a:ext cx="1459563" cy="1449852"/>
+            </a:xfrm>
+            <a:prstGeom prst="ellipse">
+              <a:avLst/>
+            </a:prstGeom>
+            <a:ln w="63500" cap="rnd">
+              <a:solidFill>
+                <a:srgbClr val="333333"/>
+              </a:solidFill>
+            </a:ln>
+            <a:effectLst/>
+            <a:scene3d>
+              <a:camera prst="orthographicFront"/>
+              <a:lightRig rig="contrasting" dir="t">
+                <a:rot lat="0" lon="0" rev="3000000"/>
+              </a:lightRig>
+            </a:scene3d>
+            <a:sp3d contourW="7620">
+              <a:bevelT w="95250" h="31750"/>
+              <a:contourClr>
+                <a:srgbClr val="333333"/>
+              </a:contourClr>
+            </a:sp3d>
+          </p:spPr>
+        </p:pic>
+        <p:pic>
+          <p:nvPicPr>
+            <p:cNvPr id="34" name="Picture 2" descr="Image result for energy burden">
+              <a:extLst>
+                <a:ext uri="{FF2B5EF4-FFF2-40B4-BE49-F238E27FC236}">
+                  <a16:creationId xmlns:a16="http://schemas.microsoft.com/office/drawing/2014/main" id="{95660E83-A053-49E6-8F61-B4FA8AFF8937}"/>
+                </a:ext>
+              </a:extLst>
+            </p:cNvPr>
+            <p:cNvPicPr>
+              <a:picLocks noChangeAspect="1" noChangeArrowheads="1"/>
+            </p:cNvPicPr>
+            <p:nvPr/>
+          </p:nvPicPr>
+          <p:blipFill>
+            <a:blip r:embed="rId4">
+              <a:extLst>
+                <a:ext uri="{28A0092B-C50C-407E-A947-70E740481C1C}">
+                  <a14:useLocalDpi xmlns:a14="http://schemas.microsoft.com/office/drawing/2010/main" val="0"/>
+                </a:ext>
+              </a:extLst>
+            </a:blip>
+            <a:srcRect/>
+            <a:stretch>
+              <a:fillRect/>
+            </a:stretch>
+          </p:blipFill>
+          <p:spPr bwMode="auto">
+            <a:xfrm>
+              <a:off x="2427468" y="3459384"/>
+              <a:ext cx="1489842" cy="1325218"/>
+            </a:xfrm>
+            <a:prstGeom prst="ellipse">
+              <a:avLst/>
+            </a:prstGeom>
+            <a:ln w="63500" cap="rnd">
+              <a:solidFill>
+                <a:srgbClr val="333333"/>
+              </a:solidFill>
+            </a:ln>
+            <a:effectLst/>
+            <a:scene3d>
+              <a:camera prst="orthographicFront"/>
+              <a:lightRig rig="contrasting" dir="t">
+                <a:rot lat="0" lon="0" rev="3000000"/>
+              </a:lightRig>
+            </a:scene3d>
+            <a:sp3d contourW="7620">
+              <a:bevelT w="95250" h="31750"/>
+              <a:contourClr>
+                <a:srgbClr val="333333"/>
+              </a:contourClr>
+            </a:sp3d>
+            <a:extLst>
+              <a:ext uri="{909E8E84-426E-40DD-AFC4-6F175D3DCCD1}">
+                <a14:hiddenFill xmlns:a14="http://schemas.microsoft.com/office/drawing/2010/main">
+                  <a:solidFill>
+                    <a:srgbClr val="FFFFFF"/>
+                  </a:solidFill>
+                </a14:hiddenFill>
+              </a:ext>
+            </a:extLst>
+          </p:spPr>
+        </p:pic>
+        <p:pic>
+          <p:nvPicPr>
+            <p:cNvPr id="35" name="Picture 34">
+              <a:extLst>
+                <a:ext uri="{FF2B5EF4-FFF2-40B4-BE49-F238E27FC236}">
+                  <a16:creationId xmlns:a16="http://schemas.microsoft.com/office/drawing/2014/main" id="{348D4E80-E7B1-4062-8A90-FE7C39C60D2B}"/>
+                </a:ext>
+              </a:extLst>
+            </p:cNvPr>
+            <p:cNvPicPr>
+              <a:picLocks noChangeAspect="1"/>
+            </p:cNvPicPr>
+            <p:nvPr/>
+          </p:nvPicPr>
+          <p:blipFill>
+            <a:blip r:embed="rId5">
+              <a:extLst>
+                <a:ext uri="{837473B0-CC2E-450A-ABE3-18F120FF3D39}">
+                  <a1611:picAttrSrcUrl xmlns:a1611="http://schemas.microsoft.com/office/drawing/2016/11/main" r:id="rId6"/>
+                </a:ext>
+              </a:extLst>
+            </a:blip>
+            <a:stretch>
+              <a:fillRect/>
+            </a:stretch>
+          </p:blipFill>
+          <p:spPr>
+            <a:xfrm>
+              <a:off x="2584126" y="1698286"/>
+              <a:ext cx="1459563" cy="1416339"/>
+            </a:xfrm>
+            <a:prstGeom prst="ellipse">
+              <a:avLst/>
+            </a:prstGeom>
+            <a:ln w="63500" cap="rnd">
+              <a:solidFill>
+                <a:srgbClr val="333333"/>
+              </a:solidFill>
+            </a:ln>
+            <a:effectLst/>
+            <a:scene3d>
+              <a:camera prst="orthographicFront"/>
+              <a:lightRig rig="contrasting" dir="t">
+                <a:rot lat="0" lon="0" rev="3000000"/>
+              </a:lightRig>
+            </a:scene3d>
+            <a:sp3d contourW="7620">
+              <a:bevelT w="95250" h="31750"/>
+              <a:contourClr>
+                <a:srgbClr val="333333"/>
+              </a:contourClr>
+            </a:sp3d>
+          </p:spPr>
+        </p:pic>
+        <p:sp>
+          <p:nvSpPr>
+            <p:cNvPr id="6" name="Left Brace 5">
+              <a:extLst>
+                <a:ext uri="{FF2B5EF4-FFF2-40B4-BE49-F238E27FC236}">
+                  <a16:creationId xmlns:a16="http://schemas.microsoft.com/office/drawing/2014/main" id="{751EF83A-6778-42EA-9A80-6BE52AE1005B}"/>
+                </a:ext>
+              </a:extLst>
+            </p:cNvPr>
+            <p:cNvSpPr/>
+            <p:nvPr/>
+          </p:nvSpPr>
+          <p:spPr>
+            <a:xfrm>
+              <a:off x="3929368" y="1769351"/>
+              <a:ext cx="1386867" cy="4814092"/>
+            </a:xfrm>
+            <a:prstGeom prst="leftBrace">
+              <a:avLst>
+                <a:gd name="adj1" fmla="val 8333"/>
+                <a:gd name="adj2" fmla="val 44399"/>
+              </a:avLst>
+            </a:prstGeom>
+            <a:ln w="38100"/>
+          </p:spPr>
+          <p:style>
+            <a:lnRef idx="1">
+              <a:schemeClr val="dk1"/>
+            </a:lnRef>
+            <a:fillRef idx="0">
+              <a:schemeClr val="dk1"/>
+            </a:fillRef>
+            <a:effectRef idx="0">
+              <a:schemeClr val="dk1"/>
+            </a:effectRef>
+            <a:fontRef idx="minor">
+              <a:schemeClr val="tx1"/>
+            </a:fontRef>
+          </p:style>
+          <p:txBody>
+            <a:bodyPr rtlCol="0" anchor="ctr"/>
+            <a:lstStyle/>
+            <a:p>
+              <a:pPr algn="ctr"/>
+              <a:endParaRPr lang="en-US"/>
+            </a:p>
+          </p:txBody>
+        </p:sp>
+      </p:grpSp>
+      <p:grpSp>
+        <p:nvGrpSpPr>
+          <p:cNvPr id="8" name="Group 7">
+            <a:extLst>
+              <a:ext uri="{FF2B5EF4-FFF2-40B4-BE49-F238E27FC236}">
+                <a16:creationId xmlns:a16="http://schemas.microsoft.com/office/drawing/2014/main" id="{910E8003-A91A-42E5-AE90-63EB2717E2E2}"/>
+              </a:ext>
+            </a:extLst>
+          </p:cNvPr>
+          <p:cNvGrpSpPr/>
+          <p:nvPr/>
+        </p:nvGrpSpPr>
+        <p:grpSpPr>
+          <a:xfrm>
+            <a:off x="10890790" y="1070152"/>
+            <a:ext cx="1156831" cy="595627"/>
+            <a:chOff x="8499072" y="1048812"/>
+            <a:chExt cx="1156831" cy="595627"/>
+          </a:xfrm>
+        </p:grpSpPr>
+        <p:sp>
+          <p:nvSpPr>
+            <p:cNvPr id="37" name="Left Brace 36">
+              <a:extLst>
+                <a:ext uri="{FF2B5EF4-FFF2-40B4-BE49-F238E27FC236}">
+                  <a16:creationId xmlns:a16="http://schemas.microsoft.com/office/drawing/2014/main" id="{25EDFE33-AD04-4311-B422-80821E589397}"/>
+                </a:ext>
+              </a:extLst>
+            </p:cNvPr>
+            <p:cNvSpPr/>
+            <p:nvPr/>
+          </p:nvSpPr>
+          <p:spPr>
+            <a:xfrm rot="10800000">
+              <a:off x="8499072" y="1048812"/>
+              <a:ext cx="421974" cy="595627"/>
+            </a:xfrm>
+            <a:prstGeom prst="leftBrace">
+              <a:avLst>
+                <a:gd name="adj1" fmla="val 8333"/>
+                <a:gd name="adj2" fmla="val 44399"/>
+              </a:avLst>
+            </a:prstGeom>
+            <a:ln w="28575"/>
+          </p:spPr>
+          <p:style>
+            <a:lnRef idx="1">
+              <a:schemeClr val="dk1"/>
+            </a:lnRef>
+            <a:fillRef idx="0">
+              <a:schemeClr val="dk1"/>
+            </a:fillRef>
+            <a:effectRef idx="0">
+              <a:schemeClr val="dk1"/>
+            </a:effectRef>
+            <a:fontRef idx="minor">
+              <a:schemeClr val="tx1"/>
+            </a:fontRef>
+          </p:style>
+          <p:txBody>
+            <a:bodyPr rtlCol="0" anchor="ctr"/>
+            <a:lstStyle/>
+            <a:p>
+              <a:pPr algn="ctr"/>
+              <a:endParaRPr lang="en-US"/>
+            </a:p>
+          </p:txBody>
+        </p:sp>
+        <p:sp>
+          <p:nvSpPr>
+            <p:cNvPr id="38" name="TextBox 37">
+              <a:extLst>
+                <a:ext uri="{FF2B5EF4-FFF2-40B4-BE49-F238E27FC236}">
+                  <a16:creationId xmlns:a16="http://schemas.microsoft.com/office/drawing/2014/main" id="{10D7B1B0-09D4-464D-8E96-7B53DD49A151}"/>
+                </a:ext>
+              </a:extLst>
+            </p:cNvPr>
+            <p:cNvSpPr txBox="1"/>
+            <p:nvPr/>
+          </p:nvSpPr>
+          <p:spPr>
+            <a:xfrm>
+              <a:off x="9031938" y="1147376"/>
+              <a:ext cx="623965" cy="369332"/>
+            </a:xfrm>
+            <a:prstGeom prst="rect">
+              <a:avLst/>
+            </a:prstGeom>
+            <a:noFill/>
+            <a:ln w="28575">
+              <a:solidFill>
+                <a:schemeClr val="tx1"/>
+              </a:solidFill>
+            </a:ln>
+          </p:spPr>
+          <p:txBody>
+            <a:bodyPr wrap="square" rtlCol="0">
+              <a:spAutoFit/>
+            </a:bodyPr>
+            <a:lstStyle/>
+            <a:p>
+              <a:r>
+                <a:rPr lang="en-US" dirty="0">
+                  <a:ln w="0"/>
+                  <a:effectLst>
+                    <a:outerShdw blurRad="38100" dist="19050" dir="2700000" algn="tl" rotWithShape="0">
+                      <a:schemeClr val="dk1">
+                        <a:alpha val="40000"/>
+                      </a:schemeClr>
+                    </a:outerShdw>
+                  </a:effectLst>
+                </a:rPr>
+                <a:t>Key</a:t>
+              </a:r>
+            </a:p>
+          </p:txBody>
+        </p:sp>
+      </p:grpSp>
+      <p:grpSp>
+        <p:nvGrpSpPr>
+          <p:cNvPr id="7" name="Group 6">
+            <a:extLst>
+              <a:ext uri="{FF2B5EF4-FFF2-40B4-BE49-F238E27FC236}">
+                <a16:creationId xmlns:a16="http://schemas.microsoft.com/office/drawing/2014/main" id="{034FF037-3ECC-40E0-BB4B-59F2621C48A5}"/>
+              </a:ext>
+            </a:extLst>
+          </p:cNvPr>
+          <p:cNvGrpSpPr/>
+          <p:nvPr/>
+        </p:nvGrpSpPr>
+        <p:grpSpPr>
+          <a:xfrm>
+            <a:off x="2309931" y="542813"/>
+            <a:ext cx="2283500" cy="646331"/>
+            <a:chOff x="1141666" y="531542"/>
+            <a:chExt cx="2283500" cy="646331"/>
+          </a:xfrm>
+        </p:grpSpPr>
+        <p:sp>
+          <p:nvSpPr>
+            <p:cNvPr id="39" name="Left Brace 38">
+              <a:extLst>
+                <a:ext uri="{FF2B5EF4-FFF2-40B4-BE49-F238E27FC236}">
+                  <a16:creationId xmlns:a16="http://schemas.microsoft.com/office/drawing/2014/main" id="{60804222-6500-4785-AA85-1B14F275EC5C}"/>
+                </a:ext>
+              </a:extLst>
+            </p:cNvPr>
+            <p:cNvSpPr/>
+            <p:nvPr/>
+          </p:nvSpPr>
+          <p:spPr>
+            <a:xfrm>
+              <a:off x="3003192" y="667065"/>
+              <a:ext cx="421974" cy="341575"/>
+            </a:xfrm>
+            <a:prstGeom prst="leftBrace">
+              <a:avLst>
+                <a:gd name="adj1" fmla="val 8333"/>
+                <a:gd name="adj2" fmla="val 52733"/>
+              </a:avLst>
+            </a:prstGeom>
+            <a:ln w="28575"/>
+          </p:spPr>
+          <p:style>
+            <a:lnRef idx="1">
+              <a:schemeClr val="dk1"/>
+            </a:lnRef>
+            <a:fillRef idx="0">
+              <a:schemeClr val="dk1"/>
+            </a:fillRef>
+            <a:effectRef idx="0">
+              <a:schemeClr val="dk1"/>
+            </a:effectRef>
+            <a:fontRef idx="minor">
+              <a:schemeClr val="tx1"/>
+            </a:fontRef>
+          </p:style>
+          <p:txBody>
+            <a:bodyPr rtlCol="0" anchor="ctr"/>
+            <a:lstStyle/>
+            <a:p>
+              <a:pPr algn="ctr"/>
+              <a:endParaRPr lang="en-US"/>
+            </a:p>
+          </p:txBody>
+        </p:sp>
+        <p:sp>
+          <p:nvSpPr>
+            <p:cNvPr id="40" name="TextBox 39">
+              <a:extLst>
+                <a:ext uri="{FF2B5EF4-FFF2-40B4-BE49-F238E27FC236}">
+                  <a16:creationId xmlns:a16="http://schemas.microsoft.com/office/drawing/2014/main" id="{3AA6EBD4-4A85-4284-9992-A786B03B3EA5}"/>
+                </a:ext>
+              </a:extLst>
+            </p:cNvPr>
+            <p:cNvSpPr txBox="1"/>
+            <p:nvPr/>
+          </p:nvSpPr>
+          <p:spPr>
+            <a:xfrm>
+              <a:off x="1141666" y="531542"/>
+              <a:ext cx="1811183" cy="646331"/>
+            </a:xfrm>
+            <a:prstGeom prst="rect">
+              <a:avLst/>
+            </a:prstGeom>
+            <a:noFill/>
+            <a:ln w="28575">
+              <a:solidFill>
+                <a:schemeClr val="tx1"/>
+              </a:solidFill>
+            </a:ln>
+          </p:spPr>
+          <p:txBody>
+            <a:bodyPr wrap="square" rtlCol="0">
+              <a:spAutoFit/>
+            </a:bodyPr>
+            <a:lstStyle/>
+            <a:p>
+              <a:r>
+                <a:rPr lang="en-US" dirty="0">
+                  <a:ln w="0"/>
+                  <a:effectLst>
+                    <a:outerShdw blurRad="38100" dist="19050" dir="2700000" algn="tl" rotWithShape="0">
+                      <a:schemeClr val="dk1">
+                        <a:alpha val="40000"/>
+                      </a:schemeClr>
+                    </a:outerShdw>
+                  </a:effectLst>
+                </a:rPr>
+                <a:t>Independent Variable</a:t>
+              </a:r>
+            </a:p>
+          </p:txBody>
+        </p:sp>
+      </p:grpSp>
     </p:spTree>
     <p:extLst>
       <p:ext uri="{BB962C8B-B14F-4D97-AF65-F5344CB8AC3E}">
@@ -32689,8 +33373,8 @@
         </p:nvSpPr>
         <p:spPr>
           <a:xfrm>
-            <a:off x="8547148" y="2894593"/>
-            <a:ext cx="3412810" cy="742692"/>
+            <a:off x="9643952" y="1639395"/>
+            <a:ext cx="2354899" cy="2055260"/>
           </a:xfrm>
         </p:spPr>
         <p:txBody>
@@ -32703,10 +33387,10 @@
             <a:r>
               <a:rPr lang="en-US" sz="3200" dirty="0">
                 <a:solidFill>
-                  <a:schemeClr val="accent1"/>
+                  <a:schemeClr val="tx1"/>
                 </a:solidFill>
               </a:rPr>
-              <a:t>Validation</a:t>
+              <a:t>Validation through different data sources</a:t>
             </a:r>
           </a:p>
         </p:txBody>
@@ -32825,14 +33509,14 @@
           <p:nvPr>
             <p:extLst>
               <p:ext uri="{D42A27DB-BD31-4B8C-83A1-F6EECF244321}">
-                <p14:modId xmlns:p14="http://schemas.microsoft.com/office/powerpoint/2010/main" val="3478636025"/>
+                <p14:modId xmlns:p14="http://schemas.microsoft.com/office/powerpoint/2010/main" val="2893972332"/>
               </p:ext>
             </p:extLst>
           </p:nvPr>
         </p:nvGraphicFramePr>
         <p:xfrm>
-          <a:off x="975251" y="491530"/>
-          <a:ext cx="7531621" cy="6291510"/>
+          <a:off x="1393830" y="87966"/>
+          <a:ext cx="8226946" cy="6566414"/>
         </p:xfrm>
         <a:graphic>
           <a:graphicData uri="http://schemas.openxmlformats.org/drawingml/2006/table">
@@ -32841,21 +33525,21 @@
                 <a:tableStyleId>{5C22544A-7EE6-4342-B048-85BDC9FD1C3A}</a:tableStyleId>
               </a:tblPr>
               <a:tblGrid>
-                <a:gridCol w="2677102">
+                <a:gridCol w="2718086">
                   <a:extLst>
                     <a:ext uri="{9D8B030D-6E8A-4147-A177-3AD203B41FA5}">
                       <a16:colId xmlns:a16="http://schemas.microsoft.com/office/drawing/2014/main" val="3099312768"/>
                     </a:ext>
                   </a:extLst>
                 </a:gridCol>
-                <a:gridCol w="2343978">
+                <a:gridCol w="2766544">
                   <a:extLst>
                     <a:ext uri="{9D8B030D-6E8A-4147-A177-3AD203B41FA5}">
-                      <a16:colId xmlns:a16="http://schemas.microsoft.com/office/drawing/2014/main" val="462369711"/>
+                      <a16:colId xmlns:a16="http://schemas.microsoft.com/office/drawing/2014/main" val="394363850"/>
                     </a:ext>
                   </a:extLst>
                 </a:gridCol>
-                <a:gridCol w="2510541">
+                <a:gridCol w="2742316">
                   <a:extLst>
                     <a:ext uri="{9D8B030D-6E8A-4147-A177-3AD203B41FA5}">
                       <a16:colId xmlns:a16="http://schemas.microsoft.com/office/drawing/2014/main" val="3995369174"/>
@@ -32910,20 +33594,14 @@
                         </a:spcAft>
                       </a:pPr>
                       <a:r>
-                        <a:rPr lang="en-US" sz="1800">
+                        <a:rPr lang="en-US" sz="1800" dirty="0">
                           <a:effectLst/>
                           <a:latin typeface="Calibri" panose="020F0502020204030204" pitchFamily="34" charset="0"/>
                           <a:ea typeface="Calibri" panose="020F0502020204030204" pitchFamily="34" charset="0"/>
                           <a:cs typeface="Times New Roman" panose="02020603050405020304" pitchFamily="18" charset="0"/>
                         </a:rPr>
-                        <a:t>Validation Source</a:t>
+                        <a:t>Analysis Source</a:t>
                       </a:r>
-                      <a:endParaRPr lang="en-US" sz="1800" dirty="0">
-                        <a:effectLst/>
-                        <a:latin typeface="Calibri" panose="020F0502020204030204" pitchFamily="34" charset="0"/>
-                        <a:ea typeface="Calibri" panose="020F0502020204030204" pitchFamily="34" charset="0"/>
-                        <a:cs typeface="Times New Roman" panose="02020603050405020304" pitchFamily="18" charset="0"/>
-                      </a:endParaRPr>
                     </a:p>
                   </a:txBody>
                   <a:tcPr marL="86320" marR="86320" marT="0" marB="0"/>
@@ -32951,7 +33629,7 @@
                           <a:ea typeface="Calibri" panose="020F0502020204030204" pitchFamily="34" charset="0"/>
                           <a:cs typeface="Times New Roman" panose="02020603050405020304" pitchFamily="18" charset="0"/>
                         </a:rPr>
-                        <a:t>Analysis Variable Source</a:t>
+                        <a:t>Validation Source</a:t>
                       </a:r>
                     </a:p>
                   </a:txBody>
@@ -33009,6 +33687,15 @@
                           <a:spcPts val="0"/>
                         </a:spcAft>
                       </a:pPr>
+                      <a:r>
+                        <a:rPr lang="en-US" sz="1400">
+                          <a:effectLst/>
+                          <a:latin typeface="Calibri" panose="020F0502020204030204" pitchFamily="34" charset="0"/>
+                          <a:ea typeface="Calibri" panose="020F0502020204030204" pitchFamily="34" charset="0"/>
+                          <a:cs typeface="Times New Roman" panose="02020603050405020304" pitchFamily="18" charset="0"/>
+                        </a:rPr>
+                        <a:t>National Renewable Energy Lab</a:t>
+                      </a:r>
                       <a:endParaRPr lang="en-US" sz="1400" dirty="0">
                         <a:effectLst/>
                         <a:latin typeface="Calibri" panose="020F0502020204030204" pitchFamily="34" charset="0"/>
@@ -33035,12 +33722,15 @@
                           <a:spcPts val="0"/>
                         </a:spcAft>
                       </a:pPr>
-                      <a:endParaRPr lang="en-US" sz="1400" dirty="0">
-                        <a:effectLst/>
-                        <a:latin typeface="Calibri" panose="020F0502020204030204" pitchFamily="34" charset="0"/>
-                        <a:ea typeface="Calibri" panose="020F0502020204030204" pitchFamily="34" charset="0"/>
-                        <a:cs typeface="Times New Roman" panose="02020603050405020304" pitchFamily="18" charset="0"/>
-                      </a:endParaRPr>
+                      <a:r>
+                        <a:rPr lang="en-US" sz="1400" dirty="0">
+                          <a:effectLst/>
+                          <a:latin typeface="Calibri" panose="020F0502020204030204" pitchFamily="34" charset="0"/>
+                          <a:ea typeface="Calibri" panose="020F0502020204030204" pitchFamily="34" charset="0"/>
+                          <a:cs typeface="Times New Roman" panose="02020603050405020304" pitchFamily="18" charset="0"/>
+                        </a:rPr>
+                        <a:t>SAME</a:t>
+                      </a:r>
                     </a:p>
                   </a:txBody>
                   <a:tcPr marL="86320" marR="86320" marT="0" marB="0"/>
@@ -33075,7 +33765,7 @@
                           <a:ea typeface="Calibri" panose="020F0502020204030204" pitchFamily="34" charset="0"/>
                           <a:cs typeface="Times New Roman" panose="02020603050405020304" pitchFamily="18" charset="0"/>
                         </a:rPr>
-                        <a:t>Federal Identification</a:t>
+                        <a:t>FIP</a:t>
                       </a:r>
                     </a:p>
                   </a:txBody>
@@ -33097,6 +33787,15 @@
                           <a:spcPts val="0"/>
                         </a:spcAft>
                       </a:pPr>
+                      <a:r>
+                        <a:rPr lang="en-US" sz="1400">
+                          <a:effectLst/>
+                          <a:latin typeface="Calibri" panose="020F0502020204030204" pitchFamily="34" charset="0"/>
+                          <a:ea typeface="Calibri" panose="020F0502020204030204" pitchFamily="34" charset="0"/>
+                          <a:cs typeface="Times New Roman" panose="02020603050405020304" pitchFamily="18" charset="0"/>
+                        </a:rPr>
+                        <a:t>National Renewable Energy Lab</a:t>
+                      </a:r>
                       <a:endParaRPr lang="en-US" sz="1400" dirty="0">
                         <a:effectLst/>
                         <a:latin typeface="Calibri" panose="020F0502020204030204" pitchFamily="34" charset="0"/>
@@ -33123,12 +33822,15 @@
                           <a:spcPts val="0"/>
                         </a:spcAft>
                       </a:pPr>
-                      <a:endParaRPr lang="en-US" sz="1400" dirty="0">
-                        <a:effectLst/>
-                        <a:latin typeface="Calibri" panose="020F0502020204030204" pitchFamily="34" charset="0"/>
-                        <a:ea typeface="Calibri" panose="020F0502020204030204" pitchFamily="34" charset="0"/>
-                        <a:cs typeface="Times New Roman" panose="02020603050405020304" pitchFamily="18" charset="0"/>
-                      </a:endParaRPr>
+                      <a:r>
+                        <a:rPr lang="en-US" sz="1400" dirty="0">
+                          <a:effectLst/>
+                          <a:latin typeface="Calibri" panose="020F0502020204030204" pitchFamily="34" charset="0"/>
+                          <a:ea typeface="Calibri" panose="020F0502020204030204" pitchFamily="34" charset="0"/>
+                          <a:cs typeface="Times New Roman" panose="02020603050405020304" pitchFamily="18" charset="0"/>
+                        </a:rPr>
+                        <a:t>SAME</a:t>
+                      </a:r>
                     </a:p>
                   </a:txBody>
                   <a:tcPr marL="86320" marR="86320" marT="0" marB="0"/>
@@ -33185,12 +33887,15 @@
                           <a:spcPts val="0"/>
                         </a:spcAft>
                       </a:pPr>
-                      <a:endParaRPr lang="en-US" sz="1400" dirty="0">
-                        <a:effectLst/>
-                        <a:latin typeface="Calibri" panose="020F0502020204030204" pitchFamily="34" charset="0"/>
-                        <a:ea typeface="Calibri" panose="020F0502020204030204" pitchFamily="34" charset="0"/>
-                        <a:cs typeface="Times New Roman" panose="02020603050405020304" pitchFamily="18" charset="0"/>
-                      </a:endParaRPr>
+                      <a:r>
+                        <a:rPr lang="en-US" sz="1400" dirty="0">
+                          <a:effectLst/>
+                          <a:latin typeface="Calibri" panose="020F0502020204030204" pitchFamily="34" charset="0"/>
+                          <a:ea typeface="Calibri" panose="020F0502020204030204" pitchFamily="34" charset="0"/>
+                          <a:cs typeface="Times New Roman" panose="02020603050405020304" pitchFamily="18" charset="0"/>
+                        </a:rPr>
+                        <a:t>National Renewable Energy Lab</a:t>
+                      </a:r>
                     </a:p>
                   </a:txBody>
                   <a:tcPr marL="86320" marR="86320" marT="0" marB="0"/>
@@ -33211,12 +33916,15 @@
                           <a:spcPts val="0"/>
                         </a:spcAft>
                       </a:pPr>
-                      <a:endParaRPr lang="en-US" sz="1400" dirty="0">
-                        <a:effectLst/>
-                        <a:latin typeface="Calibri" panose="020F0502020204030204" pitchFamily="34" charset="0"/>
-                        <a:ea typeface="Calibri" panose="020F0502020204030204" pitchFamily="34" charset="0"/>
-                        <a:cs typeface="Times New Roman" panose="02020603050405020304" pitchFamily="18" charset="0"/>
-                      </a:endParaRPr>
+                      <a:r>
+                        <a:rPr lang="en-US" sz="1400" dirty="0">
+                          <a:effectLst/>
+                          <a:latin typeface="Calibri" panose="020F0502020204030204" pitchFamily="34" charset="0"/>
+                          <a:ea typeface="Calibri" panose="020F0502020204030204" pitchFamily="34" charset="0"/>
+                          <a:cs typeface="Times New Roman" panose="02020603050405020304" pitchFamily="18" charset="0"/>
+                        </a:rPr>
+                        <a:t>SAME</a:t>
+                      </a:r>
                     </a:p>
                   </a:txBody>
                   <a:tcPr marL="86320" marR="86320" marT="0" marB="0"/>
@@ -33233,7 +33941,7 @@
                     <a:bodyPr/>
                     <a:lstStyle/>
                     <a:p>
-                      <a:pPr marL="0" marR="0" lvl="0" indent="0" algn="l" defTabSz="914400" rtl="0" eaLnBrk="1" fontAlgn="auto" latinLnBrk="0" hangingPunct="1">
+                      <a:pPr marL="0" marR="0" lvl="0" indent="0" algn="ctr" defTabSz="914400" rtl="0" eaLnBrk="1" fontAlgn="auto" latinLnBrk="0" hangingPunct="1">
                         <a:lnSpc>
                           <a:spcPct val="100000"/>
                         </a:lnSpc>
@@ -33311,7 +34019,7 @@
                   </a:ext>
                 </a:extLst>
               </a:tr>
-              <a:tr h="188040">
+              <a:tr h="318940">
                 <a:tc>
                   <a:txBody>
                     <a:bodyPr/>
@@ -33357,12 +34065,15 @@
                           <a:spcPts val="0"/>
                         </a:spcAft>
                       </a:pPr>
-                      <a:endParaRPr lang="en-US" sz="1400" dirty="0">
-                        <a:effectLst/>
-                        <a:latin typeface="Calibri" panose="020F0502020204030204" pitchFamily="34" charset="0"/>
-                        <a:ea typeface="Calibri" panose="020F0502020204030204" pitchFamily="34" charset="0"/>
-                        <a:cs typeface="Times New Roman" panose="02020603050405020304" pitchFamily="18" charset="0"/>
-                      </a:endParaRPr>
+                      <a:r>
+                        <a:rPr lang="en-US" sz="1400" dirty="0">
+                          <a:effectLst/>
+                          <a:latin typeface="Calibri" panose="020F0502020204030204" pitchFamily="34" charset="0"/>
+                          <a:ea typeface="Calibri" panose="020F0502020204030204" pitchFamily="34" charset="0"/>
+                          <a:cs typeface="Times New Roman" panose="02020603050405020304" pitchFamily="18" charset="0"/>
+                        </a:rPr>
+                        <a:t>US Census Bureau</a:t>
+                      </a:r>
                     </a:p>
                   </a:txBody>
                   <a:tcPr marL="86320" marR="86320" marT="0" marB="0"/>
@@ -33372,7 +34083,7 @@
                     <a:bodyPr/>
                     <a:lstStyle/>
                     <a:p>
-                      <a:pPr marL="0" marR="0">
+                      <a:pPr marL="0" marR="0" lvl="0" indent="0" algn="l" defTabSz="914400" rtl="0" eaLnBrk="1" fontAlgn="auto" latinLnBrk="0" hangingPunct="1">
                         <a:lnSpc>
                           <a:spcPct val="107000"/>
                         </a:lnSpc>
@@ -33382,13 +34093,22 @@
                         <a:spcAft>
                           <a:spcPts val="0"/>
                         </a:spcAft>
+                        <a:buClrTx/>
+                        <a:buSzTx/>
+                        <a:buFontTx/>
+                        <a:buNone/>
+                        <a:tabLst/>
+                        <a:defRPr/>
                       </a:pPr>
-                      <a:endParaRPr lang="en-US" sz="1400" dirty="0">
-                        <a:effectLst/>
-                        <a:latin typeface="Calibri" panose="020F0502020204030204" pitchFamily="34" charset="0"/>
-                        <a:ea typeface="Calibri" panose="020F0502020204030204" pitchFamily="34" charset="0"/>
-                        <a:cs typeface="Times New Roman" panose="02020603050405020304" pitchFamily="18" charset="0"/>
-                      </a:endParaRPr>
+                      <a:r>
+                        <a:rPr lang="en-US" sz="1400" dirty="0">
+                          <a:effectLst/>
+                          <a:latin typeface="Calibri" panose="020F0502020204030204" pitchFamily="34" charset="0"/>
+                          <a:ea typeface="Calibri" panose="020F0502020204030204" pitchFamily="34" charset="0"/>
+                          <a:cs typeface="Times New Roman" panose="02020603050405020304" pitchFamily="18" charset="0"/>
+                        </a:rPr>
+                        <a:t>County Health Ranking</a:t>
+                      </a:r>
                     </a:p>
                   </a:txBody>
                   <a:tcPr marL="86320" marR="86320" marT="0" marB="0"/>
@@ -33399,7 +34119,7 @@
                   </a:ext>
                 </a:extLst>
               </a:tr>
-              <a:tr h="461409">
+              <a:tr h="293298">
                 <a:tc>
                   <a:txBody>
                     <a:bodyPr/>
@@ -33445,12 +34165,15 @@
                           <a:spcPts val="0"/>
                         </a:spcAft>
                       </a:pPr>
-                      <a:endParaRPr lang="en-US" sz="1400" dirty="0">
-                        <a:effectLst/>
-                        <a:latin typeface="Calibri" panose="020F0502020204030204" pitchFamily="34" charset="0"/>
-                        <a:ea typeface="Calibri" panose="020F0502020204030204" pitchFamily="34" charset="0"/>
-                        <a:cs typeface="Times New Roman" panose="02020603050405020304" pitchFamily="18" charset="0"/>
-                      </a:endParaRPr>
+                      <a:r>
+                        <a:rPr lang="en-US" sz="1400" dirty="0">
+                          <a:effectLst/>
+                          <a:latin typeface="Calibri" panose="020F0502020204030204" pitchFamily="34" charset="0"/>
+                          <a:ea typeface="Calibri" panose="020F0502020204030204" pitchFamily="34" charset="0"/>
+                          <a:cs typeface="Times New Roman" panose="02020603050405020304" pitchFamily="18" charset="0"/>
+                        </a:rPr>
+                        <a:t>US Census Bureau</a:t>
+                      </a:r>
                     </a:p>
                   </a:txBody>
                   <a:tcPr marL="86320" marR="86320" marT="0" marB="0"/>
@@ -33460,7 +34183,7 @@
                     <a:bodyPr/>
                     <a:lstStyle/>
                     <a:p>
-                      <a:pPr marL="0" marR="0">
+                      <a:pPr marL="0" marR="0" lvl="0" indent="0" algn="l" defTabSz="914400" rtl="0" eaLnBrk="1" fontAlgn="auto" latinLnBrk="0" hangingPunct="1">
                         <a:lnSpc>
                           <a:spcPct val="107000"/>
                         </a:lnSpc>
@@ -33470,13 +34193,22 @@
                         <a:spcAft>
                           <a:spcPts val="0"/>
                         </a:spcAft>
+                        <a:buClrTx/>
+                        <a:buSzTx/>
+                        <a:buFontTx/>
+                        <a:buNone/>
+                        <a:tabLst/>
+                        <a:defRPr/>
                       </a:pPr>
-                      <a:endParaRPr lang="en-US" sz="1400" dirty="0">
-                        <a:effectLst/>
-                        <a:latin typeface="Calibri" panose="020F0502020204030204" pitchFamily="34" charset="0"/>
-                        <a:ea typeface="Calibri" panose="020F0502020204030204" pitchFamily="34" charset="0"/>
-                        <a:cs typeface="Times New Roman" panose="02020603050405020304" pitchFamily="18" charset="0"/>
-                      </a:endParaRPr>
+                      <a:r>
+                        <a:rPr lang="en-US" sz="1400" dirty="0">
+                          <a:effectLst/>
+                          <a:latin typeface="Calibri" panose="020F0502020204030204" pitchFamily="34" charset="0"/>
+                          <a:ea typeface="Calibri" panose="020F0502020204030204" pitchFamily="34" charset="0"/>
+                          <a:cs typeface="Times New Roman" panose="02020603050405020304" pitchFamily="18" charset="0"/>
+                        </a:rPr>
+                        <a:t>County Health Ranking</a:t>
+                      </a:r>
                     </a:p>
                   </a:txBody>
                   <a:tcPr marL="86320" marR="86320" marT="0" marB="0"/>
@@ -33487,7 +34219,7 @@
                   </a:ext>
                 </a:extLst>
               </a:tr>
-              <a:tr h="188040">
+              <a:tr h="332164">
                 <a:tc>
                   <a:txBody>
                     <a:bodyPr/>
@@ -33533,6 +34265,15 @@
                           <a:spcPts val="0"/>
                         </a:spcAft>
                       </a:pPr>
+                      <a:r>
+                        <a:rPr lang="en-US" sz="1400">
+                          <a:effectLst/>
+                          <a:latin typeface="Calibri" panose="020F0502020204030204" pitchFamily="34" charset="0"/>
+                          <a:ea typeface="Calibri" panose="020F0502020204030204" pitchFamily="34" charset="0"/>
+                          <a:cs typeface="Times New Roman" panose="02020603050405020304" pitchFamily="18" charset="0"/>
+                        </a:rPr>
+                        <a:t>County Health Ranking</a:t>
+                      </a:r>
                       <a:endParaRPr lang="en-US" sz="1400" dirty="0">
                         <a:effectLst/>
                         <a:latin typeface="Calibri" panose="020F0502020204030204" pitchFamily="34" charset="0"/>
@@ -33559,12 +34300,15 @@
                           <a:spcPts val="0"/>
                         </a:spcAft>
                       </a:pPr>
-                      <a:endParaRPr lang="en-US" sz="1400" dirty="0">
-                        <a:effectLst/>
-                        <a:latin typeface="Calibri" panose="020F0502020204030204" pitchFamily="34" charset="0"/>
-                        <a:ea typeface="Calibri" panose="020F0502020204030204" pitchFamily="34" charset="0"/>
-                        <a:cs typeface="Times New Roman" panose="02020603050405020304" pitchFamily="18" charset="0"/>
-                      </a:endParaRPr>
+                      <a:r>
+                        <a:rPr lang="en-US" sz="1400" dirty="0">
+                          <a:effectLst/>
+                          <a:latin typeface="Calibri" panose="020F0502020204030204" pitchFamily="34" charset="0"/>
+                          <a:ea typeface="Calibri" panose="020F0502020204030204" pitchFamily="34" charset="0"/>
+                          <a:cs typeface="Times New Roman" panose="02020603050405020304" pitchFamily="18" charset="0"/>
+                        </a:rPr>
+                        <a:t>SAME</a:t>
+                      </a:r>
                     </a:p>
                   </a:txBody>
                   <a:tcPr marL="86320" marR="86320" marT="0" marB="0"/>
@@ -33621,12 +34365,15 @@
                           <a:spcPts val="0"/>
                         </a:spcAft>
                       </a:pPr>
-                      <a:endParaRPr lang="en-US" sz="1400" dirty="0">
-                        <a:effectLst/>
-                        <a:latin typeface="Calibri" panose="020F0502020204030204" pitchFamily="34" charset="0"/>
-                        <a:ea typeface="Calibri" panose="020F0502020204030204" pitchFamily="34" charset="0"/>
-                        <a:cs typeface="Times New Roman" panose="02020603050405020304" pitchFamily="18" charset="0"/>
-                      </a:endParaRPr>
+                      <a:r>
+                        <a:rPr lang="en-US" sz="1400" dirty="0">
+                          <a:effectLst/>
+                          <a:latin typeface="Calibri" panose="020F0502020204030204" pitchFamily="34" charset="0"/>
+                          <a:ea typeface="Calibri" panose="020F0502020204030204" pitchFamily="34" charset="0"/>
+                          <a:cs typeface="Times New Roman" panose="02020603050405020304" pitchFamily="18" charset="0"/>
+                        </a:rPr>
+                        <a:t>US Census Bureau</a:t>
+                      </a:r>
                     </a:p>
                   </a:txBody>
                   <a:tcPr marL="86320" marR="86320" marT="0" marB="0"/>
@@ -33647,12 +34394,15 @@
                           <a:spcPts val="0"/>
                         </a:spcAft>
                       </a:pPr>
-                      <a:endParaRPr lang="en-US" sz="1400" dirty="0">
-                        <a:effectLst/>
-                        <a:latin typeface="Calibri" panose="020F0502020204030204" pitchFamily="34" charset="0"/>
-                        <a:ea typeface="Calibri" panose="020F0502020204030204" pitchFamily="34" charset="0"/>
-                        <a:cs typeface="Times New Roman" panose="02020603050405020304" pitchFamily="18" charset="0"/>
-                      </a:endParaRPr>
+                      <a:r>
+                        <a:rPr lang="en-US" sz="1400" dirty="0">
+                          <a:effectLst/>
+                          <a:latin typeface="Calibri" panose="020F0502020204030204" pitchFamily="34" charset="0"/>
+                          <a:ea typeface="Calibri" panose="020F0502020204030204" pitchFamily="34" charset="0"/>
+                          <a:cs typeface="Times New Roman" panose="02020603050405020304" pitchFamily="18" charset="0"/>
+                        </a:rPr>
+                        <a:t>County Health Ranking</a:t>
+                      </a:r>
                     </a:p>
                   </a:txBody>
                   <a:tcPr marL="86320" marR="86320" marT="0" marB="0"/>
@@ -33669,7 +34419,7 @@
                     <a:bodyPr/>
                     <a:lstStyle/>
                     <a:p>
-                      <a:pPr marL="0" marR="0" lvl="0" indent="0" algn="l" defTabSz="914400" rtl="0" eaLnBrk="1" fontAlgn="auto" latinLnBrk="0" hangingPunct="1">
+                      <a:pPr marL="0" marR="0" lvl="0" indent="0" algn="ctr" defTabSz="914400" rtl="0" eaLnBrk="1" fontAlgn="auto" latinLnBrk="0" hangingPunct="1">
                         <a:lnSpc>
                           <a:spcPct val="100000"/>
                         </a:lnSpc>
@@ -33793,12 +34543,15 @@
                           <a:spcPts val="0"/>
                         </a:spcAft>
                       </a:pPr>
-                      <a:endParaRPr lang="en-US" sz="1400" dirty="0">
-                        <a:effectLst/>
-                        <a:latin typeface="Calibri" panose="020F0502020204030204" pitchFamily="34" charset="0"/>
-                        <a:ea typeface="Calibri" panose="020F0502020204030204" pitchFamily="34" charset="0"/>
-                        <a:cs typeface="Times New Roman" panose="02020603050405020304" pitchFamily="18" charset="0"/>
-                      </a:endParaRPr>
+                      <a:r>
+                        <a:rPr lang="en-US" sz="1400" dirty="0">
+                          <a:effectLst/>
+                          <a:latin typeface="Calibri" panose="020F0502020204030204" pitchFamily="34" charset="0"/>
+                          <a:ea typeface="Calibri" panose="020F0502020204030204" pitchFamily="34" charset="0"/>
+                          <a:cs typeface="Times New Roman" panose="02020603050405020304" pitchFamily="18" charset="0"/>
+                        </a:rPr>
+                        <a:t>Bureau Labor Statistics</a:t>
+                      </a:r>
                     </a:p>
                   </a:txBody>
                   <a:tcPr marL="86320" marR="86320" marT="0" marB="0"/>
@@ -33819,12 +34572,15 @@
                           <a:spcPts val="0"/>
                         </a:spcAft>
                       </a:pPr>
-                      <a:endParaRPr lang="en-US" sz="1400" dirty="0">
-                        <a:effectLst/>
-                        <a:latin typeface="Calibri" panose="020F0502020204030204" pitchFamily="34" charset="0"/>
-                        <a:ea typeface="Calibri" panose="020F0502020204030204" pitchFamily="34" charset="0"/>
-                        <a:cs typeface="Times New Roman" panose="02020603050405020304" pitchFamily="18" charset="0"/>
-                      </a:endParaRPr>
+                      <a:r>
+                        <a:rPr lang="en-US" sz="1400" dirty="0">
+                          <a:effectLst/>
+                          <a:latin typeface="Calibri" panose="020F0502020204030204" pitchFamily="34" charset="0"/>
+                          <a:ea typeface="Calibri" panose="020F0502020204030204" pitchFamily="34" charset="0"/>
+                          <a:cs typeface="Times New Roman" panose="02020603050405020304" pitchFamily="18" charset="0"/>
+                        </a:rPr>
+                        <a:t>County Health Ranking</a:t>
+                      </a:r>
                     </a:p>
                   </a:txBody>
                   <a:tcPr marL="86320" marR="86320" marT="0" marB="0"/>
@@ -33881,12 +34637,15 @@
                           <a:spcPts val="0"/>
                         </a:spcAft>
                       </a:pPr>
-                      <a:endParaRPr lang="en-US" sz="1400" dirty="0">
-                        <a:effectLst/>
-                        <a:latin typeface="Calibri" panose="020F0502020204030204" pitchFamily="34" charset="0"/>
-                        <a:ea typeface="Calibri" panose="020F0502020204030204" pitchFamily="34" charset="0"/>
-                        <a:cs typeface="Times New Roman" panose="02020603050405020304" pitchFamily="18" charset="0"/>
-                      </a:endParaRPr>
+                      <a:r>
+                        <a:rPr lang="en-US" sz="1400" dirty="0">
+                          <a:effectLst/>
+                          <a:latin typeface="Calibri" panose="020F0502020204030204" pitchFamily="34" charset="0"/>
+                          <a:ea typeface="Calibri" panose="020F0502020204030204" pitchFamily="34" charset="0"/>
+                          <a:cs typeface="Times New Roman" panose="02020603050405020304" pitchFamily="18" charset="0"/>
+                        </a:rPr>
+                        <a:t>USDA</a:t>
+                      </a:r>
                     </a:p>
                   </a:txBody>
                   <a:tcPr marL="86320" marR="86320" marT="0" marB="0"/>
@@ -33896,7 +34655,7 @@
                     <a:bodyPr/>
                     <a:lstStyle/>
                     <a:p>
-                      <a:pPr marL="0" marR="0">
+                      <a:pPr marL="0" marR="0" lvl="0" indent="0" algn="l" defTabSz="914400" rtl="0" eaLnBrk="1" fontAlgn="auto" latinLnBrk="0" hangingPunct="1">
                         <a:lnSpc>
                           <a:spcPct val="107000"/>
                         </a:lnSpc>
@@ -33906,13 +34665,22 @@
                         <a:spcAft>
                           <a:spcPts val="0"/>
                         </a:spcAft>
+                        <a:buClrTx/>
+                        <a:buSzTx/>
+                        <a:buFontTx/>
+                        <a:buNone/>
+                        <a:tabLst/>
+                        <a:defRPr/>
                       </a:pPr>
-                      <a:endParaRPr lang="en-US" sz="1400" dirty="0">
-                        <a:effectLst/>
-                        <a:latin typeface="Calibri" panose="020F0502020204030204" pitchFamily="34" charset="0"/>
-                        <a:ea typeface="Calibri" panose="020F0502020204030204" pitchFamily="34" charset="0"/>
-                        <a:cs typeface="Times New Roman" panose="02020603050405020304" pitchFamily="18" charset="0"/>
-                      </a:endParaRPr>
+                      <a:r>
+                        <a:rPr lang="en-US" sz="1400" dirty="0">
+                          <a:effectLst/>
+                          <a:latin typeface="Calibri" panose="020F0502020204030204" pitchFamily="34" charset="0"/>
+                          <a:ea typeface="Calibri" panose="020F0502020204030204" pitchFamily="34" charset="0"/>
+                          <a:cs typeface="Times New Roman" panose="02020603050405020304" pitchFamily="18" charset="0"/>
+                        </a:rPr>
+                        <a:t>US Census, SAIPE</a:t>
+                      </a:r>
                     </a:p>
                   </a:txBody>
                   <a:tcPr marL="86320" marR="86320" marT="0" marB="0"/>
@@ -33958,7 +34726,7 @@
                     <a:bodyPr/>
                     <a:lstStyle/>
                     <a:p>
-                      <a:pPr marL="0" marR="0">
+                      <a:pPr marL="0" marR="0" lvl="0" indent="0" algn="l" defTabSz="914400" rtl="0" eaLnBrk="1" fontAlgn="auto" latinLnBrk="0" hangingPunct="1">
                         <a:lnSpc>
                           <a:spcPct val="107000"/>
                         </a:lnSpc>
@@ -33968,13 +34736,22 @@
                         <a:spcAft>
                           <a:spcPts val="0"/>
                         </a:spcAft>
+                        <a:buClrTx/>
+                        <a:buSzTx/>
+                        <a:buFontTx/>
+                        <a:buNone/>
+                        <a:tabLst/>
+                        <a:defRPr/>
                       </a:pPr>
-                      <a:endParaRPr lang="en-US" sz="1400" dirty="0">
-                        <a:effectLst/>
-                        <a:latin typeface="Calibri" panose="020F0502020204030204" pitchFamily="34" charset="0"/>
-                        <a:ea typeface="Calibri" panose="020F0502020204030204" pitchFamily="34" charset="0"/>
-                        <a:cs typeface="Times New Roman" panose="02020603050405020304" pitchFamily="18" charset="0"/>
-                      </a:endParaRPr>
+                      <a:r>
+                        <a:rPr lang="en-US" sz="1400" dirty="0">
+                          <a:effectLst/>
+                          <a:latin typeface="Calibri" panose="020F0502020204030204" pitchFamily="34" charset="0"/>
+                          <a:ea typeface="Calibri" panose="020F0502020204030204" pitchFamily="34" charset="0"/>
+                          <a:cs typeface="Times New Roman" panose="02020603050405020304" pitchFamily="18" charset="0"/>
+                        </a:rPr>
+                        <a:t>US Census, SAIPE</a:t>
+                      </a:r>
                     </a:p>
                   </a:txBody>
                   <a:tcPr marL="86320" marR="86320" marT="0" marB="0"/>
@@ -33984,7 +34761,7 @@
                     <a:bodyPr/>
                     <a:lstStyle/>
                     <a:p>
-                      <a:pPr marL="0" marR="0">
+                      <a:pPr marL="0" marR="0" lvl="0" indent="0" algn="l" defTabSz="914400" rtl="0" eaLnBrk="1" fontAlgn="auto" latinLnBrk="0" hangingPunct="1">
                         <a:lnSpc>
                           <a:spcPct val="107000"/>
                         </a:lnSpc>
@@ -33994,13 +34771,22 @@
                         <a:spcAft>
                           <a:spcPts val="0"/>
                         </a:spcAft>
+                        <a:buClrTx/>
+                        <a:buSzTx/>
+                        <a:buFontTx/>
+                        <a:buNone/>
+                        <a:tabLst/>
+                        <a:defRPr/>
                       </a:pPr>
-                      <a:endParaRPr lang="en-US" sz="1400" dirty="0">
-                        <a:effectLst/>
-                        <a:latin typeface="Calibri" panose="020F0502020204030204" pitchFamily="34" charset="0"/>
-                        <a:ea typeface="Calibri" panose="020F0502020204030204" pitchFamily="34" charset="0"/>
-                        <a:cs typeface="Times New Roman" panose="02020603050405020304" pitchFamily="18" charset="0"/>
-                      </a:endParaRPr>
+                      <a:r>
+                        <a:rPr lang="en-US" sz="1400" dirty="0">
+                          <a:effectLst/>
+                          <a:latin typeface="Calibri" panose="020F0502020204030204" pitchFamily="34" charset="0"/>
+                          <a:ea typeface="Calibri" panose="020F0502020204030204" pitchFamily="34" charset="0"/>
+                          <a:cs typeface="Times New Roman" panose="02020603050405020304" pitchFamily="18" charset="0"/>
+                        </a:rPr>
+                        <a:t>County Health Ranking</a:t>
+                      </a:r>
                     </a:p>
                   </a:txBody>
                   <a:tcPr marL="86320" marR="86320" marT="0" marB="0"/>
@@ -34046,7 +34832,7 @@
                     <a:bodyPr/>
                     <a:lstStyle/>
                     <a:p>
-                      <a:pPr marL="0" marR="0">
+                      <a:pPr marL="0" marR="0" lvl="0" indent="0" algn="l" defTabSz="914400" rtl="0" eaLnBrk="1" fontAlgn="auto" latinLnBrk="0" hangingPunct="1">
                         <a:lnSpc>
                           <a:spcPct val="107000"/>
                         </a:lnSpc>
@@ -34056,13 +34842,22 @@
                         <a:spcAft>
                           <a:spcPts val="0"/>
                         </a:spcAft>
+                        <a:buClrTx/>
+                        <a:buSzTx/>
+                        <a:buFontTx/>
+                        <a:buNone/>
+                        <a:tabLst/>
+                        <a:defRPr/>
                       </a:pPr>
-                      <a:endParaRPr lang="en-US" sz="1400" dirty="0">
-                        <a:effectLst/>
-                        <a:latin typeface="Calibri" panose="020F0502020204030204" pitchFamily="34" charset="0"/>
-                        <a:ea typeface="Calibri" panose="020F0502020204030204" pitchFamily="34" charset="0"/>
-                        <a:cs typeface="Times New Roman" panose="02020603050405020304" pitchFamily="18" charset="0"/>
-                      </a:endParaRPr>
+                      <a:r>
+                        <a:rPr lang="en-US" sz="1400" dirty="0">
+                          <a:effectLst/>
+                          <a:latin typeface="Calibri" panose="020F0502020204030204" pitchFamily="34" charset="0"/>
+                          <a:ea typeface="Calibri" panose="020F0502020204030204" pitchFamily="34" charset="0"/>
+                          <a:cs typeface="Times New Roman" panose="02020603050405020304" pitchFamily="18" charset="0"/>
+                        </a:rPr>
+                        <a:t>US Census Bureau</a:t>
+                      </a:r>
                     </a:p>
                   </a:txBody>
                   <a:tcPr marL="86320" marR="86320" marT="0" marB="0"/>
@@ -34072,7 +34867,7 @@
                     <a:bodyPr/>
                     <a:lstStyle/>
                     <a:p>
-                      <a:pPr marL="0" marR="0">
+                      <a:pPr marL="0" marR="0" lvl="0" indent="0" algn="l" defTabSz="914400" rtl="0" eaLnBrk="1" fontAlgn="auto" latinLnBrk="0" hangingPunct="1">
                         <a:lnSpc>
                           <a:spcPct val="107000"/>
                         </a:lnSpc>
@@ -34082,13 +34877,22 @@
                         <a:spcAft>
                           <a:spcPts val="0"/>
                         </a:spcAft>
+                        <a:buClrTx/>
+                        <a:buSzTx/>
+                        <a:buFontTx/>
+                        <a:buNone/>
+                        <a:tabLst/>
+                        <a:defRPr/>
                       </a:pPr>
-                      <a:endParaRPr lang="en-US" sz="1400" dirty="0">
-                        <a:effectLst/>
-                        <a:latin typeface="Calibri" panose="020F0502020204030204" pitchFamily="34" charset="0"/>
-                        <a:ea typeface="Calibri" panose="020F0502020204030204" pitchFamily="34" charset="0"/>
-                        <a:cs typeface="Times New Roman" panose="02020603050405020304" pitchFamily="18" charset="0"/>
-                      </a:endParaRPr>
+                      <a:r>
+                        <a:rPr lang="en-US" sz="1400" dirty="0">
+                          <a:effectLst/>
+                          <a:latin typeface="Calibri" panose="020F0502020204030204" pitchFamily="34" charset="0"/>
+                          <a:ea typeface="Calibri" panose="020F0502020204030204" pitchFamily="34" charset="0"/>
+                          <a:cs typeface="Times New Roman" panose="02020603050405020304" pitchFamily="18" charset="0"/>
+                        </a:rPr>
+                        <a:t>County Health Ranking</a:t>
+                      </a:r>
                     </a:p>
                   </a:txBody>
                   <a:tcPr marL="86320" marR="86320" marT="0" marB="0"/>
@@ -34105,7 +34909,7 @@
                     <a:bodyPr/>
                     <a:lstStyle/>
                     <a:p>
-                      <a:pPr marL="0" marR="0" lvl="0" indent="0" algn="l" defTabSz="914400" rtl="0" eaLnBrk="1" fontAlgn="auto" latinLnBrk="0" hangingPunct="1">
+                      <a:pPr marL="0" marR="0" lvl="0" indent="0" algn="ctr" defTabSz="914400" rtl="0" eaLnBrk="1" fontAlgn="auto" latinLnBrk="0" hangingPunct="1">
                         <a:lnSpc>
                           <a:spcPct val="100000"/>
                         </a:lnSpc>
@@ -34229,12 +35033,15 @@
                           <a:spcPts val="0"/>
                         </a:spcAft>
                       </a:pPr>
-                      <a:endParaRPr lang="en-US" sz="1400" dirty="0">
-                        <a:effectLst/>
-                        <a:latin typeface="Calibri" panose="020F0502020204030204" pitchFamily="34" charset="0"/>
-                        <a:ea typeface="Calibri" panose="020F0502020204030204" pitchFamily="34" charset="0"/>
-                        <a:cs typeface="Times New Roman" panose="02020603050405020304" pitchFamily="18" charset="0"/>
-                      </a:endParaRPr>
+                      <a:r>
+                        <a:rPr lang="en-US" sz="1400" dirty="0">
+                          <a:effectLst/>
+                          <a:latin typeface="Calibri" panose="020F0502020204030204" pitchFamily="34" charset="0"/>
+                          <a:ea typeface="Calibri" panose="020F0502020204030204" pitchFamily="34" charset="0"/>
+                          <a:cs typeface="Times New Roman" panose="02020603050405020304" pitchFamily="18" charset="0"/>
+                        </a:rPr>
+                        <a:t>USDA</a:t>
+                      </a:r>
                     </a:p>
                   </a:txBody>
                   <a:tcPr marL="86320" marR="86320" marT="0" marB="0"/>
@@ -34244,7 +35051,7 @@
                     <a:bodyPr/>
                     <a:lstStyle/>
                     <a:p>
-                      <a:pPr marL="0" marR="0">
+                      <a:pPr marL="0" marR="0" lvl="0" indent="0" algn="l" defTabSz="914400" rtl="0" eaLnBrk="1" fontAlgn="auto" latinLnBrk="0" hangingPunct="1">
                         <a:lnSpc>
                           <a:spcPct val="107000"/>
                         </a:lnSpc>
@@ -34254,13 +35061,22 @@
                         <a:spcAft>
                           <a:spcPts val="0"/>
                         </a:spcAft>
+                        <a:buClrTx/>
+                        <a:buSzTx/>
+                        <a:buFontTx/>
+                        <a:buNone/>
+                        <a:tabLst/>
+                        <a:defRPr/>
                       </a:pPr>
-                      <a:endParaRPr lang="en-US" sz="1400" dirty="0">
-                        <a:effectLst/>
-                        <a:latin typeface="Calibri" panose="020F0502020204030204" pitchFamily="34" charset="0"/>
-                        <a:ea typeface="Calibri" panose="020F0502020204030204" pitchFamily="34" charset="0"/>
-                        <a:cs typeface="Times New Roman" panose="02020603050405020304" pitchFamily="18" charset="0"/>
-                      </a:endParaRPr>
+                      <a:r>
+                        <a:rPr lang="en-US" sz="1400" dirty="0">
+                          <a:effectLst/>
+                          <a:latin typeface="Calibri" panose="020F0502020204030204" pitchFamily="34" charset="0"/>
+                          <a:ea typeface="Calibri" panose="020F0502020204030204" pitchFamily="34" charset="0"/>
+                          <a:cs typeface="Times New Roman" panose="02020603050405020304" pitchFamily="18" charset="0"/>
+                        </a:rPr>
+                        <a:t>County Health Ranking</a:t>
+                      </a:r>
                     </a:p>
                   </a:txBody>
                   <a:tcPr marL="86320" marR="86320" marT="0" marB="0"/>
@@ -34317,12 +35133,15 @@
                           <a:spcPts val="0"/>
                         </a:spcAft>
                       </a:pPr>
-                      <a:endParaRPr lang="en-US" sz="1400" dirty="0">
-                        <a:effectLst/>
-                        <a:latin typeface="Calibri" panose="020F0502020204030204" pitchFamily="34" charset="0"/>
-                        <a:ea typeface="Calibri" panose="020F0502020204030204" pitchFamily="34" charset="0"/>
-                        <a:cs typeface="Times New Roman" panose="02020603050405020304" pitchFamily="18" charset="0"/>
-                      </a:endParaRPr>
+                      <a:r>
+                        <a:rPr lang="en-US" sz="1400" dirty="0">
+                          <a:effectLst/>
+                          <a:latin typeface="Calibri" panose="020F0502020204030204" pitchFamily="34" charset="0"/>
+                          <a:ea typeface="Calibri" panose="020F0502020204030204" pitchFamily="34" charset="0"/>
+                          <a:cs typeface="Times New Roman" panose="02020603050405020304" pitchFamily="18" charset="0"/>
+                        </a:rPr>
+                        <a:t>USDA</a:t>
+                      </a:r>
                     </a:p>
                   </a:txBody>
                   <a:tcPr marL="86320" marR="86320" marT="0" marB="0"/>
@@ -34331,6 +35150,34 @@
                   <a:txBody>
                     <a:bodyPr/>
                     <a:lstStyle/>
+                    <a:p>
+                      <a:pPr marL="0" marR="0" lvl="0" indent="0" algn="l" defTabSz="914400" rtl="0" eaLnBrk="1" fontAlgn="auto" latinLnBrk="0" hangingPunct="1">
+                        <a:lnSpc>
+                          <a:spcPct val="107000"/>
+                        </a:lnSpc>
+                        <a:spcBef>
+                          <a:spcPts val="0"/>
+                        </a:spcBef>
+                        <a:spcAft>
+                          <a:spcPts val="0"/>
+                        </a:spcAft>
+                        <a:buClrTx/>
+                        <a:buSzTx/>
+                        <a:buFontTx/>
+                        <a:buNone/>
+                        <a:tabLst/>
+                        <a:defRPr/>
+                      </a:pPr>
+                      <a:r>
+                        <a:rPr lang="en-US" sz="1400" dirty="0">
+                          <a:effectLst/>
+                          <a:latin typeface="Calibri" panose="020F0502020204030204" pitchFamily="34" charset="0"/>
+                          <a:ea typeface="Calibri" panose="020F0502020204030204" pitchFamily="34" charset="0"/>
+                          <a:cs typeface="Times New Roman" panose="02020603050405020304" pitchFamily="18" charset="0"/>
+                        </a:rPr>
+                        <a:t>County Health Ranking</a:t>
+                      </a:r>
+                    </a:p>
                     <a:p>
                       <a:pPr marL="0" marR="0">
                         <a:lnSpc>
@@ -34383,7 +35230,7 @@
                           <a:ea typeface="Calibri" panose="020F0502020204030204" pitchFamily="34" charset="0"/>
                           <a:cs typeface="Times New Roman" panose="02020603050405020304" pitchFamily="18" charset="0"/>
                         </a:rPr>
-                        <a:t>% pop Food Insecure</a:t>
+                        <a:t>% pop Food Insecure/Rank</a:t>
                       </a:r>
                     </a:p>
                   </a:txBody>
@@ -34405,12 +35252,15 @@
                           <a:spcPts val="0"/>
                         </a:spcAft>
                       </a:pPr>
-                      <a:endParaRPr lang="en-US" sz="1400" dirty="0">
-                        <a:effectLst/>
-                        <a:latin typeface="Calibri" panose="020F0502020204030204" pitchFamily="34" charset="0"/>
-                        <a:ea typeface="Calibri" panose="020F0502020204030204" pitchFamily="34" charset="0"/>
-                        <a:cs typeface="Times New Roman" panose="02020603050405020304" pitchFamily="18" charset="0"/>
-                      </a:endParaRPr>
+                      <a:r>
+                        <a:rPr lang="en-US" sz="1400" dirty="0">
+                          <a:effectLst/>
+                          <a:latin typeface="Calibri" panose="020F0502020204030204" pitchFamily="34" charset="0"/>
+                          <a:ea typeface="Calibri" panose="020F0502020204030204" pitchFamily="34" charset="0"/>
+                          <a:cs typeface="Times New Roman" panose="02020603050405020304" pitchFamily="18" charset="0"/>
+                        </a:rPr>
+                        <a:t>County Health Ranking (%)</a:t>
+                      </a:r>
                     </a:p>
                   </a:txBody>
                   <a:tcPr marL="86320" marR="86320" marT="0" marB="0"/>
@@ -34420,7 +35270,7 @@
                     <a:bodyPr/>
                     <a:lstStyle/>
                     <a:p>
-                      <a:pPr marL="0" marR="0">
+                      <a:pPr marL="0" marR="0" lvl="0" indent="0" algn="l" defTabSz="914400" rtl="0" eaLnBrk="1" fontAlgn="auto" latinLnBrk="0" hangingPunct="1">
                         <a:lnSpc>
                           <a:spcPct val="107000"/>
                         </a:lnSpc>
@@ -34430,13 +35280,22 @@
                         <a:spcAft>
                           <a:spcPts val="0"/>
                         </a:spcAft>
+                        <a:buClrTx/>
+                        <a:buSzTx/>
+                        <a:buFontTx/>
+                        <a:buNone/>
+                        <a:tabLst/>
+                        <a:defRPr/>
                       </a:pPr>
-                      <a:endParaRPr lang="en-US" sz="1400" dirty="0">
-                        <a:effectLst/>
-                        <a:latin typeface="Calibri" panose="020F0502020204030204" pitchFamily="34" charset="0"/>
-                        <a:ea typeface="Calibri" panose="020F0502020204030204" pitchFamily="34" charset="0"/>
-                        <a:cs typeface="Times New Roman" panose="02020603050405020304" pitchFamily="18" charset="0"/>
-                      </a:endParaRPr>
+                      <a:r>
+                        <a:rPr lang="en-US" sz="1400" dirty="0">
+                          <a:effectLst/>
+                          <a:latin typeface="Calibri" panose="020F0502020204030204" pitchFamily="34" charset="0"/>
+                          <a:ea typeface="Calibri" panose="020F0502020204030204" pitchFamily="34" charset="0"/>
+                          <a:cs typeface="Times New Roman" panose="02020603050405020304" pitchFamily="18" charset="0"/>
+                        </a:rPr>
+                        <a:t>County Health Ranking (rank)</a:t>
+                      </a:r>
                     </a:p>
                   </a:txBody>
                   <a:tcPr marL="86320" marR="86320" marT="0" marB="0"/>
@@ -34493,12 +35352,15 @@
                           <a:spcPts val="0"/>
                         </a:spcAft>
                       </a:pPr>
-                      <a:endParaRPr lang="en-US" sz="1400" dirty="0">
-                        <a:effectLst/>
-                        <a:latin typeface="Calibri" panose="020F0502020204030204" pitchFamily="34" charset="0"/>
-                        <a:ea typeface="Calibri" panose="020F0502020204030204" pitchFamily="34" charset="0"/>
-                        <a:cs typeface="Times New Roman" panose="02020603050405020304" pitchFamily="18" charset="0"/>
-                      </a:endParaRPr>
+                      <a:r>
+                        <a:rPr lang="en-US" sz="1400" dirty="0">
+                          <a:effectLst/>
+                          <a:latin typeface="Calibri" panose="020F0502020204030204" pitchFamily="34" charset="0"/>
+                          <a:ea typeface="Calibri" panose="020F0502020204030204" pitchFamily="34" charset="0"/>
+                          <a:cs typeface="Times New Roman" panose="02020603050405020304" pitchFamily="18" charset="0"/>
+                        </a:rPr>
+                        <a:t>County Health</a:t>
+                      </a:r>
                     </a:p>
                   </a:txBody>
                   <a:tcPr marL="86320" marR="86320" marT="0" marB="0"/>
@@ -34508,7 +35370,7 @@
                     <a:bodyPr/>
                     <a:lstStyle/>
                     <a:p>
-                      <a:pPr marL="0" marR="0">
+                      <a:pPr marL="0" marR="0" lvl="0" indent="0" algn="l" defTabSz="914400" rtl="0" eaLnBrk="1" fontAlgn="auto" latinLnBrk="0" hangingPunct="1">
                         <a:lnSpc>
                           <a:spcPct val="107000"/>
                         </a:lnSpc>
@@ -34518,13 +35380,22 @@
                         <a:spcAft>
                           <a:spcPts val="0"/>
                         </a:spcAft>
+                        <a:buClrTx/>
+                        <a:buSzTx/>
+                        <a:buFontTx/>
+                        <a:buNone/>
+                        <a:tabLst/>
+                        <a:defRPr/>
                       </a:pPr>
-                      <a:endParaRPr lang="en-US" sz="1400" dirty="0">
-                        <a:effectLst/>
-                        <a:latin typeface="Calibri" panose="020F0502020204030204" pitchFamily="34" charset="0"/>
-                        <a:ea typeface="Calibri" panose="020F0502020204030204" pitchFamily="34" charset="0"/>
-                        <a:cs typeface="Times New Roman" panose="02020603050405020304" pitchFamily="18" charset="0"/>
-                      </a:endParaRPr>
+                      <a:r>
+                        <a:rPr lang="en-US" sz="1400" dirty="0">
+                          <a:effectLst/>
+                          <a:latin typeface="Calibri" panose="020F0502020204030204" pitchFamily="34" charset="0"/>
+                          <a:ea typeface="Calibri" panose="020F0502020204030204" pitchFamily="34" charset="0"/>
+                          <a:cs typeface="Times New Roman" panose="02020603050405020304" pitchFamily="18" charset="0"/>
+                        </a:rPr>
+                        <a:t>SAME</a:t>
+                      </a:r>
                     </a:p>
                   </a:txBody>
                   <a:tcPr marL="86320" marR="86320" marT="0" marB="0"/>

--- a/writing_literature_present/final_presentation.pptx
+++ b/writing_literature_present/final_presentation.pptx
@@ -214,7 +214,7 @@
           <a:p>
             <a:fld id="{92F7578D-5DD6-45D0-A00C-236E4CA75183}" type="datetimeFigureOut">
               <a:rPr lang="en-US" smtClean="0"/>
-              <a:t>4/25/2019</a:t>
+              <a:t>4/26/2019</a:t>
             </a:fld>
             <a:endParaRPr lang="en-US"/>
           </a:p>
@@ -1986,7 +1986,7 @@
           <a:p>
             <a:fld id="{B8D8D1CD-5272-4450-BCFC-C7D00825A9E1}" type="datetimeFigureOut">
               <a:rPr lang="en-US" smtClean="0"/>
-              <a:t>4/25/2019</a:t>
+              <a:t>4/26/2019</a:t>
             </a:fld>
             <a:endParaRPr lang="en-US"/>
           </a:p>
@@ -3445,7 +3445,7 @@
           <a:p>
             <a:fld id="{B8D8D1CD-5272-4450-BCFC-C7D00825A9E1}" type="datetimeFigureOut">
               <a:rPr lang="en-US" smtClean="0"/>
-              <a:t>4/25/2019</a:t>
+              <a:t>4/26/2019</a:t>
             </a:fld>
             <a:endParaRPr lang="en-US"/>
           </a:p>
@@ -4898,7 +4898,7 @@
           <a:p>
             <a:fld id="{B8D8D1CD-5272-4450-BCFC-C7D00825A9E1}" type="datetimeFigureOut">
               <a:rPr lang="en-US" smtClean="0"/>
-              <a:t>4/25/2019</a:t>
+              <a:t>4/26/2019</a:t>
             </a:fld>
             <a:endParaRPr lang="en-US"/>
           </a:p>
@@ -6353,7 +6353,7 @@
           <a:p>
             <a:fld id="{B8D8D1CD-5272-4450-BCFC-C7D00825A9E1}" type="datetimeFigureOut">
               <a:rPr lang="en-US" smtClean="0"/>
-              <a:t>4/25/2019</a:t>
+              <a:t>4/26/2019</a:t>
             </a:fld>
             <a:endParaRPr lang="en-US"/>
           </a:p>
@@ -7861,7 +7861,7 @@
           <a:p>
             <a:fld id="{B8D8D1CD-5272-4450-BCFC-C7D00825A9E1}" type="datetimeFigureOut">
               <a:rPr lang="en-US" smtClean="0"/>
-              <a:t>4/25/2019</a:t>
+              <a:t>4/26/2019</a:t>
             </a:fld>
             <a:endParaRPr lang="en-US"/>
           </a:p>
@@ -9382,7 +9382,7 @@
           <a:p>
             <a:fld id="{B8D8D1CD-5272-4450-BCFC-C7D00825A9E1}" type="datetimeFigureOut">
               <a:rPr lang="en-US" smtClean="0"/>
-              <a:t>4/25/2019</a:t>
+              <a:t>4/26/2019</a:t>
             </a:fld>
             <a:endParaRPr lang="en-US"/>
           </a:p>
@@ -11047,7 +11047,7 @@
           <a:p>
             <a:fld id="{B8D8D1CD-5272-4450-BCFC-C7D00825A9E1}" type="datetimeFigureOut">
               <a:rPr lang="en-US" smtClean="0"/>
-              <a:t>4/25/2019</a:t>
+              <a:t>4/26/2019</a:t>
             </a:fld>
             <a:endParaRPr lang="en-US"/>
           </a:p>
@@ -12445,7 +12445,7 @@
           <a:p>
             <a:fld id="{B8D8D1CD-5272-4450-BCFC-C7D00825A9E1}" type="datetimeFigureOut">
               <a:rPr lang="en-US" smtClean="0"/>
-              <a:t>4/25/2019</a:t>
+              <a:t>4/26/2019</a:t>
             </a:fld>
             <a:endParaRPr lang="en-US"/>
           </a:p>
@@ -12545,7 +12545,7 @@
           <a:p>
             <a:fld id="{B8D8D1CD-5272-4450-BCFC-C7D00825A9E1}" type="datetimeFigureOut">
               <a:rPr lang="en-US" smtClean="0"/>
-              <a:t>4/25/2019</a:t>
+              <a:t>4/26/2019</a:t>
             </a:fld>
             <a:endParaRPr lang="en-US"/>
           </a:p>
@@ -14071,7 +14071,7 @@
           <a:p>
             <a:fld id="{B8D8D1CD-5272-4450-BCFC-C7D00825A9E1}" type="datetimeFigureOut">
               <a:rPr lang="en-US" smtClean="0"/>
-              <a:t>4/25/2019</a:t>
+              <a:t>4/26/2019</a:t>
             </a:fld>
             <a:endParaRPr lang="en-US"/>
           </a:p>
@@ -15607,7 +15607,7 @@
           <a:p>
             <a:fld id="{B8D8D1CD-5272-4450-BCFC-C7D00825A9E1}" type="datetimeFigureOut">
               <a:rPr lang="en-US" smtClean="0"/>
-              <a:t>4/25/2019</a:t>
+              <a:t>4/26/2019</a:t>
             </a:fld>
             <a:endParaRPr lang="en-US"/>
           </a:p>
@@ -15830,7 +15830,7 @@
           <a:p>
             <a:fld id="{B8D8D1CD-5272-4450-BCFC-C7D00825A9E1}" type="datetimeFigureOut">
               <a:rPr lang="en-US" smtClean="0"/>
-              <a:t>4/25/2019</a:t>
+              <a:t>4/26/2019</a:t>
             </a:fld>
             <a:endParaRPr lang="en-US"/>
           </a:p>
@@ -18123,8 +18123,8 @@
           </a:p>
         </p:txBody>
       </p:sp>
-      <mc:AlternateContent xmlns:mc="http://schemas.openxmlformats.org/markup-compatibility/2006">
-        <mc:Choice xmlns:a14="http://schemas.microsoft.com/office/drawing/2010/main" Requires="a14">
+      <mc:AlternateContent xmlns:mc="http://schemas.openxmlformats.org/markup-compatibility/2006" xmlns:a14="http://schemas.microsoft.com/office/drawing/2010/main">
+        <mc:Choice Requires="a14">
           <p:sp>
             <p:nvSpPr>
               <p:cNvPr id="3" name="Content Placeholder 2">
@@ -18367,7 +18367,7 @@
             </p:txBody>
           </p:sp>
         </mc:Choice>
-        <mc:Fallback>
+        <mc:Fallback xmlns="">
           <p:sp>
             <p:nvSpPr>
               <p:cNvPr id="3" name="Content Placeholder 2">
@@ -18411,8 +18411,8 @@
           </p:sp>
         </mc:Fallback>
       </mc:AlternateContent>
-      <mc:AlternateContent xmlns:mc="http://schemas.openxmlformats.org/markup-compatibility/2006">
-        <mc:Choice xmlns:a14="http://schemas.microsoft.com/office/drawing/2010/main" Requires="a14">
+      <mc:AlternateContent xmlns:mc="http://schemas.openxmlformats.org/markup-compatibility/2006" xmlns:a14="http://schemas.microsoft.com/office/drawing/2010/main">
+        <mc:Choice Requires="a14">
           <p:sp>
             <p:nvSpPr>
               <p:cNvPr id="4" name="Content Placeholder 2">
@@ -18877,7 +18877,7 @@
             </p:txBody>
           </p:sp>
         </mc:Choice>
-        <mc:Fallback>
+        <mc:Fallback xmlns="">
           <p:sp>
             <p:nvSpPr>
               <p:cNvPr id="4" name="Content Placeholder 2">
@@ -29085,7 +29085,7 @@
         </p:nvSpPr>
         <p:spPr>
           <a:xfrm>
-            <a:off x="7284581" y="102180"/>
+            <a:off x="6663790" y="524038"/>
             <a:ext cx="4682829" cy="1630367"/>
           </a:xfrm>
           <a:prstGeom prst="rect">
@@ -29123,7 +29123,66 @@
                   <a:srgbClr val="F81B02"/>
                 </a:solidFill>
               </a:rPr>
-              <a:t>Question 2) Energy poverty may be concentrated in border region</a:t>
+              <a:t>Question 2) Energy poverty may be concentrated in border region (preliminary)</a:t>
+            </a:r>
+          </a:p>
+        </p:txBody>
+      </p:sp>
+      <p:sp>
+        <p:nvSpPr>
+          <p:cNvPr id="8" name="Title 1">
+            <a:extLst>
+              <a:ext uri="{FF2B5EF4-FFF2-40B4-BE49-F238E27FC236}">
+                <a16:creationId xmlns:a16="http://schemas.microsoft.com/office/drawing/2014/main" id="{ECD35A49-7B15-4806-8314-2AE8F40C7BFF}"/>
+              </a:ext>
+            </a:extLst>
+          </p:cNvPr>
+          <p:cNvSpPr txBox="1">
+            <a:spLocks/>
+          </p:cNvSpPr>
+          <p:nvPr/>
+        </p:nvSpPr>
+        <p:spPr>
+          <a:xfrm>
+            <a:off x="9247722" y="3079877"/>
+            <a:ext cx="2719688" cy="1630367"/>
+          </a:xfrm>
+          <a:prstGeom prst="rect">
+            <a:avLst/>
+          </a:prstGeom>
+        </p:spPr>
+        <p:txBody>
+          <a:bodyPr vert="horz" lIns="228600" tIns="228600" rIns="228600" bIns="228600" rtlCol="0" anchor="ctr">
+            <a:normAutofit fontScale="85000" lnSpcReduction="20000"/>
+          </a:bodyPr>
+          <a:lstStyle>
+            <a:lvl1pPr algn="ctr" defTabSz="914400" rtl="0" eaLnBrk="1" latinLnBrk="0" hangingPunct="1">
+              <a:lnSpc>
+                <a:spcPct val="85000"/>
+              </a:lnSpc>
+              <a:spcBef>
+                <a:spcPct val="0"/>
+              </a:spcBef>
+              <a:buNone/>
+              <a:defRPr sz="4000" b="0" i="0" kern="1200" cap="none" spc="-150">
+                <a:solidFill>
+                  <a:srgbClr val="FFFEFF"/>
+                </a:solidFill>
+                <a:effectLst/>
+                <a:latin typeface="+mj-lt"/>
+                <a:ea typeface="+mj-ea"/>
+                <a:cs typeface="+mj-cs"/>
+              </a:defRPr>
+            </a:lvl1pPr>
+          </a:lstStyle>
+          <a:p>
+            <a:r>
+              <a:rPr lang="en-US" sz="3200" dirty="0">
+                <a:solidFill>
+                  <a:srgbClr val="F81B02"/>
+                </a:solidFill>
+              </a:rPr>
+              <a:t>Median amount LMI people spend  on energy is 9% vs 4% Texas overall</a:t>
             </a:r>
           </a:p>
         </p:txBody>
@@ -40022,7 +40081,12 @@
             <p:ph type="title"/>
           </p:nvPr>
         </p:nvSpPr>
-        <p:spPr/>
+        <p:spPr>
+          <a:xfrm>
+            <a:off x="888631" y="2349925"/>
+            <a:ext cx="3498979" cy="2456442"/>
+          </a:xfrm>
+        </p:spPr>
         <p:txBody>
           <a:bodyPr>
             <a:normAutofit/>
@@ -40030,34 +40094,109 @@
           <a:lstStyle/>
           <a:p>
             <a:r>
-              <a:rPr lang="en-US" sz="3200" dirty="0"/>
+              <a:rPr lang="en-US" sz="3200"/>
               <a:t>Workflow</a:t>
             </a:r>
+            <a:endParaRPr lang="en-US" sz="3200" dirty="0"/>
           </a:p>
         </p:txBody>
       </p:sp>
-      <p:sp>
-        <p:nvSpPr>
-          <p:cNvPr id="3" name="Content Placeholder 2">
+      <p:pic>
+        <p:nvPicPr>
+          <p:cNvPr id="5" name="Content Placeholder 4">
             <a:extLst>
               <a:ext uri="{FF2B5EF4-FFF2-40B4-BE49-F238E27FC236}">
-                <a16:creationId xmlns:a16="http://schemas.microsoft.com/office/drawing/2014/main" id="{656A293A-45D9-4C01-9F06-F4A6A19B1314}"/>
+                <a16:creationId xmlns:a16="http://schemas.microsoft.com/office/drawing/2014/main" id="{419397A5-3CB2-429C-88BF-077ABB4E9C08}"/>
               </a:ext>
             </a:extLst>
           </p:cNvPr>
-          <p:cNvSpPr>
-            <a:spLocks noGrp="1"/>
-          </p:cNvSpPr>
+          <p:cNvPicPr>
+            <a:picLocks noGrp="1" noChangeAspect="1"/>
+          </p:cNvPicPr>
           <p:nvPr>
             <p:ph idx="1"/>
           </p:nvPr>
+        </p:nvPicPr>
+        <p:blipFill>
+          <a:blip r:embed="rId2">
+            <a:extLst>
+              <a:ext uri="{28A0092B-C50C-407E-A947-70E740481C1C}">
+                <a14:useLocalDpi xmlns:a14="http://schemas.microsoft.com/office/drawing/2010/main" val="0"/>
+              </a:ext>
+            </a:extLst>
+          </a:blip>
+          <a:stretch>
+            <a:fillRect/>
+          </a:stretch>
+        </p:blipFill>
+        <p:spPr>
+          <a:xfrm>
+            <a:off x="417095" y="0"/>
+            <a:ext cx="8997784" cy="6858000"/>
+          </a:xfrm>
+          <a:ln w="28575">
+            <a:solidFill>
+              <a:srgbClr val="F81B02"/>
+            </a:solidFill>
+          </a:ln>
+        </p:spPr>
+      </p:pic>
+      <p:sp>
+        <p:nvSpPr>
+          <p:cNvPr id="58" name="Title 1">
+            <a:extLst>
+              <a:ext uri="{FF2B5EF4-FFF2-40B4-BE49-F238E27FC236}">
+                <a16:creationId xmlns:a16="http://schemas.microsoft.com/office/drawing/2014/main" id="{3BB9751A-A675-4A0E-8C0C-466D30B9E517}"/>
+              </a:ext>
+            </a:extLst>
+          </p:cNvPr>
+          <p:cNvSpPr txBox="1">
+            <a:spLocks/>
+          </p:cNvSpPr>
+          <p:nvPr/>
         </p:nvSpPr>
-        <p:spPr/>
+        <p:spPr>
+          <a:xfrm>
+            <a:off x="9783979" y="2200779"/>
+            <a:ext cx="1990926" cy="2456442"/>
+          </a:xfrm>
+          <a:prstGeom prst="rect">
+            <a:avLst/>
+          </a:prstGeom>
+        </p:spPr>
         <p:txBody>
-          <a:bodyPr/>
-          <a:lstStyle/>
+          <a:bodyPr vert="horz" lIns="228600" tIns="228600" rIns="228600" bIns="228600" rtlCol="0" anchor="ctr">
+            <a:normAutofit/>
+          </a:bodyPr>
+          <a:lstStyle>
+            <a:lvl1pPr algn="ctr" defTabSz="914400" rtl="0" eaLnBrk="1" latinLnBrk="0" hangingPunct="1">
+              <a:lnSpc>
+                <a:spcPct val="85000"/>
+              </a:lnSpc>
+              <a:spcBef>
+                <a:spcPct val="0"/>
+              </a:spcBef>
+              <a:buNone/>
+              <a:defRPr sz="4000" b="0" i="0" kern="1200" cap="none" spc="-150">
+                <a:solidFill>
+                  <a:srgbClr val="FFFEFF"/>
+                </a:solidFill>
+                <a:effectLst/>
+                <a:latin typeface="+mj-lt"/>
+                <a:ea typeface="+mj-ea"/>
+                <a:cs typeface="+mj-cs"/>
+              </a:defRPr>
+            </a:lvl1pPr>
+          </a:lstStyle>
           <a:p>
-            <a:endParaRPr lang="en-US"/>
+            <a:r>
+              <a:rPr lang="en-US" sz="3200" dirty="0">
+                <a:solidFill>
+                  <a:srgbClr val="F81B02"/>
+                </a:solidFill>
+              </a:rPr>
+              <a:t>Workflow</a:t>
+            </a:r>
           </a:p>
         </p:txBody>
       </p:sp>
